--- a/LFÜP.pptx
+++ b/LFÜP.pptx
@@ -4,15 +4,20 @@
   <p:sldMasterIdLst>
     <p:sldMasterId id="2147483648" r:id="rId1"/>
   </p:sldMasterIdLst>
+  <p:notesMasterIdLst>
+    <p:notesMasterId r:id="rId12"/>
+  </p:notesMasterIdLst>
   <p:sldIdLst>
     <p:sldId id="256" r:id="rId2"/>
-    <p:sldId id="261" r:id="rId3"/>
-    <p:sldId id="262" r:id="rId4"/>
-    <p:sldId id="258" r:id="rId5"/>
-    <p:sldId id="263" r:id="rId6"/>
-    <p:sldId id="265" r:id="rId7"/>
-    <p:sldId id="264" r:id="rId8"/>
-    <p:sldId id="259" r:id="rId9"/>
+    <p:sldId id="266" r:id="rId3"/>
+    <p:sldId id="258" r:id="rId4"/>
+    <p:sldId id="268" r:id="rId5"/>
+    <p:sldId id="269" r:id="rId6"/>
+    <p:sldId id="267" r:id="rId7"/>
+    <p:sldId id="263" r:id="rId8"/>
+    <p:sldId id="265" r:id="rId9"/>
+    <p:sldId id="264" r:id="rId10"/>
+    <p:sldId id="259" r:id="rId11"/>
   </p:sldIdLst>
   <p:sldSz cx="12192000" cy="6858000"/>
   <p:notesSz cx="6858000" cy="9144000"/>
@@ -119,6 +124,575 @@
 </p:presentation>
 </file>
 
+<file path=ppt/ink/ink1.xml><?xml version="1.0" encoding="utf-8"?>
+<inkml:ink xmlns:inkml="http://www.w3.org/2003/InkML">
+  <inkml:definitions>
+    <inkml:context xml:id="ctx0">
+      <inkml:inkSource xml:id="inkSrc0">
+        <inkml:traceFormat>
+          <inkml:channel name="X" type="integer" min="-2.14748E9" max="2.14748E9" units="cm"/>
+          <inkml:channel name="Y" type="integer" min="-2.14748E9" max="2.14748E9" units="cm"/>
+          <inkml:channel name="F" type="integer" max="32767" units="dev"/>
+        </inkml:traceFormat>
+        <inkml:channelProperties>
+          <inkml:channelProperty channel="X" name="resolution" value="1000" units="1/cm"/>
+          <inkml:channelProperty channel="Y" name="resolution" value="1000" units="1/cm"/>
+          <inkml:channelProperty channel="F" name="resolution" value="0" units="1/dev"/>
+        </inkml:channelProperties>
+      </inkml:inkSource>
+      <inkml:timestamp xml:id="ts0" timeString="2022-11-27T15:24:08.752"/>
+    </inkml:context>
+    <inkml:brush xml:id="br0">
+      <inkml:brushProperty name="width" value="0.35" units="cm"/>
+      <inkml:brushProperty name="height" value="0.35" units="cm"/>
+    </inkml:brush>
+  </inkml:definitions>
+  <inkml:trace contextRef="#ctx0" brushRef="#br0">1 336 24575,'3'-1'0,"-1"1"0,1-1 0,0 0 0,0 0 0,0 0 0,0 0 0,0 0 0,-1-1 0,1 1 0,-1-1 0,4-2 0,13-8 0,-2 6 0,1 0 0,-1 1 0,1 1 0,0 0 0,34-2 0,98 6 0,-88 2 0,-6-2 0,124 5 0,-147-1 0,0 0 0,-1 2 0,47 15 0,265 81 0,-273-81 0,-41-11 0,0-1 0,1-2 0,32 3 0,136 25 0,-22-2 0,28-18 0,239-13 0,-193-5 0,-115 2 0,161 3 0,-232 3 0,-1 4 0,80 21 0,17 2 0,-134-27 0,-28-5 0,1 0 0,0 0 0,0 0 0,0 0 0,0 0 0,0 0 0,0 0 0,0 0 0,0 0 0,0 1 0,0-1 0,0 0 0,0 0 0,-1 0 0,1 0 0,0 0 0,0 0 0,0 0 0,0 0 0,0 0 0,0 0 0,0 0 0,0 0 0,0 0 0,0 1 0,0-1 0,0 0 0,0 0 0,0 0 0,0 0 0,0 0 0,0 0 0,0 0 0,0 0 0,0 0 0,0 0 0,0 0 0,0 1 0,0-1 0,0 0 0,0 0 0,-44 1 0,-879-4 0,856 1 0,-122-19 0,-61-31 0,-63-9 0,308 61 0,-6-1 0,1-1 0,0 0 0,0 0 0,0-1 0,-18-7 0,27 9 0,-1 1 0,1-1 0,0 0 0,-1 0 0,1 0 0,0 0 0,0 0 0,0 0 0,0-1 0,0 1 0,0 0 0,0-1 0,0 1 0,0 0 0,0-1 0,1 1 0,-1-1 0,0-1 0,1 0 0,0 1 0,0-1 0,0 1 0,0 0 0,1-1 0,-1 1 0,1-1 0,-1 1 0,1 0 0,0 0 0,0-1 0,0 1 0,0 0 0,1 0 0,2-4 0,3-3 0,1 1 0,1 0 0,-1 0 0,1 0 0,1 1 0,-1 1 0,16-9 0,8-6 0,202-115 0,-201 116 0,-27 15 0,1 1 0,0-1 0,-1 1 0,1 1 0,1-1 0,-1 1 0,0 1 0,14-3 0,48 0 0,104 7 0,-63 0 0,1319-1 0,-1410-3 0,1 0 0,-1-1 0,1-1 0,24-9 0,28-5 0,222-31 0,-197 38 0,102 1 0,-27-5 0,-16 1 0,171 15 0,-316-1 0,0 1 0,0 0 0,22 6 0,-30-6 0,0 0 0,0 0 0,0 1 0,-1-1 0,1 1 0,-1 0 0,1 0 0,-1 0 0,1 0 0,-1 0 0,0 1 0,0 0 0,0-1 0,-1 1 0,4 4 0,-6-6 0,1 0 0,-1 1 0,0-1 0,1 0 0,-1 1 0,0-1 0,0 0 0,0 1 0,0-1 0,0 0 0,-1 1 0,1-1 0,0 0 0,0 1 0,-1-1 0,1 0 0,-1 0 0,1 0 0,-1 1 0,0-1 0,1 0 0,-1 0 0,0 0 0,0 0 0,0 0 0,0 0 0,0 0 0,0 0 0,0-1 0,0 1 0,0 0 0,0 0 0,0-1 0,-1 1 0,-1 0 0,-6 4 0,-1-1 0,1 0 0,-13 4 0,-15 2 0,-1-2 0,0-1 0,-49 2 0,-120-5 0,147-4 0,-29 0 0,-134 18 0,197-16 0,-48 0 0,56-3 0,1 1 0,-1 0 0,1 2 0,0 0 0,-1 1 0,-17 5 0,33-8 0,1 1 0,-1-1 0,1 1 0,-1-1 0,0 1 0,1 0 0,0 0 0,-1-1 0,1 1 0,-1 0 0,1 0 0,0 1 0,0-1 0,0 0 0,-1 0 0,0 3 0,2-4 0,0 1 0,0 0 0,0-1 0,0 1 0,0 0 0,0-1 0,0 1 0,0-1 0,0 1 0,1 0 0,-1-1 0,0 1 0,0-1 0,1 1 0,-1-1 0,0 1 0,1 0 0,-1-1 0,1 1 0,-1-1 0,0 0 0,1 1 0,-1-1 0,1 1 0,-1-1 0,1 0 0,1 1 0,5 3 0,0-1 0,0 1 0,1-1 0,-1-1 0,12 3 0,38 4 0,0-1 0,88-2 0,-81-4 0,109 15 0,-113-5 0,27 6 0,0-4 0,159 4 0,-173-14 0,0 2 0,112 25 0,-64-9 0,-105-19 0,389 81 0,-333-66 0,0-2 0,129 10 0,149-13 0,-280-11 0,170-6 0,-237 4 0,0 0 0,-1-1 0,1 1 0,0-1 0,0 1 0,-1-1 0,1 0 0,0 0 0,-1-1 0,1 1 0,-1 0 0,0-1 0,1 1 0,-1-1 0,0 0 0,0 0 0,0 0 0,0 0 0,0 0 0,1-3 0,-2 3 0,0 0 0,-1 0 0,1 0 0,-1 0 0,1 0 0,-1 0 0,0 0 0,0 0 0,0 0 0,0 0 0,0 0 0,0-1 0,0 1 0,-1 0 0,1 0 0,-1 0 0,0 0 0,0 0 0,1 0 0,-1 0 0,0 1 0,0-1 0,-1 0 0,1 0 0,0 1 0,-1-1 0,-2-2 0,-9-9 0,-1 1 0,0 1 0,0 0 0,-2 0 0,-21-10 0,-89-37 0,70 35 0,-2 2 0,0 3 0,-1 3 0,0 2 0,-1 2 0,0 4 0,-1 2 0,-81 3 0,357 6 0,278 18 0,490 40 0,-900-63 0,48 3 0,-123-1 0,0 1 0,0 0 0,0 0 0,0 1 0,0 0 0,0 1 0,7 4 0,-5-3 0,-1 0 0,1-1 0,16 5 0,12-3 0,0-2 0,0-1 0,0-2 0,45-5 0,4 1 0,0 2 0,117 3 0,-179 1 0,-1 2 0,1 0 0,26 11 0,24 5 0,-59-16 0,1 0 0,26 13 0,-30-12 0,1 0 0,0-1 0,1 0 0,18 2 0,-14-4 0,0 1 0,0 1 0,-1 0 0,34 15 0,-38-14 0,0-1 0,1-1 0,21 4 0,-21-6 0,0 2 0,-1 0 0,24 9 0,-21-6 0,0-2 0,1 1 0,0-2 0,0-1 0,0 0 0,1-1 0,23 0 0,3 0 0,32 11 0,-55-8 0,0-2 0,25 2 0,6-4 0,-165-47 0,-242-89 0,339 130 0,1 1 0,-1 1 0,0 0 0,-16-1 0,22 3 0,7 1 0,0-1 0,0 1 0,0-1 0,0 1 0,0-1 0,0 0 0,0 1 0,0-1 0,0 0 0,0 0 0,1-1 0,-1 1 0,0 0 0,1 0 0,-1-1 0,1 1 0,-1-1 0,1 0 0,0 1 0,-1-1 0,1 0 0,0 0 0,0 0 0,0-2 0,0 3 0,1 0 0,0-1 0,0 1 0,0-1 0,0 1 0,0-1 0,0 1 0,0 0 0,1-1 0,-1 1 0,0 0 0,1-1 0,-1 1 0,1 0 0,0-1 0,-1 1 0,1 0 0,0 0 0,0 0 0,0 0 0,0-1 0,0 1 0,0 0 0,0 1 0,0-1 0,0 0 0,0 0 0,0 0 0,1 1 0,-1-1 0,0 1 0,0-1 0,1 1 0,-1-1 0,1 1 0,1-1 0,27-5 0,0 2 0,1 0 0,-1 2 0,0 1 0,48 6 0,-3-3 0,680-1 0,-732 0 0,1 2 0,-1 0 0,0 2 0,38 12 0,-10-3 0,-6-6 0,1-2 0,0-2 0,0-2 0,71-6 0,-10 1 0,31 4-1365</inkml:trace>
+</inkml:ink>
+</file>
+
+<file path=ppt/ink/ink2.xml><?xml version="1.0" encoding="utf-8"?>
+<inkml:ink xmlns:inkml="http://www.w3.org/2003/InkML">
+  <inkml:definitions>
+    <inkml:context xml:id="ctx0">
+      <inkml:inkSource xml:id="inkSrc0">
+        <inkml:traceFormat>
+          <inkml:channel name="X" type="integer" min="-2.14748E9" max="2.14748E9" units="cm"/>
+          <inkml:channel name="Y" type="integer" min="-2.14748E9" max="2.14748E9" units="cm"/>
+          <inkml:channel name="F" type="integer" max="32767" units="dev"/>
+        </inkml:traceFormat>
+        <inkml:channelProperties>
+          <inkml:channelProperty channel="X" name="resolution" value="1000" units="1/cm"/>
+          <inkml:channelProperty channel="Y" name="resolution" value="1000" units="1/cm"/>
+          <inkml:channelProperty channel="F" name="resolution" value="0" units="1/dev"/>
+        </inkml:channelProperties>
+      </inkml:inkSource>
+      <inkml:timestamp xml:id="ts0" timeString="2022-11-27T16:25:23.708"/>
+    </inkml:context>
+    <inkml:brush xml:id="br0">
+      <inkml:brushProperty name="width" value="0.35" units="cm"/>
+      <inkml:brushProperty name="height" value="0.35" units="cm"/>
+    </inkml:brush>
+  </inkml:definitions>
+  <inkml:trace contextRef="#ctx0" brushRef="#br0">4372 755 24575,'2'-42'0,"-1"23"0,-1 0 0,0-1 0,-5-28 0,4 43 0,0 0 0,0 0 0,-1 0 0,0 0 0,0 0 0,0 1 0,0-1 0,-1 1 0,0-1 0,0 1 0,0 0 0,0 0 0,0 0 0,-1 1 0,0-1 0,0 1 0,-8-6 0,-7-1 0,-1 1 0,1 1 0,-2 0 0,1 2 0,-1 0 0,-26-3 0,-137-11 0,126 16 0,-1043-23-1049,841 28 900,105-1 115,-586 5-280,0 37 103,715-40 214,-736 96 1256,659-80-764,86-13-495,24-3 0,38-1 0,-36-1 0,239-1 0,-21 0 0,71-4-164,1358-73-2951,-205-72 1057,-656 63 2066,-287 35 171,1272-155-1998,-1717 197 597</inkml:trace>
+</inkml:ink>
+</file>
+
+<file path=ppt/ink/ink3.xml><?xml version="1.0" encoding="utf-8"?>
+<inkml:ink xmlns:inkml="http://www.w3.org/2003/InkML">
+  <inkml:definitions>
+    <inkml:context xml:id="ctx0">
+      <inkml:inkSource xml:id="inkSrc0">
+        <inkml:traceFormat>
+          <inkml:channel name="X" type="integer" min="-2.14748E9" max="2.14748E9" units="cm"/>
+          <inkml:channel name="Y" type="integer" min="-2.14748E9" max="2.14748E9" units="cm"/>
+          <inkml:channel name="F" type="integer" max="32767" units="dev"/>
+        </inkml:traceFormat>
+        <inkml:channelProperties>
+          <inkml:channelProperty channel="X" name="resolution" value="1000" units="1/cm"/>
+          <inkml:channelProperty channel="Y" name="resolution" value="1000" units="1/cm"/>
+          <inkml:channelProperty channel="F" name="resolution" value="0" units="1/dev"/>
+        </inkml:channelProperties>
+      </inkml:inkSource>
+      <inkml:timestamp xml:id="ts0" timeString="2022-11-27T16:25:37.291"/>
+    </inkml:context>
+    <inkml:brush xml:id="br0">
+      <inkml:brushProperty name="width" value="0.35" units="cm"/>
+      <inkml:brushProperty name="height" value="0.35" units="cm"/>
+    </inkml:brush>
+  </inkml:definitions>
+  <inkml:trace contextRef="#ctx0" brushRef="#br0">1652 1298 24575,'-43'0'0,"82"0"0,5520 0-7175,-5453-1 7175,-90-3 20,-29-2 124,-106-19 630,-122-22-133,-116-26-438,-93-18 135,-1869-248-253,335 252 1130,1949 88-1223,71 0 180,570 38 2223,-317-14-2660,-184-17 229,793 64-36,-5 30 9,-863-98 39,191 33-176,-170-26 166,0 3 0,56 23-1,-45-8 35,-57-27 0,0 1 0,0 0 0,-1 0 0,1 1 0,-1-1 0,0 1 0,0 0 0,6 9 0,-10-13-1,1 1 0,0 0 0,-1 0 0,1 0 0,-1 0 0,1 0 0,-1 0 0,0 0 0,1 0 0,-1 0-1,0 0 1,0 0 0,1 0 0,-1 0 0,0 0 0,0 0 0,0 0 0,0 0 0,-1 0 0,1 0 0,0 0 0,0 0 0,-1 0-1,1 0 1,0 0 0,-1 0 0,1 0 0,-1 0 0,1 0 0,-1 0 0,0 0 0,1 0 0,-1-1 0,0 1 0,0 0 0,1-1-1,-2 2 1,-3 1 31,-1 0-1,1 0 0,-1-1 0,0 1 1,0-1-1,-9 2 0,-54 9 389,0-2 0,-113 3-1,155-13-391,-275 11-98,-1821 0-1334,1499-15 1241,579 3 161,-723-15-722,555 1 391,-330-66-1,537 79 336,-43-9 0,-64-22 0,97 24 3,15 8-3,1 0 0,0 0 0,0 0-1,0 0 1,0 0 0,0 0 0,0 0 0,0 0 0,-1 0 0,1-1 0,0 1 0,0 0-1,0 0 1,0 0 0,0 0 0,0 0 0,0 0 0,0 0 0,0 0 0,0-1 0,0 1 0,-1 0-1,1 0 1,0 0 0,0 0 0,0 0 0,0 0 0,0-1 0,0 1 0,0 0 0,0 0-1,0 0 1,0 0 0,0 0 0,0 0 0,0-1 0,1 1 0,-1 0 0,0 0 0,0 0-1,0 0 1,0 0 0,0 0 0,0-1 0,0 1 0,0 0 0,0 0 0,0 0 0,0 0 0,0 0-1,1 0 1,-1 0 0,35-6 167,186 2 1277,-153 4-1245,192 1-63,68 0-321,3762 3-3055,-3748-4 3081,-270-1 41,-41-1 120,1 2 0,62 8 1,-94-8-3,0 0 1,0 0-1,0 0 1,0 0-1,-1 0 1,1 1-1,0-1 1,0 0-1,0 0 1,0 0-1,0 0 1,0 0-1,0 0 1,0 0-1,0 0 1,0 0 0,0 0-1,0 1 1,0-1-1,0 0 1,0 0-1,0 0 1,0 0-1,0 0 1,0 0-1,0 0 1,0 0-1,1 0 1,-1 0-1,0 1 1,0-1-1,0 0 1,0 0-1,0 0 1,0 0 0,0 0-1,0 0 1,0 0-1,-26 3 143,-262 0 1018,-9-24-1028,209 14-168,-550-53-379,2 1 723,591 56-309,29 3 0,0-1 0,1-1 0,-1 0 0,-26-8 0,42 10 0,-1 0 0,0 0 0,0-1 0,1 1 0,-1 0 0,0 0 0,0-1 0,1 1 0,-1-1 0,0 1 0,1-1 0,-1 1 0,0-1 0,1 1 0,-1-1 0,1 1 0,-1-1 0,1 0 0,-1 1 0,1-1 0,0 0 0,-1 1 0,1-1 0,0 0 0,-1 0 0,1 1 0,0-2 0,0 1 0,0-1 0,1 1 0,-1 0 0,1 0 0,-1 0 0,1 0 0,-1 0 0,1 0 0,0 0 0,-1 0 0,1 1 0,0-1 0,0 0 0,0 0 0,-1 0 0,1 1 0,0-1 0,2 0 0,18-11 261,1 1-1,1 1 0,0 1 1,0 1-1,45-9 0,-19 5 144,339-67 652,6 31-176,-247 32-787,-125 14-93,11-1 0,61-15 0,-81 12 0,-13 6 0,0 0 0,0-1 0,1 1 0,-1 0 0,0 0 0,0 0 0,0 0 0,0-1 0,0 1 0,0 0 0,0 0 0,0 0 0,0-1 0,0 1 0,0 0 0,0 0 0,0 0 0,0-1 0,0 1 0,0 0 0,0 0 0,0 0 0,0 0 0,0-1 0,0 1 0,-1 0 0,1 0 0,0 0 0,0 0 0,0-1 0,0 1 0,0 0 0,0 0 0,0 0 0,-1 0 0,1 0 0,0-1 0,0 1 0,0 0 0,0 0 0,-1 0 0,1 0 0,0 0 0,-8-3 0,0 0 0,0 0 0,-1 1 0,1 0 0,-14-1 0,-131-15 0,-87-7 0,-2064-92-2325,2277 116 2447,-1 2 0,1 1-1,-1 1 1,1 1 0,0 1-1,0 2 1,-39 15 0,54-14 357,16-3-44,25-1 2,130 0-437,66 5 0,1096 161-1904,-904-109 1482,1217 176 272,-1321-196-147,458 75 3012,-747-112-2657,-15-3-58,0 0 0,0 1 0,0 0 0,0 1 0,14 5 0,-23-8 0,0 0 0,0 0 0,0 0 0,0 0 0,0 1 0,0-1 0,0 0 0,0 0 0,0 0 0,0 0 0,0 0 0,0 0 0,1 0 0,-1 0 0,0 0 0,0 0 0,0 0 0,0 0 0,0 0 0,0 0 0,0 0 0,0 1 0,0-1 0,0 0 0,0 0 0,0 0 0,0 0 0,0 0 0,0 0 0,0 0 0,0 0 0,0 0 0,0 0 0,0 1 0,0-1 0,0 0 0,0 0 0,0 0 0,0 0 0,0 0 0,0 0 0,0 0 0,0 0 0,0 0 0,0 0 0,-1 0 0,1 0 0,0 0 0,0 1 0,0-1 0,0 0 0,0 0 0,0 0 0,0 0 0,0 0 0,0 0 0,0 0 0,0 0 0,0 0 0,0 0 0,-1 0 0,1 0 0,0 0 0,0 0 0,0 0 0,-15 3 0,-33 0 0,1-1 0,-78-9 0,63 3 0,-251-21 0,-101-11-164,-880-66-2270,-11 47-866,880 58 2364,-429 59 0,807-57 1052,-1 0 501,1 1-1,-61 18 1,97-19 192,15-2-337,22 0 213,376 1 2484,-236-7-2500,-145 3-669,582-13 0,-441 1 0,275-55 0,-141-6 0,269-50 0,87 72 0,6 51 0,-310 3 0,-232-2 0,136-3 0,-251 2 0,26-4 0,-26 4 0,-1 0 0,0 0 0,0 0 0,0 0 0,0-1 0,0 1 0,0 0 0,1 0 0,-1 0 0,0 0 0,0 0 0,0-1 0,0 1 0,0 0 0,0 0 0,0 0 0,0 0 0,0 0 0,1-1 0,-1 1 0,0 0 0,0 0 0,0 0 0,0-1 0,0 1 0,0 0 0,0 0 0,0 0 0,0 0 0,0-1 0,0 1 0,-1 0 0,1 0 0,0 0 0,0 0 0,0-1 0,0 1 0,0 0 0,0 0 0,0 0 0,0 0 0,0 0 0,-1-1 0,-16-11 0,-47-19 0,-91-30 0,125 50 0,-210-71-164,-533-147-1401,-16 57 1278,637 150-21,-2 6-1,-262 8 1,-186 19 2208,200-6-859,76 27-1041,170-12 0,135-18 0,-52 8 0,69-9 0,-1 0 0,1 0 0,0 1 0,-1-1 0,1 1 0,0 0 0,0 0 0,0 0 0,1 1 0,-1 0 0,1-1 0,-6 7 0,7-8 0,1 1 0,0-1 0,0 1 0,0 0 0,0-1 0,0 1 0,0 0 0,0 0 0,0 0 0,1 0 0,-1 0 0,1 0 0,0 0 0,-1 0 0,1 0 0,0-1 0,0 1 0,0 0 0,1 0 0,-1 0 0,1 2 0,0 0 0,0-1 0,1 0 0,-1-1 0,1 1 0,0 0 0,0 0 0,0-1 0,0 1 0,0-1 0,0 0 0,5 4 0,3 1 0,-1-1 0,1 0 0,1-1 0,-1 0 0,1 0 0,14 3 0,64 13 0,175 16 0,-108-18 0,-71-7 0,420 55 0,6-25 0,98-28 0,-163-5 0,54-3 0,-83-2 0,99 49 0,-509-51 0,-14 1 0,-151 19 0,105-17 0,-176 18-164,193-19 79,-963 115-2287,754-78 1426,2 11 1,-248 88-1,362-93 571,-218 115 0,263-115 614,2 5 1,2 3-1,-96 85 0,152-117 215,-34 38 1,52-54-216,0 1 1,0 0-1,1 0 1,0 0-1,0 1 1,1 0-1,1 0 0,-1 0 1,-3 16-1,7-21-190,0 1 0,0-1 0,0 1-1,0-1 1,1 1 0,0 0 0,0-1 0,0 0-1,0 1 1,1-1 0,0 0 0,0 1 0,0-1-1,0 0 1,0-1 0,1 1 0,0 0 0,0-1-1,0 1 1,0-1 0,1 0 0,-1 0-1,1 0 1,7 4 0,8 5 97,1-1-1,0-1 1,0-1 0,23 7-1,53 14-235,2-4 1,143 20-1,211-3-528,-244-36 404,210-18 1,-286-2 187,0-4-1,214-59 1,-172 18 26,-150 48 0,0-2 0,-1 0 0,0-1 0,35-28 0,-52 36 25,-1 0-1,1 0 1,-1 0-1,0-1 1,0 1-1,0-1 1,-1-1-1,0 1 1,0 0-1,3-9 1,-6 13-4,-1-1-1,1 0 1,-1 1-1,1-1 1,-1 0-1,0 0 1,0 0 0,0 1-1,0-1 1,0 0-1,-1 0 1,1 1 0,-1-1-1,0 0 1,0 1-1,0-1 1,0 0 0,0 1-1,-1 0 1,1-1-1,-1 1 1,1 0 0,-1 0-1,0-1 1,0 1-1,0 1 1,0-1 0,0 0-1,-5-2 1,-16-11 80,0 1 0,-2 2 0,1 0 0,-37-11 0,52 20-101,-148-52-339,-193-41 0,-174 3-499,379 74 654,0 8-1,-268 11 0,339 7 136,1 2-1,0 4 1,0 3 0,2 3 0,0 3-1,2 3 1,-100 51 0,151-67 69,-12 6 260,1 2 0,1 0-1,-37 32 1,58-44-222,1 0 1,0 1 0,1 0-1,-1 0 1,1 0 0,0 1-1,1-1 1,0 1 0,0 1-1,0-1 1,1 0 0,0 1-1,1 0 1,-1 0 0,2-1-1,-1 1 1,1 0 0,0 1-1,0 13 1,3-9-43,0 0 0,1-1-1,0 1 1,1 0 0,0-1 0,1 0 0,0 0 0,1 0 0,1-1 0,0 0-1,16 20 1,-1-6-25,1 0-1,1-2 1,44 32-1,-10-14-94,3-2-1,1-3 1,2-3-1,1-3 1,72 23-1,8-7-454,207 39 0,-106-44-505,348 14 0,251-63 331,-800 6 754,126-13-52,-151 12 105,0-1 1,0-1-1,-1-1 0,0-1 1,0 0-1,21-13 0,-36 18-39,-1 0-1,1 0 0,-1 0 1,1-1-1,-1 1 1,0-1-1,0 0 0,0 0 1,0 0-1,-1 0 0,1-1 1,-1 1-1,0-1 1,0 1-1,0-1 0,0 0 1,-1 0-1,0 0 1,1 0-1,-1 0 0,0-5 1,-1 3 58,0-1 1,-1 1 0,0 0 0,0-1-1,-1 1 1,1 0 0,-1 0-1,-1 0 1,1 0 0,-1 0-1,0 0 1,0 1 0,-9-11 0,-2-2 102,-1 1 1,-1 0-1,-1 1 1,-21-16 0,-12-5 217,-101-57 1,-193-72-212,-157-33-356,-121-15-1240,-735-150 0,764 255 410,101 59 0,366 46 492,-132 13-1,193-3 170,-1 3 0,-81 23-1,117-24 206,0 2 0,1 1 1,1 1-1,0 1 0,1 2 0,-30 20 0,42-23 109,0 0 0,0 1 1,2 1-1,-1 0 0,2 0 1,0 2-1,1-1 0,0 1 0,1 1 1,-12 27-1,13-21 140,1 1 0,1 0 0,0 0-1,2 1 1,1 0 0,1-1 0,1 1 0,1 0 0,2 0 0,0 0-1,1 0 1,10 39 0,-4-34 90,1 0 0,1-1 0,2 0-1,1 0 1,2-1 0,0-1 0,2-1 0,1 0-1,36 40 1,-13-23 52,3-3-1,1-1 1,1-2-1,2-2 1,62 32-1,4-6-3,167 61-1,323 73-1554,22-50-139,-105-54-88,946 43 0,-1429-133 1448,343 1 101,-324-5 163,0-3 1,0-2 0,0-3 0,77-25-1,-116 30 36,0-1-1,-1 0 0,1-2 0,-2 0 0,1-1 1,-1-1-1,20-16 0,-31 22-110,0 0 0,0 0-1,0-1 1,-1 1 0,0-1 0,0 0-1,0 0 1,-1 0 0,0 0 0,0-1-1,-1 1 1,1-1 0,-1 0 0,-1 0 0,1 0-1,-1 0 1,-1 0 0,1 0 0,-1 0-1,0 0 1,-1 0 0,-2-12 0,0 9-65,0-1-1,-1 0 1,0 1 0,-1 0 0,0 0 0,-1 0 0,0 1 0,-1 0-1,1 0 1,-2 0 0,1 1 0,-1 0 0,-1 0 0,1 1 0,-1 0 0,0 1-1,-18-9 1,-1 0 38,0 2 0,-1 1-1,-1 1 1,0 2 0,-35-7-1,25 9-97,0 1 0,0 2 0,-1 2 0,1 2 0,-1 1 0,1 2 0,0 2 0,-52 13 0,57-8 0,0 0 0,1 3 0,0 1 0,1 1 0,0 2 0,1 1 0,1 2 0,1 1 0,-38 35 0,58-47 0,0 1 0,1 0 0,1 0 0,-1 1 0,2 0 0,0 1 0,-7 13 0,12-21 0,0 0 0,1 0 0,-1 0 0,1 1 0,0-1 0,0 0 0,0 1 0,0-1 0,1 0 0,0 1 0,0-1 0,0 1 0,1-1 0,-1 1 0,1-1 0,0 0 0,0 1 0,0-1 0,1 0 0,0 0 0,0 0 0,0 0 0,0 0 0,0 0 0,5 4 0,-2-3 0,0 0 0,1 0 0,0-1 0,0 1 0,0-1 0,0-1 0,0 1 0,1-1 0,0 0 0,0-1 0,0 0 0,0 0 0,0 0 0,14 1 0,-2-2 0,0 0 0,1-1 0,-1-1 0,32-6 0,-8-2 0,-1-3 0,0 0 0,-1-3 0,0-2 0,50-28 0,-33 12 0,-2-3 0,93-78 0,-116 85 0,-2-1 0,-1-1 0,-2-2 0,-1-1 0,-1-1 0,-2-1 0,-2-2 0,-1 0 0,23-62 0,-34 74 0,-2 0 0,0-1 0,-2 0 0,-1-1 0,-1 1 0,-2-1 0,0 0 0,-2 0 0,-1 0 0,-2 1 0,0-1 0,-2 1 0,-1-1 0,-1 2 0,-19-50 0,17 58 0,0 0 0,-1 0 0,-1 1 0,-1 1 0,0 0 0,-28-28 0,18 24 0,-2 0 0,0 2 0,-2 1 0,-31-17 0,-5 2 0,-2 4 0,-75-24 0,-239-46 0,-113 26-164,261 53-375,-1 9-1,0 10 0,-368 48 0,439-21 153,2 6 1,-155 55-1,193-46 180,2 5 0,3 6 1,-116 71-1,155-77 57,3 3 1,1 3-1,4 4 1,-118 123-1,151-141 72,3 2 1,0 1-1,3 1 0,2 2 0,2 1 1,1 1-1,3 1 0,2 0 0,-19 76 1,32-100 77,2 1 0,0 1 0,2-1 0,1 0 0,1 0 0,1 1 0,1-1 0,7 35 0,-4-42 0,0 0 0,1-1 0,1 0 0,0 0 0,1-1 0,1 0 0,1 0 0,0-1 0,1 0 0,1-1 0,0 0 0,15 12 0,-5-7 1,2-1 1,0-1-1,1-1 1,1-1-1,0-1 1,1-1-1,48 15 1,-14-11-61,1-2 0,103 11 1,-42-17-94,1-5 1,-1-5 0,1-6 0,-2-6-1,205-46 1,-81-6 636,411-166-1,-437 137-397,382-226 0,-549 289 133,-2-3 0,-1-2 0,80-76-1,-121 103-218,0-1-1,-1 1 0,-1-1 0,0-1 0,7-13 0,-12 22 7,-1-1-1,0 0 1,0 1-1,0-1 1,0 0-1,0 0 1,-1 0-1,1 1 1,-1-1-1,0 0 1,0 0-1,0 0 1,0 0-1,0 0 0,-1 0 1,1 0-1,-1 1 1,0-1-1,0 0 1,0 0-1,0 1 1,0-1-1,-1 0 1,1 1-1,-1-1 1,-3-3-1,-2 0 59,0 1-1,0-1 1,-1 2 0,1-1-1,-1 1 1,0 0-1,0 1 1,-1 0-1,1 0 1,-11-2-1,-24-5 70,-1 2-1,-73-5 1,-104 10 68,108 6 32,1 6 1,1 4 0,0 5-1,1 6 1,-155 53 0,195-51-235,1 4 1,1 3 0,-99 66-1,119-66-17,2 2 0,1 3 0,2 1 0,2 2-1,-43 55 1,61-66 9,2 1-1,-22 41 0,34-56 10,2 0 0,0 1 0,1 0-1,1 0 1,0 0 0,-3 26 0,8-35-1,-1 0 0,1 0 0,0 0 0,0 0 0,1 0 0,1 0 0,-1 0 0,1 0 0,0-1 0,1 1 0,0-1 0,0 1 0,0-1 0,1 0 0,0 0 0,1-1 0,-1 1 0,1-1 0,1 0 0,-1 0 0,1 0 0,7 5 0,3 0 0,0-1 0,1 0 0,0-1 0,0-1 0,1-1 0,0 0 0,1-1 0,24 4 0,12 0 0,-1-2 0,1-3 0,1-2 0,92-7 0,-45-7 0,166-39 0,-146 17-3,0-5 1,-3-6 0,193-99 0,-152 53-2,288-214-1,-279 172 215,157-159 0,-310 274-210,-10 11 0,-1 0 0,0 0 0,-1 0 0,1-1 0,-1 0 0,0 0 0,4-8 0,-9 15 4,0 0 1,0 0-1,0-1 1,0 1-1,0 0 1,1 0-1,-1 0 1,0 0-1,0 0 1,0 0-1,0-1 1,0 1-1,0 0 1,0 0-1,0 0 1,0 0-1,0-1 1,0 1-1,0 0 1,0 0-1,0 0 0,0 0 1,0-1-1,0 1 1,0 0-1,0 0 1,0 0-1,0 0 1,0-1-1,0 1 1,0 0-1,0 0 1,0 0-1,0 0 1,0-1-1,0 1 1,0 0-1,0 0 1,-1 0-1,1 0 1,0 0-1,0 0 1,0 0-1,0-1 1,0 1-1,-1 0 0,1 0 1,0 0-1,0 0 1,0 0-1,0 0 1,-1 0-1,-10 4 357,-12 11-1385</inkml:trace>
+</inkml:ink>
+</file>
+
+<file path=ppt/ink/ink4.xml><?xml version="1.0" encoding="utf-8"?>
+<inkml:ink xmlns:inkml="http://www.w3.org/2003/InkML">
+  <inkml:definitions>
+    <inkml:context xml:id="ctx0">
+      <inkml:inkSource xml:id="inkSrc0">
+        <inkml:traceFormat>
+          <inkml:channel name="X" type="integer" min="-2.14748E9" max="2.14748E9" units="cm"/>
+          <inkml:channel name="Y" type="integer" min="-2.14748E9" max="2.14748E9" units="cm"/>
+          <inkml:channel name="F" type="integer" max="32767" units="dev"/>
+        </inkml:traceFormat>
+        <inkml:channelProperties>
+          <inkml:channelProperty channel="X" name="resolution" value="1000" units="1/cm"/>
+          <inkml:channelProperty channel="Y" name="resolution" value="1000" units="1/cm"/>
+          <inkml:channelProperty channel="F" name="resolution" value="0" units="1/dev"/>
+        </inkml:channelProperties>
+      </inkml:inkSource>
+      <inkml:timestamp xml:id="ts0" timeString="2022-11-27T15:20:37.272"/>
+    </inkml:context>
+    <inkml:brush xml:id="br0">
+      <inkml:brushProperty name="width" value="0.35" units="cm"/>
+      <inkml:brushProperty name="height" value="0.35" units="cm"/>
+    </inkml:brush>
+  </inkml:definitions>
+  <inkml:trace contextRef="#ctx0" brushRef="#br0">3812 683 24575,'3'4'0,"0"0"0,-1 0 0,1 0 0,-1 0 0,0 0 0,0 1 0,-1-1 0,1 1 0,-1-1 0,0 1 0,1 7 0,6 22 0,21 36 0,3-2 0,72 114 0,-68-124 0,-27-41 0,2 0 0,0-2 0,1 1 0,19 19 0,-25-30 0,-1 0 0,1 0 0,0-1 0,1 0 0,-1 0 0,1-1 0,-1 0 0,1 0 0,0 0 0,0-1 0,0 0 0,1-1 0,-1 1 0,12 0 0,-8-2 0,1-1 0,-1 0 0,1 0 0,-1-1 0,1 0 0,-1-1 0,0-1 0,0 1 0,0-2 0,0 0 0,-1 0 0,0-1 0,0 0 0,0 0 0,13-13 0,5-7 0,-1-1 0,-2-1 0,33-46 0,11-25 0,73-137 0,37-119 0,-43 30 0,-119 274 0,-11 40 0,-3 12 0,-1 18 0,-2-19 0,-5 263 0,2 92 0,20-47-788,13-2 0,14-1 0,121 442 0,-60-404 612,-83-284 185,2 0 0,4-2-1,55 87 1,-81-141 12,0 1-1,0-1 1,1 0-1,-1 0 1,1 0-1,0 0 1,0-1-1,0 1 1,0-1-1,0 0 1,6 3-1,-9-5-6,1 1 0,0-1 0,0 0 0,0 0 0,-1 0 0,1 0 0,0 0 0,0 0 0,0 0 0,-1 0 0,1 0 0,0 0 0,0 0 0,0-1-1,-1 1 1,1 0 0,0-1 0,0 1 0,-1 0 0,1-1 0,1 0 0,0-1 25,-1 1 0,1-1 1,-1 0-1,1 0 0,-1 0 0,0 0 0,0 0 0,0 0 0,0-1 0,2-3 0,4-23 321,-1-1-1,-2 1 0,0-1 1,-2 0-1,-2-32 1,0 20-264,-5-678-39,2 666-57,-3 0 0,-2 0 0,-2 1 0,-3 0 0,-1 1 0,-31-70 0,39 108 0,-1 1 0,0-1 0,0 1 0,-2 1 0,-15-20 0,21 29 0,0 0 0,1 0 0,-2 0 0,1 0 0,0 1 0,0-1 0,-1 1 0,0 0 0,1 0 0,-1 0 0,0 1 0,0-1 0,0 1 0,0 0 0,0 0 0,0 1 0,0-1 0,0 1 0,0-1 0,0 1 0,-1 1 0,1-1 0,0 1 0,-5 1 0,2 0 0,1 0 0,0 0 0,0 1 0,0 0 0,1 0 0,-1 1 0,1 0 0,-1 0 0,1 0 0,0 0 0,1 1 0,-1 0 0,1 0 0,-5 8 0,-3 7 0,1 0 0,-16 40 0,19-40 0,0-1 0,-2 0 0,-13 21 0,20-36 0,0 0 0,0-1 0,0 0 0,0 1 0,-1-1 0,1 0 0,-1-1 0,0 1 0,1 0 0,-1-1 0,-1 0 0,1 0 0,0 0 0,0-1 0,-9 3 0,6-4 0,1 1 0,0-1 0,-1 0 0,1 0 0,0-1 0,-1 1 0,1-2 0,0 1 0,0-1 0,-8-3 0,-2-2 0,0-1 0,1 0 0,0-1 0,1-1 0,0 0 0,1-1 0,-18-18 0,-58-67 0,-36-36 0,101 109 0,-2 1 0,0 1 0,-40-23 0,66 44 0,0 0 0,-1 0 0,1 0 0,0 0 0,0 0 0,0 0 0,0 0 0,0 0 0,-1 0 0,1 0 0,0 0 0,0 0 0,0 0 0,0 0 0,0 0 0,-1 0 0,1 0 0,0 0 0,0 0 0,0-1 0,0 1 0,0 0 0,0 0 0,0 0 0,-1 0 0,1 0 0,0 0 0,0 0 0,0-1 0,0 1 0,0 0 0,0 0 0,0 0 0,0 0 0,0 0 0,0 0 0,0-1 0,0 1 0,0 0 0,0 0 0,0 0 0,0 0 0,0 0 0,0-1 0,0 1 0,0 0 0,0 0 0,0 0 0,0 0 0,0 0 0,0 0 0,0-1 0,0 1 0,0 0 0,0 0 0,0 0 0,0 0 0,0 0 0,1 0 0,-1-1 0,0 1 0,0 0 0,0 0 0,0 0 0,0 0 0,1 0 0,15-2 0,32 4 0,-40-1 0,21 1 0,14 1 0,54-3 0,-95 0 0,0 0 0,0 0 0,0 0 0,0 0 0,0-1 0,0 1 0,0 0 0,0-1 0,1 0 0,-2 1 0,1-1 0,0 0 0,0 0 0,0 0 0,0 0 0,0 0 0,-1-1 0,1 1 0,-1-1 0,1 1 0,-1-1 0,1 1 0,-1-1 0,0 0 0,0 0 0,0 1 0,0-1 0,0 0 0,0 0 0,0 0 0,-1 0 0,1 0 0,-1 0 0,1-1 0,-1 1 0,0 0 0,0 0 0,0 0 0,0 0 0,0 0 0,0 0 0,-1 0 0,0-4 0,-1-2 0,-1-1 0,0 1 0,0-1 0,-1 1 0,0 0 0,-1 0 0,1 1 0,-1-1 0,-8-7 0,-2 0 0,0 1 0,0 0 0,-2 1 0,1 1 0,-2 1 0,1 0 0,-2 1 0,-22-8 0,38 16 0,0 1 0,-1-1 0,1 0 0,0 0 0,0 0 0,0 0 0,-4-4 0,7 6 0,0 0 0,-1 0 0,1 0 0,0-1 0,0 1 0,0 0 0,0 0 0,0 0 0,0 0 0,0-1 0,-1 1 0,1 0 0,0 0 0,0 0 0,0 0 0,0-1 0,0 1 0,0 0 0,0 0 0,0 0 0,0-1 0,0 1 0,0 0 0,0 0 0,0 0 0,0 0 0,0-1 0,0 1 0,0 0 0,0 0 0,0 0 0,1-1 0,-1 1 0,0 0 0,0 0 0,0 0 0,0 0 0,0 0 0,0-1 0,1 1 0,-1 0 0,0 0 0,0 0 0,0 0 0,0 0 0,21-2 0,49 8 0,-2 4 0,1 2 0,85 28 0,194 84 0,-330-117 0,1-1 0,0-2 0,1 1 0,-1-2 0,29 1 0,100-6 0,-56-2 0,16 6 0,100-5 0,-122-10 0,-56 8 0,51-4 0,-63 9 0,0-2 0,-1 0 0,0 0 0,1-2 0,-1 0 0,-1-1 0,1 0 0,-1-2 0,30-15 0,33-14 0,-54 26 0,45-26 0,-29 9 0,-9 6 0,41-20 0,-61 35 0,0 1 0,0 1 0,0 0 0,1 1 0,-1 0 0,1 1 0,19-2 0,301 5 0,-137 2 0,-111-4 0,0 4 0,121 20 0,-198-21 0,1 1 0,-1-1 0,0 1 0,0 1 0,-1-1 0,1 1 0,-1 1 0,0-1 0,8 8 0,5 4 0,28 35 0,11 9 0,-50-53 0,0-1 0,1 1 0,0-2 0,0 1 0,0-2 0,0 1 0,1-1 0,0-1 0,0 0 0,0 0 0,13 1 0,13-1 0,1-1 0,38-4 0,-16 1 0,1156 0 0,-1186-1 0,1-1 0,35-8 0,7-1 0,193-38 0,-67 10 0,243-13 0,-266 27 0,-10 1 0,192 20 0,-197 7 0,-154-2 0,-1 0 0,0 0 0,0 0 0,0 1 0,0-1 0,0 1 0,7 3 0,-13-4 0,1 0 0,-1 0 0,0 0 0,0 0 0,0 0 0,1 0 0,-1 0 0,0 0 0,0 0 0,0 0 0,1 0 0,-1 1 0,0-1 0,0 0 0,0 0 0,0 0 0,0 0 0,1 1 0,-1-1 0,0 0 0,0 0 0,0 0 0,0 0 0,0 1 0,0-1 0,0 0 0,0 0 0,0 0 0,0 1 0,0-1 0,0 0 0,0 0 0,0 0 0,0 1 0,0-1 0,0 0 0,0 0 0,0 0 0,0 1 0,0-1 0,0 0 0,0 0 0,0 0 0,0 1 0,0-1 0,0 0 0,0 0 0,-1 0 0,1 0 0,0 1 0,0-1 0,0 0 0,0 0 0,0 0 0,-1 0 0,1 0 0,0 1 0,-13 7 0,12-7 0,-32 14 0,0-1 0,0-1 0,-1-2 0,0-1 0,-65 9 0,-183 6 0,266-25 0,-1195 13 0,760-17 0,272 4 0,-703-28 0,-17-103 0,133 34 0,190 19 0,276 46 0,273 28 0,-1 0 0,1-2 0,1-1 0,-50-20 0,51 18 0,3 2 0,1 2 0,-1 0 0,0 1 0,-36-1 0,-94 5 0,79 1 0,-675 1 0,736-1 0,-1-1 0,1 1 0,0 1 0,1 0 0,-1 0 0,0 2 0,1-1 0,-1 1 0,-15 9 0,14-5 0,-1 1 0,1 0 0,0 1 0,1 0 0,1 1 0,-18 21 0,23-25 0,0 0 0,-1-1 0,0 0 0,0 0 0,0-1 0,0 1 0,-1-2 0,0 1 0,0-1 0,-12 5 0,7-6 0,-1 1 0,1-2 0,-1 1 0,0-2 0,0 0 0,-17-1 0,-410-2 0,-33-1 0,229-11 0,-71 0 0,139 14 0,-131 2 0,290-1 0,1 1 0,0 1 0,0 1 0,0 0 0,1 1 0,-1 1 0,1 1 0,0 0 0,1 1 0,0 0 0,-20 16 0,-30 11 0,50-28 0,1 0 0,0 1 0,1 1 0,-22 17 0,13-6 0,-2 0 0,-1-1 0,0-1 0,-1-1 0,-30 13 0,27-14 0,1 1 0,0 1 0,-31 26 0,-4 4 0,44-37 0,1-1 0,-1 0 0,-22 7 0,23-10 0,-1 1 0,1 1 0,-31 21 0,42-25 0,0 0 0,-1-1 0,1-1 0,-1 1 0,0-1 0,1 0 0,-1-1 0,-1 0 0,1 0 0,0 0 0,0-1 0,-1-1 0,1 1 0,-16-3 0,-6-1 0,0-3 0,-52-15 0,40 10 0,36 9 0,-1 0 0,1 0 0,0-1 0,0 1 0,0-1 0,0 0 0,0-1 0,-8-7 0,12 10 0,1 1 0,1-1 0,-1-1 0,0 1 0,0 0 0,0 0 0,0 0 0,1 0 0,-1-1 0,1 1 0,-1 0 0,1 0 0,-1-1 0,1 1 0,0 0 0,0-1 0,-1 1 0,1-3 0,1 2 0,-1 0 0,1 0 0,0 0 0,-1 0 0,1 0 0,0 1 0,0-1 0,0 0 0,1 0 0,-1 1 0,0-1 0,0 1 0,1-1 0,-1 1 0,1-1 0,2-1 0,19-13 0,1 0 0,0 1 0,1 2 0,0 0 0,1 2 0,1 1 0,0 1 0,0 1 0,1 1 0,38-4 0,32 2 0,163 5 0,-166 5 0,-30-1 0,169 5 0,-189-2 0,1 3 0,-1 2 0,48 14 0,11 14 0,-71-23 0,1-1 0,0-2 0,1-1 0,59 7 0,36-3 0,57 2 0,-51-21 0,-116 4 0,-1-2 0,0 0 0,1-1 0,34-14 0,-51 18 0,1 0 0,-1-1 0,0 0 0,0 0 0,1 0 0,-1 0 0,-1-1 0,1 1 0,0-1 0,-1 1 0,1-1 0,-1 0 0,0 0 0,0 0 0,0-1 0,0 1 0,0 0 0,-1-1 0,2-3 0,-3 4 0,0 1 0,0-1 0,0 1 0,0 0 0,0-1 0,-1 1 0,1-1 0,-1 1 0,1 0 0,-1-1 0,0 1 0,0 0 0,0-1 0,0 1 0,-1 0 0,1 0 0,0 0 0,-1 0 0,0 0 0,1 1 0,-1-1 0,0 0 0,0 1 0,0-1 0,0 1 0,0 0 0,0 0 0,0-1 0,-1 1 0,-1 0 0,-18-8 0,0 0 0,0 2 0,-1 1 0,0 1 0,0 1 0,0 0 0,0 2 0,-1 1 0,-35 2 0,-24 7 0,-107 24 0,137-22 0,24-5 0,-38 8 0,0-2 0,-116 2 0,48-21 0,-218-42 0,82 7 0,190 35 0,-114 1 0,171 7 0,14-1 0,1 1 0,-1 1 0,-18 2 0,25-2 0,0 0 0,1 0 0,-1-1 0,1 2 0,-1-1 0,1 0 0,0 0 0,-1 1 0,1-1 0,0 1 0,0 0 0,0 0 0,0-1 0,0 1 0,1 1 0,-1-1 0,0 0 0,-1 4 0,0-1 0,0-1 0,0 1 0,0-1 0,0 0 0,-1 0 0,0 0 0,0 0 0,0-1 0,0 1 0,0-1 0,-1 0 0,1-1 0,-1 1 0,0-1 0,-6 3 0,-8 1 0,0-1 0,-37 6 0,-77 4 0,-244-2 0,351-13 0,-3 0 0,-34-4 0,56 3 0,1 0 0,-1 0 0,0-1 0,1 0 0,-1 0 0,1 0 0,-1-1 0,1 0 0,0 0 0,-8-7 0,13 9 0,0 0 0,0 0 0,0 0 0,-1 0 0,1-1 0,1 1 0,-1 0 0,0-1 0,0 1 0,0-1 0,1 1 0,-1-1 0,1 1 0,-1-1 0,1 1 0,0-1 0,-1 0 0,1 1 0,0-1 0,0 1 0,0-1 0,0 0 0,0 1 0,1-1 0,-1 0 0,1 1 0,-1-1 0,1 1 0,0-3 0,3-4 0,0 0 0,1 0 0,-1 1 0,9-10 0,-1 0 0,28-42 0,3 2 0,3 1 0,55-52 0,-93 102 0,-1-1 0,1 2 0,0-1 0,0 1 0,1 0 0,0 1 0,-1 0 0,1 1 0,1-1 0,-1 2 0,0-1 0,1 1 0,12 0 0,13-1 0,-1 3 0,50 4 0,-41-1 0,-6 0 0,0 2 0,0 2 0,0 1 0,-1 2 0,0 2 0,-1 1 0,39 20 0,22 19 0,105 75 0,60 32 0,-197-127 0,1-2 0,87 27 0,29-9 0,-147-41 0,0-2 0,66 2 0,-28-4 0,-69-2-105,0-1 0,0 0 0,0 1 0,0-1 0,0 1 0,0 0 0,-1 0 0,1 0 0,0 1 0,-1-1 0,1 0 0,3 4 0</inkml:trace>
+</inkml:ink>
+</file>
+
+<file path=ppt/ink/ink5.xml><?xml version="1.0" encoding="utf-8"?>
+<inkml:ink xmlns:inkml="http://www.w3.org/2003/InkML">
+  <inkml:definitions>
+    <inkml:context xml:id="ctx0">
+      <inkml:inkSource xml:id="inkSrc0">
+        <inkml:traceFormat>
+          <inkml:channel name="X" type="integer" min="-2.14748E9" max="2.14748E9" units="cm"/>
+          <inkml:channel name="Y" type="integer" min="-2.14748E9" max="2.14748E9" units="cm"/>
+          <inkml:channel name="F" type="integer" max="32767" units="dev"/>
+        </inkml:traceFormat>
+        <inkml:channelProperties>
+          <inkml:channelProperty channel="X" name="resolution" value="1000" units="1/cm"/>
+          <inkml:channelProperty channel="Y" name="resolution" value="1000" units="1/cm"/>
+          <inkml:channelProperty channel="F" name="resolution" value="0" units="1/dev"/>
+        </inkml:channelProperties>
+      </inkml:inkSource>
+      <inkml:timestamp xml:id="ts0" timeString="2022-11-27T15:20:43.644"/>
+    </inkml:context>
+    <inkml:brush xml:id="br0">
+      <inkml:brushProperty name="width" value="0.35" units="cm"/>
+      <inkml:brushProperty name="height" value="0.35" units="cm"/>
+    </inkml:brush>
+  </inkml:definitions>
+  <inkml:trace contextRef="#ctx0" brushRef="#br0">2041 298 24575,'-371'-1'0,"-405"3"0,709-1 0,1 4 0,0 2 0,0 3 0,1 3 0,0 3 0,-82 31 0,128-39 0,-5 2 0,-35 10 0,54-19 0,0 1 0,-1-1 0,1 0 0,-1 0 0,0-1 0,1 0 0,-1 0 0,1 0 0,-1-1 0,1 0 0,-1 0 0,-7-2 0,10 1 0,1 1 0,-1-1 0,1 0 0,-1 0 0,1 0 0,0 0 0,0-1 0,0 1 0,0-1 0,0 1 0,1-1 0,-1 1 0,1-1 0,0 0 0,-2-4 0,-14-24 0,11 26 0,0 0 0,0 0 0,-1 1 0,1 0 0,-1 0 0,0 0 0,-8-2 0,8 3 0,1 0 0,0 0 0,0 0 0,0 0 0,1-1 0,-1 0 0,1-1 0,-6-5 0,10 10 0,1-1 0,0 1 0,0 0 0,-1-1 0,1 1 0,0-1 0,0 1 0,0-1 0,0 1 0,0-1 0,0 1 0,-1-1 0,1 1 0,0-1 0,0 1 0,1-1 0,-1 1 0,0-1 0,0 1 0,0-1 0,0 1 0,0-1 0,0 1 0,1-1 0,-1 1 0,0-1 0,0 1 0,1 0 0,-1-1 0,0 1 0,1-1 0,-1 1 0,0 0 0,1-1 0,-1 1 0,1 0 0,-1-1 0,1 1 0,-1 0 0,0 0 0,2-1 0,22-10 0,-19 9 0,42-18 0,-26 10 0,0 1 0,1 1 0,0 1 0,0 1 0,0 1 0,31-4 0,103 10 0,14-1 0,-167 0 12,1 0 0,0 0-1,-1-1 1,0 0 0,1 0-1,-1 0 1,1 0 0,-1 0-1,0-1 1,0 1 0,0-1-1,0 0 1,0 0 0,0 0-1,0 0 1,-1-1 0,1 1-1,-1-1 1,0 0 0,1 1-1,-1-1 1,-1 0 0,1 0-1,0 0 1,-1-1 0,1 1-1,-1 0 1,1-5-1,1-8-224,0 1-1,-2 0 0,0-1 0,0 1 0,-3-19 0,2 22-206</inkml:trace>
+</inkml:ink>
+</file>
+
+<file path=ppt/notesMasters/notesMaster1.xml><?xml version="1.0" encoding="utf-8"?>
+<p:notesMaster xmlns:a="http://schemas.openxmlformats.org/drawingml/2006/main" xmlns:r="http://schemas.openxmlformats.org/officeDocument/2006/relationships" xmlns:p="http://schemas.openxmlformats.org/presentationml/2006/main">
+  <p:cSld>
+    <p:bg>
+      <p:bgRef idx="1001">
+        <a:schemeClr val="bg1"/>
+      </p:bgRef>
+    </p:bg>
+    <p:spTree>
+      <p:nvGrpSpPr>
+        <p:cNvPr id="1" name=""/>
+        <p:cNvGrpSpPr/>
+        <p:nvPr/>
+      </p:nvGrpSpPr>
+      <p:grpSpPr>
+        <a:xfrm>
+          <a:off x="0" y="0"/>
+          <a:ext cx="0" cy="0"/>
+          <a:chOff x="0" y="0"/>
+          <a:chExt cx="0" cy="0"/>
+        </a:xfrm>
+      </p:grpSpPr>
+      <p:sp>
+        <p:nvSpPr>
+          <p:cNvPr id="2" name="Kopfzeilenplatzhalter 1"/>
+          <p:cNvSpPr>
+            <a:spLocks noGrp="1"/>
+          </p:cNvSpPr>
+          <p:nvPr>
+            <p:ph type="hdr" sz="quarter"/>
+          </p:nvPr>
+        </p:nvSpPr>
+        <p:spPr>
+          <a:xfrm>
+            <a:off x="0" y="0"/>
+            <a:ext cx="2971800" cy="458788"/>
+          </a:xfrm>
+          <a:prstGeom prst="rect">
+            <a:avLst/>
+          </a:prstGeom>
+        </p:spPr>
+        <p:txBody>
+          <a:bodyPr vert="horz" lIns="91440" tIns="45720" rIns="91440" bIns="45720" rtlCol="0"/>
+          <a:lstStyle>
+            <a:lvl1pPr algn="l">
+              <a:defRPr sz="1200"/>
+            </a:lvl1pPr>
+          </a:lstStyle>
+          <a:p>
+            <a:endParaRPr lang="en-US"/>
+          </a:p>
+        </p:txBody>
+      </p:sp>
+      <p:sp>
+        <p:nvSpPr>
+          <p:cNvPr id="3" name="Datumsplatzhalter 2"/>
+          <p:cNvSpPr>
+            <a:spLocks noGrp="1"/>
+          </p:cNvSpPr>
+          <p:nvPr>
+            <p:ph type="dt" idx="1"/>
+          </p:nvPr>
+        </p:nvSpPr>
+        <p:spPr>
+          <a:xfrm>
+            <a:off x="3884613" y="0"/>
+            <a:ext cx="2971800" cy="458788"/>
+          </a:xfrm>
+          <a:prstGeom prst="rect">
+            <a:avLst/>
+          </a:prstGeom>
+        </p:spPr>
+        <p:txBody>
+          <a:bodyPr vert="horz" lIns="91440" tIns="45720" rIns="91440" bIns="45720" rtlCol="0"/>
+          <a:lstStyle>
+            <a:lvl1pPr algn="r">
+              <a:defRPr sz="1200"/>
+            </a:lvl1pPr>
+          </a:lstStyle>
+          <a:p>
+            <a:fld id="{2EAF76E7-7547-4150-806D-86F8A2C566D2}" type="datetimeFigureOut">
+              <a:rPr lang="en-US" smtClean="0"/>
+              <a:t>11/27/2022</a:t>
+            </a:fld>
+            <a:endParaRPr lang="en-US"/>
+          </a:p>
+        </p:txBody>
+      </p:sp>
+      <p:sp>
+        <p:nvSpPr>
+          <p:cNvPr id="4" name="Folienbildplatzhalter 3"/>
+          <p:cNvSpPr>
+            <a:spLocks noGrp="1" noRot="1" noChangeAspect="1"/>
+          </p:cNvSpPr>
+          <p:nvPr>
+            <p:ph type="sldImg" idx="2"/>
+          </p:nvPr>
+        </p:nvSpPr>
+        <p:spPr>
+          <a:xfrm>
+            <a:off x="685800" y="1143000"/>
+            <a:ext cx="5486400" cy="3086100"/>
+          </a:xfrm>
+          <a:prstGeom prst="rect">
+            <a:avLst/>
+          </a:prstGeom>
+          <a:noFill/>
+          <a:ln w="12700">
+            <a:solidFill>
+              <a:prstClr val="black"/>
+            </a:solidFill>
+          </a:ln>
+        </p:spPr>
+        <p:txBody>
+          <a:bodyPr vert="horz" lIns="91440" tIns="45720" rIns="91440" bIns="45720" rtlCol="0" anchor="ctr"/>
+          <a:lstStyle/>
+          <a:p>
+            <a:endParaRPr lang="en-US"/>
+          </a:p>
+        </p:txBody>
+      </p:sp>
+      <p:sp>
+        <p:nvSpPr>
+          <p:cNvPr id="5" name="Notizenplatzhalter 4"/>
+          <p:cNvSpPr>
+            <a:spLocks noGrp="1"/>
+          </p:cNvSpPr>
+          <p:nvPr>
+            <p:ph type="body" sz="quarter" idx="3"/>
+          </p:nvPr>
+        </p:nvSpPr>
+        <p:spPr>
+          <a:xfrm>
+            <a:off x="685800" y="4400550"/>
+            <a:ext cx="5486400" cy="3600450"/>
+          </a:xfrm>
+          <a:prstGeom prst="rect">
+            <a:avLst/>
+          </a:prstGeom>
+        </p:spPr>
+        <p:txBody>
+          <a:bodyPr vert="horz" lIns="91440" tIns="45720" rIns="91440" bIns="45720" rtlCol="0"/>
+          <a:lstStyle/>
+          <a:p>
+            <a:pPr lvl="0"/>
+            <a:r>
+              <a:rPr lang="de-DE"/>
+              <a:t>Mastertextformat bearbeiten</a:t>
+            </a:r>
+          </a:p>
+          <a:p>
+            <a:pPr lvl="1"/>
+            <a:r>
+              <a:rPr lang="de-DE"/>
+              <a:t>Zweite Ebene</a:t>
+            </a:r>
+          </a:p>
+          <a:p>
+            <a:pPr lvl="2"/>
+            <a:r>
+              <a:rPr lang="de-DE"/>
+              <a:t>Dritte Ebene</a:t>
+            </a:r>
+          </a:p>
+          <a:p>
+            <a:pPr lvl="3"/>
+            <a:r>
+              <a:rPr lang="de-DE"/>
+              <a:t>Vierte Ebene</a:t>
+            </a:r>
+          </a:p>
+          <a:p>
+            <a:pPr lvl="4"/>
+            <a:r>
+              <a:rPr lang="de-DE"/>
+              <a:t>Fünfte Ebene</a:t>
+            </a:r>
+            <a:endParaRPr lang="en-US"/>
+          </a:p>
+        </p:txBody>
+      </p:sp>
+      <p:sp>
+        <p:nvSpPr>
+          <p:cNvPr id="6" name="Fußzeilenplatzhalter 5"/>
+          <p:cNvSpPr>
+            <a:spLocks noGrp="1"/>
+          </p:cNvSpPr>
+          <p:nvPr>
+            <p:ph type="ftr" sz="quarter" idx="4"/>
+          </p:nvPr>
+        </p:nvSpPr>
+        <p:spPr>
+          <a:xfrm>
+            <a:off x="0" y="8685213"/>
+            <a:ext cx="2971800" cy="458787"/>
+          </a:xfrm>
+          <a:prstGeom prst="rect">
+            <a:avLst/>
+          </a:prstGeom>
+        </p:spPr>
+        <p:txBody>
+          <a:bodyPr vert="horz" lIns="91440" tIns="45720" rIns="91440" bIns="45720" rtlCol="0" anchor="b"/>
+          <a:lstStyle>
+            <a:lvl1pPr algn="l">
+              <a:defRPr sz="1200"/>
+            </a:lvl1pPr>
+          </a:lstStyle>
+          <a:p>
+            <a:endParaRPr lang="en-US"/>
+          </a:p>
+        </p:txBody>
+      </p:sp>
+      <p:sp>
+        <p:nvSpPr>
+          <p:cNvPr id="7" name="Foliennummernplatzhalter 6"/>
+          <p:cNvSpPr>
+            <a:spLocks noGrp="1"/>
+          </p:cNvSpPr>
+          <p:nvPr>
+            <p:ph type="sldNum" sz="quarter" idx="5"/>
+          </p:nvPr>
+        </p:nvSpPr>
+        <p:spPr>
+          <a:xfrm>
+            <a:off x="3884613" y="8685213"/>
+            <a:ext cx="2971800" cy="458787"/>
+          </a:xfrm>
+          <a:prstGeom prst="rect">
+            <a:avLst/>
+          </a:prstGeom>
+        </p:spPr>
+        <p:txBody>
+          <a:bodyPr vert="horz" lIns="91440" tIns="45720" rIns="91440" bIns="45720" rtlCol="0" anchor="b"/>
+          <a:lstStyle>
+            <a:lvl1pPr algn="r">
+              <a:defRPr sz="1200"/>
+            </a:lvl1pPr>
+          </a:lstStyle>
+          <a:p>
+            <a:fld id="{80DECBA8-4DEA-44E1-AD23-30AA4E3CD185}" type="slidenum">
+              <a:rPr lang="en-US" smtClean="0"/>
+              <a:t>‹Nr.›</a:t>
+            </a:fld>
+            <a:endParaRPr lang="en-US"/>
+          </a:p>
+        </p:txBody>
+      </p:sp>
+    </p:spTree>
+    <p:extLst>
+      <p:ext uri="{BB962C8B-B14F-4D97-AF65-F5344CB8AC3E}">
+        <p14:creationId xmlns:p14="http://schemas.microsoft.com/office/powerpoint/2010/main" val="1309783386"/>
+      </p:ext>
+    </p:extLst>
+  </p:cSld>
+  <p:clrMap bg1="lt1" tx1="dk1" bg2="lt2" tx2="dk2" accent1="accent1" accent2="accent2" accent3="accent3" accent4="accent4" accent5="accent5" accent6="accent6" hlink="hlink" folHlink="folHlink"/>
+  <p:notesStyle>
+    <a:lvl1pPr marL="0" algn="l" defTabSz="914400" rtl="0" eaLnBrk="1" latinLnBrk="0" hangingPunct="1">
+      <a:defRPr sz="1200" kern="1200">
+        <a:solidFill>
+          <a:schemeClr val="tx1"/>
+        </a:solidFill>
+        <a:latin typeface="+mn-lt"/>
+        <a:ea typeface="+mn-ea"/>
+        <a:cs typeface="+mn-cs"/>
+      </a:defRPr>
+    </a:lvl1pPr>
+    <a:lvl2pPr marL="457200" algn="l" defTabSz="914400" rtl="0" eaLnBrk="1" latinLnBrk="0" hangingPunct="1">
+      <a:defRPr sz="1200" kern="1200">
+        <a:solidFill>
+          <a:schemeClr val="tx1"/>
+        </a:solidFill>
+        <a:latin typeface="+mn-lt"/>
+        <a:ea typeface="+mn-ea"/>
+        <a:cs typeface="+mn-cs"/>
+      </a:defRPr>
+    </a:lvl2pPr>
+    <a:lvl3pPr marL="914400" algn="l" defTabSz="914400" rtl="0" eaLnBrk="1" latinLnBrk="0" hangingPunct="1">
+      <a:defRPr sz="1200" kern="1200">
+        <a:solidFill>
+          <a:schemeClr val="tx1"/>
+        </a:solidFill>
+        <a:latin typeface="+mn-lt"/>
+        <a:ea typeface="+mn-ea"/>
+        <a:cs typeface="+mn-cs"/>
+      </a:defRPr>
+    </a:lvl3pPr>
+    <a:lvl4pPr marL="1371600" algn="l" defTabSz="914400" rtl="0" eaLnBrk="1" latinLnBrk="0" hangingPunct="1">
+      <a:defRPr sz="1200" kern="1200">
+        <a:solidFill>
+          <a:schemeClr val="tx1"/>
+        </a:solidFill>
+        <a:latin typeface="+mn-lt"/>
+        <a:ea typeface="+mn-ea"/>
+        <a:cs typeface="+mn-cs"/>
+      </a:defRPr>
+    </a:lvl4pPr>
+    <a:lvl5pPr marL="1828800" algn="l" defTabSz="914400" rtl="0" eaLnBrk="1" latinLnBrk="0" hangingPunct="1">
+      <a:defRPr sz="1200" kern="1200">
+        <a:solidFill>
+          <a:schemeClr val="tx1"/>
+        </a:solidFill>
+        <a:latin typeface="+mn-lt"/>
+        <a:ea typeface="+mn-ea"/>
+        <a:cs typeface="+mn-cs"/>
+      </a:defRPr>
+    </a:lvl5pPr>
+    <a:lvl6pPr marL="2286000" algn="l" defTabSz="914400" rtl="0" eaLnBrk="1" latinLnBrk="0" hangingPunct="1">
+      <a:defRPr sz="1200" kern="1200">
+        <a:solidFill>
+          <a:schemeClr val="tx1"/>
+        </a:solidFill>
+        <a:latin typeface="+mn-lt"/>
+        <a:ea typeface="+mn-ea"/>
+        <a:cs typeface="+mn-cs"/>
+      </a:defRPr>
+    </a:lvl6pPr>
+    <a:lvl7pPr marL="2743200" algn="l" defTabSz="914400" rtl="0" eaLnBrk="1" latinLnBrk="0" hangingPunct="1">
+      <a:defRPr sz="1200" kern="1200">
+        <a:solidFill>
+          <a:schemeClr val="tx1"/>
+        </a:solidFill>
+        <a:latin typeface="+mn-lt"/>
+        <a:ea typeface="+mn-ea"/>
+        <a:cs typeface="+mn-cs"/>
+      </a:defRPr>
+    </a:lvl7pPr>
+    <a:lvl8pPr marL="3200400" algn="l" defTabSz="914400" rtl="0" eaLnBrk="1" latinLnBrk="0" hangingPunct="1">
+      <a:defRPr sz="1200" kern="1200">
+        <a:solidFill>
+          <a:schemeClr val="tx1"/>
+        </a:solidFill>
+        <a:latin typeface="+mn-lt"/>
+        <a:ea typeface="+mn-ea"/>
+        <a:cs typeface="+mn-cs"/>
+      </a:defRPr>
+    </a:lvl8pPr>
+    <a:lvl9pPr marL="3657600" algn="l" defTabSz="914400" rtl="0" eaLnBrk="1" latinLnBrk="0" hangingPunct="1">
+      <a:defRPr sz="1200" kern="1200">
+        <a:solidFill>
+          <a:schemeClr val="tx1"/>
+        </a:solidFill>
+        <a:latin typeface="+mn-lt"/>
+        <a:ea typeface="+mn-ea"/>
+        <a:cs typeface="+mn-cs"/>
+      </a:defRPr>
+    </a:lvl9pPr>
+  </p:notesStyle>
+</p:notesMaster>
+</file>
+
+<file path=ppt/notesSlides/notesSlide1.xml><?xml version="1.0" encoding="utf-8"?>
+<p:notes xmlns:a="http://schemas.openxmlformats.org/drawingml/2006/main" xmlns:r="http://schemas.openxmlformats.org/officeDocument/2006/relationships" xmlns:p="http://schemas.openxmlformats.org/presentationml/2006/main">
+  <p:cSld>
+    <p:spTree>
+      <p:nvGrpSpPr>
+        <p:cNvPr id="1" name=""/>
+        <p:cNvGrpSpPr/>
+        <p:nvPr/>
+      </p:nvGrpSpPr>
+      <p:grpSpPr>
+        <a:xfrm>
+          <a:off x="0" y="0"/>
+          <a:ext cx="0" cy="0"/>
+          <a:chOff x="0" y="0"/>
+          <a:chExt cx="0" cy="0"/>
+        </a:xfrm>
+      </p:grpSpPr>
+      <p:sp>
+        <p:nvSpPr>
+          <p:cNvPr id="2" name="Folienbildplatzhalter 1"/>
+          <p:cNvSpPr>
+            <a:spLocks noGrp="1" noRot="1" noChangeAspect="1"/>
+          </p:cNvSpPr>
+          <p:nvPr>
+            <p:ph type="sldImg"/>
+          </p:nvPr>
+        </p:nvSpPr>
+        <p:spPr/>
+      </p:sp>
+      <p:sp>
+        <p:nvSpPr>
+          <p:cNvPr id="3" name="Notizenplatzhalter 2"/>
+          <p:cNvSpPr>
+            <a:spLocks noGrp="1"/>
+          </p:cNvSpPr>
+          <p:nvPr>
+            <p:ph type="body" idx="1"/>
+          </p:nvPr>
+        </p:nvSpPr>
+        <p:spPr/>
+        <p:txBody>
+          <a:bodyPr/>
+          <a:lstStyle/>
+          <a:p>
+            <a:endParaRPr lang="en-US" dirty="0"/>
+          </a:p>
+        </p:txBody>
+      </p:sp>
+      <p:sp>
+        <p:nvSpPr>
+          <p:cNvPr id="4" name="Foliennummernplatzhalter 3"/>
+          <p:cNvSpPr>
+            <a:spLocks noGrp="1"/>
+          </p:cNvSpPr>
+          <p:nvPr>
+            <p:ph type="sldNum" sz="quarter" idx="5"/>
+          </p:nvPr>
+        </p:nvSpPr>
+        <p:spPr/>
+        <p:txBody>
+          <a:bodyPr/>
+          <a:lstStyle/>
+          <a:p>
+            <a:fld id="{80DECBA8-4DEA-44E1-AD23-30AA4E3CD185}" type="slidenum">
+              <a:rPr lang="en-US" smtClean="0"/>
+              <a:t>3</a:t>
+            </a:fld>
+            <a:endParaRPr lang="en-US"/>
+          </a:p>
+        </p:txBody>
+      </p:sp>
+    </p:spTree>
+    <p:extLst>
+      <p:ext uri="{BB962C8B-B14F-4D97-AF65-F5344CB8AC3E}">
+        <p14:creationId xmlns:p14="http://schemas.microsoft.com/office/powerpoint/2010/main" val="2146056934"/>
+      </p:ext>
+    </p:extLst>
+  </p:cSld>
+  <p:clrMapOvr>
+    <a:masterClrMapping/>
+  </p:clrMapOvr>
+</p:notes>
+</file>
+
 <file path=ppt/slideLayouts/slideLayout1.xml><?xml version="1.0" encoding="utf-8"?>
 <p:sldLayout xmlns:a="http://schemas.openxmlformats.org/drawingml/2006/main" xmlns:r="http://schemas.openxmlformats.org/officeDocument/2006/relationships" xmlns:p="http://schemas.openxmlformats.org/presentationml/2006/main" type="title" preserve="1">
   <p:cSld name="Titelfolie">
@@ -266,7 +840,7 @@
           <a:p>
             <a:fld id="{EFDAA984-E6C3-4D4F-9F41-6B61BE8B873A}" type="datetimeFigureOut">
               <a:rPr lang="de-DE" smtClean="0"/>
-              <a:t>25.11.2022</a:t>
+              <a:t>27.11.2022</a:t>
             </a:fld>
             <a:endParaRPr lang="de-DE"/>
           </a:p>
@@ -464,7 +1038,7 @@
           <a:p>
             <a:fld id="{EFDAA984-E6C3-4D4F-9F41-6B61BE8B873A}" type="datetimeFigureOut">
               <a:rPr lang="de-DE" smtClean="0"/>
-              <a:t>25.11.2022</a:t>
+              <a:t>27.11.2022</a:t>
             </a:fld>
             <a:endParaRPr lang="de-DE"/>
           </a:p>
@@ -672,7 +1246,7 @@
           <a:p>
             <a:fld id="{EFDAA984-E6C3-4D4F-9F41-6B61BE8B873A}" type="datetimeFigureOut">
               <a:rPr lang="de-DE" smtClean="0"/>
-              <a:t>25.11.2022</a:t>
+              <a:t>27.11.2022</a:t>
             </a:fld>
             <a:endParaRPr lang="de-DE"/>
           </a:p>
@@ -870,7 +1444,7 @@
           <a:p>
             <a:fld id="{EFDAA984-E6C3-4D4F-9F41-6B61BE8B873A}" type="datetimeFigureOut">
               <a:rPr lang="de-DE" smtClean="0"/>
-              <a:t>25.11.2022</a:t>
+              <a:t>27.11.2022</a:t>
             </a:fld>
             <a:endParaRPr lang="de-DE"/>
           </a:p>
@@ -1145,7 +1719,7 @@
           <a:p>
             <a:fld id="{EFDAA984-E6C3-4D4F-9F41-6B61BE8B873A}" type="datetimeFigureOut">
               <a:rPr lang="de-DE" smtClean="0"/>
-              <a:t>25.11.2022</a:t>
+              <a:t>27.11.2022</a:t>
             </a:fld>
             <a:endParaRPr lang="de-DE"/>
           </a:p>
@@ -1410,7 +1984,7 @@
           <a:p>
             <a:fld id="{EFDAA984-E6C3-4D4F-9F41-6B61BE8B873A}" type="datetimeFigureOut">
               <a:rPr lang="de-DE" smtClean="0"/>
-              <a:t>25.11.2022</a:t>
+              <a:t>27.11.2022</a:t>
             </a:fld>
             <a:endParaRPr lang="de-DE"/>
           </a:p>
@@ -1822,7 +2396,7 @@
           <a:p>
             <a:fld id="{EFDAA984-E6C3-4D4F-9F41-6B61BE8B873A}" type="datetimeFigureOut">
               <a:rPr lang="de-DE" smtClean="0"/>
-              <a:t>25.11.2022</a:t>
+              <a:t>27.11.2022</a:t>
             </a:fld>
             <a:endParaRPr lang="de-DE"/>
           </a:p>
@@ -1963,7 +2537,7 @@
           <a:p>
             <a:fld id="{EFDAA984-E6C3-4D4F-9F41-6B61BE8B873A}" type="datetimeFigureOut">
               <a:rPr lang="de-DE" smtClean="0"/>
-              <a:t>25.11.2022</a:t>
+              <a:t>27.11.2022</a:t>
             </a:fld>
             <a:endParaRPr lang="de-DE"/>
           </a:p>
@@ -2076,7 +2650,7 @@
           <a:p>
             <a:fld id="{EFDAA984-E6C3-4D4F-9F41-6B61BE8B873A}" type="datetimeFigureOut">
               <a:rPr lang="de-DE" smtClean="0"/>
-              <a:t>25.11.2022</a:t>
+              <a:t>27.11.2022</a:t>
             </a:fld>
             <a:endParaRPr lang="de-DE"/>
           </a:p>
@@ -2387,7 +2961,7 @@
           <a:p>
             <a:fld id="{EFDAA984-E6C3-4D4F-9F41-6B61BE8B873A}" type="datetimeFigureOut">
               <a:rPr lang="de-DE" smtClean="0"/>
-              <a:t>25.11.2022</a:t>
+              <a:t>27.11.2022</a:t>
             </a:fld>
             <a:endParaRPr lang="de-DE"/>
           </a:p>
@@ -2675,7 +3249,7 @@
           <a:p>
             <a:fld id="{EFDAA984-E6C3-4D4F-9F41-6B61BE8B873A}" type="datetimeFigureOut">
               <a:rPr lang="de-DE" smtClean="0"/>
-              <a:t>25.11.2022</a:t>
+              <a:t>27.11.2022</a:t>
             </a:fld>
             <a:endParaRPr lang="de-DE"/>
           </a:p>
@@ -2916,7 +3490,7 @@
           <a:p>
             <a:fld id="{EFDAA984-E6C3-4D4F-9F41-6B61BE8B873A}" type="datetimeFigureOut">
               <a:rPr lang="de-DE" smtClean="0"/>
-              <a:t>25.11.2022</a:t>
+              <a:t>27.11.2022</a:t>
             </a:fld>
             <a:endParaRPr lang="de-DE"/>
           </a:p>
@@ -3535,8 +4109,8 @@
         </p:nvSpPr>
         <p:spPr>
           <a:xfrm>
-            <a:off x="481029" y="3523488"/>
-            <a:ext cx="3977640" cy="812534"/>
+            <a:off x="521222" y="2223787"/>
+            <a:ext cx="4825442" cy="1139048"/>
           </a:xfrm>
         </p:spPr>
         <p:txBody>
@@ -3547,7 +4121,20 @@
           <a:p>
             <a:pPr algn="l"/>
             <a:r>
-              <a:rPr lang="de-DE" sz="4800" b="1" dirty="0">
+              <a:rPr lang="de-DE" b="1" dirty="0">
+                <a:ln w="9525">
+                  <a:solidFill>
+                    <a:schemeClr val="bg1"/>
+                  </a:solidFill>
+                  <a:prstDash val="solid"/>
+                </a:ln>
+                <a:effectLst>
+                  <a:outerShdw blurRad="12700" dist="38100" dir="2700000" algn="tl" rotWithShape="0">
+                    <a:schemeClr val="bg1">
+                      <a:lumMod val="50000"/>
+                    </a:schemeClr>
+                  </a:outerShdw>
+                </a:effectLst>
                 <a:latin typeface="Algerian" panose="04020705040A02060702" pitchFamily="82" charset="0"/>
               </a:rPr>
               <a:t>GYMHOUSE</a:t>
@@ -3730,8 +4317,8 @@
         </p:nvSpPr>
         <p:spPr>
           <a:xfrm>
-            <a:off x="1574276" y="5410986"/>
-            <a:ext cx="3450211" cy="369332"/>
+            <a:off x="541314" y="3671137"/>
+            <a:ext cx="3450211" cy="400110"/>
           </a:xfrm>
           <a:prstGeom prst="rect">
             <a:avLst/>
@@ -3745,12 +4332,206 @@
           <a:lstStyle/>
           <a:p>
             <a:r>
-              <a:rPr lang="de-DE" dirty="0"/>
+              <a:rPr lang="de-DE" sz="2000" b="1" dirty="0">
+                <a:latin typeface="Andalus" panose="02020603050405020304" pitchFamily="18" charset="-78"/>
+                <a:cs typeface="Andalus" panose="02020603050405020304" pitchFamily="18" charset="-78"/>
+              </a:rPr>
               <a:t>Maher, Abdullah, Ali &amp; Tarek</a:t>
             </a:r>
           </a:p>
         </p:txBody>
       </p:sp>
+      <mc:AlternateContent xmlns:mc="http://schemas.openxmlformats.org/markup-compatibility/2006">
+        <mc:Choice xmlns:p14="http://schemas.microsoft.com/office/powerpoint/2010/main" Requires="p14">
+          <p:contentPart p14:bwMode="auto" r:id="rId3">
+            <p14:nvContentPartPr>
+              <p14:cNvPr id="7" name="Freihand 6">
+                <a:extLst>
+                  <a:ext uri="{FF2B5EF4-FFF2-40B4-BE49-F238E27FC236}">
+                    <a16:creationId xmlns:a16="http://schemas.microsoft.com/office/drawing/2014/main" id="{BFA65249-7765-8638-7DDF-E0CC458AEAB3}"/>
+                  </a:ext>
+                </a:extLst>
+              </p14:cNvPr>
+              <p14:cNvContentPartPr/>
+              <p14:nvPr/>
+            </p14:nvContentPartPr>
+            <p14:xfrm>
+              <a:off x="328029" y="4440508"/>
+              <a:ext cx="4130640" cy="232920"/>
+            </p14:xfrm>
+          </p:contentPart>
+        </mc:Choice>
+        <mc:Fallback>
+          <p:pic>
+            <p:nvPicPr>
+              <p:cNvPr id="7" name="Freihand 6">
+                <a:extLst>
+                  <a:ext uri="{FF2B5EF4-FFF2-40B4-BE49-F238E27FC236}">
+                    <a16:creationId xmlns:a16="http://schemas.microsoft.com/office/drawing/2014/main" id="{BFA65249-7765-8638-7DDF-E0CC458AEAB3}"/>
+                  </a:ext>
+                </a:extLst>
+              </p:cNvPr>
+              <p:cNvPicPr/>
+              <p:nvPr/>
+            </p:nvPicPr>
+            <p:blipFill>
+              <a:blip r:embed="rId4"/>
+              <a:stretch>
+                <a:fillRect/>
+              </a:stretch>
+            </p:blipFill>
+            <p:spPr>
+              <a:xfrm>
+                <a:off x="265389" y="4377508"/>
+                <a:ext cx="4256280" cy="358560"/>
+              </a:xfrm>
+              <a:prstGeom prst="rect">
+                <a:avLst/>
+              </a:prstGeom>
+            </p:spPr>
+          </p:pic>
+        </mc:Fallback>
+      </mc:AlternateContent>
+      <p:cxnSp>
+        <p:nvCxnSpPr>
+          <p:cNvPr id="9" name="Gerader Verbinder 8">
+            <a:extLst>
+              <a:ext uri="{FF2B5EF4-FFF2-40B4-BE49-F238E27FC236}">
+                <a16:creationId xmlns:a16="http://schemas.microsoft.com/office/drawing/2014/main" id="{CDC4F616-BFDA-7C48-2AF8-AEE4EDE589BF}"/>
+              </a:ext>
+            </a:extLst>
+          </p:cNvPr>
+          <p:cNvCxnSpPr>
+            <a:cxnSpLocks/>
+          </p:cNvCxnSpPr>
+          <p:nvPr/>
+        </p:nvCxnSpPr>
+        <p:spPr>
+          <a:xfrm>
+            <a:off x="521222" y="4062045"/>
+            <a:ext cx="3236862" cy="0"/>
+          </a:xfrm>
+          <a:prstGeom prst="line">
+            <a:avLst/>
+          </a:prstGeom>
+        </p:spPr>
+        <p:style>
+          <a:lnRef idx="2">
+            <a:schemeClr val="accent3"/>
+          </a:lnRef>
+          <a:fillRef idx="0">
+            <a:schemeClr val="accent3"/>
+          </a:fillRef>
+          <a:effectRef idx="1">
+            <a:schemeClr val="accent3"/>
+          </a:effectRef>
+          <a:fontRef idx="minor">
+            <a:schemeClr val="tx1"/>
+          </a:fontRef>
+        </p:style>
+      </p:cxnSp>
+      <mc:AlternateContent xmlns:mc="http://schemas.openxmlformats.org/markup-compatibility/2006">
+        <mc:Choice xmlns:p14="http://schemas.microsoft.com/office/powerpoint/2010/main" Requires="p14">
+          <p:contentPart p14:bwMode="auto" r:id="rId5">
+            <p14:nvContentPartPr>
+              <p14:cNvPr id="17" name="Freihand 16">
+                <a:extLst>
+                  <a:ext uri="{FF2B5EF4-FFF2-40B4-BE49-F238E27FC236}">
+                    <a16:creationId xmlns:a16="http://schemas.microsoft.com/office/drawing/2014/main" id="{855A971E-90BD-A668-B7A7-21C61F0569B8}"/>
+                  </a:ext>
+                </a:extLst>
+              </p14:cNvPr>
+              <p14:cNvContentPartPr/>
+              <p14:nvPr/>
+            </p14:nvContentPartPr>
+            <p14:xfrm>
+              <a:off x="1551018" y="4611228"/>
+              <a:ext cx="2551680" cy="272160"/>
+            </p14:xfrm>
+          </p:contentPart>
+        </mc:Choice>
+        <mc:Fallback>
+          <p:pic>
+            <p:nvPicPr>
+              <p:cNvPr id="17" name="Freihand 16">
+                <a:extLst>
+                  <a:ext uri="{FF2B5EF4-FFF2-40B4-BE49-F238E27FC236}">
+                    <a16:creationId xmlns:a16="http://schemas.microsoft.com/office/drawing/2014/main" id="{855A971E-90BD-A668-B7A7-21C61F0569B8}"/>
+                  </a:ext>
+                </a:extLst>
+              </p:cNvPr>
+              <p:cNvPicPr/>
+              <p:nvPr/>
+            </p:nvPicPr>
+            <p:blipFill>
+              <a:blip r:embed="rId6"/>
+              <a:stretch>
+                <a:fillRect/>
+              </a:stretch>
+            </p:blipFill>
+            <p:spPr>
+              <a:xfrm>
+                <a:off x="1488018" y="4548228"/>
+                <a:ext cx="2677320" cy="397800"/>
+              </a:xfrm>
+              <a:prstGeom prst="rect">
+                <a:avLst/>
+              </a:prstGeom>
+            </p:spPr>
+          </p:pic>
+        </mc:Fallback>
+      </mc:AlternateContent>
+      <mc:AlternateContent xmlns:mc="http://schemas.openxmlformats.org/markup-compatibility/2006">
+        <mc:Choice xmlns:p14="http://schemas.microsoft.com/office/powerpoint/2010/main" Requires="p14">
+          <p:contentPart p14:bwMode="auto" r:id="rId7">
+            <p14:nvContentPartPr>
+              <p14:cNvPr id="19" name="Freihand 18">
+                <a:extLst>
+                  <a:ext uri="{FF2B5EF4-FFF2-40B4-BE49-F238E27FC236}">
+                    <a16:creationId xmlns:a16="http://schemas.microsoft.com/office/drawing/2014/main" id="{1924B0E4-0EA6-C782-4364-326B1BCE8A5B}"/>
+                  </a:ext>
+                </a:extLst>
+              </p14:cNvPr>
+              <p14:cNvContentPartPr/>
+              <p14:nvPr/>
+            </p14:nvContentPartPr>
+            <p14:xfrm>
+              <a:off x="510258" y="4224948"/>
+              <a:ext cx="2638440" cy="1094400"/>
+            </p14:xfrm>
+          </p:contentPart>
+        </mc:Choice>
+        <mc:Fallback>
+          <p:pic>
+            <p:nvPicPr>
+              <p:cNvPr id="19" name="Freihand 18">
+                <a:extLst>
+                  <a:ext uri="{FF2B5EF4-FFF2-40B4-BE49-F238E27FC236}">
+                    <a16:creationId xmlns:a16="http://schemas.microsoft.com/office/drawing/2014/main" id="{1924B0E4-0EA6-C782-4364-326B1BCE8A5B}"/>
+                  </a:ext>
+                </a:extLst>
+              </p:cNvPr>
+              <p:cNvPicPr/>
+              <p:nvPr/>
+            </p:nvPicPr>
+            <p:blipFill>
+              <a:blip r:embed="rId8"/>
+              <a:stretch>
+                <a:fillRect/>
+              </a:stretch>
+            </p:blipFill>
+            <p:spPr>
+              <a:xfrm>
+                <a:off x="447258" y="4161948"/>
+                <a:ext cx="2764080" cy="1220040"/>
+              </a:xfrm>
+              <a:prstGeom prst="rect">
+                <a:avLst/>
+              </a:prstGeom>
+            </p:spPr>
+          </p:pic>
+        </mc:Fallback>
+      </mc:AlternateContent>
     </p:spTree>
     <p:extLst>
       <p:ext uri="{BB962C8B-B14F-4D97-AF65-F5344CB8AC3E}">
@@ -3760,6 +4541,125 @@
   </p:cSld>
   <p:clrMapOvr>
     <a:overrideClrMapping bg1="dk1" tx1="lt1" bg2="dk2" tx2="lt2" accent1="accent1" accent2="accent2" accent3="accent3" accent4="accent4" accent5="accent5" accent6="accent6" hlink="hlink" folHlink="folHlink"/>
+  </p:clrMapOvr>
+</p:sld>
+</file>
+
+<file path=ppt/slides/slide10.xml><?xml version="1.0" encoding="utf-8"?>
+<p:sld xmlns:a="http://schemas.openxmlformats.org/drawingml/2006/main" xmlns:r="http://schemas.openxmlformats.org/officeDocument/2006/relationships" xmlns:p="http://schemas.openxmlformats.org/presentationml/2006/main">
+  <p:cSld>
+    <p:spTree>
+      <p:nvGrpSpPr>
+        <p:cNvPr id="1" name=""/>
+        <p:cNvGrpSpPr/>
+        <p:nvPr/>
+      </p:nvGrpSpPr>
+      <p:grpSpPr>
+        <a:xfrm>
+          <a:off x="0" y="0"/>
+          <a:ext cx="0" cy="0"/>
+          <a:chOff x="0" y="0"/>
+          <a:chExt cx="0" cy="0"/>
+        </a:xfrm>
+      </p:grpSpPr>
+      <p:sp>
+        <p:nvSpPr>
+          <p:cNvPr id="2" name="Titel 1">
+            <a:extLst>
+              <a:ext uri="{FF2B5EF4-FFF2-40B4-BE49-F238E27FC236}">
+                <a16:creationId xmlns:a16="http://schemas.microsoft.com/office/drawing/2014/main" id="{19E27421-46F7-03EB-881D-371C6E2CCBCD}"/>
+              </a:ext>
+            </a:extLst>
+          </p:cNvPr>
+          <p:cNvSpPr>
+            <a:spLocks noGrp="1"/>
+          </p:cNvSpPr>
+          <p:nvPr>
+            <p:ph type="title"/>
+          </p:nvPr>
+        </p:nvSpPr>
+        <p:spPr/>
+        <p:txBody>
+          <a:bodyPr/>
+          <a:lstStyle/>
+          <a:p>
+            <a:r>
+              <a:rPr lang="de-DE" dirty="0" err="1"/>
+              <a:t>Resourssen</a:t>
+            </a:r>
+            <a:endParaRPr lang="de-DE" dirty="0"/>
+          </a:p>
+        </p:txBody>
+      </p:sp>
+      <p:sp>
+        <p:nvSpPr>
+          <p:cNvPr id="3" name="Inhaltsplatzhalter 2">
+            <a:extLst>
+              <a:ext uri="{FF2B5EF4-FFF2-40B4-BE49-F238E27FC236}">
+                <a16:creationId xmlns:a16="http://schemas.microsoft.com/office/drawing/2014/main" id="{5EF2CB85-1E7D-1081-3F06-1D29313AC6B8}"/>
+              </a:ext>
+            </a:extLst>
+          </p:cNvPr>
+          <p:cNvSpPr>
+            <a:spLocks noGrp="1"/>
+          </p:cNvSpPr>
+          <p:nvPr>
+            <p:ph idx="1"/>
+          </p:nvPr>
+        </p:nvSpPr>
+        <p:spPr/>
+        <p:txBody>
+          <a:bodyPr/>
+          <a:lstStyle/>
+          <a:p>
+            <a:r>
+              <a:rPr lang="de-DE" dirty="0"/>
+              <a:t>Logo </a:t>
+            </a:r>
+          </a:p>
+          <a:p>
+            <a:r>
+              <a:rPr lang="de-DE" dirty="0"/>
+              <a:t>App </a:t>
+            </a:r>
+            <a:r>
+              <a:rPr lang="de-DE" dirty="0" err="1"/>
+              <a:t>desaign</a:t>
+            </a:r>
+            <a:r>
+              <a:rPr lang="de-DE" dirty="0"/>
+              <a:t> mit </a:t>
+            </a:r>
+            <a:r>
+              <a:rPr lang="de-DE" dirty="0" err="1"/>
+              <a:t>figma</a:t>
+            </a:r>
+            <a:endParaRPr lang="de-DE" dirty="0"/>
+          </a:p>
+          <a:p>
+            <a:r>
+              <a:rPr lang="de-DE" dirty="0"/>
+              <a:t>Bilder</a:t>
+            </a:r>
+          </a:p>
+          <a:p>
+            <a:r>
+              <a:rPr lang="de-DE" dirty="0" err="1"/>
+              <a:t>Informatioinen</a:t>
+            </a:r>
+            <a:endParaRPr lang="de-DE" dirty="0"/>
+          </a:p>
+        </p:txBody>
+      </p:sp>
+    </p:spTree>
+    <p:extLst>
+      <p:ext uri="{BB962C8B-B14F-4D97-AF65-F5344CB8AC3E}">
+        <p14:creationId xmlns:p14="http://schemas.microsoft.com/office/powerpoint/2010/main" val="840682230"/>
+      </p:ext>
+    </p:extLst>
+  </p:cSld>
+  <p:clrMapOvr>
+    <a:masterClrMapping/>
   </p:clrMapOvr>
 </p:sld>
 </file>
@@ -3967,44 +4867,6 @@
       </p:sp>
       <p:sp>
         <p:nvSpPr>
-          <p:cNvPr id="2" name="Titel 1">
-            <a:extLst>
-              <a:ext uri="{FF2B5EF4-FFF2-40B4-BE49-F238E27FC236}">
-                <a16:creationId xmlns:a16="http://schemas.microsoft.com/office/drawing/2014/main" id="{3A27CB33-56D3-2A97-9F6B-EDBE5585ED18}"/>
-              </a:ext>
-            </a:extLst>
-          </p:cNvPr>
-          <p:cNvSpPr>
-            <a:spLocks noGrp="1"/>
-          </p:cNvSpPr>
-          <p:nvPr>
-            <p:ph type="ctrTitle"/>
-          </p:nvPr>
-        </p:nvSpPr>
-        <p:spPr>
-          <a:xfrm>
-            <a:off x="481029" y="3523488"/>
-            <a:ext cx="3977640" cy="812534"/>
-          </a:xfrm>
-        </p:spPr>
-        <p:txBody>
-          <a:bodyPr anchor="b">
-            <a:normAutofit/>
-          </a:bodyPr>
-          <a:lstStyle/>
-          <a:p>
-            <a:pPr algn="l"/>
-            <a:r>
-              <a:rPr lang="de-DE" sz="4800" b="1" dirty="0">
-                <a:latin typeface="Algerian" panose="04020705040A02060702" pitchFamily="82" charset="0"/>
-              </a:rPr>
-              <a:t>GYMHOUSE</a:t>
-            </a:r>
-          </a:p>
-        </p:txBody>
-      </p:sp>
-      <p:sp>
-        <p:nvSpPr>
           <p:cNvPr id="14" name="Rectangle 13">
             <a:extLst>
               <a:ext uri="{FF2B5EF4-FFF2-40B4-BE49-F238E27FC236}">
@@ -4178,8 +5040,8 @@
         </p:nvSpPr>
         <p:spPr>
           <a:xfrm>
-            <a:off x="3365370" y="2253563"/>
-            <a:ext cx="1949212" cy="369332"/>
+            <a:off x="687441" y="2671291"/>
+            <a:ext cx="4504894" cy="1846659"/>
           </a:xfrm>
           <a:prstGeom prst="rect">
             <a:avLst/>
@@ -4192,17 +5054,155 @@
           </a:bodyPr>
           <a:lstStyle/>
           <a:p>
-            <a:r>
-              <a:rPr lang="de-DE" dirty="0"/>
-              <a:t>Was ist unsere Ziel</a:t>
-            </a:r>
-          </a:p>
-        </p:txBody>
-      </p:sp>
+            <a:pPr marL="342900" indent="-342900">
+              <a:buFont typeface="Arial" panose="020B0604020202020204" pitchFamily="34" charset="0"/>
+              <a:buChar char="•"/>
+            </a:pPr>
+            <a:r>
+              <a:rPr lang="de-DE" sz="2400" b="1" dirty="0">
+                <a:latin typeface="Andalus" panose="02020603050405020304" pitchFamily="18" charset="-78"/>
+                <a:cs typeface="Andalus" panose="02020603050405020304" pitchFamily="18" charset="-78"/>
+              </a:rPr>
+              <a:t>Was ist unsere Ziel ?</a:t>
+            </a:r>
+          </a:p>
+          <a:p>
+            <a:pPr marL="342900" indent="-342900">
+              <a:buFont typeface="Arial" panose="020B0604020202020204" pitchFamily="34" charset="0"/>
+              <a:buChar char="•"/>
+            </a:pPr>
+            <a:endParaRPr lang="de-DE" sz="2400" b="1" dirty="0">
+              <a:latin typeface="Andalus" panose="02020603050405020304" pitchFamily="18" charset="-78"/>
+              <a:cs typeface="Andalus" panose="02020603050405020304" pitchFamily="18" charset="-78"/>
+            </a:endParaRPr>
+          </a:p>
+          <a:p>
+            <a:pPr marL="342900" indent="-342900">
+              <a:buFont typeface="Arial" panose="020B0604020202020204" pitchFamily="34" charset="0"/>
+              <a:buChar char="•"/>
+            </a:pPr>
+            <a:r>
+              <a:rPr lang="de-DE" sz="2400" b="1" dirty="0">
+                <a:latin typeface="Andalus" panose="02020603050405020304" pitchFamily="18" charset="-78"/>
+                <a:cs typeface="Andalus" panose="02020603050405020304" pitchFamily="18" charset="-78"/>
+              </a:rPr>
+              <a:t>Warum haben wir für Fitness App Entschieden ?</a:t>
+            </a:r>
+          </a:p>
+          <a:p>
+            <a:endParaRPr lang="de-DE" dirty="0">
+              <a:latin typeface="Andalus" panose="02020603050405020304" pitchFamily="18" charset="-78"/>
+              <a:cs typeface="Andalus" panose="02020603050405020304" pitchFamily="18" charset="-78"/>
+            </a:endParaRPr>
+          </a:p>
+        </p:txBody>
+      </p:sp>
+      <mc:AlternateContent xmlns:mc="http://schemas.openxmlformats.org/markup-compatibility/2006">
+        <mc:Choice xmlns:p14="http://schemas.microsoft.com/office/powerpoint/2010/main" Requires="p14">
+          <p:contentPart p14:bwMode="auto" r:id="rId3">
+            <p14:nvContentPartPr>
+              <p14:cNvPr id="11" name="Freihand 10">
+                <a:extLst>
+                  <a:ext uri="{FF2B5EF4-FFF2-40B4-BE49-F238E27FC236}">
+                    <a16:creationId xmlns:a16="http://schemas.microsoft.com/office/drawing/2014/main" id="{29FC895D-E16D-23C2-0563-640C0CAAD8BF}"/>
+                  </a:ext>
+                </a:extLst>
+              </p14:cNvPr>
+              <p14:cNvContentPartPr/>
+              <p14:nvPr/>
+            </p14:nvContentPartPr>
+            <p14:xfrm>
+              <a:off x="287793" y="4173698"/>
+              <a:ext cx="4193640" cy="1081440"/>
+            </p14:xfrm>
+          </p:contentPart>
+        </mc:Choice>
+        <mc:Fallback>
+          <p:pic>
+            <p:nvPicPr>
+              <p:cNvPr id="11" name="Freihand 10">
+                <a:extLst>
+                  <a:ext uri="{FF2B5EF4-FFF2-40B4-BE49-F238E27FC236}">
+                    <a16:creationId xmlns:a16="http://schemas.microsoft.com/office/drawing/2014/main" id="{29FC895D-E16D-23C2-0563-640C0CAAD8BF}"/>
+                  </a:ext>
+                </a:extLst>
+              </p:cNvPr>
+              <p:cNvPicPr/>
+              <p:nvPr/>
+            </p:nvPicPr>
+            <p:blipFill>
+              <a:blip r:embed="rId4"/>
+              <a:stretch>
+                <a:fillRect/>
+              </a:stretch>
+            </p:blipFill>
+            <p:spPr>
+              <a:xfrm>
+                <a:off x="224793" y="4111058"/>
+                <a:ext cx="4319280" cy="1207080"/>
+              </a:xfrm>
+              <a:prstGeom prst="rect">
+                <a:avLst/>
+              </a:prstGeom>
+            </p:spPr>
+          </p:pic>
+        </mc:Fallback>
+      </mc:AlternateContent>
+      <mc:AlternateContent xmlns:mc="http://schemas.openxmlformats.org/markup-compatibility/2006">
+        <mc:Choice xmlns:p14="http://schemas.microsoft.com/office/powerpoint/2010/main" Requires="p14">
+          <p:contentPart p14:bwMode="auto" r:id="rId5">
+            <p14:nvContentPartPr>
+              <p14:cNvPr id="13" name="Freihand 12">
+                <a:extLst>
+                  <a:ext uri="{FF2B5EF4-FFF2-40B4-BE49-F238E27FC236}">
+                    <a16:creationId xmlns:a16="http://schemas.microsoft.com/office/drawing/2014/main" id="{157FE559-9FF9-B45A-E043-21E7821048D0}"/>
+                  </a:ext>
+                </a:extLst>
+              </p14:cNvPr>
+              <p14:cNvContentPartPr/>
+              <p14:nvPr/>
+            </p14:nvContentPartPr>
+            <p14:xfrm>
+              <a:off x="510978" y="595788"/>
+              <a:ext cx="734760" cy="159480"/>
+            </p14:xfrm>
+          </p:contentPart>
+        </mc:Choice>
+        <mc:Fallback>
+          <p:pic>
+            <p:nvPicPr>
+              <p:cNvPr id="13" name="Freihand 12">
+                <a:extLst>
+                  <a:ext uri="{FF2B5EF4-FFF2-40B4-BE49-F238E27FC236}">
+                    <a16:creationId xmlns:a16="http://schemas.microsoft.com/office/drawing/2014/main" id="{157FE559-9FF9-B45A-E043-21E7821048D0}"/>
+                  </a:ext>
+                </a:extLst>
+              </p:cNvPr>
+              <p:cNvPicPr/>
+              <p:nvPr/>
+            </p:nvPicPr>
+            <p:blipFill>
+              <a:blip r:embed="rId6"/>
+              <a:stretch>
+                <a:fillRect/>
+              </a:stretch>
+            </p:blipFill>
+            <p:spPr>
+              <a:xfrm>
+                <a:off x="447978" y="532788"/>
+                <a:ext cx="860400" cy="285120"/>
+              </a:xfrm>
+              <a:prstGeom prst="rect">
+                <a:avLst/>
+              </a:prstGeom>
+            </p:spPr>
+          </p:pic>
+        </mc:Fallback>
+      </mc:AlternateContent>
     </p:spTree>
     <p:extLst>
       <p:ext uri="{BB962C8B-B14F-4D97-AF65-F5344CB8AC3E}">
-        <p14:creationId xmlns:p14="http://schemas.microsoft.com/office/powerpoint/2010/main" val="1768499411"/>
+        <p14:creationId xmlns:p14="http://schemas.microsoft.com/office/powerpoint/2010/main" val="981428855"/>
       </p:ext>
     </p:extLst>
   </p:cSld>
@@ -4215,6 +5215,14 @@
 <file path=ppt/slides/slide3.xml><?xml version="1.0" encoding="utf-8"?>
 <p:sld xmlns:a="http://schemas.openxmlformats.org/drawingml/2006/main" xmlns:r="http://schemas.openxmlformats.org/officeDocument/2006/relationships" xmlns:p="http://schemas.openxmlformats.org/presentationml/2006/main">
   <p:cSld>
+    <p:bg>
+      <p:bgPr>
+        <a:solidFill>
+          <a:schemeClr val="bg1"/>
+        </a:solidFill>
+        <a:effectLst/>
+      </p:bgPr>
+    </p:bg>
     <p:spTree>
       <p:nvGrpSpPr>
         <p:cNvPr id="1" name=""/>
@@ -4229,38 +5237,52 @@
           <a:chExt cx="0" cy="0"/>
         </a:xfrm>
       </p:grpSpPr>
-      <p:sp>
-        <p:nvSpPr>
-          <p:cNvPr id="5" name="Rechteck 4">
-            <a:extLst>
-              <a:ext uri="{FF2B5EF4-FFF2-40B4-BE49-F238E27FC236}">
-                <a16:creationId xmlns:a16="http://schemas.microsoft.com/office/drawing/2014/main" id="{CDF96A6F-0EAE-9263-E5C2-E5CF3897A21F}"/>
-              </a:ext>
-            </a:extLst>
-          </p:cNvPr>
-          <p:cNvSpPr/>
-          <p:nvPr/>
+      <p:sp useBgFill="1">
+        <p:nvSpPr>
+          <p:cNvPr id="19" name="Rectangle 14">
+            <a:extLst>
+              <a:ext uri="{FF2B5EF4-FFF2-40B4-BE49-F238E27FC236}">
+                <a16:creationId xmlns:a16="http://schemas.microsoft.com/office/drawing/2014/main" id="{04812C46-200A-4DEB-A05E-3ED6C68C2387}"/>
+              </a:ext>
+              <a:ext uri="{C183D7F6-B498-43B3-948B-1728B52AA6E4}">
+                <adec:decorative xmlns:adec="http://schemas.microsoft.com/office/drawing/2017/decorative" val="1"/>
+              </a:ext>
+            </a:extLst>
+          </p:cNvPr>
+          <p:cNvSpPr>
+            <a:spLocks noGrp="1" noRot="1" noChangeAspect="1" noMove="1" noResize="1" noEditPoints="1" noAdjustHandles="1" noChangeArrowheads="1" noChangeShapeType="1" noTextEdit="1"/>
+          </p:cNvSpPr>
+          <p:nvPr>
+            <p:extLst>
+              <p:ext uri="{386F3935-93C4-4BCD-93E2-E3B085C9AB24}">
+                <p16:designElem xmlns:p16="http://schemas.microsoft.com/office/powerpoint/2015/main" val="1"/>
+              </p:ext>
+            </p:extLst>
+          </p:nvPr>
         </p:nvSpPr>
         <p:spPr>
           <a:xfrm>
-            <a:off x="0" y="0"/>
-            <a:ext cx="12192000" cy="6858000"/>
+            <a:off x="3049" y="0"/>
+            <a:ext cx="12188952" cy="6858000"/>
           </a:xfrm>
           <a:prstGeom prst="rect">
             <a:avLst/>
           </a:prstGeom>
+          <a:ln>
+            <a:noFill/>
+          </a:ln>
         </p:spPr>
         <p:style>
           <a:lnRef idx="2">
-            <a:schemeClr val="dk1">
+            <a:schemeClr val="accent1">
               <a:shade val="50000"/>
             </a:schemeClr>
           </a:lnRef>
           <a:fillRef idx="1">
-            <a:schemeClr val="dk1"/>
+            <a:schemeClr val="accent1"/>
           </a:fillRef>
           <a:effectRef idx="0">
-            <a:schemeClr val="dk1"/>
+            <a:schemeClr val="accent1"/>
           </a:effectRef>
           <a:fontRef idx="minor">
             <a:schemeClr val="lt1"/>
@@ -4271,16 +5293,16 @@
           <a:lstStyle/>
           <a:p>
             <a:pPr algn="ctr"/>
-            <a:endParaRPr lang="de-DE"/>
+            <a:endParaRPr lang="en-US"/>
           </a:p>
         </p:txBody>
       </p:sp>
       <p:pic>
         <p:nvPicPr>
-          <p:cNvPr id="4" name="Grafik 3">
-            <a:extLst>
-              <a:ext uri="{FF2B5EF4-FFF2-40B4-BE49-F238E27FC236}">
-                <a16:creationId xmlns:a16="http://schemas.microsoft.com/office/drawing/2014/main" id="{51C56FE1-03E4-3890-7531-C16044FED244}"/>
+          <p:cNvPr id="6" name="Grafik 5" descr="Ein Bild, das Boden, drinnen, Person, Fenster enthält.&#10;&#10;Automatisch generierte Beschreibung">
+            <a:extLst>
+              <a:ext uri="{FF2B5EF4-FFF2-40B4-BE49-F238E27FC236}">
+                <a16:creationId xmlns:a16="http://schemas.microsoft.com/office/drawing/2014/main" id="{CF3A1863-2089-9463-9F3B-D9F50506BDD6}"/>
               </a:ext>
             </a:extLst>
           </p:cNvPr>
@@ -4290,20 +5312,20 @@
           <p:nvPr/>
         </p:nvPicPr>
         <p:blipFill rotWithShape="1">
-          <a:blip r:embed="rId2">
+          <a:blip r:embed="rId3">
             <a:extLst>
               <a:ext uri="{28A0092B-C50C-407E-A947-70E740481C1C}">
                 <a14:useLocalDpi xmlns:a14="http://schemas.microsoft.com/office/drawing/2010/main" val="0"/>
               </a:ext>
             </a:extLst>
           </a:blip>
-          <a:srcRect t="16510" r="8992" b="11490"/>
+          <a:srcRect b="29077"/>
           <a:stretch/>
         </p:blipFill>
         <p:spPr>
           <a:xfrm>
-            <a:off x="2586474" y="1366307"/>
-            <a:ext cx="6537500" cy="5172065"/>
+            <a:off x="2521661" y="10"/>
+            <a:ext cx="9669642" cy="6857990"/>
           </a:xfrm>
           <a:prstGeom prst="rect">
             <a:avLst/>
@@ -4312,44 +5334,125 @@
       </p:pic>
       <p:sp>
         <p:nvSpPr>
-          <p:cNvPr id="2" name="Titel 1">
-            <a:extLst>
-              <a:ext uri="{FF2B5EF4-FFF2-40B4-BE49-F238E27FC236}">
-                <a16:creationId xmlns:a16="http://schemas.microsoft.com/office/drawing/2014/main" id="{682C68DC-BFF4-C91C-EA13-0B9AAC47258A}"/>
-              </a:ext>
-            </a:extLst>
-          </p:cNvPr>
-          <p:cNvSpPr>
-            <a:spLocks noGrp="1"/>
-          </p:cNvSpPr>
-          <p:nvPr>
-            <p:ph type="title"/>
+          <p:cNvPr id="20" name="Rectangle 16">
+            <a:extLst>
+              <a:ext uri="{FF2B5EF4-FFF2-40B4-BE49-F238E27FC236}">
+                <a16:creationId xmlns:a16="http://schemas.microsoft.com/office/drawing/2014/main" id="{D1EA859B-E555-4109-94F3-6700E046E008}"/>
+              </a:ext>
+              <a:ext uri="{C183D7F6-B498-43B3-948B-1728B52AA6E4}">
+                <adec:decorative xmlns:adec="http://schemas.microsoft.com/office/drawing/2017/decorative" val="1"/>
+              </a:ext>
+            </a:extLst>
+          </p:cNvPr>
+          <p:cNvSpPr>
+            <a:spLocks noGrp="1" noRot="1" noChangeAspect="1" noMove="1" noResize="1" noEditPoints="1" noAdjustHandles="1" noChangeArrowheads="1" noChangeShapeType="1" noTextEdit="1"/>
+          </p:cNvSpPr>
+          <p:nvPr>
+            <p:extLst>
+              <p:ext uri="{386F3935-93C4-4BCD-93E2-E3B085C9AB24}">
+                <p16:designElem xmlns:p16="http://schemas.microsoft.com/office/powerpoint/2015/main" val="1"/>
+              </p:ext>
+            </p:extLst>
           </p:nvPr>
         </p:nvSpPr>
         <p:spPr>
           <a:xfrm>
-            <a:off x="4554718" y="5538827"/>
-            <a:ext cx="3082564" cy="834003"/>
+            <a:off x="-1" y="0"/>
+            <a:ext cx="7390263" cy="6858000"/>
+          </a:xfrm>
+          <a:prstGeom prst="rect">
+            <a:avLst/>
+          </a:prstGeom>
+          <a:gradFill>
+            <a:gsLst>
+              <a:gs pos="48000">
+                <a:schemeClr val="bg1"/>
+              </a:gs>
+              <a:gs pos="35000">
+                <a:schemeClr val="bg1">
+                  <a:alpha val="77000"/>
+                </a:schemeClr>
+              </a:gs>
+              <a:gs pos="19000">
+                <a:schemeClr val="bg1">
+                  <a:alpha val="38000"/>
+                </a:schemeClr>
+              </a:gs>
+              <a:gs pos="0">
+                <a:schemeClr val="bg1">
+                  <a:alpha val="0"/>
+                </a:schemeClr>
+              </a:gs>
+              <a:gs pos="100000">
+                <a:schemeClr val="bg1"/>
+              </a:gs>
+            </a:gsLst>
+            <a:lin ang="10800000" scaled="0"/>
+          </a:gradFill>
+          <a:ln>
+            <a:noFill/>
+          </a:ln>
+        </p:spPr>
+        <p:style>
+          <a:lnRef idx="2">
+            <a:schemeClr val="accent1">
+              <a:shade val="50000"/>
+            </a:schemeClr>
+          </a:lnRef>
+          <a:fillRef idx="1">
+            <a:schemeClr val="accent1"/>
+          </a:fillRef>
+          <a:effectRef idx="0">
+            <a:schemeClr val="accent1"/>
+          </a:effectRef>
+          <a:fontRef idx="minor">
+            <a:schemeClr val="lt1"/>
+          </a:fontRef>
+        </p:style>
+        <p:txBody>
+          <a:bodyPr rtlCol="0" anchor="ctr"/>
+          <a:lstStyle/>
+          <a:p>
+            <a:pPr algn="ctr"/>
+            <a:endParaRPr lang="en-US" dirty="0"/>
+          </a:p>
+        </p:txBody>
+      </p:sp>
+      <p:sp>
+        <p:nvSpPr>
+          <p:cNvPr id="2" name="Titel 1">
+            <a:extLst>
+              <a:ext uri="{FF2B5EF4-FFF2-40B4-BE49-F238E27FC236}">
+                <a16:creationId xmlns:a16="http://schemas.microsoft.com/office/drawing/2014/main" id="{945A7EBA-1FA5-155B-66EE-4E09352A6E3F}"/>
+              </a:ext>
+            </a:extLst>
+          </p:cNvPr>
+          <p:cNvSpPr>
+            <a:spLocks noGrp="1"/>
+          </p:cNvSpPr>
+          <p:nvPr>
+            <p:ph type="title"/>
+          </p:nvPr>
+        </p:nvSpPr>
+        <p:spPr>
+          <a:xfrm>
+            <a:off x="838200" y="365125"/>
+            <a:ext cx="3822189" cy="1899912"/>
           </a:xfrm>
         </p:spPr>
         <p:txBody>
-          <a:bodyPr/>
-          <a:lstStyle/>
-          <a:p>
-            <a:r>
-              <a:rPr lang="de-DE" sz="4400" b="1" dirty="0">
-                <a:highlight>
-                  <a:srgbClr val="FFFF00"/>
-                </a:highlight>
-                <a:latin typeface="Algerian" panose="04020705040A02060702" pitchFamily="82" charset="0"/>
+          <a:bodyPr>
+            <a:normAutofit/>
+          </a:bodyPr>
+          <a:lstStyle/>
+          <a:p>
+            <a:r>
+              <a:rPr lang="de-DE" dirty="0">
+                <a:latin typeface="Andalus" panose="02020603050405020304" pitchFamily="18" charset="-78"/>
+                <a:cs typeface="Andalus" panose="02020603050405020304" pitchFamily="18" charset="-78"/>
               </a:rPr>
-              <a:t>GYMHOUSE</a:t>
-            </a:r>
-            <a:endParaRPr lang="de-DE" dirty="0">
-              <a:highlight>
-                <a:srgbClr val="FFFF00"/>
-              </a:highlight>
-            </a:endParaRPr>
+              <a:t>Gliederung</a:t>
+            </a:r>
           </a:p>
         </p:txBody>
       </p:sp>
@@ -4358,7 +5461,7 @@
           <p:cNvPr id="3" name="Inhaltsplatzhalter 2">
             <a:extLst>
               <a:ext uri="{FF2B5EF4-FFF2-40B4-BE49-F238E27FC236}">
-                <a16:creationId xmlns:a16="http://schemas.microsoft.com/office/drawing/2014/main" id="{F275F91B-BB24-CB11-76F8-2F312A22D3B8}"/>
+                <a16:creationId xmlns:a16="http://schemas.microsoft.com/office/drawing/2014/main" id="{7E9097B1-44DF-0857-8E3A-95888710F650}"/>
               </a:ext>
             </a:extLst>
           </p:cNvPr>
@@ -4371,68 +5474,115 @@
         </p:nvSpPr>
         <p:spPr>
           <a:xfrm>
-            <a:off x="4290374" y="1003948"/>
-            <a:ext cx="3611252" cy="663051"/>
+            <a:off x="838200" y="1911686"/>
+            <a:ext cx="4742793" cy="4423799"/>
           </a:xfrm>
         </p:spPr>
         <p:txBody>
           <a:bodyPr>
-            <a:normAutofit fontScale="47500" lnSpcReduction="20000"/>
+            <a:normAutofit fontScale="92500" lnSpcReduction="10000"/>
           </a:bodyPr>
           <a:lstStyle/>
           <a:p>
-            <a:r>
-              <a:rPr lang="de-DE" dirty="0">
-                <a:solidFill>
-                  <a:schemeClr val="bg1">
-                    <a:lumMod val="65000"/>
-                  </a:schemeClr>
-                </a:solidFill>
+            <a:pPr marL="0" indent="0">
+              <a:buNone/>
+            </a:pPr>
+            <a:endParaRPr lang="de-DE" sz="2000" dirty="0"/>
+          </a:p>
+          <a:p>
+            <a:r>
+              <a:rPr lang="de-DE" sz="2600" dirty="0">
+                <a:latin typeface="Andalus" panose="02020603050405020304" pitchFamily="18" charset="-78"/>
+                <a:cs typeface="Andalus" panose="02020603050405020304" pitchFamily="18" charset="-78"/>
               </a:rPr>
-              <a:t>Was ist unsere Ziel</a:t>
-            </a:r>
-          </a:p>
-          <a:p>
-            <a:r>
-              <a:rPr lang="de-DE" dirty="0">
-                <a:solidFill>
-                  <a:schemeClr val="bg1">
-                    <a:lumMod val="65000"/>
-                  </a:schemeClr>
-                </a:solidFill>
+              <a:t>Vorbereitung (Informationen, Design &amp; Ressourcen)</a:t>
+            </a:r>
+          </a:p>
+          <a:p>
+            <a:endParaRPr lang="de-DE" sz="700" dirty="0">
+              <a:latin typeface="Andalus" panose="02020603050405020304" pitchFamily="18" charset="-78"/>
+              <a:cs typeface="Andalus" panose="02020603050405020304" pitchFamily="18" charset="-78"/>
+            </a:endParaRPr>
+          </a:p>
+          <a:p>
+            <a:r>
+              <a:rPr lang="de-DE" sz="2600" dirty="0">
+                <a:latin typeface="Andalus" panose="02020603050405020304" pitchFamily="18" charset="-78"/>
+                <a:cs typeface="Andalus" panose="02020603050405020304" pitchFamily="18" charset="-78"/>
               </a:rPr>
-              <a:t>Warum wir uns für Fitness </a:t>
-            </a:r>
-            <a:r>
-              <a:rPr lang="de-DE" dirty="0" err="1">
-                <a:solidFill>
-                  <a:schemeClr val="bg1">
-                    <a:lumMod val="65000"/>
-                  </a:schemeClr>
-                </a:solidFill>
+              <a:t>Android Studio</a:t>
+            </a:r>
+          </a:p>
+          <a:p>
+            <a:endParaRPr lang="de-DE" sz="600" dirty="0">
+              <a:latin typeface="Andalus" panose="02020603050405020304" pitchFamily="18" charset="-78"/>
+              <a:cs typeface="Andalus" panose="02020603050405020304" pitchFamily="18" charset="-78"/>
+            </a:endParaRPr>
+          </a:p>
+          <a:p>
+            <a:r>
+              <a:rPr lang="de-DE" sz="2600" dirty="0">
+                <a:latin typeface="Andalus" panose="02020603050405020304" pitchFamily="18" charset="-78"/>
+                <a:cs typeface="Andalus" panose="02020603050405020304" pitchFamily="18" charset="-78"/>
               </a:rPr>
-              <a:t>app</a:t>
-            </a:r>
-            <a:r>
-              <a:rPr lang="de-DE" dirty="0">
-                <a:solidFill>
-                  <a:schemeClr val="bg1">
-                    <a:lumMod val="65000"/>
-                  </a:schemeClr>
-                </a:solidFill>
+              <a:t>Programmiersprache XML</a:t>
+            </a:r>
+          </a:p>
+          <a:p>
+            <a:endParaRPr lang="de-DE" sz="600" dirty="0">
+              <a:latin typeface="Andalus" panose="02020603050405020304" pitchFamily="18" charset="-78"/>
+              <a:cs typeface="Andalus" panose="02020603050405020304" pitchFamily="18" charset="-78"/>
+            </a:endParaRPr>
+          </a:p>
+          <a:p>
+            <a:r>
+              <a:rPr lang="de-DE" sz="2600" dirty="0">
+                <a:latin typeface="Andalus" panose="02020603050405020304" pitchFamily="18" charset="-78"/>
+                <a:cs typeface="Andalus" panose="02020603050405020304" pitchFamily="18" charset="-78"/>
               </a:rPr>
-              <a:t> entschieden</a:t>
-            </a:r>
-          </a:p>
-          <a:p>
-            <a:endParaRPr lang="de-DE" dirty="0"/>
+              <a:t>Datenbank </a:t>
+            </a:r>
+          </a:p>
+          <a:p>
+            <a:endParaRPr lang="de-DE" sz="600" dirty="0">
+              <a:latin typeface="Andalus" panose="02020603050405020304" pitchFamily="18" charset="-78"/>
+              <a:cs typeface="Andalus" panose="02020603050405020304" pitchFamily="18" charset="-78"/>
+            </a:endParaRPr>
+          </a:p>
+          <a:p>
+            <a:r>
+              <a:rPr lang="de-DE" sz="2600" dirty="0">
+                <a:latin typeface="Andalus" panose="02020603050405020304" pitchFamily="18" charset="-78"/>
+                <a:cs typeface="Andalus" panose="02020603050405020304" pitchFamily="18" charset="-78"/>
+              </a:rPr>
+              <a:t>Java/ Kotlin</a:t>
+            </a:r>
+          </a:p>
+          <a:p>
+            <a:endParaRPr lang="de-DE" sz="500" dirty="0">
+              <a:latin typeface="Andalus" panose="02020603050405020304" pitchFamily="18" charset="-78"/>
+              <a:cs typeface="Andalus" panose="02020603050405020304" pitchFamily="18" charset="-78"/>
+            </a:endParaRPr>
+          </a:p>
+          <a:p>
+            <a:r>
+              <a:rPr lang="de-DE" sz="2600" dirty="0">
+                <a:latin typeface="Andalus" panose="02020603050405020304" pitchFamily="18" charset="-78"/>
+                <a:cs typeface="Andalus" panose="02020603050405020304" pitchFamily="18" charset="-78"/>
+              </a:rPr>
+              <a:t>Quellen</a:t>
+            </a:r>
+            <a:endParaRPr lang="de-DE" sz="1900" dirty="0">
+              <a:latin typeface="Andalus" panose="02020603050405020304" pitchFamily="18" charset="-78"/>
+              <a:cs typeface="Andalus" panose="02020603050405020304" pitchFamily="18" charset="-78"/>
+            </a:endParaRPr>
           </a:p>
         </p:txBody>
       </p:sp>
     </p:spTree>
     <p:extLst>
       <p:ext uri="{BB962C8B-B14F-4D97-AF65-F5344CB8AC3E}">
-        <p14:creationId xmlns:p14="http://schemas.microsoft.com/office/powerpoint/2010/main" val="664935363"/>
+        <p14:creationId xmlns:p14="http://schemas.microsoft.com/office/powerpoint/2010/main" val="3366254452"/>
       </p:ext>
     </p:extLst>
   </p:cSld>
@@ -4464,7 +5614,7 @@
           <p:cNvPr id="2" name="Titel 1">
             <a:extLst>
               <a:ext uri="{FF2B5EF4-FFF2-40B4-BE49-F238E27FC236}">
-                <a16:creationId xmlns:a16="http://schemas.microsoft.com/office/drawing/2014/main" id="{945A7EBA-1FA5-155B-66EE-4E09352A6E3F}"/>
+                <a16:creationId xmlns:a16="http://schemas.microsoft.com/office/drawing/2014/main" id="{A08018C7-27BC-F6FB-2D65-C5FDC7D609B2}"/>
               </a:ext>
             </a:extLst>
           </p:cNvPr>
@@ -4475,91 +5625,191 @@
             <p:ph type="title"/>
           </p:nvPr>
         </p:nvSpPr>
-        <p:spPr/>
+        <p:spPr>
+          <a:xfrm>
+            <a:off x="838200" y="365125"/>
+            <a:ext cx="1583453" cy="1325563"/>
+          </a:xfrm>
+        </p:spPr>
         <p:txBody>
           <a:bodyPr/>
           <a:lstStyle/>
           <a:p>
             <a:r>
-              <a:rPr lang="de-DE" dirty="0"/>
-              <a:t>Gliederung</a:t>
-            </a:r>
-          </a:p>
-        </p:txBody>
-      </p:sp>
-      <p:sp>
-        <p:nvSpPr>
-          <p:cNvPr id="3" name="Inhaltsplatzhalter 2">
-            <a:extLst>
-              <a:ext uri="{FF2B5EF4-FFF2-40B4-BE49-F238E27FC236}">
-                <a16:creationId xmlns:a16="http://schemas.microsoft.com/office/drawing/2014/main" id="{7E9097B1-44DF-0857-8E3A-95888710F650}"/>
-              </a:ext>
-            </a:extLst>
-          </p:cNvPr>
-          <p:cNvSpPr>
-            <a:spLocks noGrp="1"/>
-          </p:cNvSpPr>
-          <p:nvPr>
-            <p:ph idx="1"/>
-          </p:nvPr>
-        </p:nvSpPr>
-        <p:spPr/>
-        <p:txBody>
-          <a:bodyPr/>
-          <a:lstStyle/>
-          <a:p>
-            <a:pPr marL="0" indent="0">
-              <a:buNone/>
+              <a:rPr lang="de-DE" dirty="0">
+                <a:latin typeface="Andalus" panose="02020603050405020304" pitchFamily="18" charset="-78"/>
+                <a:cs typeface="Andalus" panose="02020603050405020304" pitchFamily="18" charset="-78"/>
+              </a:rPr>
+              <a:t>XML</a:t>
+            </a:r>
+            <a:endParaRPr lang="en-US" dirty="0">
+              <a:latin typeface="Andalus" panose="02020603050405020304" pitchFamily="18" charset="-78"/>
+              <a:cs typeface="Andalus" panose="02020603050405020304" pitchFamily="18" charset="-78"/>
+            </a:endParaRPr>
+          </a:p>
+        </p:txBody>
+      </p:sp>
+      <p:sp>
+        <p:nvSpPr>
+          <p:cNvPr id="6" name="Textfeld 5">
+            <a:extLst>
+              <a:ext uri="{FF2B5EF4-FFF2-40B4-BE49-F238E27FC236}">
+                <a16:creationId xmlns:a16="http://schemas.microsoft.com/office/drawing/2014/main" id="{5E8C34F8-26C3-F969-2737-8CACE4BC0A4D}"/>
+              </a:ext>
+            </a:extLst>
+          </p:cNvPr>
+          <p:cNvSpPr txBox="1"/>
+          <p:nvPr/>
+        </p:nvSpPr>
+        <p:spPr>
+          <a:xfrm>
+            <a:off x="757816" y="1268657"/>
+            <a:ext cx="3995057" cy="461665"/>
+          </a:xfrm>
+          <a:prstGeom prst="rect">
+            <a:avLst/>
+          </a:prstGeom>
+          <a:noFill/>
+        </p:spPr>
+        <p:txBody>
+          <a:bodyPr wrap="square" rtlCol="0">
+            <a:spAutoFit/>
+          </a:bodyPr>
+          <a:lstStyle/>
+          <a:p>
+            <a:pPr algn="ctr"/>
+            <a:r>
+              <a:rPr lang="en-US" sz="2400" dirty="0">
+                <a:latin typeface="Andalus" panose="02020603050405020304" pitchFamily="18" charset="-78"/>
+                <a:cs typeface="Andalus" panose="02020603050405020304" pitchFamily="18" charset="-78"/>
+              </a:rPr>
+              <a:t>Extensible Markup Language</a:t>
+            </a:r>
+          </a:p>
+        </p:txBody>
+      </p:sp>
+      <p:sp>
+        <p:nvSpPr>
+          <p:cNvPr id="7" name="Textfeld 6">
+            <a:extLst>
+              <a:ext uri="{FF2B5EF4-FFF2-40B4-BE49-F238E27FC236}">
+                <a16:creationId xmlns:a16="http://schemas.microsoft.com/office/drawing/2014/main" id="{1D81F74A-3A6E-1ACC-DFB3-96A33352F6B1}"/>
+              </a:ext>
+            </a:extLst>
+          </p:cNvPr>
+          <p:cNvSpPr txBox="1"/>
+          <p:nvPr/>
+        </p:nvSpPr>
+        <p:spPr>
+          <a:xfrm>
+            <a:off x="838200" y="2230733"/>
+            <a:ext cx="3633316" cy="2862322"/>
+          </a:xfrm>
+          <a:prstGeom prst="rect">
+            <a:avLst/>
+          </a:prstGeom>
+          <a:noFill/>
+        </p:spPr>
+        <p:txBody>
+          <a:bodyPr wrap="square" rtlCol="0">
+            <a:spAutoFit/>
+          </a:bodyPr>
+          <a:lstStyle/>
+          <a:p>
+            <a:pPr marL="285750" indent="-285750">
+              <a:buFont typeface="Arial" panose="020B0604020202020204" pitchFamily="34" charset="0"/>
+              <a:buChar char="•"/>
             </a:pPr>
-            <a:endParaRPr lang="de-DE" dirty="0"/>
-          </a:p>
-          <a:p>
-            <a:r>
-              <a:rPr lang="de-DE" dirty="0"/>
-              <a:t>Vorbereitung (Informationen, Design &amp; Ressourcen)</a:t>
-            </a:r>
-          </a:p>
-          <a:p>
-            <a:r>
-              <a:rPr lang="de-DE" dirty="0"/>
-              <a:t>Android Studio:</a:t>
-            </a:r>
-          </a:p>
-          <a:p>
-            <a:r>
-              <a:rPr lang="de-DE" dirty="0"/>
-              <a:t>Programmiersprache XML</a:t>
-            </a:r>
-          </a:p>
-          <a:p>
-            <a:r>
-              <a:rPr lang="de-DE" dirty="0"/>
-              <a:t>Datenbank </a:t>
-            </a:r>
-          </a:p>
-          <a:p>
-            <a:r>
-              <a:rPr lang="de-DE" dirty="0"/>
-              <a:t>Java/ </a:t>
-            </a:r>
-            <a:r>
-              <a:rPr lang="de-DE" dirty="0" err="1"/>
-              <a:t>Kotlin</a:t>
-            </a:r>
-            <a:endParaRPr lang="de-DE" dirty="0"/>
-          </a:p>
-          <a:p>
-            <a:r>
-              <a:rPr lang="de-DE" dirty="0"/>
-              <a:t>Quellen</a:t>
-            </a:r>
-          </a:p>
-        </p:txBody>
-      </p:sp>
+            <a:r>
+              <a:rPr lang="de-DE" sz="2000" dirty="0">
+                <a:latin typeface="Andalus" panose="02020603050405020304" pitchFamily="18" charset="-78"/>
+                <a:cs typeface="Andalus" panose="02020603050405020304" pitchFamily="18" charset="-78"/>
+              </a:rPr>
+              <a:t>Es ist eine Methode zur Speicherung strukturierter Daten in Textform</a:t>
+            </a:r>
+          </a:p>
+          <a:p>
+            <a:pPr marL="285750" indent="-285750">
+              <a:buFont typeface="Arial" panose="020B0604020202020204" pitchFamily="34" charset="0"/>
+              <a:buChar char="•"/>
+            </a:pPr>
+            <a:endParaRPr lang="de-DE" sz="2000" dirty="0">
+              <a:latin typeface="Andalus" panose="02020603050405020304" pitchFamily="18" charset="-78"/>
+              <a:cs typeface="Andalus" panose="02020603050405020304" pitchFamily="18" charset="-78"/>
+            </a:endParaRPr>
+          </a:p>
+          <a:p>
+            <a:pPr marL="285750" indent="-285750">
+              <a:buFont typeface="Arial" panose="020B0604020202020204" pitchFamily="34" charset="0"/>
+              <a:buChar char="•"/>
+            </a:pPr>
+            <a:r>
+              <a:rPr lang="de-DE" sz="2000" dirty="0">
+                <a:latin typeface="Andalus" panose="02020603050405020304" pitchFamily="18" charset="-78"/>
+                <a:cs typeface="Andalus" panose="02020603050405020304" pitchFamily="18" charset="-78"/>
+              </a:rPr>
+              <a:t>XML sieht aus wie HTML, ist aber kein HTML</a:t>
+            </a:r>
+          </a:p>
+          <a:p>
+            <a:pPr marL="285750" indent="-285750">
+              <a:buFont typeface="Arial" panose="020B0604020202020204" pitchFamily="34" charset="0"/>
+              <a:buChar char="•"/>
+            </a:pPr>
+            <a:endParaRPr lang="de-DE" sz="2000" dirty="0">
+              <a:latin typeface="Andalus" panose="02020603050405020304" pitchFamily="18" charset="-78"/>
+              <a:cs typeface="Andalus" panose="02020603050405020304" pitchFamily="18" charset="-78"/>
+            </a:endParaRPr>
+          </a:p>
+          <a:p>
+            <a:pPr marL="285750" indent="-285750">
+              <a:buFont typeface="Arial" panose="020B0604020202020204" pitchFamily="34" charset="0"/>
+              <a:buChar char="•"/>
+            </a:pPr>
+            <a:r>
+              <a:rPr lang="de-DE" sz="2000" dirty="0">
+                <a:latin typeface="Andalus" panose="02020603050405020304" pitchFamily="18" charset="-78"/>
+                <a:cs typeface="Andalus" panose="02020603050405020304" pitchFamily="18" charset="-78"/>
+              </a:rPr>
+              <a:t>XML ist Text, aber nicht zum Lesen nur für den PC Lesbar</a:t>
+            </a:r>
+          </a:p>
+        </p:txBody>
+      </p:sp>
+      <p:pic>
+        <p:nvPicPr>
+          <p:cNvPr id="10" name="Grafik 9">
+            <a:extLst>
+              <a:ext uri="{FF2B5EF4-FFF2-40B4-BE49-F238E27FC236}">
+                <a16:creationId xmlns:a16="http://schemas.microsoft.com/office/drawing/2014/main" id="{C4801B08-2743-146E-F43E-F6A1F6CA1EDB}"/>
+              </a:ext>
+            </a:extLst>
+          </p:cNvPr>
+          <p:cNvPicPr>
+            <a:picLocks noChangeAspect="1"/>
+          </p:cNvPicPr>
+          <p:nvPr/>
+        </p:nvPicPr>
+        <p:blipFill>
+          <a:blip r:embed="rId2"/>
+          <a:stretch>
+            <a:fillRect/>
+          </a:stretch>
+        </p:blipFill>
+        <p:spPr>
+          <a:xfrm>
+            <a:off x="4672483" y="1832183"/>
+            <a:ext cx="7397890" cy="3898760"/>
+          </a:xfrm>
+          <a:prstGeom prst="rect">
+            <a:avLst/>
+          </a:prstGeom>
+        </p:spPr>
+      </p:pic>
     </p:spTree>
     <p:extLst>
       <p:ext uri="{BB962C8B-B14F-4D97-AF65-F5344CB8AC3E}">
-        <p14:creationId xmlns:p14="http://schemas.microsoft.com/office/powerpoint/2010/main" val="3366254452"/>
+        <p14:creationId xmlns:p14="http://schemas.microsoft.com/office/powerpoint/2010/main" val="373475747"/>
       </p:ext>
     </p:extLst>
   </p:cSld>
@@ -4591,7 +5841,7 @@
           <p:cNvPr id="2" name="Titel 1">
             <a:extLst>
               <a:ext uri="{FF2B5EF4-FFF2-40B4-BE49-F238E27FC236}">
-                <a16:creationId xmlns:a16="http://schemas.microsoft.com/office/drawing/2014/main" id="{00BAAC91-FB25-C341-22F1-CB06AFB5F824}"/>
+                <a16:creationId xmlns:a16="http://schemas.microsoft.com/office/drawing/2014/main" id="{A08018C7-27BC-F6FB-2D65-C5FDC7D609B2}"/>
               </a:ext>
             </a:extLst>
           </p:cNvPr>
@@ -4602,47 +5852,109 @@
             <p:ph type="title"/>
           </p:nvPr>
         </p:nvSpPr>
-        <p:spPr/>
+        <p:spPr>
+          <a:xfrm>
+            <a:off x="838200" y="365125"/>
+            <a:ext cx="1583453" cy="1325563"/>
+          </a:xfrm>
+        </p:spPr>
         <p:txBody>
           <a:bodyPr/>
           <a:lstStyle/>
           <a:p>
             <a:r>
+              <a:rPr lang="de-DE" dirty="0">
+                <a:latin typeface="Andalus" panose="02020603050405020304" pitchFamily="18" charset="-78"/>
+                <a:cs typeface="Andalus" panose="02020603050405020304" pitchFamily="18" charset="-78"/>
+              </a:rPr>
+              <a:t>XML</a:t>
+            </a:r>
+            <a:endParaRPr lang="en-US" dirty="0">
+              <a:latin typeface="Andalus" panose="02020603050405020304" pitchFamily="18" charset="-78"/>
+              <a:cs typeface="Andalus" panose="02020603050405020304" pitchFamily="18" charset="-78"/>
+            </a:endParaRPr>
+          </a:p>
+        </p:txBody>
+      </p:sp>
+      <p:sp>
+        <p:nvSpPr>
+          <p:cNvPr id="6" name="Textfeld 5">
+            <a:extLst>
+              <a:ext uri="{FF2B5EF4-FFF2-40B4-BE49-F238E27FC236}">
+                <a16:creationId xmlns:a16="http://schemas.microsoft.com/office/drawing/2014/main" id="{5E8C34F8-26C3-F969-2737-8CACE4BC0A4D}"/>
+              </a:ext>
+            </a:extLst>
+          </p:cNvPr>
+          <p:cNvSpPr txBox="1"/>
+          <p:nvPr/>
+        </p:nvSpPr>
+        <p:spPr>
+          <a:xfrm>
+            <a:off x="757816" y="1268657"/>
+            <a:ext cx="3995057" cy="461665"/>
+          </a:xfrm>
+          <a:prstGeom prst="rect">
+            <a:avLst/>
+          </a:prstGeom>
+          <a:noFill/>
+        </p:spPr>
+        <p:txBody>
+          <a:bodyPr wrap="square" rtlCol="0">
+            <a:spAutoFit/>
+          </a:bodyPr>
+          <a:lstStyle/>
+          <a:p>
+            <a:pPr algn="ctr"/>
+            <a:r>
+              <a:rPr lang="en-US" sz="2400" dirty="0">
+                <a:latin typeface="Andalus" panose="02020603050405020304" pitchFamily="18" charset="-78"/>
+                <a:cs typeface="Andalus" panose="02020603050405020304" pitchFamily="18" charset="-78"/>
+              </a:rPr>
+              <a:t>Extensible Markup Language</a:t>
+            </a:r>
+          </a:p>
+        </p:txBody>
+      </p:sp>
+      <p:sp>
+        <p:nvSpPr>
+          <p:cNvPr id="3" name="Textfeld 2">
+            <a:extLst>
+              <a:ext uri="{FF2B5EF4-FFF2-40B4-BE49-F238E27FC236}">
+                <a16:creationId xmlns:a16="http://schemas.microsoft.com/office/drawing/2014/main" id="{E3B8BC06-B506-5F82-0F66-D286AE7A1FAF}"/>
+              </a:ext>
+            </a:extLst>
+          </p:cNvPr>
+          <p:cNvSpPr txBox="1"/>
+          <p:nvPr/>
+        </p:nvSpPr>
+        <p:spPr>
+          <a:xfrm>
+            <a:off x="2230734" y="3074796"/>
+            <a:ext cx="1647930" cy="923330"/>
+          </a:xfrm>
+          <a:prstGeom prst="rect">
+            <a:avLst/>
+          </a:prstGeom>
+          <a:noFill/>
+        </p:spPr>
+        <p:txBody>
+          <a:bodyPr wrap="square" rtlCol="0">
+            <a:spAutoFit/>
+          </a:bodyPr>
+          <a:lstStyle/>
+          <a:p>
+            <a:r>
               <a:rPr lang="de-DE" dirty="0"/>
-              <a:t>Logo</a:t>
-            </a:r>
-          </a:p>
-        </p:txBody>
-      </p:sp>
-      <p:sp>
-        <p:nvSpPr>
-          <p:cNvPr id="3" name="Inhaltsplatzhalter 2">
-            <a:extLst>
-              <a:ext uri="{FF2B5EF4-FFF2-40B4-BE49-F238E27FC236}">
-                <a16:creationId xmlns:a16="http://schemas.microsoft.com/office/drawing/2014/main" id="{981B4F84-CEE1-84DC-C34F-EA876C85BE8E}"/>
-              </a:ext>
-            </a:extLst>
-          </p:cNvPr>
-          <p:cNvSpPr>
-            <a:spLocks noGrp="1"/>
-          </p:cNvSpPr>
-          <p:nvPr>
-            <p:ph idx="1"/>
-          </p:nvPr>
-        </p:nvSpPr>
-        <p:spPr/>
-        <p:txBody>
-          <a:bodyPr/>
-          <a:lstStyle/>
-          <a:p>
-            <a:endParaRPr lang="de-DE"/>
+              <a:t>Bild von unserer Projekt code</a:t>
+            </a:r>
+            <a:endParaRPr lang="en-US" dirty="0"/>
           </a:p>
         </p:txBody>
       </p:sp>
     </p:spTree>
     <p:extLst>
       <p:ext uri="{BB962C8B-B14F-4D97-AF65-F5344CB8AC3E}">
-        <p14:creationId xmlns:p14="http://schemas.microsoft.com/office/powerpoint/2010/main" val="1538932283"/>
+        <p14:creationId xmlns:p14="http://schemas.microsoft.com/office/powerpoint/2010/main" val="2685919652"/>
       </p:ext>
     </p:extLst>
   </p:cSld>
@@ -4674,7 +5986,7 @@
           <p:cNvPr id="2" name="Titel 1">
             <a:extLst>
               <a:ext uri="{FF2B5EF4-FFF2-40B4-BE49-F238E27FC236}">
-                <a16:creationId xmlns:a16="http://schemas.microsoft.com/office/drawing/2014/main" id="{F9D738B5-7B64-E76E-9067-7F3482F04D24}"/>
+                <a16:creationId xmlns:a16="http://schemas.microsoft.com/office/drawing/2014/main" id="{00BAAC91-FB25-C341-22F1-CB06AFB5F824}"/>
               </a:ext>
             </a:extLst>
           </p:cNvPr>
@@ -4685,63 +5997,193 @@
             <p:ph type="title"/>
           </p:nvPr>
         </p:nvSpPr>
+        <p:spPr>
+          <a:xfrm>
+            <a:off x="2793546" y="693118"/>
+            <a:ext cx="1250269" cy="823912"/>
+          </a:xfrm>
+        </p:spPr>
+        <p:txBody>
+          <a:bodyPr/>
+          <a:lstStyle/>
+          <a:p>
+            <a:pPr algn="ctr"/>
+            <a:r>
+              <a:rPr lang="de-DE" sz="4000" b="1" dirty="0">
+                <a:latin typeface="Andalus" panose="02020603050405020304" pitchFamily="18" charset="-78"/>
+                <a:cs typeface="Andalus" panose="02020603050405020304" pitchFamily="18" charset="-78"/>
+              </a:rPr>
+              <a:t>Logo</a:t>
+            </a:r>
+            <a:endParaRPr lang="de-DE" b="1" dirty="0">
+              <a:latin typeface="Andalus" panose="02020603050405020304" pitchFamily="18" charset="-78"/>
+              <a:cs typeface="Andalus" panose="02020603050405020304" pitchFamily="18" charset="-78"/>
+            </a:endParaRPr>
+          </a:p>
+        </p:txBody>
+      </p:sp>
+      <p:sp>
+        <p:nvSpPr>
+          <p:cNvPr id="10" name="Textplatzhalter 9">
+            <a:extLst>
+              <a:ext uri="{FF2B5EF4-FFF2-40B4-BE49-F238E27FC236}">
+                <a16:creationId xmlns:a16="http://schemas.microsoft.com/office/drawing/2014/main" id="{5405A843-FC3F-1CBD-2E98-6738D052C27F}"/>
+              </a:ext>
+            </a:extLst>
+          </p:cNvPr>
+          <p:cNvSpPr>
+            <a:spLocks noGrp="1"/>
+          </p:cNvSpPr>
+          <p:nvPr>
+            <p:ph type="body" idx="1"/>
+          </p:nvPr>
+        </p:nvSpPr>
         <p:spPr/>
         <p:txBody>
           <a:bodyPr/>
           <a:lstStyle/>
           <a:p>
-            <a:r>
-              <a:rPr lang="de-DE" dirty="0"/>
+            <a:endParaRPr lang="en-US"/>
+          </a:p>
+        </p:txBody>
+      </p:sp>
+      <p:sp>
+        <p:nvSpPr>
+          <p:cNvPr id="11" name="Inhaltsplatzhalter 10">
+            <a:extLst>
+              <a:ext uri="{FF2B5EF4-FFF2-40B4-BE49-F238E27FC236}">
+                <a16:creationId xmlns:a16="http://schemas.microsoft.com/office/drawing/2014/main" id="{FA541FC0-70E9-C88C-ADA0-4BEBD70F66FA}"/>
+              </a:ext>
+            </a:extLst>
+          </p:cNvPr>
+          <p:cNvSpPr>
+            <a:spLocks noGrp="1"/>
+          </p:cNvSpPr>
+          <p:nvPr>
+            <p:ph sz="half" idx="2"/>
+          </p:nvPr>
+        </p:nvSpPr>
+        <p:spPr/>
+        <p:txBody>
+          <a:bodyPr/>
+          <a:lstStyle/>
+          <a:p>
+            <a:endParaRPr lang="en-US"/>
+          </a:p>
+        </p:txBody>
+      </p:sp>
+      <p:sp>
+        <p:nvSpPr>
+          <p:cNvPr id="12" name="Textplatzhalter 11">
+            <a:extLst>
+              <a:ext uri="{FF2B5EF4-FFF2-40B4-BE49-F238E27FC236}">
+                <a16:creationId xmlns:a16="http://schemas.microsoft.com/office/drawing/2014/main" id="{FA163909-66E3-D141-21DF-2C6E39B341F9}"/>
+              </a:ext>
+            </a:extLst>
+          </p:cNvPr>
+          <p:cNvSpPr>
+            <a:spLocks noGrp="1"/>
+          </p:cNvSpPr>
+          <p:nvPr>
+            <p:ph type="body" sz="quarter" idx="3"/>
+          </p:nvPr>
+        </p:nvSpPr>
+        <p:spPr/>
+        <p:txBody>
+          <a:bodyPr/>
+          <a:lstStyle/>
+          <a:p>
+            <a:endParaRPr lang="en-US"/>
+          </a:p>
+        </p:txBody>
+      </p:sp>
+      <p:sp>
+        <p:nvSpPr>
+          <p:cNvPr id="13" name="Inhaltsplatzhalter 12">
+            <a:extLst>
+              <a:ext uri="{FF2B5EF4-FFF2-40B4-BE49-F238E27FC236}">
+                <a16:creationId xmlns:a16="http://schemas.microsoft.com/office/drawing/2014/main" id="{8BC33DB2-0590-46E4-8F3B-9E5BECB3BA88}"/>
+              </a:ext>
+            </a:extLst>
+          </p:cNvPr>
+          <p:cNvSpPr>
+            <a:spLocks noGrp="1"/>
+          </p:cNvSpPr>
+          <p:nvPr>
+            <p:ph sz="quarter" idx="4"/>
+          </p:nvPr>
+        </p:nvSpPr>
+        <p:spPr/>
+        <p:txBody>
+          <a:bodyPr/>
+          <a:lstStyle/>
+          <a:p>
+            <a:endParaRPr lang="en-US"/>
+          </a:p>
+        </p:txBody>
+      </p:sp>
+      <p:sp>
+        <p:nvSpPr>
+          <p:cNvPr id="9" name="Titel 1">
+            <a:extLst>
+              <a:ext uri="{FF2B5EF4-FFF2-40B4-BE49-F238E27FC236}">
+                <a16:creationId xmlns:a16="http://schemas.microsoft.com/office/drawing/2014/main" id="{6CF6430C-9C07-92D8-9B2D-0FBCBDA0C3A4}"/>
+              </a:ext>
+            </a:extLst>
+          </p:cNvPr>
+          <p:cNvSpPr txBox="1">
+            <a:spLocks/>
+          </p:cNvSpPr>
+          <p:nvPr/>
+        </p:nvSpPr>
+        <p:spPr>
+          <a:xfrm>
+            <a:off x="7504819" y="770147"/>
+            <a:ext cx="2517950" cy="911016"/>
+          </a:xfrm>
+          <a:prstGeom prst="rect">
+            <a:avLst/>
+          </a:prstGeom>
+        </p:spPr>
+        <p:txBody>
+          <a:bodyPr vert="horz" lIns="91440" tIns="45720" rIns="91440" bIns="45720" rtlCol="0" anchor="ctr">
+            <a:normAutofit/>
+          </a:bodyPr>
+          <a:lstStyle>
+            <a:lvl1pPr algn="l" defTabSz="914400" rtl="0" eaLnBrk="1" latinLnBrk="0" hangingPunct="1">
+              <a:lnSpc>
+                <a:spcPct val="90000"/>
+              </a:lnSpc>
+              <a:spcBef>
+                <a:spcPct val="0"/>
+              </a:spcBef>
+              <a:buNone/>
+              <a:defRPr sz="4400" kern="1200">
+                <a:solidFill>
+                  <a:schemeClr val="tx1"/>
+                </a:solidFill>
+                <a:latin typeface="+mj-lt"/>
+                <a:ea typeface="+mj-ea"/>
+                <a:cs typeface="+mj-cs"/>
+              </a:defRPr>
+            </a:lvl1pPr>
+          </a:lstStyle>
+          <a:p>
+            <a:pPr algn="ctr"/>
+            <a:r>
+              <a:rPr lang="de-DE" sz="4000" b="1" dirty="0">
+                <a:latin typeface="Andalus" panose="02020603050405020304" pitchFamily="18" charset="-78"/>
+                <a:cs typeface="Andalus" panose="02020603050405020304" pitchFamily="18" charset="-78"/>
+              </a:rPr>
               <a:t>Ressourcen</a:t>
             </a:r>
-          </a:p>
-        </p:txBody>
-      </p:sp>
-      <p:sp>
-        <p:nvSpPr>
-          <p:cNvPr id="3" name="Inhaltsplatzhalter 2">
-            <a:extLst>
-              <a:ext uri="{FF2B5EF4-FFF2-40B4-BE49-F238E27FC236}">
-                <a16:creationId xmlns:a16="http://schemas.microsoft.com/office/drawing/2014/main" id="{5B731C45-17D3-BE00-C0DA-448F5C2AE5B9}"/>
-              </a:ext>
-            </a:extLst>
-          </p:cNvPr>
-          <p:cNvSpPr>
-            <a:spLocks noGrp="1"/>
-          </p:cNvSpPr>
-          <p:nvPr>
-            <p:ph idx="1"/>
-          </p:nvPr>
-        </p:nvSpPr>
-        <p:spPr/>
-        <p:txBody>
-          <a:bodyPr/>
-          <a:lstStyle/>
-          <a:p>
-            <a:r>
-              <a:rPr lang="de-DE" dirty="0"/>
-              <a:t>Android Studio installieren </a:t>
-            </a:r>
-          </a:p>
-          <a:p>
-            <a:r>
-              <a:rPr lang="de-DE" dirty="0" err="1"/>
-              <a:t>Figma</a:t>
-            </a:r>
-            <a:endParaRPr lang="de-DE" dirty="0"/>
-          </a:p>
-          <a:p>
-            <a:endParaRPr lang="de-DE" dirty="0"/>
-          </a:p>
-          <a:p>
-            <a:endParaRPr lang="de-DE" dirty="0"/>
           </a:p>
         </p:txBody>
       </p:sp>
     </p:spTree>
     <p:extLst>
       <p:ext uri="{BB962C8B-B14F-4D97-AF65-F5344CB8AC3E}">
-        <p14:creationId xmlns:p14="http://schemas.microsoft.com/office/powerpoint/2010/main" val="1500695858"/>
+        <p14:creationId xmlns:p14="http://schemas.microsoft.com/office/powerpoint/2010/main" val="2898103863"/>
       </p:ext>
     </p:extLst>
   </p:cSld>
@@ -4773,7 +6215,7 @@
           <p:cNvPr id="2" name="Titel 1">
             <a:extLst>
               <a:ext uri="{FF2B5EF4-FFF2-40B4-BE49-F238E27FC236}">
-                <a16:creationId xmlns:a16="http://schemas.microsoft.com/office/drawing/2014/main" id="{2689DE48-EF5F-4673-D88E-271793FF53CE}"/>
+                <a16:creationId xmlns:a16="http://schemas.microsoft.com/office/drawing/2014/main" id="{00BAAC91-FB25-C341-22F1-CB06AFB5F824}"/>
               </a:ext>
             </a:extLst>
           </p:cNvPr>
@@ -4791,7 +6233,7 @@
           <a:p>
             <a:r>
               <a:rPr lang="de-DE" dirty="0"/>
-              <a:t>Design &amp; Bilder</a:t>
+              <a:t>Logo</a:t>
             </a:r>
           </a:p>
         </p:txBody>
@@ -4801,7 +6243,7 @@
           <p:cNvPr id="3" name="Inhaltsplatzhalter 2">
             <a:extLst>
               <a:ext uri="{FF2B5EF4-FFF2-40B4-BE49-F238E27FC236}">
-                <a16:creationId xmlns:a16="http://schemas.microsoft.com/office/drawing/2014/main" id="{5D58A2A5-846A-D4B6-4C86-D1CD16F4F005}"/>
+                <a16:creationId xmlns:a16="http://schemas.microsoft.com/office/drawing/2014/main" id="{981B4F84-CEE1-84DC-C34F-EA876C85BE8E}"/>
               </a:ext>
             </a:extLst>
           </p:cNvPr>
@@ -4817,18 +6259,14 @@
           <a:bodyPr/>
           <a:lstStyle/>
           <a:p>
-            <a:r>
-              <a:rPr lang="de-DE" dirty="0" err="1"/>
-              <a:t>Figma</a:t>
-            </a:r>
-            <a:endParaRPr lang="de-DE" dirty="0"/>
+            <a:endParaRPr lang="de-DE"/>
           </a:p>
         </p:txBody>
       </p:sp>
     </p:spTree>
     <p:extLst>
       <p:ext uri="{BB962C8B-B14F-4D97-AF65-F5344CB8AC3E}">
-        <p14:creationId xmlns:p14="http://schemas.microsoft.com/office/powerpoint/2010/main" val="117493942"/>
+        <p14:creationId xmlns:p14="http://schemas.microsoft.com/office/powerpoint/2010/main" val="1538932283"/>
       </p:ext>
     </p:extLst>
   </p:cSld>
@@ -4860,7 +6298,7 @@
           <p:cNvPr id="2" name="Titel 1">
             <a:extLst>
               <a:ext uri="{FF2B5EF4-FFF2-40B4-BE49-F238E27FC236}">
-                <a16:creationId xmlns:a16="http://schemas.microsoft.com/office/drawing/2014/main" id="{19E27421-46F7-03EB-881D-371C6E2CCBCD}"/>
+                <a16:creationId xmlns:a16="http://schemas.microsoft.com/office/drawing/2014/main" id="{F9D738B5-7B64-E76E-9067-7F3482F04D24}"/>
               </a:ext>
             </a:extLst>
           </p:cNvPr>
@@ -4877,69 +6315,49 @@
           <a:lstStyle/>
           <a:p>
             <a:r>
+              <a:rPr lang="de-DE" dirty="0"/>
+              <a:t>Ressourcen</a:t>
+            </a:r>
+          </a:p>
+        </p:txBody>
+      </p:sp>
+      <p:sp>
+        <p:nvSpPr>
+          <p:cNvPr id="3" name="Inhaltsplatzhalter 2">
+            <a:extLst>
+              <a:ext uri="{FF2B5EF4-FFF2-40B4-BE49-F238E27FC236}">
+                <a16:creationId xmlns:a16="http://schemas.microsoft.com/office/drawing/2014/main" id="{5B731C45-17D3-BE00-C0DA-448F5C2AE5B9}"/>
+              </a:ext>
+            </a:extLst>
+          </p:cNvPr>
+          <p:cNvSpPr>
+            <a:spLocks noGrp="1"/>
+          </p:cNvSpPr>
+          <p:nvPr>
+            <p:ph idx="1"/>
+          </p:nvPr>
+        </p:nvSpPr>
+        <p:spPr/>
+        <p:txBody>
+          <a:bodyPr/>
+          <a:lstStyle/>
+          <a:p>
+            <a:r>
+              <a:rPr lang="de-DE" dirty="0"/>
+              <a:t>Android Studio installieren </a:t>
+            </a:r>
+          </a:p>
+          <a:p>
+            <a:r>
               <a:rPr lang="de-DE" dirty="0" err="1"/>
-              <a:t>Resourssen</a:t>
+              <a:t>Figma</a:t>
             </a:r>
             <a:endParaRPr lang="de-DE" dirty="0"/>
           </a:p>
-        </p:txBody>
-      </p:sp>
-      <p:sp>
-        <p:nvSpPr>
-          <p:cNvPr id="3" name="Inhaltsplatzhalter 2">
-            <a:extLst>
-              <a:ext uri="{FF2B5EF4-FFF2-40B4-BE49-F238E27FC236}">
-                <a16:creationId xmlns:a16="http://schemas.microsoft.com/office/drawing/2014/main" id="{5EF2CB85-1E7D-1081-3F06-1D29313AC6B8}"/>
-              </a:ext>
-            </a:extLst>
-          </p:cNvPr>
-          <p:cNvSpPr>
-            <a:spLocks noGrp="1"/>
-          </p:cNvSpPr>
-          <p:nvPr>
-            <p:ph idx="1"/>
-          </p:nvPr>
-        </p:nvSpPr>
-        <p:spPr/>
-        <p:txBody>
-          <a:bodyPr/>
-          <a:lstStyle/>
-          <a:p>
-            <a:r>
-              <a:rPr lang="de-DE" dirty="0"/>
-              <a:t>Logo </a:t>
-            </a:r>
-          </a:p>
-          <a:p>
-            <a:r>
-              <a:rPr lang="de-DE" dirty="0"/>
-              <a:t>App </a:t>
-            </a:r>
-            <a:r>
-              <a:rPr lang="de-DE" dirty="0" err="1"/>
-              <a:t>desaign</a:t>
-            </a:r>
-            <a:r>
-              <a:rPr lang="de-DE" dirty="0"/>
-              <a:t> mit </a:t>
-            </a:r>
-            <a:r>
-              <a:rPr lang="de-DE" dirty="0" err="1"/>
-              <a:t>figma</a:t>
-            </a:r>
+          <a:p>
             <a:endParaRPr lang="de-DE" dirty="0"/>
           </a:p>
           <a:p>
-            <a:r>
-              <a:rPr lang="de-DE" dirty="0"/>
-              <a:t>Bilder</a:t>
-            </a:r>
-          </a:p>
-          <a:p>
-            <a:r>
-              <a:rPr lang="de-DE" dirty="0" err="1"/>
-              <a:t>Informatioinen</a:t>
-            </a:r>
             <a:endParaRPr lang="de-DE" dirty="0"/>
           </a:p>
         </p:txBody>
@@ -4947,7 +6365,94 @@
     </p:spTree>
     <p:extLst>
       <p:ext uri="{BB962C8B-B14F-4D97-AF65-F5344CB8AC3E}">
-        <p14:creationId xmlns:p14="http://schemas.microsoft.com/office/powerpoint/2010/main" val="840682230"/>
+        <p14:creationId xmlns:p14="http://schemas.microsoft.com/office/powerpoint/2010/main" val="1500695858"/>
+      </p:ext>
+    </p:extLst>
+  </p:cSld>
+  <p:clrMapOvr>
+    <a:masterClrMapping/>
+  </p:clrMapOvr>
+</p:sld>
+</file>
+
+<file path=ppt/slides/slide9.xml><?xml version="1.0" encoding="utf-8"?>
+<p:sld xmlns:a="http://schemas.openxmlformats.org/drawingml/2006/main" xmlns:r="http://schemas.openxmlformats.org/officeDocument/2006/relationships" xmlns:p="http://schemas.openxmlformats.org/presentationml/2006/main">
+  <p:cSld>
+    <p:spTree>
+      <p:nvGrpSpPr>
+        <p:cNvPr id="1" name=""/>
+        <p:cNvGrpSpPr/>
+        <p:nvPr/>
+      </p:nvGrpSpPr>
+      <p:grpSpPr>
+        <a:xfrm>
+          <a:off x="0" y="0"/>
+          <a:ext cx="0" cy="0"/>
+          <a:chOff x="0" y="0"/>
+          <a:chExt cx="0" cy="0"/>
+        </a:xfrm>
+      </p:grpSpPr>
+      <p:sp>
+        <p:nvSpPr>
+          <p:cNvPr id="2" name="Titel 1">
+            <a:extLst>
+              <a:ext uri="{FF2B5EF4-FFF2-40B4-BE49-F238E27FC236}">
+                <a16:creationId xmlns:a16="http://schemas.microsoft.com/office/drawing/2014/main" id="{2689DE48-EF5F-4673-D88E-271793FF53CE}"/>
+              </a:ext>
+            </a:extLst>
+          </p:cNvPr>
+          <p:cNvSpPr>
+            <a:spLocks noGrp="1"/>
+          </p:cNvSpPr>
+          <p:nvPr>
+            <p:ph type="title"/>
+          </p:nvPr>
+        </p:nvSpPr>
+        <p:spPr/>
+        <p:txBody>
+          <a:bodyPr/>
+          <a:lstStyle/>
+          <a:p>
+            <a:r>
+              <a:rPr lang="de-DE" dirty="0"/>
+              <a:t>Design &amp; Bilder</a:t>
+            </a:r>
+          </a:p>
+        </p:txBody>
+      </p:sp>
+      <p:sp>
+        <p:nvSpPr>
+          <p:cNvPr id="3" name="Inhaltsplatzhalter 2">
+            <a:extLst>
+              <a:ext uri="{FF2B5EF4-FFF2-40B4-BE49-F238E27FC236}">
+                <a16:creationId xmlns:a16="http://schemas.microsoft.com/office/drawing/2014/main" id="{5D58A2A5-846A-D4B6-4C86-D1CD16F4F005}"/>
+              </a:ext>
+            </a:extLst>
+          </p:cNvPr>
+          <p:cNvSpPr>
+            <a:spLocks noGrp="1"/>
+          </p:cNvSpPr>
+          <p:nvPr>
+            <p:ph idx="1"/>
+          </p:nvPr>
+        </p:nvSpPr>
+        <p:spPr/>
+        <p:txBody>
+          <a:bodyPr/>
+          <a:lstStyle/>
+          <a:p>
+            <a:r>
+              <a:rPr lang="de-DE" dirty="0" err="1"/>
+              <a:t>Figma</a:t>
+            </a:r>
+            <a:endParaRPr lang="de-DE" dirty="0"/>
+          </a:p>
+        </p:txBody>
+      </p:sp>
+    </p:spTree>
+    <p:extLst>
+      <p:ext uri="{BB962C8B-B14F-4D97-AF65-F5344CB8AC3E}">
+        <p14:creationId xmlns:p14="http://schemas.microsoft.com/office/powerpoint/2010/main" val="117493942"/>
       </p:ext>
     </p:extLst>
   </p:cSld>
@@ -5250,4 +6755,299 @@
     </a:ext>
   </a:extLst>
 </a:theme>
+</file>
+
+<file path=ppt/theme/theme2.xml><?xml version="1.0" encoding="utf-8"?>
+<a:theme xmlns:a="http://schemas.openxmlformats.org/drawingml/2006/main" name="Office">
+  <a:themeElements>
+    <a:clrScheme name="Office">
+      <a:dk1>
+        <a:sysClr val="windowText" lastClr="000000"/>
+      </a:dk1>
+      <a:lt1>
+        <a:sysClr val="window" lastClr="FFFFFF"/>
+      </a:lt1>
+      <a:dk2>
+        <a:srgbClr val="44546A"/>
+      </a:dk2>
+      <a:lt2>
+        <a:srgbClr val="E7E6E6"/>
+      </a:lt2>
+      <a:accent1>
+        <a:srgbClr val="4472C4"/>
+      </a:accent1>
+      <a:accent2>
+        <a:srgbClr val="ED7D31"/>
+      </a:accent2>
+      <a:accent3>
+        <a:srgbClr val="A5A5A5"/>
+      </a:accent3>
+      <a:accent4>
+        <a:srgbClr val="FFC000"/>
+      </a:accent4>
+      <a:accent5>
+        <a:srgbClr val="5B9BD5"/>
+      </a:accent5>
+      <a:accent6>
+        <a:srgbClr val="70AD47"/>
+      </a:accent6>
+      <a:hlink>
+        <a:srgbClr val="0563C1"/>
+      </a:hlink>
+      <a:folHlink>
+        <a:srgbClr val="954F72"/>
+      </a:folHlink>
+    </a:clrScheme>
+    <a:fontScheme name="Office">
+      <a:majorFont>
+        <a:latin typeface="Calibri Light" panose="020F0302020204030204"/>
+        <a:ea typeface=""/>
+        <a:cs typeface=""/>
+        <a:font script="Jpan" typeface="游ゴシック Light"/>
+        <a:font script="Hang" typeface="맑은 고딕"/>
+        <a:font script="Hans" typeface="等线 Light"/>
+        <a:font script="Hant" typeface="新細明體"/>
+        <a:font script="Arab" typeface="Times New Roman"/>
+        <a:font script="Hebr" typeface="Times New Roman"/>
+        <a:font script="Thai" typeface="Angsana New"/>
+        <a:font script="Ethi" typeface="Nyala"/>
+        <a:font script="Beng" typeface="Vrinda"/>
+        <a:font script="Gujr" typeface="Shruti"/>
+        <a:font script="Khmr" typeface="MoolBoran"/>
+        <a:font script="Knda" typeface="Tunga"/>
+        <a:font script="Guru" typeface="Raavi"/>
+        <a:font script="Cans" typeface="Euphemia"/>
+        <a:font script="Cher" typeface="Plantagenet Cherokee"/>
+        <a:font script="Yiii" typeface="Microsoft Yi Baiti"/>
+        <a:font script="Tibt" typeface="Microsoft Himalaya"/>
+        <a:font script="Thaa" typeface="MV Boli"/>
+        <a:font script="Deva" typeface="Mangal"/>
+        <a:font script="Telu" typeface="Gautami"/>
+        <a:font script="Taml" typeface="Latha"/>
+        <a:font script="Syrc" typeface="Estrangelo Edessa"/>
+        <a:font script="Orya" typeface="Kalinga"/>
+        <a:font script="Mlym" typeface="Kartika"/>
+        <a:font script="Laoo" typeface="DokChampa"/>
+        <a:font script="Sinh" typeface="Iskoola Pota"/>
+        <a:font script="Mong" typeface="Mongolian Baiti"/>
+        <a:font script="Viet" typeface="Times New Roman"/>
+        <a:font script="Uigh" typeface="Microsoft Uighur"/>
+        <a:font script="Geor" typeface="Sylfaen"/>
+        <a:font script="Armn" typeface="Arial"/>
+        <a:font script="Bugi" typeface="Leelawadee UI"/>
+        <a:font script="Bopo" typeface="Microsoft JhengHei"/>
+        <a:font script="Java" typeface="Javanese Text"/>
+        <a:font script="Lisu" typeface="Segoe UI"/>
+        <a:font script="Mymr" typeface="Myanmar Text"/>
+        <a:font script="Nkoo" typeface="Ebrima"/>
+        <a:font script="Olck" typeface="Nirmala UI"/>
+        <a:font script="Osma" typeface="Ebrima"/>
+        <a:font script="Phag" typeface="Phagspa"/>
+        <a:font script="Syrn" typeface="Estrangelo Edessa"/>
+        <a:font script="Syrj" typeface="Estrangelo Edessa"/>
+        <a:font script="Syre" typeface="Estrangelo Edessa"/>
+        <a:font script="Sora" typeface="Nirmala UI"/>
+        <a:font script="Tale" typeface="Microsoft Tai Le"/>
+        <a:font script="Talu" typeface="Microsoft New Tai Lue"/>
+        <a:font script="Tfng" typeface="Ebrima"/>
+      </a:majorFont>
+      <a:minorFont>
+        <a:latin typeface="Calibri" panose="020F0502020204030204"/>
+        <a:ea typeface=""/>
+        <a:cs typeface=""/>
+        <a:font script="Jpan" typeface="游ゴシック"/>
+        <a:font script="Hang" typeface="맑은 고딕"/>
+        <a:font script="Hans" typeface="等线"/>
+        <a:font script="Hant" typeface="新細明體"/>
+        <a:font script="Arab" typeface="Arial"/>
+        <a:font script="Hebr" typeface="Arial"/>
+        <a:font script="Thai" typeface="Cordia New"/>
+        <a:font script="Ethi" typeface="Nyala"/>
+        <a:font script="Beng" typeface="Vrinda"/>
+        <a:font script="Gujr" typeface="Shruti"/>
+        <a:font script="Khmr" typeface="DaunPenh"/>
+        <a:font script="Knda" typeface="Tunga"/>
+        <a:font script="Guru" typeface="Raavi"/>
+        <a:font script="Cans" typeface="Euphemia"/>
+        <a:font script="Cher" typeface="Plantagenet Cherokee"/>
+        <a:font script="Yiii" typeface="Microsoft Yi Baiti"/>
+        <a:font script="Tibt" typeface="Microsoft Himalaya"/>
+        <a:font script="Thaa" typeface="MV Boli"/>
+        <a:font script="Deva" typeface="Mangal"/>
+        <a:font script="Telu" typeface="Gautami"/>
+        <a:font script="Taml" typeface="Latha"/>
+        <a:font script="Syrc" typeface="Estrangelo Edessa"/>
+        <a:font script="Orya" typeface="Kalinga"/>
+        <a:font script="Mlym" typeface="Kartika"/>
+        <a:font script="Laoo" typeface="DokChampa"/>
+        <a:font script="Sinh" typeface="Iskoola Pota"/>
+        <a:font script="Mong" typeface="Mongolian Baiti"/>
+        <a:font script="Viet" typeface="Arial"/>
+        <a:font script="Uigh" typeface="Microsoft Uighur"/>
+        <a:font script="Geor" typeface="Sylfaen"/>
+        <a:font script="Armn" typeface="Arial"/>
+        <a:font script="Bugi" typeface="Leelawadee UI"/>
+        <a:font script="Bopo" typeface="Microsoft JhengHei"/>
+        <a:font script="Java" typeface="Javanese Text"/>
+        <a:font script="Lisu" typeface="Segoe UI"/>
+        <a:font script="Mymr" typeface="Myanmar Text"/>
+        <a:font script="Nkoo" typeface="Ebrima"/>
+        <a:font script="Olck" typeface="Nirmala UI"/>
+        <a:font script="Osma" typeface="Ebrima"/>
+        <a:font script="Phag" typeface="Phagspa"/>
+        <a:font script="Syrn" typeface="Estrangelo Edessa"/>
+        <a:font script="Syrj" typeface="Estrangelo Edessa"/>
+        <a:font script="Syre" typeface="Estrangelo Edessa"/>
+        <a:font script="Sora" typeface="Nirmala UI"/>
+        <a:font script="Tale" typeface="Microsoft Tai Le"/>
+        <a:font script="Talu" typeface="Microsoft New Tai Lue"/>
+        <a:font script="Tfng" typeface="Ebrima"/>
+      </a:minorFont>
+    </a:fontScheme>
+    <a:fmtScheme name="Office">
+      <a:fillStyleLst>
+        <a:solidFill>
+          <a:schemeClr val="phClr"/>
+        </a:solidFill>
+        <a:gradFill rotWithShape="1">
+          <a:gsLst>
+            <a:gs pos="0">
+              <a:schemeClr val="phClr">
+                <a:lumMod val="110000"/>
+                <a:satMod val="105000"/>
+                <a:tint val="67000"/>
+              </a:schemeClr>
+            </a:gs>
+            <a:gs pos="50000">
+              <a:schemeClr val="phClr">
+                <a:lumMod val="105000"/>
+                <a:satMod val="103000"/>
+                <a:tint val="73000"/>
+              </a:schemeClr>
+            </a:gs>
+            <a:gs pos="100000">
+              <a:schemeClr val="phClr">
+                <a:lumMod val="105000"/>
+                <a:satMod val="109000"/>
+                <a:tint val="81000"/>
+              </a:schemeClr>
+            </a:gs>
+          </a:gsLst>
+          <a:lin ang="5400000" scaled="0"/>
+        </a:gradFill>
+        <a:gradFill rotWithShape="1">
+          <a:gsLst>
+            <a:gs pos="0">
+              <a:schemeClr val="phClr">
+                <a:satMod val="103000"/>
+                <a:lumMod val="102000"/>
+                <a:tint val="94000"/>
+              </a:schemeClr>
+            </a:gs>
+            <a:gs pos="50000">
+              <a:schemeClr val="phClr">
+                <a:satMod val="110000"/>
+                <a:lumMod val="100000"/>
+                <a:shade val="100000"/>
+              </a:schemeClr>
+            </a:gs>
+            <a:gs pos="100000">
+              <a:schemeClr val="phClr">
+                <a:lumMod val="99000"/>
+                <a:satMod val="120000"/>
+                <a:shade val="78000"/>
+              </a:schemeClr>
+            </a:gs>
+          </a:gsLst>
+          <a:lin ang="5400000" scaled="0"/>
+        </a:gradFill>
+      </a:fillStyleLst>
+      <a:lnStyleLst>
+        <a:ln w="6350" cap="flat" cmpd="sng" algn="ctr">
+          <a:solidFill>
+            <a:schemeClr val="phClr"/>
+          </a:solidFill>
+          <a:prstDash val="solid"/>
+          <a:miter lim="800000"/>
+        </a:ln>
+        <a:ln w="12700" cap="flat" cmpd="sng" algn="ctr">
+          <a:solidFill>
+            <a:schemeClr val="phClr"/>
+          </a:solidFill>
+          <a:prstDash val="solid"/>
+          <a:miter lim="800000"/>
+        </a:ln>
+        <a:ln w="19050" cap="flat" cmpd="sng" algn="ctr">
+          <a:solidFill>
+            <a:schemeClr val="phClr"/>
+          </a:solidFill>
+          <a:prstDash val="solid"/>
+          <a:miter lim="800000"/>
+        </a:ln>
+      </a:lnStyleLst>
+      <a:effectStyleLst>
+        <a:effectStyle>
+          <a:effectLst/>
+        </a:effectStyle>
+        <a:effectStyle>
+          <a:effectLst/>
+        </a:effectStyle>
+        <a:effectStyle>
+          <a:effectLst>
+            <a:outerShdw blurRad="57150" dist="19050" dir="5400000" algn="ctr" rotWithShape="0">
+              <a:srgbClr val="000000">
+                <a:alpha val="63000"/>
+              </a:srgbClr>
+            </a:outerShdw>
+          </a:effectLst>
+        </a:effectStyle>
+      </a:effectStyleLst>
+      <a:bgFillStyleLst>
+        <a:solidFill>
+          <a:schemeClr val="phClr"/>
+        </a:solidFill>
+        <a:solidFill>
+          <a:schemeClr val="phClr">
+            <a:tint val="95000"/>
+            <a:satMod val="170000"/>
+          </a:schemeClr>
+        </a:solidFill>
+        <a:gradFill rotWithShape="1">
+          <a:gsLst>
+            <a:gs pos="0">
+              <a:schemeClr val="phClr">
+                <a:tint val="93000"/>
+                <a:satMod val="150000"/>
+                <a:shade val="98000"/>
+                <a:lumMod val="102000"/>
+              </a:schemeClr>
+            </a:gs>
+            <a:gs pos="50000">
+              <a:schemeClr val="phClr">
+                <a:tint val="98000"/>
+                <a:satMod val="130000"/>
+                <a:shade val="90000"/>
+                <a:lumMod val="103000"/>
+              </a:schemeClr>
+            </a:gs>
+            <a:gs pos="100000">
+              <a:schemeClr val="phClr">
+                <a:shade val="63000"/>
+                <a:satMod val="120000"/>
+              </a:schemeClr>
+            </a:gs>
+          </a:gsLst>
+          <a:lin ang="5400000" scaled="0"/>
+        </a:gradFill>
+      </a:bgFillStyleLst>
+    </a:fmtScheme>
+  </a:themeElements>
+  <a:objectDefaults/>
+  <a:extraClrSchemeLst/>
+  <a:extLst>
+    <a:ext uri="{05A4C25C-085E-4340-85A3-A5531E510DB2}">
+      <thm15:themeFamily xmlns:thm15="http://schemas.microsoft.com/office/thememl/2012/main" name="Office Theme" id="{62F939B6-93AF-4DB8-9C6B-D6C7DFDC589F}" vid="{4A3C46E8-61CC-4603-A589-7422A47A8E4A}"/>
+    </a:ext>
+  </a:extLst>
+</a:theme>
 </file>
--- a/LFÜP.pptx
+++ b/LFÜP.pptx
@@ -5,19 +5,30 @@
     <p:sldMasterId id="2147483648" r:id="rId1"/>
   </p:sldMasterIdLst>
   <p:notesMasterIdLst>
-    <p:notesMasterId r:id="rId12"/>
+    <p:notesMasterId r:id="rId23"/>
   </p:notesMasterIdLst>
   <p:sldIdLst>
-    <p:sldId id="256" r:id="rId2"/>
-    <p:sldId id="266" r:id="rId3"/>
-    <p:sldId id="258" r:id="rId4"/>
-    <p:sldId id="268" r:id="rId5"/>
-    <p:sldId id="269" r:id="rId6"/>
-    <p:sldId id="267" r:id="rId7"/>
-    <p:sldId id="263" r:id="rId8"/>
-    <p:sldId id="265" r:id="rId9"/>
-    <p:sldId id="264" r:id="rId10"/>
-    <p:sldId id="259" r:id="rId11"/>
+    <p:sldId id="279" r:id="rId2"/>
+    <p:sldId id="277" r:id="rId3"/>
+    <p:sldId id="278" r:id="rId4"/>
+    <p:sldId id="275" r:id="rId5"/>
+    <p:sldId id="280" r:id="rId6"/>
+    <p:sldId id="265" r:id="rId7"/>
+    <p:sldId id="270" r:id="rId8"/>
+    <p:sldId id="264" r:id="rId9"/>
+    <p:sldId id="271" r:id="rId10"/>
+    <p:sldId id="273" r:id="rId11"/>
+    <p:sldId id="268" r:id="rId12"/>
+    <p:sldId id="281" r:id="rId13"/>
+    <p:sldId id="289" r:id="rId14"/>
+    <p:sldId id="284" r:id="rId15"/>
+    <p:sldId id="285" r:id="rId16"/>
+    <p:sldId id="287" r:id="rId17"/>
+    <p:sldId id="286" r:id="rId18"/>
+    <p:sldId id="288" r:id="rId19"/>
+    <p:sldId id="290" r:id="rId20"/>
+    <p:sldId id="291" r:id="rId21"/>
+    <p:sldId id="292" r:id="rId22"/>
   </p:sldIdLst>
   <p:sldSz cx="12192000" cy="6858000"/>
   <p:notesSz cx="6858000" cy="9144000"/>
@@ -124,139 +135,10 @@
 </p:presentation>
 </file>
 
-<file path=ppt/ink/ink1.xml><?xml version="1.0" encoding="utf-8"?>
-<inkml:ink xmlns:inkml="http://www.w3.org/2003/InkML">
-  <inkml:definitions>
-    <inkml:context xml:id="ctx0">
-      <inkml:inkSource xml:id="inkSrc0">
-        <inkml:traceFormat>
-          <inkml:channel name="X" type="integer" min="-2.14748E9" max="2.14748E9" units="cm"/>
-          <inkml:channel name="Y" type="integer" min="-2.14748E9" max="2.14748E9" units="cm"/>
-          <inkml:channel name="F" type="integer" max="32767" units="dev"/>
-        </inkml:traceFormat>
-        <inkml:channelProperties>
-          <inkml:channelProperty channel="X" name="resolution" value="1000" units="1/cm"/>
-          <inkml:channelProperty channel="Y" name="resolution" value="1000" units="1/cm"/>
-          <inkml:channelProperty channel="F" name="resolution" value="0" units="1/dev"/>
-        </inkml:channelProperties>
-      </inkml:inkSource>
-      <inkml:timestamp xml:id="ts0" timeString="2022-11-27T15:24:08.752"/>
-    </inkml:context>
-    <inkml:brush xml:id="br0">
-      <inkml:brushProperty name="width" value="0.35" units="cm"/>
-      <inkml:brushProperty name="height" value="0.35" units="cm"/>
-    </inkml:brush>
-  </inkml:definitions>
-  <inkml:trace contextRef="#ctx0" brushRef="#br0">1 336 24575,'3'-1'0,"-1"1"0,1-1 0,0 0 0,0 0 0,0 0 0,0 0 0,0 0 0,-1-1 0,1 1 0,-1-1 0,4-2 0,13-8 0,-2 6 0,1 0 0,-1 1 0,1 1 0,0 0 0,34-2 0,98 6 0,-88 2 0,-6-2 0,124 5 0,-147-1 0,0 0 0,-1 2 0,47 15 0,265 81 0,-273-81 0,-41-11 0,0-1 0,1-2 0,32 3 0,136 25 0,-22-2 0,28-18 0,239-13 0,-193-5 0,-115 2 0,161 3 0,-232 3 0,-1 4 0,80 21 0,17 2 0,-134-27 0,-28-5 0,1 0 0,0 0 0,0 0 0,0 0 0,0 0 0,0 0 0,0 0 0,0 0 0,0 0 0,0 1 0,0-1 0,0 0 0,0 0 0,-1 0 0,1 0 0,0 0 0,0 0 0,0 0 0,0 0 0,0 0 0,0 0 0,0 0 0,0 0 0,0 0 0,0 1 0,0-1 0,0 0 0,0 0 0,0 0 0,0 0 0,0 0 0,0 0 0,0 0 0,0 0 0,0 0 0,0 0 0,0 0 0,0 1 0,0-1 0,0 0 0,0 0 0,-44 1 0,-879-4 0,856 1 0,-122-19 0,-61-31 0,-63-9 0,308 61 0,-6-1 0,1-1 0,0 0 0,0 0 0,0-1 0,-18-7 0,27 9 0,-1 1 0,1-1 0,0 0 0,-1 0 0,1 0 0,0 0 0,0 0 0,0 0 0,0-1 0,0 1 0,0 0 0,0-1 0,0 1 0,0 0 0,0-1 0,1 1 0,-1-1 0,0-1 0,1 0 0,0 1 0,0-1 0,0 1 0,0 0 0,1-1 0,-1 1 0,1-1 0,-1 1 0,1 0 0,0 0 0,0-1 0,0 1 0,0 0 0,1 0 0,2-4 0,3-3 0,1 1 0,1 0 0,-1 0 0,1 0 0,1 1 0,-1 1 0,16-9 0,8-6 0,202-115 0,-201 116 0,-27 15 0,1 1 0,0-1 0,-1 1 0,1 1 0,1-1 0,-1 1 0,0 1 0,14-3 0,48 0 0,104 7 0,-63 0 0,1319-1 0,-1410-3 0,1 0 0,-1-1 0,1-1 0,24-9 0,28-5 0,222-31 0,-197 38 0,102 1 0,-27-5 0,-16 1 0,171 15 0,-316-1 0,0 1 0,0 0 0,22 6 0,-30-6 0,0 0 0,0 0 0,0 1 0,-1-1 0,1 1 0,-1 0 0,1 0 0,-1 0 0,1 0 0,-1 0 0,0 1 0,0 0 0,0-1 0,-1 1 0,4 4 0,-6-6 0,1 0 0,-1 1 0,0-1 0,1 0 0,-1 1 0,0-1 0,0 0 0,0 1 0,0-1 0,0 0 0,-1 1 0,1-1 0,0 0 0,0 1 0,-1-1 0,1 0 0,-1 0 0,1 0 0,-1 1 0,0-1 0,1 0 0,-1 0 0,0 0 0,0 0 0,0 0 0,0 0 0,0 0 0,0 0 0,0-1 0,0 1 0,0 0 0,0 0 0,0-1 0,-1 1 0,-1 0 0,-6 4 0,-1-1 0,1 0 0,-13 4 0,-15 2 0,-1-2 0,0-1 0,-49 2 0,-120-5 0,147-4 0,-29 0 0,-134 18 0,197-16 0,-48 0 0,56-3 0,1 1 0,-1 0 0,1 2 0,0 0 0,-1 1 0,-17 5 0,33-8 0,1 1 0,-1-1 0,1 1 0,-1-1 0,0 1 0,1 0 0,0 0 0,-1-1 0,1 1 0,-1 0 0,1 0 0,0 1 0,0-1 0,0 0 0,-1 0 0,0 3 0,2-4 0,0 1 0,0 0 0,0-1 0,0 1 0,0 0 0,0-1 0,0 1 0,0-1 0,0 1 0,1 0 0,-1-1 0,0 1 0,0-1 0,1 1 0,-1-1 0,0 1 0,1 0 0,-1-1 0,1 1 0,-1-1 0,0 0 0,1 1 0,-1-1 0,1 1 0,-1-1 0,1 0 0,1 1 0,5 3 0,0-1 0,0 1 0,1-1 0,-1-1 0,12 3 0,38 4 0,0-1 0,88-2 0,-81-4 0,109 15 0,-113-5 0,27 6 0,0-4 0,159 4 0,-173-14 0,0 2 0,112 25 0,-64-9 0,-105-19 0,389 81 0,-333-66 0,0-2 0,129 10 0,149-13 0,-280-11 0,170-6 0,-237 4 0,0 0 0,-1-1 0,1 1 0,0-1 0,0 1 0,-1-1 0,1 0 0,0 0 0,-1-1 0,1 1 0,-1 0 0,0-1 0,1 1 0,-1-1 0,0 0 0,0 0 0,0 0 0,0 0 0,0 0 0,1-3 0,-2 3 0,0 0 0,-1 0 0,1 0 0,-1 0 0,1 0 0,-1 0 0,0 0 0,0 0 0,0 0 0,0 0 0,0 0 0,0-1 0,0 1 0,-1 0 0,1 0 0,-1 0 0,0 0 0,0 0 0,1 0 0,-1 0 0,0 1 0,0-1 0,-1 0 0,1 0 0,0 1 0,-1-1 0,-2-2 0,-9-9 0,-1 1 0,0 1 0,0 0 0,-2 0 0,-21-10 0,-89-37 0,70 35 0,-2 2 0,0 3 0,-1 3 0,0 2 0,-1 2 0,0 4 0,-1 2 0,-81 3 0,357 6 0,278 18 0,490 40 0,-900-63 0,48 3 0,-123-1 0,0 1 0,0 0 0,0 0 0,0 1 0,0 0 0,0 1 0,7 4 0,-5-3 0,-1 0 0,1-1 0,16 5 0,12-3 0,0-2 0,0-1 0,0-2 0,45-5 0,4 1 0,0 2 0,117 3 0,-179 1 0,-1 2 0,1 0 0,26 11 0,24 5 0,-59-16 0,1 0 0,26 13 0,-30-12 0,1 0 0,0-1 0,1 0 0,18 2 0,-14-4 0,0 1 0,0 1 0,-1 0 0,34 15 0,-38-14 0,0-1 0,1-1 0,21 4 0,-21-6 0,0 2 0,-1 0 0,24 9 0,-21-6 0,0-2 0,1 1 0,0-2 0,0-1 0,0 0 0,1-1 0,23 0 0,3 0 0,32 11 0,-55-8 0,0-2 0,25 2 0,6-4 0,-165-47 0,-242-89 0,339 130 0,1 1 0,-1 1 0,0 0 0,-16-1 0,22 3 0,7 1 0,0-1 0,0 1 0,0-1 0,0 1 0,0-1 0,0 0 0,0 1 0,0-1 0,0 0 0,0 0 0,1-1 0,-1 1 0,0 0 0,1 0 0,-1-1 0,1 1 0,-1-1 0,1 0 0,0 1 0,-1-1 0,1 0 0,0 0 0,0 0 0,0-2 0,0 3 0,1 0 0,0-1 0,0 1 0,0-1 0,0 1 0,0-1 0,0 1 0,0 0 0,1-1 0,-1 1 0,0 0 0,1-1 0,-1 1 0,1 0 0,0-1 0,-1 1 0,1 0 0,0 0 0,0 0 0,0 0 0,0-1 0,0 1 0,0 0 0,0 1 0,0-1 0,0 0 0,0 0 0,0 0 0,1 1 0,-1-1 0,0 1 0,0-1 0,1 1 0,-1-1 0,1 1 0,1-1 0,27-5 0,0 2 0,1 0 0,-1 2 0,0 1 0,48 6 0,-3-3 0,680-1 0,-732 0 0,1 2 0,-1 0 0,0 2 0,38 12 0,-10-3 0,-6-6 0,1-2 0,0-2 0,0-2 0,71-6 0,-10 1 0,31 4-1365</inkml:trace>
-</inkml:ink>
-</file>
-
-<file path=ppt/ink/ink2.xml><?xml version="1.0" encoding="utf-8"?>
-<inkml:ink xmlns:inkml="http://www.w3.org/2003/InkML">
-  <inkml:definitions>
-    <inkml:context xml:id="ctx0">
-      <inkml:inkSource xml:id="inkSrc0">
-        <inkml:traceFormat>
-          <inkml:channel name="X" type="integer" min="-2.14748E9" max="2.14748E9" units="cm"/>
-          <inkml:channel name="Y" type="integer" min="-2.14748E9" max="2.14748E9" units="cm"/>
-          <inkml:channel name="F" type="integer" max="32767" units="dev"/>
-        </inkml:traceFormat>
-        <inkml:channelProperties>
-          <inkml:channelProperty channel="X" name="resolution" value="1000" units="1/cm"/>
-          <inkml:channelProperty channel="Y" name="resolution" value="1000" units="1/cm"/>
-          <inkml:channelProperty channel="F" name="resolution" value="0" units="1/dev"/>
-        </inkml:channelProperties>
-      </inkml:inkSource>
-      <inkml:timestamp xml:id="ts0" timeString="2022-11-27T16:25:23.708"/>
-    </inkml:context>
-    <inkml:brush xml:id="br0">
-      <inkml:brushProperty name="width" value="0.35" units="cm"/>
-      <inkml:brushProperty name="height" value="0.35" units="cm"/>
-    </inkml:brush>
-  </inkml:definitions>
-  <inkml:trace contextRef="#ctx0" brushRef="#br0">4372 755 24575,'2'-42'0,"-1"23"0,-1 0 0,0-1 0,-5-28 0,4 43 0,0 0 0,0 0 0,-1 0 0,0 0 0,0 0 0,0 1 0,0-1 0,-1 1 0,0-1 0,0 1 0,0 0 0,0 0 0,0 0 0,-1 1 0,0-1 0,0 1 0,-8-6 0,-7-1 0,-1 1 0,1 1 0,-2 0 0,1 2 0,-1 0 0,-26-3 0,-137-11 0,126 16 0,-1043-23-1049,841 28 900,105-1 115,-586 5-280,0 37 103,715-40 214,-736 96 1256,659-80-764,86-13-495,24-3 0,38-1 0,-36-1 0,239-1 0,-21 0 0,71-4-164,1358-73-2951,-205-72 1057,-656 63 2066,-287 35 171,1272-155-1998,-1717 197 597</inkml:trace>
-</inkml:ink>
-</file>
-
-<file path=ppt/ink/ink3.xml><?xml version="1.0" encoding="utf-8"?>
-<inkml:ink xmlns:inkml="http://www.w3.org/2003/InkML">
-  <inkml:definitions>
-    <inkml:context xml:id="ctx0">
-      <inkml:inkSource xml:id="inkSrc0">
-        <inkml:traceFormat>
-          <inkml:channel name="X" type="integer" min="-2.14748E9" max="2.14748E9" units="cm"/>
-          <inkml:channel name="Y" type="integer" min="-2.14748E9" max="2.14748E9" units="cm"/>
-          <inkml:channel name="F" type="integer" max="32767" units="dev"/>
-        </inkml:traceFormat>
-        <inkml:channelProperties>
-          <inkml:channelProperty channel="X" name="resolution" value="1000" units="1/cm"/>
-          <inkml:channelProperty channel="Y" name="resolution" value="1000" units="1/cm"/>
-          <inkml:channelProperty channel="F" name="resolution" value="0" units="1/dev"/>
-        </inkml:channelProperties>
-      </inkml:inkSource>
-      <inkml:timestamp xml:id="ts0" timeString="2022-11-27T16:25:37.291"/>
-    </inkml:context>
-    <inkml:brush xml:id="br0">
-      <inkml:brushProperty name="width" value="0.35" units="cm"/>
-      <inkml:brushProperty name="height" value="0.35" units="cm"/>
-    </inkml:brush>
-  </inkml:definitions>
-  <inkml:trace contextRef="#ctx0" brushRef="#br0">1652 1298 24575,'-43'0'0,"82"0"0,5520 0-7175,-5453-1 7175,-90-3 20,-29-2 124,-106-19 630,-122-22-133,-116-26-438,-93-18 135,-1869-248-253,335 252 1130,1949 88-1223,71 0 180,570 38 2223,-317-14-2660,-184-17 229,793 64-36,-5 30 9,-863-98 39,191 33-176,-170-26 166,0 3 0,56 23-1,-45-8 35,-57-27 0,0 1 0,0 0 0,-1 0 0,1 1 0,-1-1 0,0 1 0,0 0 0,6 9 0,-10-13-1,1 1 0,0 0 0,-1 0 0,1 0 0,-1 0 0,1 0 0,-1 0 0,0 0 0,1 0 0,-1 0-1,0 0 1,0 0 0,1 0 0,-1 0 0,0 0 0,0 0 0,0 0 0,0 0 0,-1 0 0,1 0 0,0 0 0,0 0 0,-1 0-1,1 0 1,0 0 0,-1 0 0,1 0 0,-1 0 0,1 0 0,-1 0 0,0 0 0,1 0 0,-1-1 0,0 1 0,0 0 0,1-1-1,-2 2 1,-3 1 31,-1 0-1,1 0 0,-1-1 0,0 1 1,0-1-1,-9 2 0,-54 9 389,0-2 0,-113 3-1,155-13-391,-275 11-98,-1821 0-1334,1499-15 1241,579 3 161,-723-15-722,555 1 391,-330-66-1,537 79 336,-43-9 0,-64-22 0,97 24 3,15 8-3,1 0 0,0 0 0,0 0-1,0 0 1,0 0 0,0 0 0,0 0 0,0 0 0,-1 0 0,1-1 0,0 1 0,0 0-1,0 0 1,0 0 0,0 0 0,0 0 0,0 0 0,0 0 0,0 0 0,0-1 0,0 1 0,-1 0-1,1 0 1,0 0 0,0 0 0,0 0 0,0 0 0,0-1 0,0 1 0,0 0 0,0 0-1,0 0 1,0 0 0,0 0 0,0 0 0,0-1 0,1 1 0,-1 0 0,0 0 0,0 0-1,0 0 1,0 0 0,0 0 0,0-1 0,0 1 0,0 0 0,0 0 0,0 0 0,0 0 0,0 0-1,1 0 1,-1 0 0,35-6 167,186 2 1277,-153 4-1245,192 1-63,68 0-321,3762 3-3055,-3748-4 3081,-270-1 41,-41-1 120,1 2 0,62 8 1,-94-8-3,0 0 1,0 0-1,0 0 1,0 0-1,-1 0 1,1 1-1,0-1 1,0 0-1,0 0 1,0 0-1,0 0 1,0 0-1,0 0 1,0 0-1,0 0 1,0 0 0,0 0-1,0 1 1,0-1-1,0 0 1,0 0-1,0 0 1,0 0-1,0 0 1,0 0-1,0 0 1,0 0-1,1 0 1,-1 0-1,0 1 1,0-1-1,0 0 1,0 0-1,0 0 1,0 0 0,0 0-1,0 0 1,0 0-1,-26 3 143,-262 0 1018,-9-24-1028,209 14-168,-550-53-379,2 1 723,591 56-309,29 3 0,0-1 0,1-1 0,-1 0 0,-26-8 0,42 10 0,-1 0 0,0 0 0,0-1 0,1 1 0,-1 0 0,0 0 0,0-1 0,1 1 0,-1-1 0,0 1 0,1-1 0,-1 1 0,0-1 0,1 1 0,-1-1 0,1 1 0,-1-1 0,1 0 0,-1 1 0,1-1 0,0 0 0,-1 1 0,1-1 0,0 0 0,-1 0 0,1 1 0,0-2 0,0 1 0,0-1 0,1 1 0,-1 0 0,1 0 0,-1 0 0,1 0 0,-1 0 0,1 0 0,0 0 0,-1 0 0,1 1 0,0-1 0,0 0 0,0 0 0,-1 0 0,1 1 0,0-1 0,2 0 0,18-11 261,1 1-1,1 1 0,0 1 1,0 1-1,45-9 0,-19 5 144,339-67 652,6 31-176,-247 32-787,-125 14-93,11-1 0,61-15 0,-81 12 0,-13 6 0,0 0 0,0-1 0,1 1 0,-1 0 0,0 0 0,0 0 0,0 0 0,0-1 0,0 1 0,0 0 0,0 0 0,0 0 0,0-1 0,0 1 0,0 0 0,0 0 0,0 0 0,0-1 0,0 1 0,0 0 0,0 0 0,0 0 0,0 0 0,0-1 0,0 1 0,-1 0 0,1 0 0,0 0 0,0 0 0,0-1 0,0 1 0,0 0 0,0 0 0,0 0 0,-1 0 0,1 0 0,0-1 0,0 1 0,0 0 0,0 0 0,-1 0 0,1 0 0,0 0 0,-8-3 0,0 0 0,0 0 0,-1 1 0,1 0 0,-14-1 0,-131-15 0,-87-7 0,-2064-92-2325,2277 116 2447,-1 2 0,1 1-1,-1 1 1,1 1 0,0 1-1,0 2 1,-39 15 0,54-14 357,16-3-44,25-1 2,130 0-437,66 5 0,1096 161-1904,-904-109 1482,1217 176 272,-1321-196-147,458 75 3012,-747-112-2657,-15-3-58,0 0 0,0 1 0,0 0 0,0 1 0,14 5 0,-23-8 0,0 0 0,0 0 0,0 0 0,0 0 0,0 1 0,0-1 0,0 0 0,0 0 0,0 0 0,0 0 0,0 0 0,0 0 0,1 0 0,-1 0 0,0 0 0,0 0 0,0 0 0,0 0 0,0 0 0,0 0 0,0 0 0,0 1 0,0-1 0,0 0 0,0 0 0,0 0 0,0 0 0,0 0 0,0 0 0,0 0 0,0 0 0,0 0 0,0 0 0,0 1 0,0-1 0,0 0 0,0 0 0,0 0 0,0 0 0,0 0 0,0 0 0,0 0 0,0 0 0,0 0 0,0 0 0,-1 0 0,1 0 0,0 0 0,0 1 0,0-1 0,0 0 0,0 0 0,0 0 0,0 0 0,0 0 0,0 0 0,0 0 0,0 0 0,0 0 0,0 0 0,-1 0 0,1 0 0,0 0 0,0 0 0,0 0 0,-15 3 0,-33 0 0,1-1 0,-78-9 0,63 3 0,-251-21 0,-101-11-164,-880-66-2270,-11 47-866,880 58 2364,-429 59 0,807-57 1052,-1 0 501,1 1-1,-61 18 1,97-19 192,15-2-337,22 0 213,376 1 2484,-236-7-2500,-145 3-669,582-13 0,-441 1 0,275-55 0,-141-6 0,269-50 0,87 72 0,6 51 0,-310 3 0,-232-2 0,136-3 0,-251 2 0,26-4 0,-26 4 0,-1 0 0,0 0 0,0 0 0,0 0 0,0-1 0,0 1 0,0 0 0,1 0 0,-1 0 0,0 0 0,0 0 0,0-1 0,0 1 0,0 0 0,0 0 0,0 0 0,0 0 0,0 0 0,1-1 0,-1 1 0,0 0 0,0 0 0,0 0 0,0-1 0,0 1 0,0 0 0,0 0 0,0 0 0,0 0 0,0-1 0,0 1 0,-1 0 0,1 0 0,0 0 0,0 0 0,0-1 0,0 1 0,0 0 0,0 0 0,0 0 0,0 0 0,0 0 0,-1-1 0,-16-11 0,-47-19 0,-91-30 0,125 50 0,-210-71-164,-533-147-1401,-16 57 1278,637 150-21,-2 6-1,-262 8 1,-186 19 2208,200-6-859,76 27-1041,170-12 0,135-18 0,-52 8 0,69-9 0,-1 0 0,1 0 0,0 1 0,-1-1 0,1 1 0,0 0 0,0 0 0,0 0 0,1 1 0,-1 0 0,1-1 0,-6 7 0,7-8 0,1 1 0,0-1 0,0 1 0,0 0 0,0-1 0,0 1 0,0 0 0,0 0 0,0 0 0,1 0 0,-1 0 0,1 0 0,0 0 0,-1 0 0,1 0 0,0-1 0,0 1 0,0 0 0,1 0 0,-1 0 0,1 2 0,0 0 0,0-1 0,1 0 0,-1-1 0,1 1 0,0 0 0,0 0 0,0-1 0,0 1 0,0-1 0,0 0 0,5 4 0,3 1 0,-1-1 0,1 0 0,1-1 0,-1 0 0,1 0 0,14 3 0,64 13 0,175 16 0,-108-18 0,-71-7 0,420 55 0,6-25 0,98-28 0,-163-5 0,54-3 0,-83-2 0,99 49 0,-509-51 0,-14 1 0,-151 19 0,105-17 0,-176 18-164,193-19 79,-963 115-2287,754-78 1426,2 11 1,-248 88-1,362-93 571,-218 115 0,263-115 614,2 5 1,2 3-1,-96 85 0,152-117 215,-34 38 1,52-54-216,0 1 1,0 0-1,1 0 1,0 0-1,0 1 1,1 0-1,1 0 0,-1 0 1,-3 16-1,7-21-190,0 1 0,0-1 0,0 1-1,0-1 1,1 1 0,0 0 0,0-1 0,0 0-1,0 1 1,1-1 0,0 0 0,0 1 0,0-1-1,0 0 1,0-1 0,1 1 0,0 0 0,0-1-1,0 1 1,0-1 0,1 0 0,-1 0-1,1 0 1,7 4 0,8 5 97,1-1-1,0-1 1,0-1 0,23 7-1,53 14-235,2-4 1,143 20-1,211-3-528,-244-36 404,210-18 1,-286-2 187,0-4-1,214-59 1,-172 18 26,-150 48 0,0-2 0,-1 0 0,0-1 0,35-28 0,-52 36 25,-1 0-1,1 0 1,-1 0-1,0-1 1,0 1-1,0-1 1,-1-1-1,0 1 1,0 0-1,3-9 1,-6 13-4,-1-1-1,1 0 1,-1 1-1,1-1 1,-1 0-1,0 0 1,0 0 0,0 1-1,0-1 1,0 0-1,-1 0 1,1 1 0,-1-1-1,0 0 1,0 1-1,0-1 1,0 0 0,0 1-1,-1 0 1,1-1-1,-1 1 1,1 0 0,-1 0-1,0-1 1,0 1-1,0 1 1,0-1 0,0 0-1,-5-2 1,-16-11 80,0 1 0,-2 2 0,1 0 0,-37-11 0,52 20-101,-148-52-339,-193-41 0,-174 3-499,379 74 654,0 8-1,-268 11 0,339 7 136,1 2-1,0 4 1,0 3 0,2 3 0,0 3-1,2 3 1,-100 51 0,151-67 69,-12 6 260,1 2 0,1 0-1,-37 32 1,58-44-222,1 0 1,0 1 0,1 0-1,-1 0 1,1 0 0,0 1-1,1-1 1,0 1 0,0 1-1,0-1 1,1 0 0,0 1-1,1 0 1,-1 0 0,2-1-1,-1 1 1,1 0 0,0 1-1,0 13 1,3-9-43,0 0 0,1-1-1,0 1 1,1 0 0,0-1 0,1 0 0,0 0 0,1 0 0,1-1 0,0 0-1,16 20 1,-1-6-25,1 0-1,1-2 1,44 32-1,-10-14-94,3-2-1,1-3 1,2-3-1,1-3 1,72 23-1,8-7-454,207 39 0,-106-44-505,348 14 0,251-63 331,-800 6 754,126-13-52,-151 12 105,0-1 1,0-1-1,-1-1 0,0-1 1,0 0-1,21-13 0,-36 18-39,-1 0-1,1 0 0,-1 0 1,1-1-1,-1 1 1,0-1-1,0 0 0,0 0 1,0 0-1,-1 0 0,1-1 1,-1 1-1,0-1 1,0 1-1,0-1 0,0 0 1,-1 0-1,0 0 1,1 0-1,-1 0 0,0-5 1,-1 3 58,0-1 1,-1 1 0,0 0 0,0-1-1,-1 1 1,1 0 0,-1 0-1,-1 0 1,1 0 0,-1 0-1,0 0 1,0 1 0,-9-11 0,-2-2 102,-1 1 1,-1 0-1,-1 1 1,-21-16 0,-12-5 217,-101-57 1,-193-72-212,-157-33-356,-121-15-1240,-735-150 0,764 255 410,101 59 0,366 46 492,-132 13-1,193-3 170,-1 3 0,-81 23-1,117-24 206,0 2 0,1 1 1,1 1-1,0 1 0,1 2 0,-30 20 0,42-23 109,0 0 0,0 1 1,2 1-1,-1 0 0,2 0 1,0 2-1,1-1 0,0 1 0,1 1 1,-12 27-1,13-21 140,1 1 0,1 0 0,0 0-1,2 1 1,1 0 0,1-1 0,1 1 0,1 0 0,2 0 0,0 0-1,1 0 1,10 39 0,-4-34 90,1 0 0,1-1 0,2 0-1,1 0 1,2-1 0,0-1 0,2-1 0,1 0-1,36 40 1,-13-23 52,3-3-1,1-1 1,1-2-1,2-2 1,62 32-1,4-6-3,167 61-1,323 73-1554,22-50-139,-105-54-88,946 43 0,-1429-133 1448,343 1 101,-324-5 163,0-3 1,0-2 0,0-3 0,77-25-1,-116 30 36,0-1-1,-1 0 0,1-2 0,-2 0 0,1-1 1,-1-1-1,20-16 0,-31 22-110,0 0 0,0 0-1,0-1 1,-1 1 0,0-1 0,0 0-1,0 0 1,-1 0 0,0 0 0,0-1-1,-1 1 1,1-1 0,-1 0 0,-1 0 0,1 0-1,-1 0 1,-1 0 0,1 0 0,-1 0-1,0 0 1,-1 0 0,-2-12 0,0 9-65,0-1-1,-1 0 1,0 1 0,-1 0 0,0 0 0,-1 0 0,0 1 0,-1 0-1,1 0 1,-2 0 0,1 1 0,-1 0 0,-1 0 0,1 1 0,-1 0 0,0 1-1,-18-9 1,-1 0 38,0 2 0,-1 1-1,-1 1 1,0 2 0,-35-7-1,25 9-97,0 1 0,0 2 0,-1 2 0,1 2 0,-1 1 0,1 2 0,0 2 0,-52 13 0,57-8 0,0 0 0,1 3 0,0 1 0,1 1 0,0 2 0,1 1 0,1 2 0,1 1 0,-38 35 0,58-47 0,0 1 0,1 0 0,1 0 0,-1 1 0,2 0 0,0 1 0,-7 13 0,12-21 0,0 0 0,1 0 0,-1 0 0,1 1 0,0-1 0,0 0 0,0 1 0,0-1 0,1 0 0,0 1 0,0-1 0,0 1 0,1-1 0,-1 1 0,1-1 0,0 0 0,0 1 0,0-1 0,1 0 0,0 0 0,0 0 0,0 0 0,0 0 0,0 0 0,5 4 0,-2-3 0,0 0 0,1 0 0,0-1 0,0 1 0,0-1 0,0-1 0,0 1 0,1-1 0,0 0 0,0-1 0,0 0 0,0 0 0,0 0 0,14 1 0,-2-2 0,0 0 0,1-1 0,-1-1 0,32-6 0,-8-2 0,-1-3 0,0 0 0,-1-3 0,0-2 0,50-28 0,-33 12 0,-2-3 0,93-78 0,-116 85 0,-2-1 0,-1-1 0,-2-2 0,-1-1 0,-1-1 0,-2-1 0,-2-2 0,-1 0 0,23-62 0,-34 74 0,-2 0 0,0-1 0,-2 0 0,-1-1 0,-1 1 0,-2-1 0,0 0 0,-2 0 0,-1 0 0,-2 1 0,0-1 0,-2 1 0,-1-1 0,-1 2 0,-19-50 0,17 58 0,0 0 0,-1 0 0,-1 1 0,-1 1 0,0 0 0,-28-28 0,18 24 0,-2 0 0,0 2 0,-2 1 0,-31-17 0,-5 2 0,-2 4 0,-75-24 0,-239-46 0,-113 26-164,261 53-375,-1 9-1,0 10 0,-368 48 0,439-21 153,2 6 1,-155 55-1,193-46 180,2 5 0,3 6 1,-116 71-1,155-77 57,3 3 1,1 3-1,4 4 1,-118 123-1,151-141 72,3 2 1,0 1-1,3 1 0,2 2 0,2 1 1,1 1-1,3 1 0,2 0 0,-19 76 1,32-100 77,2 1 0,0 1 0,2-1 0,1 0 0,1 0 0,1 1 0,1-1 0,7 35 0,-4-42 0,0 0 0,1-1 0,1 0 0,0 0 0,1-1 0,1 0 0,1 0 0,0-1 0,1 0 0,1-1 0,0 0 0,15 12 0,-5-7 1,2-1 1,0-1-1,1-1 1,1-1-1,0-1 1,1-1-1,48 15 1,-14-11-61,1-2 0,103 11 1,-42-17-94,1-5 1,-1-5 0,1-6 0,-2-6-1,205-46 1,-81-6 636,411-166-1,-437 137-397,382-226 0,-549 289 133,-2-3 0,-1-2 0,80-76-1,-121 103-218,0-1-1,-1 1 0,-1-1 0,0-1 0,7-13 0,-12 22 7,-1-1-1,0 0 1,0 1-1,0-1 1,0 0-1,0 0 1,-1 0-1,1 1 1,-1-1-1,0 0 1,0 0-1,0 0 1,0 0-1,0 0 0,-1 0 1,1 0-1,-1 1 1,0-1-1,0 0 1,0 0-1,0 1 1,0-1-1,-1 0 1,1 1-1,-1-1 1,-3-3-1,-2 0 59,0 1-1,0-1 1,-1 2 0,1-1-1,-1 1 1,0 0-1,0 1 1,-1 0-1,1 0 1,-11-2-1,-24-5 70,-1 2-1,-73-5 1,-104 10 68,108 6 32,1 6 1,1 4 0,0 5-1,1 6 1,-155 53 0,195-51-235,1 4 1,1 3 0,-99 66-1,119-66-17,2 2 0,1 3 0,2 1 0,2 2-1,-43 55 1,61-66 9,2 1-1,-22 41 0,34-56 10,2 0 0,0 1 0,1 0-1,1 0 1,0 0 0,-3 26 0,8-35-1,-1 0 0,1 0 0,0 0 0,0 0 0,1 0 0,1 0 0,-1 0 0,1 0 0,0-1 0,1 1 0,0-1 0,0 1 0,0-1 0,1 0 0,0 0 0,1-1 0,-1 1 0,1-1 0,1 0 0,-1 0 0,1 0 0,7 5 0,3 0 0,0-1 0,1 0 0,0-1 0,0-1 0,1-1 0,0 0 0,1-1 0,24 4 0,12 0 0,-1-2 0,1-3 0,1-2 0,92-7 0,-45-7 0,166-39 0,-146 17-3,0-5 1,-3-6 0,193-99 0,-152 53-2,288-214-1,-279 172 215,157-159 0,-310 274-210,-10 11 0,-1 0 0,0 0 0,-1 0 0,1-1 0,-1 0 0,0 0 0,4-8 0,-9 15 4,0 0 1,0 0-1,0-1 1,0 1-1,0 0 1,1 0-1,-1 0 1,0 0-1,0 0 1,0 0-1,0-1 1,0 1-1,0 0 1,0 0-1,0 0 1,0 0-1,0-1 1,0 1-1,0 0 1,0 0-1,0 0 0,0 0 1,0-1-1,0 1 1,0 0-1,0 0 1,0 0-1,0 0 1,0-1-1,0 1 1,0 0-1,0 0 1,0 0-1,0 0 1,0-1-1,0 1 1,0 0-1,0 0 1,-1 0-1,1 0 1,0 0-1,0 0 1,0 0-1,0-1 1,0 1-1,-1 0 0,1 0 1,0 0-1,0 0 1,0 0-1,0 0 1,-1 0-1,-10 4 357,-12 11-1385</inkml:trace>
-</inkml:ink>
-</file>
-
-<file path=ppt/ink/ink4.xml><?xml version="1.0" encoding="utf-8"?>
-<inkml:ink xmlns:inkml="http://www.w3.org/2003/InkML">
-  <inkml:definitions>
-    <inkml:context xml:id="ctx0">
-      <inkml:inkSource xml:id="inkSrc0">
-        <inkml:traceFormat>
-          <inkml:channel name="X" type="integer" min="-2.14748E9" max="2.14748E9" units="cm"/>
-          <inkml:channel name="Y" type="integer" min="-2.14748E9" max="2.14748E9" units="cm"/>
-          <inkml:channel name="F" type="integer" max="32767" units="dev"/>
-        </inkml:traceFormat>
-        <inkml:channelProperties>
-          <inkml:channelProperty channel="X" name="resolution" value="1000" units="1/cm"/>
-          <inkml:channelProperty channel="Y" name="resolution" value="1000" units="1/cm"/>
-          <inkml:channelProperty channel="F" name="resolution" value="0" units="1/dev"/>
-        </inkml:channelProperties>
-      </inkml:inkSource>
-      <inkml:timestamp xml:id="ts0" timeString="2022-11-27T15:20:37.272"/>
-    </inkml:context>
-    <inkml:brush xml:id="br0">
-      <inkml:brushProperty name="width" value="0.35" units="cm"/>
-      <inkml:brushProperty name="height" value="0.35" units="cm"/>
-    </inkml:brush>
-  </inkml:definitions>
-  <inkml:trace contextRef="#ctx0" brushRef="#br0">3812 683 24575,'3'4'0,"0"0"0,-1 0 0,1 0 0,-1 0 0,0 0 0,0 1 0,-1-1 0,1 1 0,-1-1 0,0 1 0,1 7 0,6 22 0,21 36 0,3-2 0,72 114 0,-68-124 0,-27-41 0,2 0 0,0-2 0,1 1 0,19 19 0,-25-30 0,-1 0 0,1 0 0,0-1 0,1 0 0,-1 0 0,1-1 0,-1 0 0,1 0 0,0 0 0,0-1 0,0 0 0,1-1 0,-1 1 0,12 0 0,-8-2 0,1-1 0,-1 0 0,1 0 0,-1-1 0,1 0 0,-1-1 0,0-1 0,0 1 0,0-2 0,0 0 0,-1 0 0,0-1 0,0 0 0,0 0 0,13-13 0,5-7 0,-1-1 0,-2-1 0,33-46 0,11-25 0,73-137 0,37-119 0,-43 30 0,-119 274 0,-11 40 0,-3 12 0,-1 18 0,-2-19 0,-5 263 0,2 92 0,20-47-788,13-2 0,14-1 0,121 442 0,-60-404 612,-83-284 185,2 0 0,4-2-1,55 87 1,-81-141 12,0 1-1,0-1 1,1 0-1,-1 0 1,1 0-1,0 0 1,0-1-1,0 1 1,0-1-1,0 0 1,6 3-1,-9-5-6,1 1 0,0-1 0,0 0 0,0 0 0,-1 0 0,1 0 0,0 0 0,0 0 0,0 0 0,-1 0 0,1 0 0,0 0 0,0 0 0,0-1-1,-1 1 1,1 0 0,0-1 0,0 1 0,-1 0 0,1-1 0,1 0 0,0-1 25,-1 1 0,1-1 1,-1 0-1,1 0 0,-1 0 0,0 0 0,0 0 0,0 0 0,0-1 0,2-3 0,4-23 321,-1-1-1,-2 1 0,0-1 1,-2 0-1,-2-32 1,0 20-264,-5-678-39,2 666-57,-3 0 0,-2 0 0,-2 1 0,-3 0 0,-1 1 0,-31-70 0,39 108 0,-1 1 0,0-1 0,0 1 0,-2 1 0,-15-20 0,21 29 0,0 0 0,1 0 0,-2 0 0,1 0 0,0 1 0,0-1 0,-1 1 0,0 0 0,1 0 0,-1 0 0,0 1 0,0-1 0,0 1 0,0 0 0,0 0 0,0 1 0,0-1 0,0 1 0,0-1 0,0 1 0,-1 1 0,1-1 0,0 1 0,-5 1 0,2 0 0,1 0 0,0 0 0,0 1 0,0 0 0,1 0 0,-1 1 0,1 0 0,-1 0 0,1 0 0,0 0 0,1 1 0,-1 0 0,1 0 0,-5 8 0,-3 7 0,1 0 0,-16 40 0,19-40 0,0-1 0,-2 0 0,-13 21 0,20-36 0,0 0 0,0-1 0,0 0 0,0 1 0,-1-1 0,1 0 0,-1-1 0,0 1 0,1 0 0,-1-1 0,-1 0 0,1 0 0,0 0 0,0-1 0,-9 3 0,6-4 0,1 1 0,0-1 0,-1 0 0,1 0 0,0-1 0,-1 1 0,1-2 0,0 1 0,0-1 0,-8-3 0,-2-2 0,0-1 0,1 0 0,0-1 0,1-1 0,0 0 0,1-1 0,-18-18 0,-58-67 0,-36-36 0,101 109 0,-2 1 0,0 1 0,-40-23 0,66 44 0,0 0 0,-1 0 0,1 0 0,0 0 0,0 0 0,0 0 0,0 0 0,0 0 0,-1 0 0,1 0 0,0 0 0,0 0 0,0 0 0,0 0 0,0 0 0,-1 0 0,1 0 0,0 0 0,0 0 0,0-1 0,0 1 0,0 0 0,0 0 0,0 0 0,-1 0 0,1 0 0,0 0 0,0 0 0,0-1 0,0 1 0,0 0 0,0 0 0,0 0 0,0 0 0,0 0 0,0 0 0,0-1 0,0 1 0,0 0 0,0 0 0,0 0 0,0 0 0,0 0 0,0-1 0,0 1 0,0 0 0,0 0 0,0 0 0,0 0 0,0 0 0,0 0 0,0-1 0,0 1 0,0 0 0,0 0 0,0 0 0,0 0 0,0 0 0,1 0 0,-1-1 0,0 1 0,0 0 0,0 0 0,0 0 0,0 0 0,1 0 0,15-2 0,32 4 0,-40-1 0,21 1 0,14 1 0,54-3 0,-95 0 0,0 0 0,0 0 0,0 0 0,0 0 0,0-1 0,0 1 0,0 0 0,0-1 0,1 0 0,-2 1 0,1-1 0,0 0 0,0 0 0,0 0 0,0 0 0,0 0 0,-1-1 0,1 1 0,-1-1 0,1 1 0,-1-1 0,1 1 0,-1-1 0,0 0 0,0 0 0,0 1 0,0-1 0,0 0 0,0 0 0,0 0 0,-1 0 0,1 0 0,-1 0 0,1-1 0,-1 1 0,0 0 0,0 0 0,0 0 0,0 0 0,0 0 0,0 0 0,-1 0 0,0-4 0,-1-2 0,-1-1 0,0 1 0,0-1 0,-1 1 0,0 0 0,-1 0 0,1 1 0,-1-1 0,-8-7 0,-2 0 0,0 1 0,0 0 0,-2 1 0,1 1 0,-2 1 0,1 0 0,-2 1 0,-22-8 0,38 16 0,0 1 0,-1-1 0,1 0 0,0 0 0,0 0 0,0 0 0,-4-4 0,7 6 0,0 0 0,-1 0 0,1 0 0,0-1 0,0 1 0,0 0 0,0 0 0,0 0 0,0 0 0,0-1 0,-1 1 0,1 0 0,0 0 0,0 0 0,0 0 0,0-1 0,0 1 0,0 0 0,0 0 0,0 0 0,0-1 0,0 1 0,0 0 0,0 0 0,0 0 0,0 0 0,0-1 0,0 1 0,0 0 0,0 0 0,0 0 0,1-1 0,-1 1 0,0 0 0,0 0 0,0 0 0,0 0 0,0 0 0,0-1 0,1 1 0,-1 0 0,0 0 0,0 0 0,0 0 0,0 0 0,21-2 0,49 8 0,-2 4 0,1 2 0,85 28 0,194 84 0,-330-117 0,1-1 0,0-2 0,1 1 0,-1-2 0,29 1 0,100-6 0,-56-2 0,16 6 0,100-5 0,-122-10 0,-56 8 0,51-4 0,-63 9 0,0-2 0,-1 0 0,0 0 0,1-2 0,-1 0 0,-1-1 0,1 0 0,-1-2 0,30-15 0,33-14 0,-54 26 0,45-26 0,-29 9 0,-9 6 0,41-20 0,-61 35 0,0 1 0,0 1 0,0 0 0,1 1 0,-1 0 0,1 1 0,19-2 0,301 5 0,-137 2 0,-111-4 0,0 4 0,121 20 0,-198-21 0,1 1 0,-1-1 0,0 1 0,0 1 0,-1-1 0,1 1 0,-1 1 0,0-1 0,8 8 0,5 4 0,28 35 0,11 9 0,-50-53 0,0-1 0,1 1 0,0-2 0,0 1 0,0-2 0,0 1 0,1-1 0,0-1 0,0 0 0,0 0 0,13 1 0,13-1 0,1-1 0,38-4 0,-16 1 0,1156 0 0,-1186-1 0,1-1 0,35-8 0,7-1 0,193-38 0,-67 10 0,243-13 0,-266 27 0,-10 1 0,192 20 0,-197 7 0,-154-2 0,-1 0 0,0 0 0,0 0 0,0 1 0,0-1 0,0 1 0,7 3 0,-13-4 0,1 0 0,-1 0 0,0 0 0,0 0 0,0 0 0,1 0 0,-1 0 0,0 0 0,0 0 0,0 0 0,1 0 0,-1 1 0,0-1 0,0 0 0,0 0 0,0 0 0,0 0 0,1 1 0,-1-1 0,0 0 0,0 0 0,0 0 0,0 0 0,0 1 0,0-1 0,0 0 0,0 0 0,0 0 0,0 1 0,0-1 0,0 0 0,0 0 0,0 0 0,0 1 0,0-1 0,0 0 0,0 0 0,0 0 0,0 1 0,0-1 0,0 0 0,0 0 0,0 0 0,0 1 0,0-1 0,0 0 0,0 0 0,-1 0 0,1 0 0,0 1 0,0-1 0,0 0 0,0 0 0,0 0 0,-1 0 0,1 0 0,0 1 0,-13 7 0,12-7 0,-32 14 0,0-1 0,0-1 0,-1-2 0,0-1 0,-65 9 0,-183 6 0,266-25 0,-1195 13 0,760-17 0,272 4 0,-703-28 0,-17-103 0,133 34 0,190 19 0,276 46 0,273 28 0,-1 0 0,1-2 0,1-1 0,-50-20 0,51 18 0,3 2 0,1 2 0,-1 0 0,0 1 0,-36-1 0,-94 5 0,79 1 0,-675 1 0,736-1 0,-1-1 0,1 1 0,0 1 0,1 0 0,-1 0 0,0 2 0,1-1 0,-1 1 0,-15 9 0,14-5 0,-1 1 0,1 0 0,0 1 0,1 0 0,1 1 0,-18 21 0,23-25 0,0 0 0,-1-1 0,0 0 0,0 0 0,0-1 0,0 1 0,-1-2 0,0 1 0,0-1 0,-12 5 0,7-6 0,-1 1 0,1-2 0,-1 1 0,0-2 0,0 0 0,-17-1 0,-410-2 0,-33-1 0,229-11 0,-71 0 0,139 14 0,-131 2 0,290-1 0,1 1 0,0 1 0,0 1 0,0 0 0,1 1 0,-1 1 0,1 1 0,0 0 0,1 1 0,0 0 0,-20 16 0,-30 11 0,50-28 0,1 0 0,0 1 0,1 1 0,-22 17 0,13-6 0,-2 0 0,-1-1 0,0-1 0,-1-1 0,-30 13 0,27-14 0,1 1 0,0 1 0,-31 26 0,-4 4 0,44-37 0,1-1 0,-1 0 0,-22 7 0,23-10 0,-1 1 0,1 1 0,-31 21 0,42-25 0,0 0 0,-1-1 0,1-1 0,-1 1 0,0-1 0,1 0 0,-1-1 0,-1 0 0,1 0 0,0 0 0,0-1 0,-1-1 0,1 1 0,-16-3 0,-6-1 0,0-3 0,-52-15 0,40 10 0,36 9 0,-1 0 0,1 0 0,0-1 0,0 1 0,0-1 0,0 0 0,0-1 0,-8-7 0,12 10 0,1 1 0,1-1 0,-1-1 0,0 1 0,0 0 0,0 0 0,0 0 0,1 0 0,-1-1 0,1 1 0,-1 0 0,1 0 0,-1-1 0,1 1 0,0 0 0,0-1 0,-1 1 0,1-3 0,1 2 0,-1 0 0,1 0 0,0 0 0,-1 0 0,1 0 0,0 1 0,0-1 0,0 0 0,1 0 0,-1 1 0,0-1 0,0 1 0,1-1 0,-1 1 0,1-1 0,2-1 0,19-13 0,1 0 0,0 1 0,1 2 0,0 0 0,1 2 0,1 1 0,0 1 0,0 1 0,1 1 0,38-4 0,32 2 0,163 5 0,-166 5 0,-30-1 0,169 5 0,-189-2 0,1 3 0,-1 2 0,48 14 0,11 14 0,-71-23 0,1-1 0,0-2 0,1-1 0,59 7 0,36-3 0,57 2 0,-51-21 0,-116 4 0,-1-2 0,0 0 0,1-1 0,34-14 0,-51 18 0,1 0 0,-1-1 0,0 0 0,0 0 0,1 0 0,-1 0 0,-1-1 0,1 1 0,0-1 0,-1 1 0,1-1 0,-1 0 0,0 0 0,0 0 0,0-1 0,0 1 0,0 0 0,-1-1 0,2-3 0,-3 4 0,0 1 0,0-1 0,0 1 0,0 0 0,0-1 0,-1 1 0,1-1 0,-1 1 0,1 0 0,-1-1 0,0 1 0,0 0 0,0-1 0,0 1 0,-1 0 0,1 0 0,0 0 0,-1 0 0,0 0 0,1 1 0,-1-1 0,0 0 0,0 1 0,0-1 0,0 1 0,0 0 0,0 0 0,0-1 0,-1 1 0,-1 0 0,-18-8 0,0 0 0,0 2 0,-1 1 0,0 1 0,0 1 0,0 0 0,0 2 0,-1 1 0,-35 2 0,-24 7 0,-107 24 0,137-22 0,24-5 0,-38 8 0,0-2 0,-116 2 0,48-21 0,-218-42 0,82 7 0,190 35 0,-114 1 0,171 7 0,14-1 0,1 1 0,-1 1 0,-18 2 0,25-2 0,0 0 0,1 0 0,-1-1 0,1 2 0,-1-1 0,1 0 0,0 0 0,-1 1 0,1-1 0,0 1 0,0 0 0,0 0 0,0-1 0,0 1 0,1 1 0,-1-1 0,0 0 0,-1 4 0,0-1 0,0-1 0,0 1 0,0-1 0,0 0 0,-1 0 0,0 0 0,0 0 0,0-1 0,0 1 0,0-1 0,-1 0 0,1-1 0,-1 1 0,0-1 0,-6 3 0,-8 1 0,0-1 0,-37 6 0,-77 4 0,-244-2 0,351-13 0,-3 0 0,-34-4 0,56 3 0,1 0 0,-1 0 0,0-1 0,1 0 0,-1 0 0,1 0 0,-1-1 0,1 0 0,0 0 0,-8-7 0,13 9 0,0 0 0,0 0 0,0 0 0,-1 0 0,1-1 0,1 1 0,-1 0 0,0-1 0,0 1 0,0-1 0,1 1 0,-1-1 0,1 1 0,-1-1 0,1 1 0,0-1 0,-1 0 0,1 1 0,0-1 0,0 1 0,0-1 0,0 0 0,0 1 0,1-1 0,-1 0 0,1 1 0,-1-1 0,1 1 0,0-3 0,3-4 0,0 0 0,1 0 0,-1 1 0,9-10 0,-1 0 0,28-42 0,3 2 0,3 1 0,55-52 0,-93 102 0,-1-1 0,1 2 0,0-1 0,0 1 0,1 0 0,0 1 0,-1 0 0,1 1 0,1-1 0,-1 2 0,0-1 0,1 1 0,12 0 0,13-1 0,-1 3 0,50 4 0,-41-1 0,-6 0 0,0 2 0,0 2 0,0 1 0,-1 2 0,0 2 0,-1 1 0,39 20 0,22 19 0,105 75 0,60 32 0,-197-127 0,1-2 0,87 27 0,29-9 0,-147-41 0,0-2 0,66 2 0,-28-4 0,-69-2-105,0-1 0,0 0 0,0 1 0,0-1 0,0 1 0,0 0 0,-1 0 0,1 0 0,0 1 0,-1-1 0,1 0 0,3 4 0</inkml:trace>
-</inkml:ink>
-</file>
-
-<file path=ppt/ink/ink5.xml><?xml version="1.0" encoding="utf-8"?>
-<inkml:ink xmlns:inkml="http://www.w3.org/2003/InkML">
-  <inkml:definitions>
-    <inkml:context xml:id="ctx0">
-      <inkml:inkSource xml:id="inkSrc0">
-        <inkml:traceFormat>
-          <inkml:channel name="X" type="integer" min="-2.14748E9" max="2.14748E9" units="cm"/>
-          <inkml:channel name="Y" type="integer" min="-2.14748E9" max="2.14748E9" units="cm"/>
-          <inkml:channel name="F" type="integer" max="32767" units="dev"/>
-        </inkml:traceFormat>
-        <inkml:channelProperties>
-          <inkml:channelProperty channel="X" name="resolution" value="1000" units="1/cm"/>
-          <inkml:channelProperty channel="Y" name="resolution" value="1000" units="1/cm"/>
-          <inkml:channelProperty channel="F" name="resolution" value="0" units="1/dev"/>
-        </inkml:channelProperties>
-      </inkml:inkSource>
-      <inkml:timestamp xml:id="ts0" timeString="2022-11-27T15:20:43.644"/>
-    </inkml:context>
-    <inkml:brush xml:id="br0">
-      <inkml:brushProperty name="width" value="0.35" units="cm"/>
-      <inkml:brushProperty name="height" value="0.35" units="cm"/>
-    </inkml:brush>
-  </inkml:definitions>
-  <inkml:trace contextRef="#ctx0" brushRef="#br0">2041 298 24575,'-371'-1'0,"-405"3"0,709-1 0,1 4 0,0 2 0,0 3 0,1 3 0,0 3 0,-82 31 0,128-39 0,-5 2 0,-35 10 0,54-19 0,0 1 0,-1-1 0,1 0 0,-1 0 0,0-1 0,1 0 0,-1 0 0,1 0 0,-1-1 0,1 0 0,-1 0 0,-7-2 0,10 1 0,1 1 0,-1-1 0,1 0 0,-1 0 0,1 0 0,0 0 0,0-1 0,0 1 0,0-1 0,0 1 0,1-1 0,-1 1 0,1-1 0,0 0 0,-2-4 0,-14-24 0,11 26 0,0 0 0,0 0 0,-1 1 0,1 0 0,-1 0 0,0 0 0,-8-2 0,8 3 0,1 0 0,0 0 0,0 0 0,0 0 0,1-1 0,-1 0 0,1-1 0,-6-5 0,10 10 0,1-1 0,0 1 0,0 0 0,-1-1 0,1 1 0,0-1 0,0 1 0,0-1 0,0 1 0,0-1 0,0 1 0,-1-1 0,1 1 0,0-1 0,0 1 0,1-1 0,-1 1 0,0-1 0,0 1 0,0-1 0,0 1 0,0-1 0,0 1 0,1-1 0,-1 1 0,0-1 0,0 1 0,1 0 0,-1-1 0,0 1 0,1-1 0,-1 1 0,0 0 0,1-1 0,-1 1 0,1 0 0,-1-1 0,1 1 0,-1 0 0,0 0 0,2-1 0,22-10 0,-19 9 0,42-18 0,-26 10 0,0 1 0,1 1 0,0 1 0,0 1 0,0 1 0,31-4 0,103 10 0,14-1 0,-167 0 12,1 0 0,0 0-1,-1-1 1,0 0 0,1 0-1,-1 0 1,1 0 0,-1 0-1,0-1 1,0 1 0,0-1-1,0 0 1,0 0 0,0 0-1,0 0 1,-1-1 0,1 1-1,-1-1 1,0 0 0,1 1-1,-1-1 1,-1 0 0,1 0-1,0 0 1,-1-1 0,1 1-1,-1 0 1,1-5-1,1-8-224,0 1-1,-2 0 0,0-1 0,0 1 0,-3-19 0,2 22-206</inkml:trace>
-</inkml:ink>
+<file path=ppt/authors.xml><?xml version="1.0" encoding="utf-8"?>
+<p188:authorLst xmlns:a="http://schemas.openxmlformats.org/drawingml/2006/main" xmlns:r="http://schemas.openxmlformats.org/officeDocument/2006/relationships" xmlns:p188="http://schemas.microsoft.com/office/powerpoint/2018/8/main">
+  <p188:author id="{C127262B-2435-0199-DC46-E3C86B826B26}" name="Tarek Albrijawi" initials="TA" userId="635f51d5f515b04d" providerId="Windows Live"/>
+</p188:authorLst>
 </file>
 
 <file path=ppt/notesMasters/notesMaster1.xml><?xml version="1.0" encoding="utf-8"?>
@@ -341,7 +223,7 @@
           <a:p>
             <a:fld id="{2EAF76E7-7547-4150-806D-86F8A2C566D2}" type="datetimeFigureOut">
               <a:rPr lang="en-US" smtClean="0"/>
-              <a:t>11/27/2022</a:t>
+              <a:t>11/28/2022</a:t>
             </a:fld>
             <a:endParaRPr lang="en-US"/>
           </a:p>
@@ -609,90 +491,6 @@
 </p:notesMaster>
 </file>
 
-<file path=ppt/notesSlides/notesSlide1.xml><?xml version="1.0" encoding="utf-8"?>
-<p:notes xmlns:a="http://schemas.openxmlformats.org/drawingml/2006/main" xmlns:r="http://schemas.openxmlformats.org/officeDocument/2006/relationships" xmlns:p="http://schemas.openxmlformats.org/presentationml/2006/main">
-  <p:cSld>
-    <p:spTree>
-      <p:nvGrpSpPr>
-        <p:cNvPr id="1" name=""/>
-        <p:cNvGrpSpPr/>
-        <p:nvPr/>
-      </p:nvGrpSpPr>
-      <p:grpSpPr>
-        <a:xfrm>
-          <a:off x="0" y="0"/>
-          <a:ext cx="0" cy="0"/>
-          <a:chOff x="0" y="0"/>
-          <a:chExt cx="0" cy="0"/>
-        </a:xfrm>
-      </p:grpSpPr>
-      <p:sp>
-        <p:nvSpPr>
-          <p:cNvPr id="2" name="Folienbildplatzhalter 1"/>
-          <p:cNvSpPr>
-            <a:spLocks noGrp="1" noRot="1" noChangeAspect="1"/>
-          </p:cNvSpPr>
-          <p:nvPr>
-            <p:ph type="sldImg"/>
-          </p:nvPr>
-        </p:nvSpPr>
-        <p:spPr/>
-      </p:sp>
-      <p:sp>
-        <p:nvSpPr>
-          <p:cNvPr id="3" name="Notizenplatzhalter 2"/>
-          <p:cNvSpPr>
-            <a:spLocks noGrp="1"/>
-          </p:cNvSpPr>
-          <p:nvPr>
-            <p:ph type="body" idx="1"/>
-          </p:nvPr>
-        </p:nvSpPr>
-        <p:spPr/>
-        <p:txBody>
-          <a:bodyPr/>
-          <a:lstStyle/>
-          <a:p>
-            <a:endParaRPr lang="en-US" dirty="0"/>
-          </a:p>
-        </p:txBody>
-      </p:sp>
-      <p:sp>
-        <p:nvSpPr>
-          <p:cNvPr id="4" name="Foliennummernplatzhalter 3"/>
-          <p:cNvSpPr>
-            <a:spLocks noGrp="1"/>
-          </p:cNvSpPr>
-          <p:nvPr>
-            <p:ph type="sldNum" sz="quarter" idx="5"/>
-          </p:nvPr>
-        </p:nvSpPr>
-        <p:spPr/>
-        <p:txBody>
-          <a:bodyPr/>
-          <a:lstStyle/>
-          <a:p>
-            <a:fld id="{80DECBA8-4DEA-44E1-AD23-30AA4E3CD185}" type="slidenum">
-              <a:rPr lang="en-US" smtClean="0"/>
-              <a:t>3</a:t>
-            </a:fld>
-            <a:endParaRPr lang="en-US"/>
-          </a:p>
-        </p:txBody>
-      </p:sp>
-    </p:spTree>
-    <p:extLst>
-      <p:ext uri="{BB962C8B-B14F-4D97-AF65-F5344CB8AC3E}">
-        <p14:creationId xmlns:p14="http://schemas.microsoft.com/office/powerpoint/2010/main" val="2146056934"/>
-      </p:ext>
-    </p:extLst>
-  </p:cSld>
-  <p:clrMapOvr>
-    <a:masterClrMapping/>
-  </p:clrMapOvr>
-</p:notes>
-</file>
-
 <file path=ppt/slideLayouts/slideLayout1.xml><?xml version="1.0" encoding="utf-8"?>
 <p:sldLayout xmlns:a="http://schemas.openxmlformats.org/drawingml/2006/main" xmlns:r="http://schemas.openxmlformats.org/officeDocument/2006/relationships" xmlns:p="http://schemas.openxmlformats.org/presentationml/2006/main" type="title" preserve="1">
   <p:cSld name="Titelfolie">
@@ -840,7 +638,7 @@
           <a:p>
             <a:fld id="{EFDAA984-E6C3-4D4F-9F41-6B61BE8B873A}" type="datetimeFigureOut">
               <a:rPr lang="de-DE" smtClean="0"/>
-              <a:t>27.11.2022</a:t>
+              <a:t>28.11.2022</a:t>
             </a:fld>
             <a:endParaRPr lang="de-DE"/>
           </a:p>
@@ -1038,7 +836,7 @@
           <a:p>
             <a:fld id="{EFDAA984-E6C3-4D4F-9F41-6B61BE8B873A}" type="datetimeFigureOut">
               <a:rPr lang="de-DE" smtClean="0"/>
-              <a:t>27.11.2022</a:t>
+              <a:t>28.11.2022</a:t>
             </a:fld>
             <a:endParaRPr lang="de-DE"/>
           </a:p>
@@ -1246,7 +1044,7 @@
           <a:p>
             <a:fld id="{EFDAA984-E6C3-4D4F-9F41-6B61BE8B873A}" type="datetimeFigureOut">
               <a:rPr lang="de-DE" smtClean="0"/>
-              <a:t>27.11.2022</a:t>
+              <a:t>28.11.2022</a:t>
             </a:fld>
             <a:endParaRPr lang="de-DE"/>
           </a:p>
@@ -1358,7 +1156,7 @@
           <a:lstStyle/>
           <a:p>
             <a:r>
-              <a:rPr lang="de-DE"/>
+              <a:rPr lang="de-DE" dirty="0"/>
               <a:t>Mastertitelformat bearbeiten</a:t>
             </a:r>
           </a:p>
@@ -1387,35 +1185,35 @@
           <a:p>
             <a:pPr lvl="0"/>
             <a:r>
-              <a:rPr lang="de-DE"/>
+              <a:rPr lang="de-DE" dirty="0"/>
               <a:t>Mastertextformat bearbeiten</a:t>
             </a:r>
           </a:p>
           <a:p>
             <a:pPr lvl="1"/>
             <a:r>
-              <a:rPr lang="de-DE"/>
+              <a:rPr lang="de-DE" dirty="0"/>
               <a:t>Zweite Ebene</a:t>
             </a:r>
           </a:p>
           <a:p>
             <a:pPr lvl="2"/>
             <a:r>
-              <a:rPr lang="de-DE"/>
+              <a:rPr lang="de-DE" dirty="0"/>
               <a:t>Dritte Ebene</a:t>
             </a:r>
           </a:p>
           <a:p>
             <a:pPr lvl="3"/>
             <a:r>
-              <a:rPr lang="de-DE"/>
+              <a:rPr lang="de-DE" dirty="0"/>
               <a:t>Vierte Ebene</a:t>
             </a:r>
           </a:p>
           <a:p>
             <a:pPr lvl="4"/>
             <a:r>
-              <a:rPr lang="de-DE"/>
+              <a:rPr lang="de-DE" dirty="0"/>
               <a:t>Fünfte Ebene</a:t>
             </a:r>
           </a:p>
@@ -1444,7 +1242,7 @@
           <a:p>
             <a:fld id="{EFDAA984-E6C3-4D4F-9F41-6B61BE8B873A}" type="datetimeFigureOut">
               <a:rPr lang="de-DE" smtClean="0"/>
-              <a:t>27.11.2022</a:t>
+              <a:t>28.11.2022</a:t>
             </a:fld>
             <a:endParaRPr lang="de-DE"/>
           </a:p>
@@ -1719,7 +1517,7 @@
           <a:p>
             <a:fld id="{EFDAA984-E6C3-4D4F-9F41-6B61BE8B873A}" type="datetimeFigureOut">
               <a:rPr lang="de-DE" smtClean="0"/>
-              <a:t>27.11.2022</a:t>
+              <a:t>28.11.2022</a:t>
             </a:fld>
             <a:endParaRPr lang="de-DE"/>
           </a:p>
@@ -1984,7 +1782,7 @@
           <a:p>
             <a:fld id="{EFDAA984-E6C3-4D4F-9F41-6B61BE8B873A}" type="datetimeFigureOut">
               <a:rPr lang="de-DE" smtClean="0"/>
-              <a:t>27.11.2022</a:t>
+              <a:t>28.11.2022</a:t>
             </a:fld>
             <a:endParaRPr lang="de-DE"/>
           </a:p>
@@ -2396,7 +2194,7 @@
           <a:p>
             <a:fld id="{EFDAA984-E6C3-4D4F-9F41-6B61BE8B873A}" type="datetimeFigureOut">
               <a:rPr lang="de-DE" smtClean="0"/>
-              <a:t>27.11.2022</a:t>
+              <a:t>28.11.2022</a:t>
             </a:fld>
             <a:endParaRPr lang="de-DE"/>
           </a:p>
@@ -2537,7 +2335,7 @@
           <a:p>
             <a:fld id="{EFDAA984-E6C3-4D4F-9F41-6B61BE8B873A}" type="datetimeFigureOut">
               <a:rPr lang="de-DE" smtClean="0"/>
-              <a:t>27.11.2022</a:t>
+              <a:t>28.11.2022</a:t>
             </a:fld>
             <a:endParaRPr lang="de-DE"/>
           </a:p>
@@ -2650,7 +2448,7 @@
           <a:p>
             <a:fld id="{EFDAA984-E6C3-4D4F-9F41-6B61BE8B873A}" type="datetimeFigureOut">
               <a:rPr lang="de-DE" smtClean="0"/>
-              <a:t>27.11.2022</a:t>
+              <a:t>28.11.2022</a:t>
             </a:fld>
             <a:endParaRPr lang="de-DE"/>
           </a:p>
@@ -2961,7 +2759,7 @@
           <a:p>
             <a:fld id="{EFDAA984-E6C3-4D4F-9F41-6B61BE8B873A}" type="datetimeFigureOut">
               <a:rPr lang="de-DE" smtClean="0"/>
-              <a:t>27.11.2022</a:t>
+              <a:t>28.11.2022</a:t>
             </a:fld>
             <a:endParaRPr lang="de-DE"/>
           </a:p>
@@ -3249,7 +3047,7 @@
           <a:p>
             <a:fld id="{EFDAA984-E6C3-4D4F-9F41-6B61BE8B873A}" type="datetimeFigureOut">
               <a:rPr lang="de-DE" smtClean="0"/>
-              <a:t>27.11.2022</a:t>
+              <a:t>28.11.2022</a:t>
             </a:fld>
             <a:endParaRPr lang="de-DE"/>
           </a:p>
@@ -3490,7 +3288,7 @@
           <a:p>
             <a:fld id="{EFDAA984-E6C3-4D4F-9F41-6B61BE8B873A}" type="datetimeFigureOut">
               <a:rPr lang="de-DE" smtClean="0"/>
-              <a:t>27.11.2022</a:t>
+              <a:t>28.11.2022</a:t>
             </a:fld>
             <a:endParaRPr lang="de-DE"/>
           </a:p>
@@ -3915,12 +3713,12 @@
           <a:chExt cx="0" cy="0"/>
         </a:xfrm>
       </p:grpSpPr>
-      <p:sp useBgFill="1">
-        <p:nvSpPr>
-          <p:cNvPr id="10" name="Rectangle 9">
-            <a:extLst>
-              <a:ext uri="{FF2B5EF4-FFF2-40B4-BE49-F238E27FC236}">
-                <a16:creationId xmlns:a16="http://schemas.microsoft.com/office/drawing/2014/main" id="{0671A8AE-40A1-4631-A6B8-581AFF065482}"/>
+      <p:sp>
+        <p:nvSpPr>
+          <p:cNvPr id="36" name="Rectangle 25">
+            <a:extLst>
+              <a:ext uri="{FF2B5EF4-FFF2-40B4-BE49-F238E27FC236}">
+                <a16:creationId xmlns:a16="http://schemas.microsoft.com/office/drawing/2014/main" id="{A7AE9375-4664-4DB2-922D-2782A6E439AC}"/>
               </a:ext>
               <a:ext uri="{C183D7F6-B498-43B3-948B-1728B52AA6E4}">
                 <adec:decorative xmlns:adec="http://schemas.microsoft.com/office/drawing/2017/decorative" val="1"/>
@@ -3940,12 +3738,18 @@
         </p:nvSpPr>
         <p:spPr>
           <a:xfrm>
-            <a:off x="0" y="0"/>
+            <a:off x="-1" y="0"/>
             <a:ext cx="12192000" cy="6858000"/>
           </a:xfrm>
           <a:prstGeom prst="rect">
             <a:avLst/>
           </a:prstGeom>
+          <a:solidFill>
+            <a:schemeClr val="tx1">
+              <a:lumMod val="95000"/>
+              <a:lumOff val="5000"/>
+            </a:schemeClr>
+          </a:solidFill>
           <a:ln>
             <a:noFill/>
           </a:ln>
@@ -3971,16 +3775,72 @@
           <a:lstStyle/>
           <a:p>
             <a:pPr algn="ctr"/>
-            <a:endParaRPr lang="en-US"/>
-          </a:p>
-        </p:txBody>
-      </p:sp>
+            <a:endParaRPr lang="en-US" dirty="0">
+              <a:solidFill>
+                <a:schemeClr val="tx1"/>
+              </a:solidFill>
+            </a:endParaRPr>
+          </a:p>
+        </p:txBody>
+      </p:sp>
+      <p:cxnSp>
+        <p:nvCxnSpPr>
+          <p:cNvPr id="37" name="Straight Connector 27">
+            <a:extLst>
+              <a:ext uri="{FF2B5EF4-FFF2-40B4-BE49-F238E27FC236}">
+                <a16:creationId xmlns:a16="http://schemas.microsoft.com/office/drawing/2014/main" id="{EE504C98-6397-41C1-A8D8-2D9C4ED307E0}"/>
+              </a:ext>
+              <a:ext uri="{C183D7F6-B498-43B3-948B-1728B52AA6E4}">
+                <adec:decorative xmlns:adec="http://schemas.microsoft.com/office/drawing/2017/decorative" val="1"/>
+              </a:ext>
+            </a:extLst>
+          </p:cNvPr>
+          <p:cNvCxnSpPr>
+            <a:cxnSpLocks noGrp="1" noRot="1" noChangeAspect="1" noMove="1" noResize="1" noEditPoints="1" noAdjustHandles="1" noChangeArrowheads="1" noChangeShapeType="1"/>
+          </p:cNvCxnSpPr>
+          <p:nvPr>
+            <p:extLst>
+              <p:ext uri="{386F3935-93C4-4BCD-93E2-E3B085C9AB24}">
+                <p16:designElem xmlns:p16="http://schemas.microsoft.com/office/powerpoint/2015/main" val="1"/>
+              </p:ext>
+            </p:extLst>
+          </p:nvPr>
+        </p:nvCxnSpPr>
+        <p:spPr>
+          <a:xfrm flipH="1">
+            <a:off x="1" y="2026340"/>
+            <a:ext cx="6095999" cy="0"/>
+          </a:xfrm>
+          <a:prstGeom prst="line">
+            <a:avLst/>
+          </a:prstGeom>
+          <a:ln w="12700">
+            <a:solidFill>
+              <a:schemeClr val="accent2"/>
+            </a:solidFill>
+          </a:ln>
+        </p:spPr>
+        <p:style>
+          <a:lnRef idx="1">
+            <a:schemeClr val="accent1"/>
+          </a:lnRef>
+          <a:fillRef idx="0">
+            <a:schemeClr val="accent1"/>
+          </a:fillRef>
+          <a:effectRef idx="0">
+            <a:schemeClr val="accent1"/>
+          </a:effectRef>
+          <a:fontRef idx="minor">
+            <a:schemeClr val="tx1"/>
+          </a:fontRef>
+        </p:style>
+      </p:cxnSp>
       <p:pic>
         <p:nvPicPr>
-          <p:cNvPr id="5" name="Grafik 4">
-            <a:extLst>
-              <a:ext uri="{FF2B5EF4-FFF2-40B4-BE49-F238E27FC236}">
-                <a16:creationId xmlns:a16="http://schemas.microsoft.com/office/drawing/2014/main" id="{72B6C643-AA2A-6B23-402D-6D4A3D29D6F6}"/>
+          <p:cNvPr id="6" name="Grafik 5" descr="Ein Bild, das Text enthält.&#10;&#10;Automatisch generierte Beschreibung">
+            <a:extLst>
+              <a:ext uri="{FF2B5EF4-FFF2-40B4-BE49-F238E27FC236}">
+                <a16:creationId xmlns:a16="http://schemas.microsoft.com/office/drawing/2014/main" id="{B2B640C5-73B0-DB00-06FF-A40F4372B859}"/>
               </a:ext>
             </a:extLst>
           </p:cNvPr>
@@ -3989,7 +3849,7 @@
           </p:cNvPicPr>
           <p:nvPr/>
         </p:nvPicPr>
-        <p:blipFill rotWithShape="1">
+        <p:blipFill>
           <a:blip r:embed="rId2">
             <a:extLst>
               <a:ext uri="{28A0092B-C50C-407E-A947-70E740481C1C}">
@@ -3997,13 +3857,14 @@
               </a:ext>
             </a:extLst>
           </a:blip>
-          <a:srcRect t="16510" r="8992" b="11490"/>
-          <a:stretch/>
+          <a:stretch>
+            <a:fillRect/>
+          </a:stretch>
         </p:blipFill>
         <p:spPr>
           <a:xfrm>
-            <a:off x="3523488" y="10"/>
-            <a:ext cx="8668512" cy="6857990"/>
+            <a:off x="8553088" y="3739695"/>
+            <a:ext cx="2784532" cy="2784532"/>
           </a:xfrm>
           <a:prstGeom prst="rect">
             <a:avLst/>
@@ -4012,10 +3873,10 @@
       </p:pic>
       <p:sp>
         <p:nvSpPr>
-          <p:cNvPr id="12" name="Rectangle 11">
-            <a:extLst>
-              <a:ext uri="{FF2B5EF4-FFF2-40B4-BE49-F238E27FC236}">
-                <a16:creationId xmlns:a16="http://schemas.microsoft.com/office/drawing/2014/main" id="{AB58EF07-17C2-48CF-ABB0-EEF1F17CB8F0}"/>
+          <p:cNvPr id="38" name="Rectangle 29">
+            <a:extLst>
+              <a:ext uri="{FF2B5EF4-FFF2-40B4-BE49-F238E27FC236}">
+                <a16:creationId xmlns:a16="http://schemas.microsoft.com/office/drawing/2014/main" id="{C87417AF-190E-4D6E-AFA6-7D3E84B0B430}"/>
               </a:ext>
               <a:ext uri="{C183D7F6-B498-43B3-948B-1728B52AA6E4}">
                 <adec:decorative xmlns:adec="http://schemas.microsoft.com/office/drawing/2017/decorative" val="1"/>
@@ -4035,35 +3896,17 @@
         </p:nvSpPr>
         <p:spPr>
           <a:xfrm>
-            <a:off x="3" y="0"/>
-            <a:ext cx="9339206" cy="6858000"/>
+            <a:off x="6431603" y="182859"/>
+            <a:ext cx="3996261" cy="3177496"/>
           </a:xfrm>
           <a:prstGeom prst="rect">
             <a:avLst/>
           </a:prstGeom>
-          <a:gradFill>
-            <a:gsLst>
-              <a:gs pos="58000">
-                <a:schemeClr val="bg1"/>
-              </a:gs>
-              <a:gs pos="33000">
-                <a:schemeClr val="bg1">
-                  <a:alpha val="64000"/>
-                </a:schemeClr>
-              </a:gs>
-              <a:gs pos="0">
-                <a:schemeClr val="bg1">
-                  <a:alpha val="0"/>
-                </a:schemeClr>
-              </a:gs>
-              <a:gs pos="100000">
-                <a:schemeClr val="bg1"/>
-              </a:gs>
-            </a:gsLst>
-            <a:lin ang="10800000" scaled="0"/>
-          </a:gradFill>
-          <a:ln>
-            <a:noFill/>
+          <a:noFill/>
+          <a:ln w="12700">
+            <a:solidFill>
+              <a:schemeClr val="accent2"/>
+            </a:solidFill>
           </a:ln>
         </p:spPr>
         <p:style>
@@ -4087,67 +3930,52 @@
           <a:lstStyle/>
           <a:p>
             <a:pPr algn="ctr"/>
-            <a:endParaRPr lang="en-US" dirty="0"/>
-          </a:p>
-        </p:txBody>
-      </p:sp>
-      <p:sp>
-        <p:nvSpPr>
-          <p:cNvPr id="2" name="Titel 1">
-            <a:extLst>
-              <a:ext uri="{FF2B5EF4-FFF2-40B4-BE49-F238E27FC236}">
-                <a16:creationId xmlns:a16="http://schemas.microsoft.com/office/drawing/2014/main" id="{3A27CB33-56D3-2A97-9F6B-EDBE5585ED18}"/>
-              </a:ext>
-            </a:extLst>
-          </p:cNvPr>
-          <p:cNvSpPr>
-            <a:spLocks noGrp="1"/>
-          </p:cNvSpPr>
-          <p:nvPr>
-            <p:ph type="ctrTitle"/>
-          </p:nvPr>
-        </p:nvSpPr>
-        <p:spPr>
-          <a:xfrm>
-            <a:off x="521222" y="2223787"/>
-            <a:ext cx="4825442" cy="1139048"/>
-          </a:xfrm>
-        </p:spPr>
-        <p:txBody>
-          <a:bodyPr anchor="b">
-            <a:normAutofit/>
-          </a:bodyPr>
-          <a:lstStyle/>
-          <a:p>
-            <a:pPr algn="l"/>
-            <a:r>
-              <a:rPr lang="de-DE" b="1" dirty="0">
-                <a:ln w="9525">
-                  <a:solidFill>
-                    <a:schemeClr val="bg1"/>
-                  </a:solidFill>
-                  <a:prstDash val="solid"/>
-                </a:ln>
-                <a:effectLst>
-                  <a:outerShdw blurRad="12700" dist="38100" dir="2700000" algn="tl" rotWithShape="0">
-                    <a:schemeClr val="bg1">
-                      <a:lumMod val="50000"/>
-                    </a:schemeClr>
-                  </a:outerShdw>
-                </a:effectLst>
-                <a:latin typeface="Algerian" panose="04020705040A02060702" pitchFamily="82" charset="0"/>
-              </a:rPr>
-              <a:t>GYMHOUSE</a:t>
-            </a:r>
-          </a:p>
-        </p:txBody>
-      </p:sp>
-      <p:sp>
-        <p:nvSpPr>
-          <p:cNvPr id="14" name="Rectangle 13">
-            <a:extLst>
-              <a:ext uri="{FF2B5EF4-FFF2-40B4-BE49-F238E27FC236}">
-                <a16:creationId xmlns:a16="http://schemas.microsoft.com/office/drawing/2014/main" id="{AF2F604E-43BE-4DC3-B983-E071523364F8}"/>
+            <a:endParaRPr lang="en-US"/>
+          </a:p>
+        </p:txBody>
+      </p:sp>
+      <p:pic>
+        <p:nvPicPr>
+          <p:cNvPr id="10" name="Grafik 9">
+            <a:extLst>
+              <a:ext uri="{FF2B5EF4-FFF2-40B4-BE49-F238E27FC236}">
+                <a16:creationId xmlns:a16="http://schemas.microsoft.com/office/drawing/2014/main" id="{4581ADC7-1822-62B9-F447-5F118CAC275E}"/>
+              </a:ext>
+            </a:extLst>
+          </p:cNvPr>
+          <p:cNvPicPr>
+            <a:picLocks noChangeAspect="1"/>
+          </p:cNvPicPr>
+          <p:nvPr/>
+        </p:nvPicPr>
+        <p:blipFill>
+          <a:blip r:embed="rId3">
+            <a:extLst>
+              <a:ext uri="{28A0092B-C50C-407E-A947-70E740481C1C}">
+                <a14:useLocalDpi xmlns:a14="http://schemas.microsoft.com/office/drawing/2010/main" val="0"/>
+              </a:ext>
+            </a:extLst>
+          </a:blip>
+          <a:stretch>
+            <a:fillRect/>
+          </a:stretch>
+        </p:blipFill>
+        <p:spPr>
+          <a:xfrm>
+            <a:off x="5782255" y="-999226"/>
+            <a:ext cx="5541666" cy="5541666"/>
+          </a:xfrm>
+          <a:prstGeom prst="rect">
+            <a:avLst/>
+          </a:prstGeom>
+        </p:spPr>
+      </p:pic>
+      <p:sp>
+        <p:nvSpPr>
+          <p:cNvPr id="39" name="Rectangle 31">
+            <a:extLst>
+              <a:ext uri="{FF2B5EF4-FFF2-40B4-BE49-F238E27FC236}">
+                <a16:creationId xmlns:a16="http://schemas.microsoft.com/office/drawing/2014/main" id="{80B30ED8-273E-4C07-8568-2FE5CC5C483D}"/>
               </a:ext>
               <a:ext uri="{C183D7F6-B498-43B3-948B-1728B52AA6E4}">
                 <adec:decorative xmlns:adec="http://schemas.microsoft.com/office/drawing/2017/decorative" val="1"/>
@@ -4166,18 +3994,18 @@
           </p:nvPr>
         </p:nvSpPr>
         <p:spPr>
-          <a:xfrm rot="5400000">
-            <a:off x="759921" y="346791"/>
-            <a:ext cx="146304" cy="704088"/>
+          <a:xfrm>
+            <a:off x="7825071" y="3543213"/>
+            <a:ext cx="3996261" cy="3177496"/>
           </a:xfrm>
           <a:prstGeom prst="rect">
             <a:avLst/>
           </a:prstGeom>
-          <a:solidFill>
-            <a:schemeClr val="accent2"/>
-          </a:solidFill>
-          <a:ln>
-            <a:noFill/>
+          <a:noFill/>
+          <a:ln w="12700">
+            <a:solidFill>
+              <a:schemeClr val="accent2"/>
+            </a:solidFill>
           </a:ln>
         </p:spPr>
         <p:style>
@@ -4201,21 +4029,96 @@
           <a:lstStyle/>
           <a:p>
             <a:pPr algn="ctr"/>
-            <a:endParaRPr lang="en-US">
-              <a:solidFill>
-                <a:prstClr val="white"/>
-              </a:solidFill>
-              <a:latin typeface="Calibri" panose="020F0502020204030204"/>
-            </a:endParaRPr>
-          </a:p>
-        </p:txBody>
-      </p:sp>
-      <p:sp>
-        <p:nvSpPr>
-          <p:cNvPr id="16" name="Rectangle 15">
-            <a:extLst>
-              <a:ext uri="{FF2B5EF4-FFF2-40B4-BE49-F238E27FC236}">
-                <a16:creationId xmlns:a16="http://schemas.microsoft.com/office/drawing/2014/main" id="{08C9B587-E65E-4B52-B37C-ABEBB6E87928}"/>
+            <a:endParaRPr lang="en-US"/>
+          </a:p>
+        </p:txBody>
+      </p:sp>
+      <p:sp>
+        <p:nvSpPr>
+          <p:cNvPr id="12" name="Textfeld 11">
+            <a:extLst>
+              <a:ext uri="{FF2B5EF4-FFF2-40B4-BE49-F238E27FC236}">
+                <a16:creationId xmlns:a16="http://schemas.microsoft.com/office/drawing/2014/main" id="{1B1DB219-C438-FBF3-B8DF-C3DAC19CC24C}"/>
+              </a:ext>
+            </a:extLst>
+          </p:cNvPr>
+          <p:cNvSpPr txBox="1"/>
+          <p:nvPr/>
+        </p:nvSpPr>
+        <p:spPr>
+          <a:xfrm>
+            <a:off x="1065269" y="1195343"/>
+            <a:ext cx="4219575" cy="830997"/>
+          </a:xfrm>
+          <a:prstGeom prst="rect">
+            <a:avLst/>
+          </a:prstGeom>
+          <a:noFill/>
+        </p:spPr>
+        <p:txBody>
+          <a:bodyPr wrap="square" rtlCol="0">
+            <a:spAutoFit/>
+          </a:bodyPr>
+          <a:lstStyle/>
+          <a:p>
+            <a:pPr algn="ctr"/>
+            <a:r>
+              <a:rPr lang="de-DE" sz="4800" dirty="0">
+                <a:solidFill>
+                  <a:schemeClr val="bg1">
+                    <a:lumMod val="75000"/>
+                  </a:schemeClr>
+                </a:solidFill>
+              </a:rPr>
+              <a:t>LFÜP PROJEKT</a:t>
+            </a:r>
+          </a:p>
+        </p:txBody>
+      </p:sp>
+    </p:spTree>
+    <p:extLst>
+      <p:ext uri="{BB962C8B-B14F-4D97-AF65-F5344CB8AC3E}">
+        <p14:creationId xmlns:p14="http://schemas.microsoft.com/office/powerpoint/2010/main" val="3781583198"/>
+      </p:ext>
+    </p:extLst>
+  </p:cSld>
+  <p:clrMapOvr>
+    <a:masterClrMapping/>
+  </p:clrMapOvr>
+</p:sld>
+</file>
+
+<file path=ppt/slides/slide10.xml><?xml version="1.0" encoding="utf-8"?>
+<p:sld xmlns:a="http://schemas.openxmlformats.org/drawingml/2006/main" xmlns:r="http://schemas.openxmlformats.org/officeDocument/2006/relationships" xmlns:p="http://schemas.openxmlformats.org/presentationml/2006/main">
+  <p:cSld>
+    <p:bg>
+      <p:bgPr>
+        <a:solidFill>
+          <a:schemeClr val="bg1"/>
+        </a:solidFill>
+        <a:effectLst/>
+      </p:bgPr>
+    </p:bg>
+    <p:spTree>
+      <p:nvGrpSpPr>
+        <p:cNvPr id="1" name=""/>
+        <p:cNvGrpSpPr/>
+        <p:nvPr/>
+      </p:nvGrpSpPr>
+      <p:grpSpPr>
+        <a:xfrm>
+          <a:off x="0" y="0"/>
+          <a:ext cx="0" cy="0"/>
+          <a:chOff x="0" y="0"/>
+          <a:chExt cx="0" cy="0"/>
+        </a:xfrm>
+      </p:grpSpPr>
+      <p:sp>
+        <p:nvSpPr>
+          <p:cNvPr id="27" name="Rectangle 26">
+            <a:extLst>
+              <a:ext uri="{FF2B5EF4-FFF2-40B4-BE49-F238E27FC236}">
+                <a16:creationId xmlns:a16="http://schemas.microsoft.com/office/drawing/2014/main" id="{6F79B0DD-2C63-4EE5-804F-B8E391FC1E45}"/>
               </a:ext>
               <a:ext uri="{C183D7F6-B498-43B3-948B-1728B52AA6E4}">
                 <adec:decorative xmlns:adec="http://schemas.microsoft.com/office/drawing/2017/decorative" val="1"/>
@@ -4235,8 +4138,1968 @@
         </p:nvSpPr>
         <p:spPr>
           <a:xfrm>
-            <a:off x="481029" y="4546920"/>
-            <a:ext cx="3977640" cy="18288"/>
+            <a:off x="3137" y="0"/>
+            <a:ext cx="12192000" cy="6858000"/>
+          </a:xfrm>
+          <a:prstGeom prst="rect">
+            <a:avLst/>
+          </a:prstGeom>
+          <a:solidFill>
+            <a:schemeClr val="bg1">
+              <a:lumMod val="75000"/>
+              <a:alpha val="80000"/>
+            </a:schemeClr>
+          </a:solidFill>
+          <a:ln>
+            <a:noFill/>
+          </a:ln>
+        </p:spPr>
+        <p:style>
+          <a:lnRef idx="2">
+            <a:schemeClr val="accent1">
+              <a:shade val="50000"/>
+            </a:schemeClr>
+          </a:lnRef>
+          <a:fillRef idx="1">
+            <a:schemeClr val="accent1"/>
+          </a:fillRef>
+          <a:effectRef idx="0">
+            <a:schemeClr val="accent1"/>
+          </a:effectRef>
+          <a:fontRef idx="minor">
+            <a:schemeClr val="lt1"/>
+          </a:fontRef>
+        </p:style>
+        <p:txBody>
+          <a:bodyPr rtlCol="0" anchor="ctr"/>
+          <a:lstStyle/>
+          <a:p>
+            <a:pPr algn="ctr"/>
+            <a:endParaRPr lang="en-US"/>
+          </a:p>
+        </p:txBody>
+      </p:sp>
+      <p:sp>
+        <p:nvSpPr>
+          <p:cNvPr id="29" name="Rectangle 28">
+            <a:extLst>
+              <a:ext uri="{FF2B5EF4-FFF2-40B4-BE49-F238E27FC236}">
+                <a16:creationId xmlns:a16="http://schemas.microsoft.com/office/drawing/2014/main" id="{627DB8AB-CD55-4C8F-9043-52652B89231A}"/>
+              </a:ext>
+              <a:ext uri="{C183D7F6-B498-43B3-948B-1728B52AA6E4}">
+                <adec:decorative xmlns:adec="http://schemas.microsoft.com/office/drawing/2017/decorative" val="1"/>
+              </a:ext>
+            </a:extLst>
+          </p:cNvPr>
+          <p:cNvSpPr>
+            <a:spLocks noGrp="1" noRot="1" noChangeAspect="1" noMove="1" noResize="1" noEditPoints="1" noAdjustHandles="1" noChangeArrowheads="1" noChangeShapeType="1" noTextEdit="1"/>
+          </p:cNvSpPr>
+          <p:nvPr>
+            <p:extLst>
+              <p:ext uri="{386F3935-93C4-4BCD-93E2-E3B085C9AB24}">
+                <p16:designElem xmlns:p16="http://schemas.microsoft.com/office/powerpoint/2015/main" val="1"/>
+              </p:ext>
+            </p:extLst>
+          </p:nvPr>
+        </p:nvSpPr>
+        <p:spPr>
+          <a:xfrm>
+            <a:off x="643466" y="643466"/>
+            <a:ext cx="5364255" cy="2706794"/>
+          </a:xfrm>
+          <a:prstGeom prst="rect">
+            <a:avLst/>
+          </a:prstGeom>
+          <a:solidFill>
+            <a:srgbClr val="FFFFFF"/>
+          </a:solidFill>
+          <a:ln w="9525">
+            <a:noFill/>
+          </a:ln>
+          <a:effectLst>
+            <a:outerShdw blurRad="63500" dist="17780" dir="5400000" algn="t" rotWithShape="0">
+              <a:prstClr val="black">
+                <a:alpha val="43000"/>
+              </a:prstClr>
+            </a:outerShdw>
+          </a:effectLst>
+        </p:spPr>
+        <p:style>
+          <a:lnRef idx="2">
+            <a:schemeClr val="accent1">
+              <a:shade val="50000"/>
+            </a:schemeClr>
+          </a:lnRef>
+          <a:fillRef idx="1">
+            <a:schemeClr val="accent1"/>
+          </a:fillRef>
+          <a:effectRef idx="0">
+            <a:schemeClr val="accent1"/>
+          </a:effectRef>
+          <a:fontRef idx="minor">
+            <a:schemeClr val="lt1"/>
+          </a:fontRef>
+        </p:style>
+        <p:txBody>
+          <a:bodyPr rtlCol="0" anchor="ctr"/>
+          <a:lstStyle/>
+          <a:p>
+            <a:pPr algn="ctr"/>
+            <a:endParaRPr lang="en-US"/>
+          </a:p>
+        </p:txBody>
+      </p:sp>
+      <p:sp>
+        <p:nvSpPr>
+          <p:cNvPr id="31" name="Rectangle 30">
+            <a:extLst>
+              <a:ext uri="{FF2B5EF4-FFF2-40B4-BE49-F238E27FC236}">
+                <a16:creationId xmlns:a16="http://schemas.microsoft.com/office/drawing/2014/main" id="{53059C5A-91CB-4024-9B4E-20082E25C70B}"/>
+              </a:ext>
+              <a:ext uri="{C183D7F6-B498-43B3-948B-1728B52AA6E4}">
+                <adec:decorative xmlns:adec="http://schemas.microsoft.com/office/drawing/2017/decorative" val="1"/>
+              </a:ext>
+            </a:extLst>
+          </p:cNvPr>
+          <p:cNvSpPr>
+            <a:spLocks noGrp="1" noRot="1" noChangeAspect="1" noMove="1" noResize="1" noEditPoints="1" noAdjustHandles="1" noChangeArrowheads="1" noChangeShapeType="1" noTextEdit="1"/>
+          </p:cNvSpPr>
+          <p:nvPr>
+            <p:extLst>
+              <p:ext uri="{386F3935-93C4-4BCD-93E2-E3B085C9AB24}">
+                <p16:designElem xmlns:p16="http://schemas.microsoft.com/office/powerpoint/2015/main" val="1"/>
+              </p:ext>
+            </p:extLst>
+          </p:nvPr>
+        </p:nvSpPr>
+        <p:spPr>
+          <a:xfrm>
+            <a:off x="6168589" y="643466"/>
+            <a:ext cx="5376806" cy="2706794"/>
+          </a:xfrm>
+          <a:prstGeom prst="rect">
+            <a:avLst/>
+          </a:prstGeom>
+          <a:solidFill>
+            <a:srgbClr val="FFFFFF"/>
+          </a:solidFill>
+          <a:ln w="9525">
+            <a:noFill/>
+          </a:ln>
+          <a:effectLst>
+            <a:outerShdw blurRad="63500" dist="17780" dir="5400000" algn="t" rotWithShape="0">
+              <a:prstClr val="black">
+                <a:alpha val="43000"/>
+              </a:prstClr>
+            </a:outerShdw>
+          </a:effectLst>
+        </p:spPr>
+        <p:style>
+          <a:lnRef idx="2">
+            <a:schemeClr val="accent1">
+              <a:shade val="50000"/>
+            </a:schemeClr>
+          </a:lnRef>
+          <a:fillRef idx="1">
+            <a:schemeClr val="accent1"/>
+          </a:fillRef>
+          <a:effectRef idx="0">
+            <a:schemeClr val="accent1"/>
+          </a:effectRef>
+          <a:fontRef idx="minor">
+            <a:schemeClr val="lt1"/>
+          </a:fontRef>
+        </p:style>
+        <p:txBody>
+          <a:bodyPr rtlCol="0" anchor="ctr"/>
+          <a:lstStyle/>
+          <a:p>
+            <a:pPr algn="ctr"/>
+            <a:endParaRPr lang="en-US"/>
+          </a:p>
+        </p:txBody>
+      </p:sp>
+      <p:sp>
+        <p:nvSpPr>
+          <p:cNvPr id="33" name="Rectangle 32">
+            <a:extLst>
+              <a:ext uri="{FF2B5EF4-FFF2-40B4-BE49-F238E27FC236}">
+                <a16:creationId xmlns:a16="http://schemas.microsoft.com/office/drawing/2014/main" id="{184884BF-A898-4EFF-9504-E13EBE3FF62E}"/>
+              </a:ext>
+              <a:ext uri="{C183D7F6-B498-43B3-948B-1728B52AA6E4}">
+                <adec:decorative xmlns:adec="http://schemas.microsoft.com/office/drawing/2017/decorative" val="1"/>
+              </a:ext>
+            </a:extLst>
+          </p:cNvPr>
+          <p:cNvSpPr>
+            <a:spLocks noGrp="1" noRot="1" noChangeAspect="1" noMove="1" noResize="1" noEditPoints="1" noAdjustHandles="1" noChangeArrowheads="1" noChangeShapeType="1" noTextEdit="1"/>
+          </p:cNvSpPr>
+          <p:nvPr>
+            <p:extLst>
+              <p:ext uri="{386F3935-93C4-4BCD-93E2-E3B085C9AB24}">
+                <p16:designElem xmlns:p16="http://schemas.microsoft.com/office/powerpoint/2015/main" val="1"/>
+              </p:ext>
+            </p:extLst>
+          </p:nvPr>
+        </p:nvSpPr>
+        <p:spPr>
+          <a:xfrm>
+            <a:off x="643466" y="3514513"/>
+            <a:ext cx="5364255" cy="2703406"/>
+          </a:xfrm>
+          <a:prstGeom prst="rect">
+            <a:avLst/>
+          </a:prstGeom>
+          <a:solidFill>
+            <a:srgbClr val="FFFFFF"/>
+          </a:solidFill>
+          <a:ln w="9525">
+            <a:noFill/>
+          </a:ln>
+          <a:effectLst>
+            <a:outerShdw blurRad="63500" dist="17780" dir="5400000" algn="t" rotWithShape="0">
+              <a:prstClr val="black">
+                <a:alpha val="43000"/>
+              </a:prstClr>
+            </a:outerShdw>
+          </a:effectLst>
+        </p:spPr>
+        <p:style>
+          <a:lnRef idx="2">
+            <a:schemeClr val="accent1">
+              <a:shade val="50000"/>
+            </a:schemeClr>
+          </a:lnRef>
+          <a:fillRef idx="1">
+            <a:schemeClr val="accent1"/>
+          </a:fillRef>
+          <a:effectRef idx="0">
+            <a:schemeClr val="accent1"/>
+          </a:effectRef>
+          <a:fontRef idx="minor">
+            <a:schemeClr val="lt1"/>
+          </a:fontRef>
+        </p:style>
+        <p:txBody>
+          <a:bodyPr rtlCol="0" anchor="ctr"/>
+          <a:lstStyle/>
+          <a:p>
+            <a:pPr algn="ctr"/>
+            <a:endParaRPr lang="en-US"/>
+          </a:p>
+        </p:txBody>
+      </p:sp>
+      <p:pic>
+        <p:nvPicPr>
+          <p:cNvPr id="3" name="Grafik 2">
+            <a:extLst>
+              <a:ext uri="{FF2B5EF4-FFF2-40B4-BE49-F238E27FC236}">
+                <a16:creationId xmlns:a16="http://schemas.microsoft.com/office/drawing/2014/main" id="{B688A23A-9C97-EE02-DEFC-30F55FE8772C}"/>
+              </a:ext>
+            </a:extLst>
+          </p:cNvPr>
+          <p:cNvPicPr>
+            <a:picLocks noChangeAspect="1"/>
+          </p:cNvPicPr>
+          <p:nvPr/>
+        </p:nvPicPr>
+        <p:blipFill>
+          <a:blip r:embed="rId2">
+            <a:extLst>
+              <a:ext uri="{28A0092B-C50C-407E-A947-70E740481C1C}">
+                <a14:useLocalDpi xmlns:a14="http://schemas.microsoft.com/office/drawing/2010/main" val="0"/>
+              </a:ext>
+            </a:extLst>
+          </a:blip>
+          <a:stretch>
+            <a:fillRect/>
+          </a:stretch>
+        </p:blipFill>
+        <p:spPr>
+          <a:xfrm>
+            <a:off x="1664786" y="304418"/>
+            <a:ext cx="3291431" cy="2880000"/>
+          </a:xfrm>
+          <a:prstGeom prst="rect">
+            <a:avLst/>
+          </a:prstGeom>
+        </p:spPr>
+      </p:pic>
+      <p:sp>
+        <p:nvSpPr>
+          <p:cNvPr id="35" name="Rectangle 34">
+            <a:extLst>
+              <a:ext uri="{FF2B5EF4-FFF2-40B4-BE49-F238E27FC236}">
+                <a16:creationId xmlns:a16="http://schemas.microsoft.com/office/drawing/2014/main" id="{7B32D337-FDA6-4468-ADB1-7038E5FC0BA9}"/>
+              </a:ext>
+              <a:ext uri="{C183D7F6-B498-43B3-948B-1728B52AA6E4}">
+                <adec:decorative xmlns:adec="http://schemas.microsoft.com/office/drawing/2017/decorative" val="1"/>
+              </a:ext>
+            </a:extLst>
+          </p:cNvPr>
+          <p:cNvSpPr>
+            <a:spLocks noGrp="1" noRot="1" noChangeAspect="1" noMove="1" noResize="1" noEditPoints="1" noAdjustHandles="1" noChangeArrowheads="1" noChangeShapeType="1" noTextEdit="1"/>
+          </p:cNvSpPr>
+          <p:nvPr>
+            <p:extLst>
+              <p:ext uri="{386F3935-93C4-4BCD-93E2-E3B085C9AB24}">
+                <p16:designElem xmlns:p16="http://schemas.microsoft.com/office/powerpoint/2015/main" val="1"/>
+              </p:ext>
+            </p:extLst>
+          </p:nvPr>
+        </p:nvSpPr>
+        <p:spPr>
+          <a:xfrm>
+            <a:off x="6168589" y="3514513"/>
+            <a:ext cx="5376806" cy="2706794"/>
+          </a:xfrm>
+          <a:prstGeom prst="rect">
+            <a:avLst/>
+          </a:prstGeom>
+          <a:solidFill>
+            <a:srgbClr val="FFFFFF"/>
+          </a:solidFill>
+          <a:ln w="9525">
+            <a:noFill/>
+          </a:ln>
+          <a:effectLst>
+            <a:outerShdw blurRad="63500" dist="17780" dir="5400000" algn="t" rotWithShape="0">
+              <a:prstClr val="black">
+                <a:alpha val="43000"/>
+              </a:prstClr>
+            </a:outerShdw>
+          </a:effectLst>
+        </p:spPr>
+        <p:style>
+          <a:lnRef idx="2">
+            <a:schemeClr val="accent1">
+              <a:shade val="50000"/>
+            </a:schemeClr>
+          </a:lnRef>
+          <a:fillRef idx="1">
+            <a:schemeClr val="accent1"/>
+          </a:fillRef>
+          <a:effectRef idx="0">
+            <a:schemeClr val="accent1"/>
+          </a:effectRef>
+          <a:fontRef idx="minor">
+            <a:schemeClr val="lt1"/>
+          </a:fontRef>
+        </p:style>
+        <p:txBody>
+          <a:bodyPr rtlCol="0" anchor="ctr"/>
+          <a:lstStyle/>
+          <a:p>
+            <a:pPr algn="ctr"/>
+            <a:endParaRPr lang="en-US"/>
+          </a:p>
+        </p:txBody>
+      </p:sp>
+      <p:pic>
+        <p:nvPicPr>
+          <p:cNvPr id="5" name="Grafik 4" descr="Ein Bild, das Spieler, Sport, schlagend, weiblich enthält.&#10;&#10;Automatisch generierte Beschreibung">
+            <a:extLst>
+              <a:ext uri="{FF2B5EF4-FFF2-40B4-BE49-F238E27FC236}">
+                <a16:creationId xmlns:a16="http://schemas.microsoft.com/office/drawing/2014/main" id="{235FCC7C-416E-5504-C87A-6390448FF4C8}"/>
+              </a:ext>
+            </a:extLst>
+          </p:cNvPr>
+          <p:cNvPicPr>
+            <a:picLocks noChangeAspect="1"/>
+          </p:cNvPicPr>
+          <p:nvPr/>
+        </p:nvPicPr>
+        <p:blipFill>
+          <a:blip r:embed="rId3">
+            <a:extLst>
+              <a:ext uri="{28A0092B-C50C-407E-A947-70E740481C1C}">
+                <a14:useLocalDpi xmlns:a14="http://schemas.microsoft.com/office/drawing/2010/main" val="0"/>
+              </a:ext>
+            </a:extLst>
+          </a:blip>
+          <a:stretch>
+            <a:fillRect/>
+          </a:stretch>
+        </p:blipFill>
+        <p:spPr>
+          <a:xfrm>
+            <a:off x="7211276" y="479213"/>
+            <a:ext cx="3291431" cy="2880000"/>
+          </a:xfrm>
+          <a:prstGeom prst="rect">
+            <a:avLst/>
+          </a:prstGeom>
+        </p:spPr>
+      </p:pic>
+      <p:sp>
+        <p:nvSpPr>
+          <p:cNvPr id="2" name="Textfeld 1">
+            <a:extLst>
+              <a:ext uri="{FF2B5EF4-FFF2-40B4-BE49-F238E27FC236}">
+                <a16:creationId xmlns:a16="http://schemas.microsoft.com/office/drawing/2014/main" id="{E41D4FD1-8F5C-25A8-E08D-D425EFB16EA7}"/>
+              </a:ext>
+            </a:extLst>
+          </p:cNvPr>
+          <p:cNvSpPr txBox="1"/>
+          <p:nvPr/>
+        </p:nvSpPr>
+        <p:spPr>
+          <a:xfrm>
+            <a:off x="3459783" y="49738"/>
+            <a:ext cx="5095875" cy="584775"/>
+          </a:xfrm>
+          <a:prstGeom prst="rect">
+            <a:avLst/>
+          </a:prstGeom>
+          <a:noFill/>
+        </p:spPr>
+        <p:txBody>
+          <a:bodyPr wrap="square" rtlCol="0">
+            <a:spAutoFit/>
+          </a:bodyPr>
+          <a:lstStyle/>
+          <a:p>
+            <a:pPr algn="ctr"/>
+            <a:r>
+              <a:rPr lang="de-DE" sz="3200" dirty="0"/>
+              <a:t>Jumping Jacks (Hampelmann)</a:t>
+            </a:r>
+          </a:p>
+        </p:txBody>
+      </p:sp>
+      <p:pic>
+        <p:nvPicPr>
+          <p:cNvPr id="7" name="Grafik 6" descr="Ein Bild, das Tennis, Spieler, Sport, schlagend enthält.&#10;&#10;Automatisch generierte Beschreibung">
+            <a:extLst>
+              <a:ext uri="{FF2B5EF4-FFF2-40B4-BE49-F238E27FC236}">
+                <a16:creationId xmlns:a16="http://schemas.microsoft.com/office/drawing/2014/main" id="{4179B8FC-2351-C76D-CD2A-1909799668B1}"/>
+              </a:ext>
+            </a:extLst>
+          </p:cNvPr>
+          <p:cNvPicPr>
+            <a:picLocks noChangeAspect="1"/>
+          </p:cNvPicPr>
+          <p:nvPr/>
+        </p:nvPicPr>
+        <p:blipFill>
+          <a:blip r:embed="rId4">
+            <a:extLst>
+              <a:ext uri="{28A0092B-C50C-407E-A947-70E740481C1C}">
+                <a14:useLocalDpi xmlns:a14="http://schemas.microsoft.com/office/drawing/2010/main" val="0"/>
+              </a:ext>
+            </a:extLst>
+          </a:blip>
+          <a:stretch>
+            <a:fillRect/>
+          </a:stretch>
+        </p:blipFill>
+        <p:spPr>
+          <a:xfrm>
+            <a:off x="1664786" y="3429000"/>
+            <a:ext cx="3291431" cy="2880000"/>
+          </a:xfrm>
+          <a:prstGeom prst="rect">
+            <a:avLst/>
+          </a:prstGeom>
+        </p:spPr>
+      </p:pic>
+      <p:pic>
+        <p:nvPicPr>
+          <p:cNvPr id="9" name="Grafik 8" descr="Ein Bild, das weiblich enthält.&#10;&#10;Automatisch generierte Beschreibung">
+            <a:extLst>
+              <a:ext uri="{FF2B5EF4-FFF2-40B4-BE49-F238E27FC236}">
+                <a16:creationId xmlns:a16="http://schemas.microsoft.com/office/drawing/2014/main" id="{D2A7509B-6EA0-636A-C8FD-55B168944202}"/>
+              </a:ext>
+            </a:extLst>
+          </p:cNvPr>
+          <p:cNvPicPr>
+            <a:picLocks noChangeAspect="1"/>
+          </p:cNvPicPr>
+          <p:nvPr/>
+        </p:nvPicPr>
+        <p:blipFill>
+          <a:blip r:embed="rId5">
+            <a:extLst>
+              <a:ext uri="{28A0092B-C50C-407E-A947-70E740481C1C}">
+                <a14:useLocalDpi xmlns:a14="http://schemas.microsoft.com/office/drawing/2010/main" val="0"/>
+              </a:ext>
+            </a:extLst>
+          </a:blip>
+          <a:stretch>
+            <a:fillRect/>
+          </a:stretch>
+        </p:blipFill>
+        <p:spPr>
+          <a:xfrm>
+            <a:off x="7211276" y="3359213"/>
+            <a:ext cx="3291431" cy="2880000"/>
+          </a:xfrm>
+          <a:prstGeom prst="rect">
+            <a:avLst/>
+          </a:prstGeom>
+        </p:spPr>
+      </p:pic>
+      <p:sp>
+        <p:nvSpPr>
+          <p:cNvPr id="4" name="Textfeld 3">
+            <a:extLst>
+              <a:ext uri="{FF2B5EF4-FFF2-40B4-BE49-F238E27FC236}">
+                <a16:creationId xmlns:a16="http://schemas.microsoft.com/office/drawing/2014/main" id="{697EEF96-5B07-44E6-4F24-FDE81ABD4C31}"/>
+              </a:ext>
+            </a:extLst>
+          </p:cNvPr>
+          <p:cNvSpPr txBox="1"/>
+          <p:nvPr/>
+        </p:nvSpPr>
+        <p:spPr>
+          <a:xfrm>
+            <a:off x="811102" y="740529"/>
+            <a:ext cx="45719" cy="369332"/>
+          </a:xfrm>
+          <a:prstGeom prst="rect">
+            <a:avLst/>
+          </a:prstGeom>
+          <a:noFill/>
+        </p:spPr>
+        <p:txBody>
+          <a:bodyPr wrap="square" rtlCol="0">
+            <a:spAutoFit/>
+          </a:bodyPr>
+          <a:lstStyle/>
+          <a:p>
+            <a:r>
+              <a:rPr lang="de-DE" dirty="0"/>
+              <a:t>1</a:t>
+            </a:r>
+          </a:p>
+        </p:txBody>
+      </p:sp>
+      <p:sp>
+        <p:nvSpPr>
+          <p:cNvPr id="6" name="Textfeld 5">
+            <a:extLst>
+              <a:ext uri="{FF2B5EF4-FFF2-40B4-BE49-F238E27FC236}">
+                <a16:creationId xmlns:a16="http://schemas.microsoft.com/office/drawing/2014/main" id="{91EDAA41-9D00-6E9B-721F-C0EE059A9D01}"/>
+              </a:ext>
+            </a:extLst>
+          </p:cNvPr>
+          <p:cNvSpPr txBox="1"/>
+          <p:nvPr/>
+        </p:nvSpPr>
+        <p:spPr>
+          <a:xfrm>
+            <a:off x="6341214" y="740529"/>
+            <a:ext cx="45719" cy="369332"/>
+          </a:xfrm>
+          <a:prstGeom prst="rect">
+            <a:avLst/>
+          </a:prstGeom>
+          <a:noFill/>
+        </p:spPr>
+        <p:txBody>
+          <a:bodyPr wrap="square" rtlCol="0">
+            <a:spAutoFit/>
+          </a:bodyPr>
+          <a:lstStyle/>
+          <a:p>
+            <a:r>
+              <a:rPr lang="de-DE" dirty="0"/>
+              <a:t>2</a:t>
+            </a:r>
+          </a:p>
+        </p:txBody>
+      </p:sp>
+      <p:sp>
+        <p:nvSpPr>
+          <p:cNvPr id="8" name="Textfeld 7">
+            <a:extLst>
+              <a:ext uri="{FF2B5EF4-FFF2-40B4-BE49-F238E27FC236}">
+                <a16:creationId xmlns:a16="http://schemas.microsoft.com/office/drawing/2014/main" id="{B6092523-2567-D11F-E812-402DE004DF20}"/>
+              </a:ext>
+            </a:extLst>
+          </p:cNvPr>
+          <p:cNvSpPr txBox="1"/>
+          <p:nvPr/>
+        </p:nvSpPr>
+        <p:spPr>
+          <a:xfrm>
+            <a:off x="759662" y="3651601"/>
+            <a:ext cx="45719" cy="369332"/>
+          </a:xfrm>
+          <a:prstGeom prst="rect">
+            <a:avLst/>
+          </a:prstGeom>
+          <a:noFill/>
+        </p:spPr>
+        <p:txBody>
+          <a:bodyPr wrap="square" rtlCol="0">
+            <a:spAutoFit/>
+          </a:bodyPr>
+          <a:lstStyle/>
+          <a:p>
+            <a:r>
+              <a:rPr lang="de-DE" dirty="0"/>
+              <a:t>3</a:t>
+            </a:r>
+          </a:p>
+        </p:txBody>
+      </p:sp>
+      <p:sp>
+        <p:nvSpPr>
+          <p:cNvPr id="10" name="Textfeld 9">
+            <a:extLst>
+              <a:ext uri="{FF2B5EF4-FFF2-40B4-BE49-F238E27FC236}">
+                <a16:creationId xmlns:a16="http://schemas.microsoft.com/office/drawing/2014/main" id="{F42D38FA-D6ED-BEFC-486E-EE851EF4FF97}"/>
+              </a:ext>
+            </a:extLst>
+          </p:cNvPr>
+          <p:cNvSpPr txBox="1"/>
+          <p:nvPr/>
+        </p:nvSpPr>
+        <p:spPr>
+          <a:xfrm>
+            <a:off x="6309732" y="3651601"/>
+            <a:ext cx="45719" cy="369332"/>
+          </a:xfrm>
+          <a:prstGeom prst="rect">
+            <a:avLst/>
+          </a:prstGeom>
+          <a:noFill/>
+        </p:spPr>
+        <p:txBody>
+          <a:bodyPr wrap="square" rtlCol="0">
+            <a:spAutoFit/>
+          </a:bodyPr>
+          <a:lstStyle/>
+          <a:p>
+            <a:r>
+              <a:rPr lang="de-DE" dirty="0"/>
+              <a:t>4</a:t>
+            </a:r>
+          </a:p>
+        </p:txBody>
+      </p:sp>
+    </p:spTree>
+    <p:extLst>
+      <p:ext uri="{BB962C8B-B14F-4D97-AF65-F5344CB8AC3E}">
+        <p14:creationId xmlns:p14="http://schemas.microsoft.com/office/powerpoint/2010/main" val="3037360533"/>
+      </p:ext>
+    </p:extLst>
+  </p:cSld>
+  <p:clrMapOvr>
+    <a:masterClrMapping/>
+  </p:clrMapOvr>
+</p:sld>
+</file>
+
+<file path=ppt/slides/slide11.xml><?xml version="1.0" encoding="utf-8"?>
+<p:sld xmlns:a="http://schemas.openxmlformats.org/drawingml/2006/main" xmlns:r="http://schemas.openxmlformats.org/officeDocument/2006/relationships" xmlns:p="http://schemas.openxmlformats.org/presentationml/2006/main">
+  <p:cSld>
+    <p:spTree>
+      <p:nvGrpSpPr>
+        <p:cNvPr id="1" name=""/>
+        <p:cNvGrpSpPr/>
+        <p:nvPr/>
+      </p:nvGrpSpPr>
+      <p:grpSpPr>
+        <a:xfrm>
+          <a:off x="0" y="0"/>
+          <a:ext cx="0" cy="0"/>
+          <a:chOff x="0" y="0"/>
+          <a:chExt cx="0" cy="0"/>
+        </a:xfrm>
+      </p:grpSpPr>
+      <p:pic>
+        <p:nvPicPr>
+          <p:cNvPr id="2050" name="Picture 2" descr="Bilder – Xml | Gratis Vektoren, Fotos und PSDs">
+            <a:extLst>
+              <a:ext uri="{FF2B5EF4-FFF2-40B4-BE49-F238E27FC236}">
+                <a16:creationId xmlns:a16="http://schemas.microsoft.com/office/drawing/2014/main" id="{E3340E9B-DAB8-7EE1-993F-D9A3355591F7}"/>
+              </a:ext>
+            </a:extLst>
+          </p:cNvPr>
+          <p:cNvPicPr>
+            <a:picLocks noChangeAspect="1" noChangeArrowheads="1"/>
+          </p:cNvPicPr>
+          <p:nvPr/>
+        </p:nvPicPr>
+        <p:blipFill>
+          <a:blip r:embed="rId2">
+            <a:extLst>
+              <a:ext uri="{28A0092B-C50C-407E-A947-70E740481C1C}">
+                <a14:useLocalDpi xmlns:a14="http://schemas.microsoft.com/office/drawing/2010/main" val="0"/>
+              </a:ext>
+            </a:extLst>
+          </a:blip>
+          <a:srcRect/>
+          <a:stretch>
+            <a:fillRect/>
+          </a:stretch>
+        </p:blipFill>
+        <p:spPr bwMode="auto">
+          <a:xfrm>
+            <a:off x="4883499" y="268944"/>
+            <a:ext cx="2425002" cy="2425002"/>
+          </a:xfrm>
+          <a:prstGeom prst="rect">
+            <a:avLst/>
+          </a:prstGeom>
+          <a:noFill/>
+          <a:extLst>
+            <a:ext uri="{909E8E84-426E-40DD-AFC4-6F175D3DCCD1}">
+              <a14:hiddenFill xmlns:a14="http://schemas.microsoft.com/office/drawing/2010/main">
+                <a:solidFill>
+                  <a:srgbClr val="FFFFFF"/>
+                </a:solidFill>
+              </a14:hiddenFill>
+            </a:ext>
+          </a:extLst>
+        </p:spPr>
+      </p:pic>
+      <p:sp>
+        <p:nvSpPr>
+          <p:cNvPr id="6" name="Textfeld 5">
+            <a:extLst>
+              <a:ext uri="{FF2B5EF4-FFF2-40B4-BE49-F238E27FC236}">
+                <a16:creationId xmlns:a16="http://schemas.microsoft.com/office/drawing/2014/main" id="{5E8C34F8-26C3-F969-2737-8CACE4BC0A4D}"/>
+              </a:ext>
+            </a:extLst>
+          </p:cNvPr>
+          <p:cNvSpPr txBox="1"/>
+          <p:nvPr/>
+        </p:nvSpPr>
+        <p:spPr>
+          <a:xfrm>
+            <a:off x="4098471" y="2834334"/>
+            <a:ext cx="3995057" cy="461665"/>
+          </a:xfrm>
+          <a:prstGeom prst="rect">
+            <a:avLst/>
+          </a:prstGeom>
+          <a:noFill/>
+        </p:spPr>
+        <p:txBody>
+          <a:bodyPr wrap="square" rtlCol="0">
+            <a:spAutoFit/>
+          </a:bodyPr>
+          <a:lstStyle/>
+          <a:p>
+            <a:pPr algn="ctr"/>
+            <a:r>
+              <a:rPr lang="en-US" sz="2400" b="1" dirty="0">
+                <a:cs typeface="Andalus" panose="02020603050405020304" pitchFamily="18" charset="-78"/>
+              </a:rPr>
+              <a:t>Extensible Markup Language</a:t>
+            </a:r>
+          </a:p>
+        </p:txBody>
+      </p:sp>
+      <p:sp>
+        <p:nvSpPr>
+          <p:cNvPr id="7" name="Textfeld 6">
+            <a:extLst>
+              <a:ext uri="{FF2B5EF4-FFF2-40B4-BE49-F238E27FC236}">
+                <a16:creationId xmlns:a16="http://schemas.microsoft.com/office/drawing/2014/main" id="{1D81F74A-3A6E-1ACC-DFB3-96A33352F6B1}"/>
+              </a:ext>
+            </a:extLst>
+          </p:cNvPr>
+          <p:cNvSpPr txBox="1"/>
+          <p:nvPr/>
+        </p:nvSpPr>
+        <p:spPr>
+          <a:xfrm>
+            <a:off x="1634503" y="3295999"/>
+            <a:ext cx="8922991" cy="2814617"/>
+          </a:xfrm>
+          <a:prstGeom prst="rect">
+            <a:avLst/>
+          </a:prstGeom>
+          <a:noFill/>
+        </p:spPr>
+        <p:txBody>
+          <a:bodyPr wrap="square" rtlCol="0">
+            <a:spAutoFit/>
+          </a:bodyPr>
+          <a:lstStyle/>
+          <a:p>
+            <a:pPr marL="285750" indent="-285750">
+              <a:lnSpc>
+                <a:spcPct val="150000"/>
+              </a:lnSpc>
+              <a:buFont typeface="Arial" panose="020B0604020202020204" pitchFamily="34" charset="0"/>
+              <a:buChar char="•"/>
+            </a:pPr>
+            <a:r>
+              <a:rPr lang="de-DE" sz="2000" dirty="0">
+                <a:cs typeface="Andalus" panose="02020603050405020304" pitchFamily="18" charset="-78"/>
+              </a:rPr>
+              <a:t>Mit XML erstellt man Die User Interface (Oberfläche) </a:t>
+            </a:r>
+            <a:r>
+              <a:rPr lang="de-DE" sz="2000" dirty="0" err="1">
+                <a:cs typeface="Andalus" panose="02020603050405020304" pitchFamily="18" charset="-78"/>
+              </a:rPr>
+              <a:t>z.b</a:t>
+            </a:r>
+            <a:r>
+              <a:rPr lang="de-DE" sz="2000" dirty="0">
+                <a:cs typeface="Andalus" panose="02020603050405020304" pitchFamily="18" charset="-78"/>
+              </a:rPr>
+              <a:t> TextView ImageView</a:t>
+            </a:r>
+          </a:p>
+          <a:p>
+            <a:pPr marL="285750" indent="-285750">
+              <a:lnSpc>
+                <a:spcPct val="150000"/>
+              </a:lnSpc>
+              <a:buFont typeface="Arial" panose="020B0604020202020204" pitchFamily="34" charset="0"/>
+              <a:buChar char="•"/>
+            </a:pPr>
+            <a:r>
+              <a:rPr lang="de-DE" sz="2000" dirty="0">
+                <a:cs typeface="Andalus" panose="02020603050405020304" pitchFamily="18" charset="-78"/>
+              </a:rPr>
+              <a:t>Bearbeitet man in der erste Lienen die Inhalte Vorteil Von XML ist man kann mit Code arbeiten oder mit Drag und Drop</a:t>
+            </a:r>
+          </a:p>
+          <a:p>
+            <a:pPr marL="285750" indent="-285750">
+              <a:lnSpc>
+                <a:spcPct val="150000"/>
+              </a:lnSpc>
+              <a:buFont typeface="Arial" panose="020B0604020202020204" pitchFamily="34" charset="0"/>
+              <a:buChar char="•"/>
+            </a:pPr>
+            <a:r>
+              <a:rPr lang="de-DE" sz="2000" dirty="0">
+                <a:cs typeface="Andalus" panose="02020603050405020304" pitchFamily="18" charset="-78"/>
+              </a:rPr>
+              <a:t>Jeder Seite Bekommet ein ID damit man in  Java den Seite bearbeiten kann</a:t>
+            </a:r>
+          </a:p>
+          <a:p>
+            <a:pPr marL="285750" indent="-285750">
+              <a:lnSpc>
+                <a:spcPct val="150000"/>
+              </a:lnSpc>
+              <a:buFont typeface="Arial" panose="020B0604020202020204" pitchFamily="34" charset="0"/>
+              <a:buChar char="•"/>
+            </a:pPr>
+            <a:r>
+              <a:rPr lang="de-DE" sz="2000" dirty="0">
+                <a:solidFill>
+                  <a:srgbClr val="202124"/>
+                </a:solidFill>
+              </a:rPr>
+              <a:t>J</a:t>
+            </a:r>
+            <a:r>
+              <a:rPr lang="de-DE" sz="2000" b="0" i="0" dirty="0">
+                <a:solidFill>
+                  <a:srgbClr val="202124"/>
+                </a:solidFill>
+                <a:effectLst/>
+              </a:rPr>
+              <a:t>ede </a:t>
+            </a:r>
+            <a:r>
+              <a:rPr lang="de-DE" sz="2000" dirty="0">
+                <a:solidFill>
+                  <a:srgbClr val="202124"/>
+                </a:solidFill>
+              </a:rPr>
+              <a:t>Element</a:t>
+            </a:r>
+            <a:r>
+              <a:rPr lang="de-DE" sz="2000" b="0" i="0" dirty="0">
+                <a:solidFill>
+                  <a:srgbClr val="202124"/>
+                </a:solidFill>
+                <a:effectLst/>
+              </a:rPr>
+              <a:t> bekommt ein ID, damit man einfach mit Java/XML bearbeiten kann</a:t>
+            </a:r>
+          </a:p>
+          <a:p>
+            <a:pPr marL="285750" indent="-285750">
+              <a:lnSpc>
+                <a:spcPct val="150000"/>
+              </a:lnSpc>
+              <a:buFont typeface="Arial" panose="020B0604020202020204" pitchFamily="34" charset="0"/>
+              <a:buChar char="•"/>
+            </a:pPr>
+            <a:r>
+              <a:rPr lang="de-DE" sz="2000" dirty="0">
+                <a:cs typeface="Andalus" panose="02020603050405020304" pitchFamily="18" charset="-78"/>
+              </a:rPr>
+              <a:t>XML sieht wie HTML &amp; CSS aus , ist aber kein davon</a:t>
+            </a:r>
+          </a:p>
+        </p:txBody>
+      </p:sp>
+    </p:spTree>
+    <p:extLst>
+      <p:ext uri="{BB962C8B-B14F-4D97-AF65-F5344CB8AC3E}">
+        <p14:creationId xmlns:p14="http://schemas.microsoft.com/office/powerpoint/2010/main" val="3290849049"/>
+      </p:ext>
+    </p:extLst>
+  </p:cSld>
+  <p:clrMapOvr>
+    <a:masterClrMapping/>
+  </p:clrMapOvr>
+</p:sld>
+</file>
+
+<file path=ppt/slides/slide12.xml><?xml version="1.0" encoding="utf-8"?>
+<p:sld xmlns:a="http://schemas.openxmlformats.org/drawingml/2006/main" xmlns:r="http://schemas.openxmlformats.org/officeDocument/2006/relationships" xmlns:p="http://schemas.openxmlformats.org/presentationml/2006/main">
+  <p:cSld>
+    <p:spTree>
+      <p:nvGrpSpPr>
+        <p:cNvPr id="1" name=""/>
+        <p:cNvGrpSpPr/>
+        <p:nvPr/>
+      </p:nvGrpSpPr>
+      <p:grpSpPr>
+        <a:xfrm>
+          <a:off x="0" y="0"/>
+          <a:ext cx="0" cy="0"/>
+          <a:chOff x="0" y="0"/>
+          <a:chExt cx="0" cy="0"/>
+        </a:xfrm>
+      </p:grpSpPr>
+      <p:sp>
+        <p:nvSpPr>
+          <p:cNvPr id="10" name="Rechteck 9">
+            <a:extLst>
+              <a:ext uri="{FF2B5EF4-FFF2-40B4-BE49-F238E27FC236}">
+                <a16:creationId xmlns:a16="http://schemas.microsoft.com/office/drawing/2014/main" id="{17DA4C8A-41F4-6E2B-C35E-D685FA63D967}"/>
+              </a:ext>
+            </a:extLst>
+          </p:cNvPr>
+          <p:cNvSpPr/>
+          <p:nvPr/>
+        </p:nvSpPr>
+        <p:spPr>
+          <a:xfrm>
+            <a:off x="0" y="0"/>
+            <a:ext cx="12192000" cy="6858000"/>
+          </a:xfrm>
+          <a:prstGeom prst="rect">
+            <a:avLst/>
+          </a:prstGeom>
+        </p:spPr>
+        <p:style>
+          <a:lnRef idx="1">
+            <a:schemeClr val="accent1"/>
+          </a:lnRef>
+          <a:fillRef idx="2">
+            <a:schemeClr val="accent1"/>
+          </a:fillRef>
+          <a:effectRef idx="1">
+            <a:schemeClr val="accent1"/>
+          </a:effectRef>
+          <a:fontRef idx="minor">
+            <a:schemeClr val="dk1"/>
+          </a:fontRef>
+        </p:style>
+        <p:txBody>
+          <a:bodyPr rtlCol="0" anchor="ctr"/>
+          <a:lstStyle/>
+          <a:p>
+            <a:pPr algn="ctr"/>
+            <a:endParaRPr lang="de-DE"/>
+          </a:p>
+        </p:txBody>
+      </p:sp>
+      <p:pic>
+        <p:nvPicPr>
+          <p:cNvPr id="4" name="Grafik 3">
+            <a:extLst>
+              <a:ext uri="{FF2B5EF4-FFF2-40B4-BE49-F238E27FC236}">
+                <a16:creationId xmlns:a16="http://schemas.microsoft.com/office/drawing/2014/main" id="{EA2CC4DB-70EA-B0DA-6256-538005999589}"/>
+              </a:ext>
+            </a:extLst>
+          </p:cNvPr>
+          <p:cNvPicPr>
+            <a:picLocks noChangeAspect="1"/>
+          </p:cNvPicPr>
+          <p:nvPr/>
+        </p:nvPicPr>
+        <p:blipFill>
+          <a:blip r:embed="rId2"/>
+          <a:stretch>
+            <a:fillRect/>
+          </a:stretch>
+        </p:blipFill>
+        <p:spPr>
+          <a:xfrm>
+            <a:off x="8077201" y="492760"/>
+            <a:ext cx="3254054" cy="5712673"/>
+          </a:xfrm>
+          <a:prstGeom prst="rect">
+            <a:avLst/>
+          </a:prstGeom>
+        </p:spPr>
+      </p:pic>
+      <p:pic>
+        <p:nvPicPr>
+          <p:cNvPr id="6" name="Grafik 5">
+            <a:extLst>
+              <a:ext uri="{FF2B5EF4-FFF2-40B4-BE49-F238E27FC236}">
+                <a16:creationId xmlns:a16="http://schemas.microsoft.com/office/drawing/2014/main" id="{A4E7A448-2A83-E3C9-DD39-591D5C17E75E}"/>
+              </a:ext>
+            </a:extLst>
+          </p:cNvPr>
+          <p:cNvPicPr>
+            <a:picLocks noChangeAspect="1"/>
+          </p:cNvPicPr>
+          <p:nvPr/>
+        </p:nvPicPr>
+        <p:blipFill>
+          <a:blip r:embed="rId3"/>
+          <a:stretch>
+            <a:fillRect/>
+          </a:stretch>
+        </p:blipFill>
+        <p:spPr>
+          <a:xfrm>
+            <a:off x="196443" y="883294"/>
+            <a:ext cx="5982560" cy="4565006"/>
+          </a:xfrm>
+          <a:prstGeom prst="rect">
+            <a:avLst/>
+          </a:prstGeom>
+        </p:spPr>
+      </p:pic>
+      <p:sp>
+        <p:nvSpPr>
+          <p:cNvPr id="9" name="Flussdiagramm: Verbinder 8">
+            <a:extLst>
+              <a:ext uri="{FF2B5EF4-FFF2-40B4-BE49-F238E27FC236}">
+                <a16:creationId xmlns:a16="http://schemas.microsoft.com/office/drawing/2014/main" id="{41E5E3E5-634C-F136-CAA9-558980F12A6B}"/>
+              </a:ext>
+            </a:extLst>
+          </p:cNvPr>
+          <p:cNvSpPr/>
+          <p:nvPr/>
+        </p:nvSpPr>
+        <p:spPr>
+          <a:xfrm>
+            <a:off x="9348301" y="3832340"/>
+            <a:ext cx="695325" cy="695325"/>
+          </a:xfrm>
+          <a:prstGeom prst="flowChartConnector">
+            <a:avLst/>
+          </a:prstGeom>
+        </p:spPr>
+        <p:style>
+          <a:lnRef idx="2">
+            <a:schemeClr val="dk1">
+              <a:shade val="50000"/>
+            </a:schemeClr>
+          </a:lnRef>
+          <a:fillRef idx="1">
+            <a:schemeClr val="dk1"/>
+          </a:fillRef>
+          <a:effectRef idx="0">
+            <a:schemeClr val="dk1"/>
+          </a:effectRef>
+          <a:fontRef idx="minor">
+            <a:schemeClr val="lt1"/>
+          </a:fontRef>
+        </p:style>
+        <p:txBody>
+          <a:bodyPr rtlCol="0" anchor="ctr"/>
+          <a:lstStyle/>
+          <a:p>
+            <a:pPr algn="ctr"/>
+            <a:endParaRPr lang="de-DE"/>
+          </a:p>
+        </p:txBody>
+      </p:sp>
+      <p:pic>
+        <p:nvPicPr>
+          <p:cNvPr id="8" name="Grafik 7">
+            <a:extLst>
+              <a:ext uri="{FF2B5EF4-FFF2-40B4-BE49-F238E27FC236}">
+                <a16:creationId xmlns:a16="http://schemas.microsoft.com/office/drawing/2014/main" id="{FE6D82D5-6BD9-FB7E-284D-7854ADB682BD}"/>
+              </a:ext>
+            </a:extLst>
+          </p:cNvPr>
+          <p:cNvPicPr>
+            <a:picLocks noChangeAspect="1"/>
+          </p:cNvPicPr>
+          <p:nvPr/>
+        </p:nvPicPr>
+        <p:blipFill>
+          <a:blip r:embed="rId4">
+            <a:extLst>
+              <a:ext uri="{28A0092B-C50C-407E-A947-70E740481C1C}">
+                <a14:useLocalDpi xmlns:a14="http://schemas.microsoft.com/office/drawing/2010/main" val="0"/>
+              </a:ext>
+            </a:extLst>
+          </a:blip>
+          <a:stretch>
+            <a:fillRect/>
+          </a:stretch>
+        </p:blipFill>
+        <p:spPr>
+          <a:xfrm>
+            <a:off x="9216219" y="3691993"/>
+            <a:ext cx="976017" cy="976017"/>
+          </a:xfrm>
+          <a:prstGeom prst="rect">
+            <a:avLst/>
+          </a:prstGeom>
+        </p:spPr>
+      </p:pic>
+      <p:pic>
+        <p:nvPicPr>
+          <p:cNvPr id="5" name="Grafik 4">
+            <a:extLst>
+              <a:ext uri="{FF2B5EF4-FFF2-40B4-BE49-F238E27FC236}">
+                <a16:creationId xmlns:a16="http://schemas.microsoft.com/office/drawing/2014/main" id="{2B407459-C88F-9529-338E-19321254E150}"/>
+              </a:ext>
+            </a:extLst>
+          </p:cNvPr>
+          <p:cNvPicPr>
+            <a:picLocks noChangeAspect="1"/>
+          </p:cNvPicPr>
+          <p:nvPr/>
+        </p:nvPicPr>
+        <p:blipFill>
+          <a:blip r:embed="rId5"/>
+          <a:stretch>
+            <a:fillRect/>
+          </a:stretch>
+        </p:blipFill>
+        <p:spPr>
+          <a:xfrm>
+            <a:off x="5704503" y="161925"/>
+            <a:ext cx="2190750" cy="6534150"/>
+          </a:xfrm>
+          <a:prstGeom prst="rect">
+            <a:avLst/>
+          </a:prstGeom>
+        </p:spPr>
+      </p:pic>
+    </p:spTree>
+    <p:extLst>
+      <p:ext uri="{BB962C8B-B14F-4D97-AF65-F5344CB8AC3E}">
+        <p14:creationId xmlns:p14="http://schemas.microsoft.com/office/powerpoint/2010/main" val="3366252019"/>
+      </p:ext>
+    </p:extLst>
+  </p:cSld>
+  <p:clrMapOvr>
+    <a:masterClrMapping/>
+  </p:clrMapOvr>
+</p:sld>
+</file>
+
+<file path=ppt/slides/slide13.xml><?xml version="1.0" encoding="utf-8"?>
+<p:sld xmlns:a="http://schemas.openxmlformats.org/drawingml/2006/main" xmlns:r="http://schemas.openxmlformats.org/officeDocument/2006/relationships" xmlns:p="http://schemas.openxmlformats.org/presentationml/2006/main">
+  <p:cSld>
+    <p:bg>
+      <p:bgPr>
+        <a:solidFill>
+          <a:srgbClr val="000000"/>
+        </a:solidFill>
+        <a:effectLst/>
+      </p:bgPr>
+    </p:bg>
+    <p:spTree>
+      <p:nvGrpSpPr>
+        <p:cNvPr id="1" name=""/>
+        <p:cNvGrpSpPr/>
+        <p:nvPr/>
+      </p:nvGrpSpPr>
+      <p:grpSpPr>
+        <a:xfrm>
+          <a:off x="0" y="0"/>
+          <a:ext cx="0" cy="0"/>
+          <a:chOff x="0" y="0"/>
+          <a:chExt cx="0" cy="0"/>
+        </a:xfrm>
+      </p:grpSpPr>
+      <p:sp>
+        <p:nvSpPr>
+          <p:cNvPr id="8" name="Rectangle 7">
+            <a:extLst>
+              <a:ext uri="{FF2B5EF4-FFF2-40B4-BE49-F238E27FC236}">
+                <a16:creationId xmlns:a16="http://schemas.microsoft.com/office/drawing/2014/main" id="{71B2258F-86CA-4D4D-8270-BC05FCDEBFB3}"/>
+              </a:ext>
+              <a:ext uri="{C183D7F6-B498-43B3-948B-1728B52AA6E4}">
+                <adec:decorative xmlns:adec="http://schemas.microsoft.com/office/drawing/2017/decorative" val="1"/>
+              </a:ext>
+            </a:extLst>
+          </p:cNvPr>
+          <p:cNvSpPr>
+            <a:spLocks noGrp="1" noRot="1" noChangeAspect="1" noMove="1" noResize="1" noEditPoints="1" noAdjustHandles="1" noChangeArrowheads="1" noChangeShapeType="1" noTextEdit="1"/>
+          </p:cNvSpPr>
+          <p:nvPr>
+            <p:extLst>
+              <p:ext uri="{386F3935-93C4-4BCD-93E2-E3B085C9AB24}">
+                <p16:designElem xmlns:p16="http://schemas.microsoft.com/office/powerpoint/2015/main" val="1"/>
+              </p:ext>
+            </p:extLst>
+          </p:nvPr>
+        </p:nvSpPr>
+        <p:spPr>
+          <a:xfrm>
+            <a:off x="0" y="0"/>
+            <a:ext cx="12192000" cy="6857999"/>
+          </a:xfrm>
+          <a:prstGeom prst="rect">
+            <a:avLst/>
+          </a:prstGeom>
+          <a:solidFill>
+            <a:srgbClr val="000000"/>
+          </a:solidFill>
+          <a:ln>
+            <a:noFill/>
+          </a:ln>
+        </p:spPr>
+        <p:style>
+          <a:lnRef idx="2">
+            <a:schemeClr val="accent1">
+              <a:shade val="50000"/>
+            </a:schemeClr>
+          </a:lnRef>
+          <a:fillRef idx="1">
+            <a:schemeClr val="accent1"/>
+          </a:fillRef>
+          <a:effectRef idx="0">
+            <a:schemeClr val="accent1"/>
+          </a:effectRef>
+          <a:fontRef idx="minor">
+            <a:schemeClr val="lt1"/>
+          </a:fontRef>
+        </p:style>
+        <p:txBody>
+          <a:bodyPr rtlCol="0" anchor="ctr"/>
+          <a:lstStyle/>
+          <a:p>
+            <a:pPr algn="ctr"/>
+            <a:endParaRPr lang="en-US"/>
+          </a:p>
+        </p:txBody>
+      </p:sp>
+      <p:pic>
+        <p:nvPicPr>
+          <p:cNvPr id="4" name="Picture 3" descr="Hölzerne Menschengestalt">
+            <a:extLst>
+              <a:ext uri="{FF2B5EF4-FFF2-40B4-BE49-F238E27FC236}">
+                <a16:creationId xmlns:a16="http://schemas.microsoft.com/office/drawing/2014/main" id="{0E8F2E75-3485-84A2-5F5E-1922249376CD}"/>
+              </a:ext>
+            </a:extLst>
+          </p:cNvPr>
+          <p:cNvPicPr>
+            <a:picLocks noChangeAspect="1"/>
+          </p:cNvPicPr>
+          <p:nvPr/>
+        </p:nvPicPr>
+        <p:blipFill rotWithShape="1">
+          <a:blip r:embed="rId2">
+            <a:alphaModFix amt="50000"/>
+          </a:blip>
+          <a:srcRect b="15730"/>
+          <a:stretch/>
+        </p:blipFill>
+        <p:spPr>
+          <a:xfrm>
+            <a:off x="20" y="-1"/>
+            <a:ext cx="12191980" cy="6857999"/>
+          </a:xfrm>
+          <a:prstGeom prst="rect">
+            <a:avLst/>
+          </a:prstGeom>
+        </p:spPr>
+      </p:pic>
+      <p:sp>
+        <p:nvSpPr>
+          <p:cNvPr id="2" name="Textfeld 1">
+            <a:extLst>
+              <a:ext uri="{FF2B5EF4-FFF2-40B4-BE49-F238E27FC236}">
+                <a16:creationId xmlns:a16="http://schemas.microsoft.com/office/drawing/2014/main" id="{436A6251-7DDB-EA52-2EED-8C914D13E414}"/>
+              </a:ext>
+            </a:extLst>
+          </p:cNvPr>
+          <p:cNvSpPr txBox="1"/>
+          <p:nvPr/>
+        </p:nvSpPr>
+        <p:spPr>
+          <a:xfrm>
+            <a:off x="1524000" y="1122362"/>
+            <a:ext cx="9144000" cy="2900518"/>
+          </a:xfrm>
+          <a:prstGeom prst="rect">
+            <a:avLst/>
+          </a:prstGeom>
+        </p:spPr>
+        <p:txBody>
+          <a:bodyPr vert="horz" lIns="91440" tIns="45720" rIns="91440" bIns="45720" rtlCol="0" anchor="b">
+            <a:normAutofit/>
+          </a:bodyPr>
+          <a:lstStyle/>
+          <a:p>
+            <a:pPr algn="ctr">
+              <a:lnSpc>
+                <a:spcPct val="90000"/>
+              </a:lnSpc>
+              <a:spcBef>
+                <a:spcPct val="0"/>
+              </a:spcBef>
+              <a:spcAft>
+                <a:spcPts val="600"/>
+              </a:spcAft>
+            </a:pPr>
+            <a:endParaRPr lang="en-US" sz="6000" dirty="0">
+              <a:solidFill>
+                <a:srgbClr val="FFFFFF"/>
+              </a:solidFill>
+              <a:latin typeface="+mj-lt"/>
+              <a:ea typeface="+mj-ea"/>
+              <a:cs typeface="+mj-cs"/>
+            </a:endParaRPr>
+          </a:p>
+        </p:txBody>
+      </p:sp>
+    </p:spTree>
+    <p:extLst>
+      <p:ext uri="{BB962C8B-B14F-4D97-AF65-F5344CB8AC3E}">
+        <p14:creationId xmlns:p14="http://schemas.microsoft.com/office/powerpoint/2010/main" val="1269591047"/>
+      </p:ext>
+    </p:extLst>
+  </p:cSld>
+  <p:clrMapOvr>
+    <a:overrideClrMapping bg1="dk1" tx1="lt1" bg2="dk2" tx2="lt2" accent1="accent1" accent2="accent2" accent3="accent3" accent4="accent4" accent5="accent5" accent6="accent6" hlink="hlink" folHlink="folHlink"/>
+  </p:clrMapOvr>
+</p:sld>
+</file>
+
+<file path=ppt/slides/slide14.xml><?xml version="1.0" encoding="utf-8"?>
+<p:sld xmlns:a="http://schemas.openxmlformats.org/drawingml/2006/main" xmlns:r="http://schemas.openxmlformats.org/officeDocument/2006/relationships" xmlns:p="http://schemas.openxmlformats.org/presentationml/2006/main">
+  <p:cSld>
+    <p:bg>
+      <p:bgPr>
+        <a:solidFill>
+          <a:schemeClr val="bg1"/>
+        </a:solidFill>
+        <a:effectLst/>
+      </p:bgPr>
+    </p:bg>
+    <p:spTree>
+      <p:nvGrpSpPr>
+        <p:cNvPr id="1" name=""/>
+        <p:cNvGrpSpPr/>
+        <p:nvPr/>
+      </p:nvGrpSpPr>
+      <p:grpSpPr>
+        <a:xfrm>
+          <a:off x="0" y="0"/>
+          <a:ext cx="0" cy="0"/>
+          <a:chOff x="0" y="0"/>
+          <a:chExt cx="0" cy="0"/>
+        </a:xfrm>
+      </p:grpSpPr>
+      <p:sp>
+        <p:nvSpPr>
+          <p:cNvPr id="2" name="Textfeld 1">
+            <a:extLst>
+              <a:ext uri="{FF2B5EF4-FFF2-40B4-BE49-F238E27FC236}">
+                <a16:creationId xmlns:a16="http://schemas.microsoft.com/office/drawing/2014/main" id="{34299FD0-36CE-5899-EB20-278177C08CED}"/>
+              </a:ext>
+            </a:extLst>
+          </p:cNvPr>
+          <p:cNvSpPr txBox="1"/>
+          <p:nvPr/>
+        </p:nvSpPr>
+        <p:spPr>
+          <a:xfrm>
+            <a:off x="640080" y="5576887"/>
+            <a:ext cx="10911840" cy="640081"/>
+          </a:xfrm>
+          <a:prstGeom prst="rect">
+            <a:avLst/>
+          </a:prstGeom>
+        </p:spPr>
+        <p:txBody>
+          <a:bodyPr vert="horz" lIns="91440" tIns="45720" rIns="91440" bIns="45720" rtlCol="0" anchor="ctr">
+            <a:normAutofit/>
+          </a:bodyPr>
+          <a:lstStyle/>
+          <a:p>
+            <a:pPr algn="ctr">
+              <a:lnSpc>
+                <a:spcPct val="90000"/>
+              </a:lnSpc>
+              <a:spcBef>
+                <a:spcPct val="0"/>
+              </a:spcBef>
+              <a:spcAft>
+                <a:spcPts val="600"/>
+              </a:spcAft>
+            </a:pPr>
+            <a:r>
+              <a:rPr lang="en-US" sz="3200" b="1" dirty="0">
+                <a:latin typeface="+mj-lt"/>
+                <a:ea typeface="+mj-ea"/>
+                <a:cs typeface="+mj-cs"/>
+              </a:rPr>
+              <a:t>DATENBANK</a:t>
+            </a:r>
+          </a:p>
+        </p:txBody>
+      </p:sp>
+      <p:pic>
+        <p:nvPicPr>
+          <p:cNvPr id="4100" name="Picture 4" descr="SQLite – Wikipedia">
+            <a:extLst>
+              <a:ext uri="{FF2B5EF4-FFF2-40B4-BE49-F238E27FC236}">
+                <a16:creationId xmlns:a16="http://schemas.microsoft.com/office/drawing/2014/main" id="{2E96F6AF-2D4A-D227-A2E0-C0EE0E851D90}"/>
+              </a:ext>
+            </a:extLst>
+          </p:cNvPr>
+          <p:cNvPicPr>
+            <a:picLocks noChangeAspect="1" noChangeArrowheads="1"/>
+          </p:cNvPicPr>
+          <p:nvPr/>
+        </p:nvPicPr>
+        <p:blipFill rotWithShape="1">
+          <a:blip r:embed="rId2">
+            <a:extLst>
+              <a:ext uri="{28A0092B-C50C-407E-A947-70E740481C1C}">
+                <a14:useLocalDpi xmlns:a14="http://schemas.microsoft.com/office/drawing/2010/main" val="0"/>
+              </a:ext>
+            </a:extLst>
+          </a:blip>
+          <a:srcRect r="1" b="6683"/>
+          <a:stretch/>
+        </p:blipFill>
+        <p:spPr bwMode="auto">
+          <a:xfrm>
+            <a:off x="640080" y="640080"/>
+            <a:ext cx="10911840" cy="4836795"/>
+          </a:xfrm>
+          <a:prstGeom prst="rect">
+            <a:avLst/>
+          </a:prstGeom>
+          <a:noFill/>
+          <a:ln w="19050">
+            <a:solidFill>
+              <a:schemeClr val="tx1"/>
+            </a:solidFill>
+            <a:miter lim="800000"/>
+          </a:ln>
+          <a:extLst>
+            <a:ext uri="{909E8E84-426E-40DD-AFC4-6F175D3DCCD1}">
+              <a14:hiddenFill xmlns:a14="http://schemas.microsoft.com/office/drawing/2010/main">
+                <a:solidFill>
+                  <a:srgbClr val="FFFFFF"/>
+                </a:solidFill>
+              </a14:hiddenFill>
+            </a:ext>
+          </a:extLst>
+        </p:spPr>
+      </p:pic>
+    </p:spTree>
+    <p:extLst>
+      <p:ext uri="{BB962C8B-B14F-4D97-AF65-F5344CB8AC3E}">
+        <p14:creationId xmlns:p14="http://schemas.microsoft.com/office/powerpoint/2010/main" val="1831029707"/>
+      </p:ext>
+    </p:extLst>
+  </p:cSld>
+  <p:clrMapOvr>
+    <a:overrideClrMapping bg1="dk1" tx1="lt1" bg2="dk2" tx2="lt2" accent1="accent1" accent2="accent2" accent3="accent3" accent4="accent4" accent5="accent5" accent6="accent6" hlink="hlink" folHlink="folHlink"/>
+  </p:clrMapOvr>
+</p:sld>
+</file>
+
+<file path=ppt/slides/slide15.xml><?xml version="1.0" encoding="utf-8"?>
+<p:sld xmlns:a="http://schemas.openxmlformats.org/drawingml/2006/main" xmlns:r="http://schemas.openxmlformats.org/officeDocument/2006/relationships" xmlns:p="http://schemas.openxmlformats.org/presentationml/2006/main">
+  <p:cSld>
+    <p:spTree>
+      <p:nvGrpSpPr>
+        <p:cNvPr id="1" name=""/>
+        <p:cNvGrpSpPr/>
+        <p:nvPr/>
+      </p:nvGrpSpPr>
+      <p:grpSpPr>
+        <a:xfrm>
+          <a:off x="0" y="0"/>
+          <a:ext cx="0" cy="0"/>
+          <a:chOff x="0" y="0"/>
+          <a:chExt cx="0" cy="0"/>
+        </a:xfrm>
+      </p:grpSpPr>
+      <p:pic>
+        <p:nvPicPr>
+          <p:cNvPr id="5122" name="Picture 2" descr="SQLite – Wikipedia">
+            <a:extLst>
+              <a:ext uri="{FF2B5EF4-FFF2-40B4-BE49-F238E27FC236}">
+                <a16:creationId xmlns:a16="http://schemas.microsoft.com/office/drawing/2014/main" id="{6CAF821F-6A33-9476-6E4E-6859D0D0354C}"/>
+              </a:ext>
+            </a:extLst>
+          </p:cNvPr>
+          <p:cNvPicPr>
+            <a:picLocks noChangeAspect="1" noChangeArrowheads="1"/>
+          </p:cNvPicPr>
+          <p:nvPr/>
+        </p:nvPicPr>
+        <p:blipFill>
+          <a:blip r:embed="rId2">
+            <a:extLst>
+              <a:ext uri="{28A0092B-C50C-407E-A947-70E740481C1C}">
+                <a14:useLocalDpi xmlns:a14="http://schemas.microsoft.com/office/drawing/2010/main" val="0"/>
+              </a:ext>
+            </a:extLst>
+          </a:blip>
+          <a:srcRect/>
+          <a:stretch>
+            <a:fillRect/>
+          </a:stretch>
+        </p:blipFill>
+        <p:spPr bwMode="auto">
+          <a:xfrm>
+            <a:off x="3862387" y="358291"/>
+            <a:ext cx="4467225" cy="2118209"/>
+          </a:xfrm>
+          <a:prstGeom prst="rect">
+            <a:avLst/>
+          </a:prstGeom>
+          <a:noFill/>
+          <a:extLst>
+            <a:ext uri="{909E8E84-426E-40DD-AFC4-6F175D3DCCD1}">
+              <a14:hiddenFill xmlns:a14="http://schemas.microsoft.com/office/drawing/2010/main">
+                <a:solidFill>
+                  <a:srgbClr val="FFFFFF"/>
+                </a:solidFill>
+              </a14:hiddenFill>
+            </a:ext>
+          </a:extLst>
+        </p:spPr>
+      </p:pic>
+      <p:sp>
+        <p:nvSpPr>
+          <p:cNvPr id="2" name="Textfeld 1">
+            <a:extLst>
+              <a:ext uri="{FF2B5EF4-FFF2-40B4-BE49-F238E27FC236}">
+                <a16:creationId xmlns:a16="http://schemas.microsoft.com/office/drawing/2014/main" id="{21B5084A-6CD4-B390-2795-EE315AFB116E}"/>
+              </a:ext>
+            </a:extLst>
+          </p:cNvPr>
+          <p:cNvSpPr txBox="1"/>
+          <p:nvPr/>
+        </p:nvSpPr>
+        <p:spPr>
+          <a:xfrm>
+            <a:off x="971550" y="2476500"/>
+            <a:ext cx="10315575" cy="3948645"/>
+          </a:xfrm>
+          <a:prstGeom prst="rect">
+            <a:avLst/>
+          </a:prstGeom>
+          <a:noFill/>
+        </p:spPr>
+        <p:txBody>
+          <a:bodyPr wrap="square" rtlCol="0">
+            <a:spAutoFit/>
+          </a:bodyPr>
+          <a:lstStyle/>
+          <a:p>
+            <a:pPr algn="ctr">
+              <a:lnSpc>
+                <a:spcPct val="300000"/>
+              </a:lnSpc>
+            </a:pPr>
+            <a:r>
+              <a:rPr lang="de-DE" sz="2000" b="1" u="sng" dirty="0"/>
+              <a:t>SQLite </a:t>
+            </a:r>
+            <a:r>
+              <a:rPr lang="de-DE" sz="2000" b="1" dirty="0"/>
+              <a:t>Datenbanken</a:t>
+            </a:r>
+          </a:p>
+          <a:p>
+            <a:pPr>
+              <a:lnSpc>
+                <a:spcPct val="300000"/>
+              </a:lnSpc>
+            </a:pPr>
+            <a:r>
+              <a:rPr lang="de-DE" b="1" i="0" dirty="0">
+                <a:solidFill>
+                  <a:srgbClr val="202122"/>
+                </a:solidFill>
+                <a:effectLst/>
+                <a:latin typeface="Arial" panose="020B0604020202020204" pitchFamily="34" charset="0"/>
+              </a:rPr>
+              <a:t>SQLite</a:t>
+            </a:r>
+            <a:r>
+              <a:rPr lang="de-DE" b="0" i="0" dirty="0">
+                <a:solidFill>
+                  <a:srgbClr val="202122"/>
+                </a:solidFill>
+                <a:effectLst/>
+                <a:latin typeface="Arial" panose="020B0604020202020204" pitchFamily="34" charset="0"/>
+              </a:rPr>
+              <a:t> ist eine </a:t>
+            </a:r>
+            <a:r>
+              <a:rPr lang="de-DE" b="0" i="0" u="none" strike="noStrike" dirty="0">
+                <a:effectLst/>
+                <a:latin typeface="Arial" panose="020B0604020202020204" pitchFamily="34" charset="0"/>
+                <a:hlinkClick r:id="rId3" tooltip="Gemeinfreiheit">
+                  <a:extLst>
+                    <a:ext uri="{A12FA001-AC4F-418D-AE19-62706E023703}">
+                      <ahyp:hlinkClr xmlns:ahyp="http://schemas.microsoft.com/office/drawing/2018/hyperlinkcolor" val="tx"/>
+                    </a:ext>
+                  </a:extLst>
+                </a:hlinkClick>
+              </a:rPr>
+              <a:t>gemeinfreie</a:t>
+            </a:r>
+            <a:r>
+              <a:rPr lang="de-DE" b="0" i="0" strike="noStrike" dirty="0">
+                <a:effectLst/>
+                <a:latin typeface="Arial" panose="020B0604020202020204" pitchFamily="34" charset="0"/>
+              </a:rPr>
+              <a:t> Programmbibliothek </a:t>
+            </a:r>
+            <a:endParaRPr lang="de-DE" strike="noStrike" dirty="0">
+              <a:latin typeface="Arial" panose="020B0604020202020204" pitchFamily="34" charset="0"/>
+            </a:endParaRPr>
+          </a:p>
+          <a:p>
+            <a:pPr>
+              <a:lnSpc>
+                <a:spcPct val="300000"/>
+              </a:lnSpc>
+            </a:pPr>
+            <a:r>
+              <a:rPr lang="de-DE" b="1" i="0" dirty="0">
+                <a:solidFill>
+                  <a:srgbClr val="202122"/>
+                </a:solidFill>
+                <a:effectLst/>
+                <a:latin typeface="Arial" panose="020B0604020202020204" pitchFamily="34" charset="0"/>
+              </a:rPr>
+              <a:t>SQLite</a:t>
+            </a:r>
+            <a:r>
+              <a:rPr lang="de-DE" b="0" i="0" dirty="0">
+                <a:solidFill>
+                  <a:srgbClr val="202122"/>
+                </a:solidFill>
+                <a:effectLst/>
+                <a:latin typeface="Arial" panose="020B0604020202020204" pitchFamily="34" charset="0"/>
+              </a:rPr>
+              <a:t> wird in Mobiltelefonen (Android, iOS, Symbian OS, Windows Phone)</a:t>
+            </a:r>
+          </a:p>
+          <a:p>
+            <a:pPr>
+              <a:lnSpc>
+                <a:spcPct val="250000"/>
+              </a:lnSpc>
+            </a:pPr>
+            <a:r>
+              <a:rPr lang="de-DE" b="1" i="0" dirty="0">
+                <a:solidFill>
+                  <a:srgbClr val="202122"/>
+                </a:solidFill>
+                <a:effectLst/>
+                <a:latin typeface="Arial" panose="020B0604020202020204" pitchFamily="34" charset="0"/>
+              </a:rPr>
+              <a:t>SQLite</a:t>
+            </a:r>
+            <a:r>
+              <a:rPr lang="de-DE" b="0" i="0" dirty="0">
+                <a:solidFill>
+                  <a:srgbClr val="202122"/>
+                </a:solidFill>
+                <a:effectLst/>
+                <a:latin typeface="Arial" panose="020B0604020202020204" pitchFamily="34" charset="0"/>
+              </a:rPr>
+              <a:t>-Bibliothek lässt sich direkt in entsprechende Anwendungen integrieren, sodass keine weitere Server-Software benötigt wird</a:t>
+            </a:r>
+            <a:endParaRPr lang="de-DE" dirty="0"/>
+          </a:p>
+        </p:txBody>
+      </p:sp>
+    </p:spTree>
+    <p:extLst>
+      <p:ext uri="{BB962C8B-B14F-4D97-AF65-F5344CB8AC3E}">
+        <p14:creationId xmlns:p14="http://schemas.microsoft.com/office/powerpoint/2010/main" val="3516460721"/>
+      </p:ext>
+    </p:extLst>
+  </p:cSld>
+  <p:clrMapOvr>
+    <a:masterClrMapping/>
+  </p:clrMapOvr>
+</p:sld>
+</file>
+
+<file path=ppt/slides/slide16.xml><?xml version="1.0" encoding="utf-8"?>
+<p:sld xmlns:a="http://schemas.openxmlformats.org/drawingml/2006/main" xmlns:r="http://schemas.openxmlformats.org/officeDocument/2006/relationships" xmlns:p="http://schemas.openxmlformats.org/presentationml/2006/main">
+  <p:cSld>
+    <p:spTree>
+      <p:nvGrpSpPr>
+        <p:cNvPr id="1" name=""/>
+        <p:cNvGrpSpPr/>
+        <p:nvPr/>
+      </p:nvGrpSpPr>
+      <p:grpSpPr>
+        <a:xfrm>
+          <a:off x="0" y="0"/>
+          <a:ext cx="0" cy="0"/>
+          <a:chOff x="0" y="0"/>
+          <a:chExt cx="0" cy="0"/>
+        </a:xfrm>
+      </p:grpSpPr>
+      <p:pic>
+        <p:nvPicPr>
+          <p:cNvPr id="4" name="Grafik 3" descr="Ein Bild, das Text enthält.&#10;&#10;Automatisch generierte Beschreibung">
+            <a:extLst>
+              <a:ext uri="{FF2B5EF4-FFF2-40B4-BE49-F238E27FC236}">
+                <a16:creationId xmlns:a16="http://schemas.microsoft.com/office/drawing/2014/main" id="{96F9CA3C-0865-6F70-7A57-B1AB86EA1670}"/>
+              </a:ext>
+            </a:extLst>
+          </p:cNvPr>
+          <p:cNvPicPr>
+            <a:picLocks noChangeAspect="1"/>
+          </p:cNvPicPr>
+          <p:nvPr/>
+        </p:nvPicPr>
+        <p:blipFill rotWithShape="1">
+          <a:blip r:embed="rId2">
+            <a:extLst>
+              <a:ext uri="{28A0092B-C50C-407E-A947-70E740481C1C}">
+                <a14:useLocalDpi xmlns:a14="http://schemas.microsoft.com/office/drawing/2010/main" val="0"/>
+              </a:ext>
+            </a:extLst>
+          </a:blip>
+          <a:srcRect r="301"/>
+          <a:stretch/>
+        </p:blipFill>
+        <p:spPr>
+          <a:xfrm>
+            <a:off x="257175" y="499294"/>
+            <a:ext cx="11544300" cy="5859411"/>
+          </a:xfrm>
+          <a:prstGeom prst="rect">
+            <a:avLst/>
+          </a:prstGeom>
+        </p:spPr>
+      </p:pic>
+      <p:pic>
+        <p:nvPicPr>
+          <p:cNvPr id="5" name="Picture 2" descr="SQLite – Wikipedia">
+            <a:extLst>
+              <a:ext uri="{FF2B5EF4-FFF2-40B4-BE49-F238E27FC236}">
+                <a16:creationId xmlns:a16="http://schemas.microsoft.com/office/drawing/2014/main" id="{870BCEC1-98E3-D868-C6F0-787683853030}"/>
+              </a:ext>
+            </a:extLst>
+          </p:cNvPr>
+          <p:cNvPicPr>
+            <a:picLocks noChangeAspect="1" noChangeArrowheads="1"/>
+          </p:cNvPicPr>
+          <p:nvPr/>
+        </p:nvPicPr>
+        <p:blipFill>
+          <a:blip r:embed="rId3">
+            <a:extLst>
+              <a:ext uri="{28A0092B-C50C-407E-A947-70E740481C1C}">
+                <a14:useLocalDpi xmlns:a14="http://schemas.microsoft.com/office/drawing/2010/main" val="0"/>
+              </a:ext>
+            </a:extLst>
+          </a:blip>
+          <a:srcRect/>
+          <a:stretch>
+            <a:fillRect/>
+          </a:stretch>
+        </p:blipFill>
+        <p:spPr bwMode="auto">
+          <a:xfrm>
+            <a:off x="9910211" y="265988"/>
+            <a:ext cx="1891264" cy="896774"/>
+          </a:xfrm>
+          <a:prstGeom prst="rect">
+            <a:avLst/>
+          </a:prstGeom>
+          <a:noFill/>
+          <a:extLst>
+            <a:ext uri="{909E8E84-426E-40DD-AFC4-6F175D3DCCD1}">
+              <a14:hiddenFill xmlns:a14="http://schemas.microsoft.com/office/drawing/2010/main">
+                <a:solidFill>
+                  <a:srgbClr val="FFFFFF"/>
+                </a:solidFill>
+              </a14:hiddenFill>
+            </a:ext>
+          </a:extLst>
+        </p:spPr>
+      </p:pic>
+    </p:spTree>
+    <p:extLst>
+      <p:ext uri="{BB962C8B-B14F-4D97-AF65-F5344CB8AC3E}">
+        <p14:creationId xmlns:p14="http://schemas.microsoft.com/office/powerpoint/2010/main" val="652654053"/>
+      </p:ext>
+    </p:extLst>
+  </p:cSld>
+  <p:clrMapOvr>
+    <a:masterClrMapping/>
+  </p:clrMapOvr>
+</p:sld>
+</file>
+
+<file path=ppt/slides/slide17.xml><?xml version="1.0" encoding="utf-8"?>
+<p:sld xmlns:a="http://schemas.openxmlformats.org/drawingml/2006/main" xmlns:r="http://schemas.openxmlformats.org/officeDocument/2006/relationships" xmlns:p="http://schemas.openxmlformats.org/presentationml/2006/main">
+  <p:cSld>
+    <p:spTree>
+      <p:nvGrpSpPr>
+        <p:cNvPr id="1" name=""/>
+        <p:cNvGrpSpPr/>
+        <p:nvPr/>
+      </p:nvGrpSpPr>
+      <p:grpSpPr>
+        <a:xfrm>
+          <a:off x="0" y="0"/>
+          <a:ext cx="0" cy="0"/>
+          <a:chOff x="0" y="0"/>
+          <a:chExt cx="0" cy="0"/>
+        </a:xfrm>
+      </p:grpSpPr>
+      <p:pic>
+        <p:nvPicPr>
+          <p:cNvPr id="4" name="Grafik 3" descr="Ein Bild, das Tisch enthält.&#10;&#10;Automatisch generierte Beschreibung">
+            <a:extLst>
+              <a:ext uri="{FF2B5EF4-FFF2-40B4-BE49-F238E27FC236}">
+                <a16:creationId xmlns:a16="http://schemas.microsoft.com/office/drawing/2014/main" id="{355AF079-7CAB-0BBB-B11E-3181A54A4B9D}"/>
+              </a:ext>
+            </a:extLst>
+          </p:cNvPr>
+          <p:cNvPicPr>
+            <a:picLocks noChangeAspect="1"/>
+          </p:cNvPicPr>
+          <p:nvPr/>
+        </p:nvPicPr>
+        <p:blipFill rotWithShape="1">
+          <a:blip r:embed="rId2">
+            <a:extLst>
+              <a:ext uri="{28A0092B-C50C-407E-A947-70E740481C1C}">
+                <a14:useLocalDpi xmlns:a14="http://schemas.microsoft.com/office/drawing/2010/main" val="0"/>
+              </a:ext>
+            </a:extLst>
+          </a:blip>
+          <a:srcRect b="25435"/>
+          <a:stretch/>
+        </p:blipFill>
+        <p:spPr>
+          <a:xfrm>
+            <a:off x="390525" y="265988"/>
+            <a:ext cx="11477626" cy="6138134"/>
+          </a:xfrm>
+          <a:prstGeom prst="rect">
+            <a:avLst/>
+          </a:prstGeom>
+        </p:spPr>
+      </p:pic>
+      <p:pic>
+        <p:nvPicPr>
+          <p:cNvPr id="5" name="Picture 2" descr="SQLite – Wikipedia">
+            <a:extLst>
+              <a:ext uri="{FF2B5EF4-FFF2-40B4-BE49-F238E27FC236}">
+                <a16:creationId xmlns:a16="http://schemas.microsoft.com/office/drawing/2014/main" id="{07B7481D-625B-957D-A92F-DA5C2C397910}"/>
+              </a:ext>
+            </a:extLst>
+          </p:cNvPr>
+          <p:cNvPicPr>
+            <a:picLocks noChangeAspect="1" noChangeArrowheads="1"/>
+          </p:cNvPicPr>
+          <p:nvPr/>
+        </p:nvPicPr>
+        <p:blipFill>
+          <a:blip r:embed="rId3">
+            <a:extLst>
+              <a:ext uri="{28A0092B-C50C-407E-A947-70E740481C1C}">
+                <a14:useLocalDpi xmlns:a14="http://schemas.microsoft.com/office/drawing/2010/main" val="0"/>
+              </a:ext>
+            </a:extLst>
+          </a:blip>
+          <a:srcRect/>
+          <a:stretch>
+            <a:fillRect/>
+          </a:stretch>
+        </p:blipFill>
+        <p:spPr bwMode="auto">
+          <a:xfrm>
+            <a:off x="9910211" y="265988"/>
+            <a:ext cx="1891264" cy="896774"/>
+          </a:xfrm>
+          <a:prstGeom prst="rect">
+            <a:avLst/>
+          </a:prstGeom>
+          <a:noFill/>
+          <a:extLst>
+            <a:ext uri="{909E8E84-426E-40DD-AFC4-6F175D3DCCD1}">
+              <a14:hiddenFill xmlns:a14="http://schemas.microsoft.com/office/drawing/2010/main">
+                <a:solidFill>
+                  <a:srgbClr val="FFFFFF"/>
+                </a:solidFill>
+              </a14:hiddenFill>
+            </a:ext>
+          </a:extLst>
+        </p:spPr>
+      </p:pic>
+    </p:spTree>
+    <p:extLst>
+      <p:ext uri="{BB962C8B-B14F-4D97-AF65-F5344CB8AC3E}">
+        <p14:creationId xmlns:p14="http://schemas.microsoft.com/office/powerpoint/2010/main" val="1470716150"/>
+      </p:ext>
+    </p:extLst>
+  </p:cSld>
+  <p:clrMapOvr>
+    <a:masterClrMapping/>
+  </p:clrMapOvr>
+</p:sld>
+</file>
+
+<file path=ppt/slides/slide18.xml><?xml version="1.0" encoding="utf-8"?>
+<p:sld xmlns:a="http://schemas.openxmlformats.org/drawingml/2006/main" xmlns:r="http://schemas.openxmlformats.org/officeDocument/2006/relationships" xmlns:p="http://schemas.openxmlformats.org/presentationml/2006/main">
+  <p:cSld>
+    <p:spTree>
+      <p:nvGrpSpPr>
+        <p:cNvPr id="1" name=""/>
+        <p:cNvGrpSpPr/>
+        <p:nvPr/>
+      </p:nvGrpSpPr>
+      <p:grpSpPr>
+        <a:xfrm>
+          <a:off x="0" y="0"/>
+          <a:ext cx="0" cy="0"/>
+          <a:chOff x="0" y="0"/>
+          <a:chExt cx="0" cy="0"/>
+        </a:xfrm>
+      </p:grpSpPr>
+      <p:sp>
+        <p:nvSpPr>
+          <p:cNvPr id="3" name="Textfeld 2">
+            <a:extLst>
+              <a:ext uri="{FF2B5EF4-FFF2-40B4-BE49-F238E27FC236}">
+                <a16:creationId xmlns:a16="http://schemas.microsoft.com/office/drawing/2014/main" id="{F663A0FC-D2DA-2769-9C0A-EF1802D09B5A}"/>
+              </a:ext>
+            </a:extLst>
+          </p:cNvPr>
+          <p:cNvSpPr txBox="1"/>
+          <p:nvPr/>
+        </p:nvSpPr>
+        <p:spPr>
+          <a:xfrm>
+            <a:off x="0" y="0"/>
+            <a:ext cx="12192000" cy="6858000"/>
           </a:xfrm>
           <a:prstGeom prst="rect">
             <a:avLst/>
@@ -4244,10 +6107,4614 @@
           <a:solidFill>
             <a:schemeClr val="tx1"/>
           </a:solidFill>
-          <a:ln w="3175">
+        </p:spPr>
+        <p:txBody>
+          <a:bodyPr wrap="square" rtlCol="0">
+            <a:spAutoFit/>
+          </a:bodyPr>
+          <a:lstStyle/>
+          <a:p>
+            <a:endParaRPr lang="de-DE" dirty="0"/>
+          </a:p>
+        </p:txBody>
+      </p:sp>
+      <p:pic>
+        <p:nvPicPr>
+          <p:cNvPr id="6146" name="Picture 2" descr="Java-Technologie – Wikipedia">
+            <a:extLst>
+              <a:ext uri="{FF2B5EF4-FFF2-40B4-BE49-F238E27FC236}">
+                <a16:creationId xmlns:a16="http://schemas.microsoft.com/office/drawing/2014/main" id="{5E214FC4-0023-60D2-66C3-B150781744B4}"/>
+              </a:ext>
+            </a:extLst>
+          </p:cNvPr>
+          <p:cNvPicPr>
+            <a:picLocks noChangeAspect="1" noChangeArrowheads="1"/>
+          </p:cNvPicPr>
+          <p:nvPr/>
+        </p:nvPicPr>
+        <p:blipFill>
+          <a:blip r:embed="rId2">
+            <a:extLst>
+              <a:ext uri="{28A0092B-C50C-407E-A947-70E740481C1C}">
+                <a14:useLocalDpi xmlns:a14="http://schemas.microsoft.com/office/drawing/2010/main" val="0"/>
+              </a:ext>
+            </a:extLst>
+          </a:blip>
+          <a:srcRect/>
+          <a:stretch>
+            <a:fillRect/>
+          </a:stretch>
+        </p:blipFill>
+        <p:spPr bwMode="auto">
+          <a:xfrm>
+            <a:off x="1625029" y="695324"/>
+            <a:ext cx="2812605" cy="5324475"/>
+          </a:xfrm>
+          <a:prstGeom prst="rect">
+            <a:avLst/>
+          </a:prstGeom>
+          <a:noFill/>
+          <a:extLst>
+            <a:ext uri="{909E8E84-426E-40DD-AFC4-6F175D3DCCD1}">
+              <a14:hiddenFill xmlns:a14="http://schemas.microsoft.com/office/drawing/2010/main">
+                <a:solidFill>
+                  <a:srgbClr val="FFFFFF"/>
+                </a:solidFill>
+              </a14:hiddenFill>
+            </a:ext>
+          </a:extLst>
+        </p:spPr>
+      </p:pic>
+      <p:pic>
+        <p:nvPicPr>
+          <p:cNvPr id="6148" name="Picture 4" descr="Kotlin Programming Language">
+            <a:extLst>
+              <a:ext uri="{FF2B5EF4-FFF2-40B4-BE49-F238E27FC236}">
+                <a16:creationId xmlns:a16="http://schemas.microsoft.com/office/drawing/2014/main" id="{63FF45FE-0162-99F7-7BDB-588889544D91}"/>
+              </a:ext>
+            </a:extLst>
+          </p:cNvPr>
+          <p:cNvPicPr>
+            <a:picLocks noChangeAspect="1" noChangeArrowheads="1"/>
+          </p:cNvPicPr>
+          <p:nvPr/>
+        </p:nvPicPr>
+        <p:blipFill>
+          <a:blip r:embed="rId3">
+            <a:extLst>
+              <a:ext uri="{28A0092B-C50C-407E-A947-70E740481C1C}">
+                <a14:useLocalDpi xmlns:a14="http://schemas.microsoft.com/office/drawing/2010/main" val="0"/>
+              </a:ext>
+            </a:extLst>
+          </a:blip>
+          <a:srcRect/>
+          <a:stretch>
+            <a:fillRect/>
+          </a:stretch>
+        </p:blipFill>
+        <p:spPr bwMode="auto">
+          <a:xfrm>
+            <a:off x="6062663" y="1957387"/>
+            <a:ext cx="5600700" cy="2800350"/>
+          </a:xfrm>
+          <a:prstGeom prst="rect">
+            <a:avLst/>
+          </a:prstGeom>
+          <a:noFill/>
+          <a:extLst>
+            <a:ext uri="{909E8E84-426E-40DD-AFC4-6F175D3DCCD1}">
+              <a14:hiddenFill xmlns:a14="http://schemas.microsoft.com/office/drawing/2010/main">
+                <a:solidFill>
+                  <a:srgbClr val="FFFFFF"/>
+                </a:solidFill>
+              </a14:hiddenFill>
+            </a:ext>
+          </a:extLst>
+        </p:spPr>
+      </p:pic>
+      <p:cxnSp>
+        <p:nvCxnSpPr>
+          <p:cNvPr id="5" name="Gerader Verbinder 4">
+            <a:extLst>
+              <a:ext uri="{FF2B5EF4-FFF2-40B4-BE49-F238E27FC236}">
+                <a16:creationId xmlns:a16="http://schemas.microsoft.com/office/drawing/2014/main" id="{4E6CFA95-1047-B865-3EDA-7E7DACC52A3A}"/>
+              </a:ext>
+            </a:extLst>
+          </p:cNvPr>
+          <p:cNvCxnSpPr>
+            <a:cxnSpLocks/>
+          </p:cNvCxnSpPr>
+          <p:nvPr/>
+        </p:nvCxnSpPr>
+        <p:spPr>
+          <a:xfrm>
+            <a:off x="5743575" y="862012"/>
+            <a:ext cx="0" cy="4881563"/>
+          </a:xfrm>
+          <a:prstGeom prst="line">
+            <a:avLst/>
+          </a:prstGeom>
+        </p:spPr>
+        <p:style>
+          <a:lnRef idx="1">
+            <a:schemeClr val="accent1"/>
+          </a:lnRef>
+          <a:fillRef idx="0">
+            <a:schemeClr val="accent1"/>
+          </a:fillRef>
+          <a:effectRef idx="0">
+            <a:schemeClr val="accent1"/>
+          </a:effectRef>
+          <a:fontRef idx="minor">
+            <a:schemeClr val="tx1"/>
+          </a:fontRef>
+        </p:style>
+      </p:cxnSp>
+    </p:spTree>
+    <p:extLst>
+      <p:ext uri="{BB962C8B-B14F-4D97-AF65-F5344CB8AC3E}">
+        <p14:creationId xmlns:p14="http://schemas.microsoft.com/office/powerpoint/2010/main" val="3126809593"/>
+      </p:ext>
+    </p:extLst>
+  </p:cSld>
+  <p:clrMapOvr>
+    <a:masterClrMapping/>
+  </p:clrMapOvr>
+</p:sld>
+</file>
+
+<file path=ppt/slides/slide19.xml><?xml version="1.0" encoding="utf-8"?>
+<p:sld xmlns:a="http://schemas.openxmlformats.org/drawingml/2006/main" xmlns:r="http://schemas.openxmlformats.org/officeDocument/2006/relationships" xmlns:p="http://schemas.openxmlformats.org/presentationml/2006/main">
+  <p:cSld>
+    <p:bg>
+      <p:bgPr>
+        <a:solidFill>
+          <a:srgbClr val="000000"/>
+        </a:solidFill>
+        <a:effectLst/>
+      </p:bgPr>
+    </p:bg>
+    <p:spTree>
+      <p:nvGrpSpPr>
+        <p:cNvPr id="1" name=""/>
+        <p:cNvGrpSpPr/>
+        <p:nvPr/>
+      </p:nvGrpSpPr>
+      <p:grpSpPr>
+        <a:xfrm>
+          <a:off x="0" y="0"/>
+          <a:ext cx="0" cy="0"/>
+          <a:chOff x="0" y="0"/>
+          <a:chExt cx="0" cy="0"/>
+        </a:xfrm>
+      </p:grpSpPr>
+      <p:sp>
+        <p:nvSpPr>
+          <p:cNvPr id="8" name="Rectangle 7">
+            <a:extLst>
+              <a:ext uri="{FF2B5EF4-FFF2-40B4-BE49-F238E27FC236}">
+                <a16:creationId xmlns:a16="http://schemas.microsoft.com/office/drawing/2014/main" id="{71B2258F-86CA-4D4D-8270-BC05FCDEBFB3}"/>
+              </a:ext>
+              <a:ext uri="{C183D7F6-B498-43B3-948B-1728B52AA6E4}">
+                <adec:decorative xmlns:adec="http://schemas.microsoft.com/office/drawing/2017/decorative" val="1"/>
+              </a:ext>
+            </a:extLst>
+          </p:cNvPr>
+          <p:cNvSpPr>
+            <a:spLocks noGrp="1" noRot="1" noChangeAspect="1" noMove="1" noResize="1" noEditPoints="1" noAdjustHandles="1" noChangeArrowheads="1" noChangeShapeType="1" noTextEdit="1"/>
+          </p:cNvSpPr>
+          <p:nvPr>
+            <p:extLst>
+              <p:ext uri="{386F3935-93C4-4BCD-93E2-E3B085C9AB24}">
+                <p16:designElem xmlns:p16="http://schemas.microsoft.com/office/powerpoint/2015/main" val="1"/>
+              </p:ext>
+            </p:extLst>
+          </p:nvPr>
+        </p:nvSpPr>
+        <p:spPr>
+          <a:xfrm>
+            <a:off x="0" y="0"/>
+            <a:ext cx="12192000" cy="6857999"/>
+          </a:xfrm>
+          <a:prstGeom prst="rect">
+            <a:avLst/>
+          </a:prstGeom>
+          <a:solidFill>
+            <a:srgbClr val="000000"/>
+          </a:solidFill>
+          <a:ln>
             <a:noFill/>
           </a:ln>
-          <a:effectLst/>
+        </p:spPr>
+        <p:style>
+          <a:lnRef idx="2">
+            <a:schemeClr val="accent1">
+              <a:shade val="50000"/>
+            </a:schemeClr>
+          </a:lnRef>
+          <a:fillRef idx="1">
+            <a:schemeClr val="accent1"/>
+          </a:fillRef>
+          <a:effectRef idx="0">
+            <a:schemeClr val="accent1"/>
+          </a:effectRef>
+          <a:fontRef idx="minor">
+            <a:schemeClr val="lt1"/>
+          </a:fontRef>
+        </p:style>
+        <p:txBody>
+          <a:bodyPr rtlCol="0" anchor="ctr"/>
+          <a:lstStyle/>
+          <a:p>
+            <a:pPr algn="ctr"/>
+            <a:endParaRPr lang="en-US"/>
+          </a:p>
+        </p:txBody>
+      </p:sp>
+      <p:pic>
+        <p:nvPicPr>
+          <p:cNvPr id="4" name="Picture 3" descr="Hölzerne Menschengestalt">
+            <a:extLst>
+              <a:ext uri="{FF2B5EF4-FFF2-40B4-BE49-F238E27FC236}">
+                <a16:creationId xmlns:a16="http://schemas.microsoft.com/office/drawing/2014/main" id="{0E8F2E75-3485-84A2-5F5E-1922249376CD}"/>
+              </a:ext>
+            </a:extLst>
+          </p:cNvPr>
+          <p:cNvPicPr>
+            <a:picLocks noChangeAspect="1"/>
+          </p:cNvPicPr>
+          <p:nvPr/>
+        </p:nvPicPr>
+        <p:blipFill rotWithShape="1">
+          <a:blip r:embed="rId2">
+            <a:alphaModFix amt="50000"/>
+          </a:blip>
+          <a:srcRect b="15730"/>
+          <a:stretch/>
+        </p:blipFill>
+        <p:spPr>
+          <a:xfrm>
+            <a:off x="20" y="-1"/>
+            <a:ext cx="12191980" cy="6857999"/>
+          </a:xfrm>
+          <a:prstGeom prst="rect">
+            <a:avLst/>
+          </a:prstGeom>
+        </p:spPr>
+      </p:pic>
+      <p:sp>
+        <p:nvSpPr>
+          <p:cNvPr id="2" name="Textfeld 1">
+            <a:extLst>
+              <a:ext uri="{FF2B5EF4-FFF2-40B4-BE49-F238E27FC236}">
+                <a16:creationId xmlns:a16="http://schemas.microsoft.com/office/drawing/2014/main" id="{436A6251-7DDB-EA52-2EED-8C914D13E414}"/>
+              </a:ext>
+            </a:extLst>
+          </p:cNvPr>
+          <p:cNvSpPr txBox="1"/>
+          <p:nvPr/>
+        </p:nvSpPr>
+        <p:spPr>
+          <a:xfrm>
+            <a:off x="1524000" y="1122362"/>
+            <a:ext cx="9144000" cy="2900518"/>
+          </a:xfrm>
+          <a:prstGeom prst="rect">
+            <a:avLst/>
+          </a:prstGeom>
+        </p:spPr>
+        <p:txBody>
+          <a:bodyPr vert="horz" lIns="91440" tIns="45720" rIns="91440" bIns="45720" rtlCol="0" anchor="b">
+            <a:normAutofit/>
+          </a:bodyPr>
+          <a:lstStyle/>
+          <a:p>
+            <a:pPr algn="ctr">
+              <a:lnSpc>
+                <a:spcPct val="90000"/>
+              </a:lnSpc>
+              <a:spcBef>
+                <a:spcPct val="0"/>
+              </a:spcBef>
+              <a:spcAft>
+                <a:spcPts val="600"/>
+              </a:spcAft>
+            </a:pPr>
+            <a:endParaRPr lang="en-US" sz="6000" dirty="0">
+              <a:solidFill>
+                <a:srgbClr val="FFFFFF"/>
+              </a:solidFill>
+              <a:latin typeface="+mj-lt"/>
+              <a:ea typeface="+mj-ea"/>
+              <a:cs typeface="+mj-cs"/>
+            </a:endParaRPr>
+          </a:p>
+        </p:txBody>
+      </p:sp>
+    </p:spTree>
+    <p:extLst>
+      <p:ext uri="{BB962C8B-B14F-4D97-AF65-F5344CB8AC3E}">
+        <p14:creationId xmlns:p14="http://schemas.microsoft.com/office/powerpoint/2010/main" val="409347707"/>
+      </p:ext>
+    </p:extLst>
+  </p:cSld>
+  <p:clrMapOvr>
+    <a:overrideClrMapping bg1="dk1" tx1="lt1" bg2="dk2" tx2="lt2" accent1="accent1" accent2="accent2" accent3="accent3" accent4="accent4" accent5="accent5" accent6="accent6" hlink="hlink" folHlink="folHlink"/>
+  </p:clrMapOvr>
+</p:sld>
+</file>
+
+<file path=ppt/slides/slide2.xml><?xml version="1.0" encoding="utf-8"?>
+<p:sld xmlns:a="http://schemas.openxmlformats.org/drawingml/2006/main" xmlns:r="http://schemas.openxmlformats.org/officeDocument/2006/relationships" xmlns:p="http://schemas.openxmlformats.org/presentationml/2006/main">
+  <p:cSld>
+    <p:bg>
+      <p:bgPr>
+        <a:solidFill>
+          <a:schemeClr val="bg1"/>
+        </a:solidFill>
+        <a:effectLst/>
+      </p:bgPr>
+    </p:bg>
+    <p:spTree>
+      <p:nvGrpSpPr>
+        <p:cNvPr id="1" name=""/>
+        <p:cNvGrpSpPr/>
+        <p:nvPr/>
+      </p:nvGrpSpPr>
+      <p:grpSpPr>
+        <a:xfrm>
+          <a:off x="0" y="0"/>
+          <a:ext cx="0" cy="0"/>
+          <a:chOff x="0" y="0"/>
+          <a:chExt cx="0" cy="0"/>
+        </a:xfrm>
+      </p:grpSpPr>
+      <p:sp>
+        <p:nvSpPr>
+          <p:cNvPr id="36" name="Rectangle 25">
+            <a:extLst>
+              <a:ext uri="{FF2B5EF4-FFF2-40B4-BE49-F238E27FC236}">
+                <a16:creationId xmlns:a16="http://schemas.microsoft.com/office/drawing/2014/main" id="{A7AE9375-4664-4DB2-922D-2782A6E439AC}"/>
+              </a:ext>
+              <a:ext uri="{C183D7F6-B498-43B3-948B-1728B52AA6E4}">
+                <adec:decorative xmlns:adec="http://schemas.microsoft.com/office/drawing/2017/decorative" val="1"/>
+              </a:ext>
+            </a:extLst>
+          </p:cNvPr>
+          <p:cNvSpPr>
+            <a:spLocks noGrp="1" noRot="1" noChangeAspect="1" noMove="1" noResize="1" noEditPoints="1" noAdjustHandles="1" noChangeArrowheads="1" noChangeShapeType="1" noTextEdit="1"/>
+          </p:cNvSpPr>
+          <p:nvPr>
+            <p:extLst>
+              <p:ext uri="{386F3935-93C4-4BCD-93E2-E3B085C9AB24}">
+                <p16:designElem xmlns:p16="http://schemas.microsoft.com/office/powerpoint/2015/main" val="1"/>
+              </p:ext>
+            </p:extLst>
+          </p:nvPr>
+        </p:nvSpPr>
+        <p:spPr>
+          <a:xfrm>
+            <a:off x="-1" y="0"/>
+            <a:ext cx="12192000" cy="6858000"/>
+          </a:xfrm>
+          <a:prstGeom prst="rect">
+            <a:avLst/>
+          </a:prstGeom>
+          <a:solidFill>
+            <a:schemeClr val="tx1">
+              <a:lumMod val="95000"/>
+              <a:lumOff val="5000"/>
+            </a:schemeClr>
+          </a:solidFill>
+          <a:ln>
+            <a:noFill/>
+          </a:ln>
+        </p:spPr>
+        <p:style>
+          <a:lnRef idx="2">
+            <a:schemeClr val="accent1">
+              <a:shade val="50000"/>
+            </a:schemeClr>
+          </a:lnRef>
+          <a:fillRef idx="1">
+            <a:schemeClr val="accent1"/>
+          </a:fillRef>
+          <a:effectRef idx="0">
+            <a:schemeClr val="accent1"/>
+          </a:effectRef>
+          <a:fontRef idx="minor">
+            <a:schemeClr val="lt1"/>
+          </a:fontRef>
+        </p:style>
+        <p:txBody>
+          <a:bodyPr rtlCol="0" anchor="ctr"/>
+          <a:lstStyle/>
+          <a:p>
+            <a:pPr algn="ctr"/>
+            <a:endParaRPr lang="en-US" dirty="0">
+              <a:solidFill>
+                <a:schemeClr val="tx1"/>
+              </a:solidFill>
+            </a:endParaRPr>
+          </a:p>
+        </p:txBody>
+      </p:sp>
+      <p:cxnSp>
+        <p:nvCxnSpPr>
+          <p:cNvPr id="37" name="Straight Connector 27">
+            <a:extLst>
+              <a:ext uri="{FF2B5EF4-FFF2-40B4-BE49-F238E27FC236}">
+                <a16:creationId xmlns:a16="http://schemas.microsoft.com/office/drawing/2014/main" id="{EE504C98-6397-41C1-A8D8-2D9C4ED307E0}"/>
+              </a:ext>
+              <a:ext uri="{C183D7F6-B498-43B3-948B-1728B52AA6E4}">
+                <adec:decorative xmlns:adec="http://schemas.microsoft.com/office/drawing/2017/decorative" val="1"/>
+              </a:ext>
+            </a:extLst>
+          </p:cNvPr>
+          <p:cNvCxnSpPr>
+            <a:cxnSpLocks noGrp="1" noRot="1" noChangeAspect="1" noMove="1" noResize="1" noEditPoints="1" noAdjustHandles="1" noChangeArrowheads="1" noChangeShapeType="1"/>
+          </p:cNvCxnSpPr>
+          <p:nvPr>
+            <p:extLst>
+              <p:ext uri="{386F3935-93C4-4BCD-93E2-E3B085C9AB24}">
+                <p16:designElem xmlns:p16="http://schemas.microsoft.com/office/powerpoint/2015/main" val="1"/>
+              </p:ext>
+            </p:extLst>
+          </p:nvPr>
+        </p:nvCxnSpPr>
+        <p:spPr>
+          <a:xfrm flipH="1">
+            <a:off x="1" y="2026340"/>
+            <a:ext cx="6095999" cy="0"/>
+          </a:xfrm>
+          <a:prstGeom prst="line">
+            <a:avLst/>
+          </a:prstGeom>
+          <a:ln w="12700">
+            <a:solidFill>
+              <a:schemeClr val="accent2"/>
+            </a:solidFill>
+          </a:ln>
+        </p:spPr>
+        <p:style>
+          <a:lnRef idx="1">
+            <a:schemeClr val="accent1"/>
+          </a:lnRef>
+          <a:fillRef idx="0">
+            <a:schemeClr val="accent1"/>
+          </a:fillRef>
+          <a:effectRef idx="0">
+            <a:schemeClr val="accent1"/>
+          </a:effectRef>
+          <a:fontRef idx="minor">
+            <a:schemeClr val="tx1"/>
+          </a:fontRef>
+        </p:style>
+      </p:cxnSp>
+      <p:pic>
+        <p:nvPicPr>
+          <p:cNvPr id="6" name="Grafik 5" descr="Ein Bild, das Text enthält.&#10;&#10;Automatisch generierte Beschreibung">
+            <a:extLst>
+              <a:ext uri="{FF2B5EF4-FFF2-40B4-BE49-F238E27FC236}">
+                <a16:creationId xmlns:a16="http://schemas.microsoft.com/office/drawing/2014/main" id="{B2B640C5-73B0-DB00-06FF-A40F4372B859}"/>
+              </a:ext>
+            </a:extLst>
+          </p:cNvPr>
+          <p:cNvPicPr>
+            <a:picLocks noChangeAspect="1"/>
+          </p:cNvPicPr>
+          <p:nvPr/>
+        </p:nvPicPr>
+        <p:blipFill>
+          <a:blip r:embed="rId2">
+            <a:extLst>
+              <a:ext uri="{28A0092B-C50C-407E-A947-70E740481C1C}">
+                <a14:useLocalDpi xmlns:a14="http://schemas.microsoft.com/office/drawing/2010/main" val="0"/>
+              </a:ext>
+            </a:extLst>
+          </a:blip>
+          <a:stretch>
+            <a:fillRect/>
+          </a:stretch>
+        </p:blipFill>
+        <p:spPr>
+          <a:xfrm>
+            <a:off x="8553088" y="3739695"/>
+            <a:ext cx="2784532" cy="2784532"/>
+          </a:xfrm>
+          <a:prstGeom prst="rect">
+            <a:avLst/>
+          </a:prstGeom>
+        </p:spPr>
+      </p:pic>
+      <p:sp>
+        <p:nvSpPr>
+          <p:cNvPr id="38" name="Rectangle 29">
+            <a:extLst>
+              <a:ext uri="{FF2B5EF4-FFF2-40B4-BE49-F238E27FC236}">
+                <a16:creationId xmlns:a16="http://schemas.microsoft.com/office/drawing/2014/main" id="{C87417AF-190E-4D6E-AFA6-7D3E84B0B430}"/>
+              </a:ext>
+              <a:ext uri="{C183D7F6-B498-43B3-948B-1728B52AA6E4}">
+                <adec:decorative xmlns:adec="http://schemas.microsoft.com/office/drawing/2017/decorative" val="1"/>
+              </a:ext>
+            </a:extLst>
+          </p:cNvPr>
+          <p:cNvSpPr>
+            <a:spLocks noGrp="1" noRot="1" noChangeAspect="1" noMove="1" noResize="1" noEditPoints="1" noAdjustHandles="1" noChangeArrowheads="1" noChangeShapeType="1" noTextEdit="1"/>
+          </p:cNvSpPr>
+          <p:nvPr>
+            <p:extLst>
+              <p:ext uri="{386F3935-93C4-4BCD-93E2-E3B085C9AB24}">
+                <p16:designElem xmlns:p16="http://schemas.microsoft.com/office/powerpoint/2015/main" val="1"/>
+              </p:ext>
+            </p:extLst>
+          </p:nvPr>
+        </p:nvSpPr>
+        <p:spPr>
+          <a:xfrm>
+            <a:off x="6431603" y="182859"/>
+            <a:ext cx="3996261" cy="3177496"/>
+          </a:xfrm>
+          <a:prstGeom prst="rect">
+            <a:avLst/>
+          </a:prstGeom>
+          <a:noFill/>
+          <a:ln w="12700">
+            <a:solidFill>
+              <a:schemeClr val="accent2"/>
+            </a:solidFill>
+          </a:ln>
+        </p:spPr>
+        <p:style>
+          <a:lnRef idx="2">
+            <a:schemeClr val="accent1">
+              <a:shade val="50000"/>
+            </a:schemeClr>
+          </a:lnRef>
+          <a:fillRef idx="1">
+            <a:schemeClr val="accent1"/>
+          </a:fillRef>
+          <a:effectRef idx="0">
+            <a:schemeClr val="accent1"/>
+          </a:effectRef>
+          <a:fontRef idx="minor">
+            <a:schemeClr val="lt1"/>
+          </a:fontRef>
+        </p:style>
+        <p:txBody>
+          <a:bodyPr rtlCol="0" anchor="ctr"/>
+          <a:lstStyle/>
+          <a:p>
+            <a:pPr algn="ctr"/>
+            <a:endParaRPr lang="en-US"/>
+          </a:p>
+        </p:txBody>
+      </p:sp>
+      <p:pic>
+        <p:nvPicPr>
+          <p:cNvPr id="10" name="Grafik 9">
+            <a:extLst>
+              <a:ext uri="{FF2B5EF4-FFF2-40B4-BE49-F238E27FC236}">
+                <a16:creationId xmlns:a16="http://schemas.microsoft.com/office/drawing/2014/main" id="{4581ADC7-1822-62B9-F447-5F118CAC275E}"/>
+              </a:ext>
+            </a:extLst>
+          </p:cNvPr>
+          <p:cNvPicPr>
+            <a:picLocks noChangeAspect="1"/>
+          </p:cNvPicPr>
+          <p:nvPr/>
+        </p:nvPicPr>
+        <p:blipFill>
+          <a:blip r:embed="rId3">
+            <a:extLst>
+              <a:ext uri="{28A0092B-C50C-407E-A947-70E740481C1C}">
+                <a14:useLocalDpi xmlns:a14="http://schemas.microsoft.com/office/drawing/2010/main" val="0"/>
+              </a:ext>
+            </a:extLst>
+          </a:blip>
+          <a:stretch>
+            <a:fillRect/>
+          </a:stretch>
+        </p:blipFill>
+        <p:spPr>
+          <a:xfrm>
+            <a:off x="5782255" y="-999226"/>
+            <a:ext cx="5541666" cy="5541666"/>
+          </a:xfrm>
+          <a:prstGeom prst="rect">
+            <a:avLst/>
+          </a:prstGeom>
+        </p:spPr>
+      </p:pic>
+      <p:sp>
+        <p:nvSpPr>
+          <p:cNvPr id="39" name="Rectangle 31">
+            <a:extLst>
+              <a:ext uri="{FF2B5EF4-FFF2-40B4-BE49-F238E27FC236}">
+                <a16:creationId xmlns:a16="http://schemas.microsoft.com/office/drawing/2014/main" id="{80B30ED8-273E-4C07-8568-2FE5CC5C483D}"/>
+              </a:ext>
+              <a:ext uri="{C183D7F6-B498-43B3-948B-1728B52AA6E4}">
+                <adec:decorative xmlns:adec="http://schemas.microsoft.com/office/drawing/2017/decorative" val="1"/>
+              </a:ext>
+            </a:extLst>
+          </p:cNvPr>
+          <p:cNvSpPr>
+            <a:spLocks noGrp="1" noRot="1" noChangeAspect="1" noMove="1" noResize="1" noEditPoints="1" noAdjustHandles="1" noChangeArrowheads="1" noChangeShapeType="1" noTextEdit="1"/>
+          </p:cNvSpPr>
+          <p:nvPr>
+            <p:extLst>
+              <p:ext uri="{386F3935-93C4-4BCD-93E2-E3B085C9AB24}">
+                <p16:designElem xmlns:p16="http://schemas.microsoft.com/office/powerpoint/2015/main" val="1"/>
+              </p:ext>
+            </p:extLst>
+          </p:nvPr>
+        </p:nvSpPr>
+        <p:spPr>
+          <a:xfrm>
+            <a:off x="7825071" y="3543213"/>
+            <a:ext cx="3996261" cy="3177496"/>
+          </a:xfrm>
+          <a:prstGeom prst="rect">
+            <a:avLst/>
+          </a:prstGeom>
+          <a:noFill/>
+          <a:ln w="12700">
+            <a:solidFill>
+              <a:schemeClr val="accent2"/>
+            </a:solidFill>
+          </a:ln>
+        </p:spPr>
+        <p:style>
+          <a:lnRef idx="2">
+            <a:schemeClr val="accent1">
+              <a:shade val="50000"/>
+            </a:schemeClr>
+          </a:lnRef>
+          <a:fillRef idx="1">
+            <a:schemeClr val="accent1"/>
+          </a:fillRef>
+          <a:effectRef idx="0">
+            <a:schemeClr val="accent1"/>
+          </a:effectRef>
+          <a:fontRef idx="minor">
+            <a:schemeClr val="lt1"/>
+          </a:fontRef>
+        </p:style>
+        <p:txBody>
+          <a:bodyPr rtlCol="0" anchor="ctr"/>
+          <a:lstStyle/>
+          <a:p>
+            <a:pPr algn="ctr"/>
+            <a:endParaRPr lang="en-US"/>
+          </a:p>
+        </p:txBody>
+      </p:sp>
+      <p:sp>
+        <p:nvSpPr>
+          <p:cNvPr id="12" name="Textfeld 11">
+            <a:extLst>
+              <a:ext uri="{FF2B5EF4-FFF2-40B4-BE49-F238E27FC236}">
+                <a16:creationId xmlns:a16="http://schemas.microsoft.com/office/drawing/2014/main" id="{1B1DB219-C438-FBF3-B8DF-C3DAC19CC24C}"/>
+              </a:ext>
+            </a:extLst>
+          </p:cNvPr>
+          <p:cNvSpPr txBox="1"/>
+          <p:nvPr/>
+        </p:nvSpPr>
+        <p:spPr>
+          <a:xfrm>
+            <a:off x="1065269" y="1195343"/>
+            <a:ext cx="4219575" cy="830997"/>
+          </a:xfrm>
+          <a:prstGeom prst="rect">
+            <a:avLst/>
+          </a:prstGeom>
+          <a:noFill/>
+        </p:spPr>
+        <p:txBody>
+          <a:bodyPr wrap="square" rtlCol="0">
+            <a:spAutoFit/>
+          </a:bodyPr>
+          <a:lstStyle/>
+          <a:p>
+            <a:pPr algn="ctr"/>
+            <a:r>
+              <a:rPr lang="de-DE" sz="4800" dirty="0">
+                <a:solidFill>
+                  <a:schemeClr val="bg1">
+                    <a:lumMod val="75000"/>
+                  </a:schemeClr>
+                </a:solidFill>
+              </a:rPr>
+              <a:t>LFÜP PROJEKT</a:t>
+            </a:r>
+          </a:p>
+        </p:txBody>
+      </p:sp>
+      <p:sp>
+        <p:nvSpPr>
+          <p:cNvPr id="2" name="Textfeld 1">
+            <a:extLst>
+              <a:ext uri="{FF2B5EF4-FFF2-40B4-BE49-F238E27FC236}">
+                <a16:creationId xmlns:a16="http://schemas.microsoft.com/office/drawing/2014/main" id="{D283DC1C-1A08-4D43-3866-10E7E3421DCF}"/>
+              </a:ext>
+            </a:extLst>
+          </p:cNvPr>
+          <p:cNvSpPr txBox="1"/>
+          <p:nvPr/>
+        </p:nvSpPr>
+        <p:spPr>
+          <a:xfrm>
+            <a:off x="1065269" y="3360355"/>
+            <a:ext cx="4372863" cy="523220"/>
+          </a:xfrm>
+          <a:prstGeom prst="rect">
+            <a:avLst/>
+          </a:prstGeom>
+          <a:noFill/>
+        </p:spPr>
+        <p:txBody>
+          <a:bodyPr wrap="square" rtlCol="0">
+            <a:spAutoFit/>
+          </a:bodyPr>
+          <a:lstStyle/>
+          <a:p>
+            <a:pPr algn="ctr"/>
+            <a:r>
+              <a:rPr lang="de-DE" sz="2800" b="1" dirty="0">
+                <a:solidFill>
+                  <a:schemeClr val="bg1">
+                    <a:lumMod val="75000"/>
+                  </a:schemeClr>
+                </a:solidFill>
+                <a:latin typeface="+mj-lt"/>
+                <a:cs typeface="Andalus" panose="02020603050405020304" pitchFamily="18" charset="-78"/>
+              </a:rPr>
+              <a:t>Maher, Abdullah, Ali &amp; Tarek</a:t>
+            </a:r>
+          </a:p>
+        </p:txBody>
+      </p:sp>
+    </p:spTree>
+    <p:extLst>
+      <p:ext uri="{BB962C8B-B14F-4D97-AF65-F5344CB8AC3E}">
+        <p14:creationId xmlns:p14="http://schemas.microsoft.com/office/powerpoint/2010/main" val="2249824997"/>
+      </p:ext>
+    </p:extLst>
+  </p:cSld>
+  <p:clrMapOvr>
+    <a:masterClrMapping/>
+  </p:clrMapOvr>
+</p:sld>
+</file>
+
+<file path=ppt/slides/slide20.xml><?xml version="1.0" encoding="utf-8"?>
+<p:sld xmlns:a="http://schemas.openxmlformats.org/drawingml/2006/main" xmlns:r="http://schemas.openxmlformats.org/officeDocument/2006/relationships" xmlns:p="http://schemas.openxmlformats.org/presentationml/2006/main">
+  <p:cSld>
+    <p:bg>
+      <p:bgPr>
+        <a:solidFill>
+          <a:schemeClr val="bg1"/>
+        </a:solidFill>
+        <a:effectLst/>
+      </p:bgPr>
+    </p:bg>
+    <p:spTree>
+      <p:nvGrpSpPr>
+        <p:cNvPr id="1" name=""/>
+        <p:cNvGrpSpPr/>
+        <p:nvPr/>
+      </p:nvGrpSpPr>
+      <p:grpSpPr>
+        <a:xfrm>
+          <a:off x="0" y="0"/>
+          <a:ext cx="0" cy="0"/>
+          <a:chOff x="0" y="0"/>
+          <a:chExt cx="0" cy="0"/>
+        </a:xfrm>
+      </p:grpSpPr>
+      <p:sp>
+        <p:nvSpPr>
+          <p:cNvPr id="9" name="Rectangle 8">
+            <a:extLst>
+              <a:ext uri="{FF2B5EF4-FFF2-40B4-BE49-F238E27FC236}">
+                <a16:creationId xmlns:a16="http://schemas.microsoft.com/office/drawing/2014/main" id="{FB5B0058-AF13-4859-B429-4EDDE2A26F7F}"/>
+              </a:ext>
+              <a:ext uri="{C183D7F6-B498-43B3-948B-1728B52AA6E4}">
+                <adec:decorative xmlns:adec="http://schemas.microsoft.com/office/drawing/2017/decorative" val="1"/>
+              </a:ext>
+            </a:extLst>
+          </p:cNvPr>
+          <p:cNvSpPr>
+            <a:spLocks noGrp="1" noRot="1" noChangeAspect="1" noMove="1" noResize="1" noEditPoints="1" noAdjustHandles="1" noChangeArrowheads="1" noChangeShapeType="1" noTextEdit="1"/>
+          </p:cNvSpPr>
+          <p:nvPr>
+            <p:extLst>
+              <p:ext uri="{386F3935-93C4-4BCD-93E2-E3B085C9AB24}">
+                <p16:designElem xmlns:p16="http://schemas.microsoft.com/office/powerpoint/2015/main" val="1"/>
+              </p:ext>
+            </p:extLst>
+          </p:nvPr>
+        </p:nvSpPr>
+        <p:spPr>
+          <a:xfrm>
+            <a:off x="0" y="0"/>
+            <a:ext cx="12192000" cy="6858000"/>
+          </a:xfrm>
+          <a:prstGeom prst="rect">
+            <a:avLst/>
+          </a:prstGeom>
+          <a:solidFill>
+            <a:schemeClr val="tx1">
+              <a:lumMod val="95000"/>
+              <a:lumOff val="5000"/>
+            </a:schemeClr>
+          </a:solidFill>
+          <a:ln>
+            <a:noFill/>
+          </a:ln>
+        </p:spPr>
+        <p:style>
+          <a:lnRef idx="2">
+            <a:schemeClr val="accent1">
+              <a:shade val="50000"/>
+            </a:schemeClr>
+          </a:lnRef>
+          <a:fillRef idx="1">
+            <a:schemeClr val="accent1"/>
+          </a:fillRef>
+          <a:effectRef idx="0">
+            <a:schemeClr val="accent1"/>
+          </a:effectRef>
+          <a:fontRef idx="minor">
+            <a:schemeClr val="lt1"/>
+          </a:fontRef>
+        </p:style>
+        <p:txBody>
+          <a:bodyPr rtlCol="0" anchor="ctr"/>
+          <a:lstStyle/>
+          <a:p>
+            <a:pPr algn="ctr"/>
+            <a:endParaRPr lang="en-US" dirty="0"/>
+          </a:p>
+        </p:txBody>
+      </p:sp>
+      <p:sp>
+        <p:nvSpPr>
+          <p:cNvPr id="2" name="Textfeld 1">
+            <a:extLst>
+              <a:ext uri="{FF2B5EF4-FFF2-40B4-BE49-F238E27FC236}">
+                <a16:creationId xmlns:a16="http://schemas.microsoft.com/office/drawing/2014/main" id="{8FDE5F75-92B9-E8E9-8D60-89EDB06253DB}"/>
+              </a:ext>
+            </a:extLst>
+          </p:cNvPr>
+          <p:cNvSpPr txBox="1"/>
+          <p:nvPr/>
+        </p:nvSpPr>
+        <p:spPr>
+          <a:xfrm>
+            <a:off x="1859163" y="1302547"/>
+            <a:ext cx="8473671" cy="804855"/>
+          </a:xfrm>
+          <a:prstGeom prst="rect">
+            <a:avLst/>
+          </a:prstGeom>
+        </p:spPr>
+        <p:txBody>
+          <a:bodyPr vert="horz" lIns="91440" tIns="45720" rIns="91440" bIns="45720" rtlCol="0" anchor="b">
+            <a:normAutofit/>
+          </a:bodyPr>
+          <a:lstStyle/>
+          <a:p>
+            <a:pPr algn="ctr">
+              <a:lnSpc>
+                <a:spcPct val="90000"/>
+              </a:lnSpc>
+              <a:spcBef>
+                <a:spcPct val="0"/>
+              </a:spcBef>
+              <a:spcAft>
+                <a:spcPts val="600"/>
+              </a:spcAft>
+            </a:pPr>
+            <a:r>
+              <a:rPr lang="en-US" sz="5000" dirty="0">
+                <a:solidFill>
+                  <a:schemeClr val="bg1">
+                    <a:lumMod val="75000"/>
+                  </a:schemeClr>
+                </a:solidFill>
+                <a:ea typeface="+mj-ea"/>
+                <a:cs typeface="+mj-cs"/>
+              </a:rPr>
+              <a:t>Danke Für </a:t>
+            </a:r>
+            <a:r>
+              <a:rPr lang="de-DE" sz="5000" dirty="0">
+                <a:solidFill>
+                  <a:schemeClr val="bg1">
+                    <a:lumMod val="75000"/>
+                  </a:schemeClr>
+                </a:solidFill>
+                <a:ea typeface="+mj-ea"/>
+                <a:cs typeface="+mj-cs"/>
+              </a:rPr>
+              <a:t>Ihre</a:t>
+            </a:r>
+            <a:r>
+              <a:rPr lang="en-US" sz="5000" dirty="0">
+                <a:solidFill>
+                  <a:schemeClr val="bg1">
+                    <a:lumMod val="75000"/>
+                  </a:schemeClr>
+                </a:solidFill>
+                <a:ea typeface="+mj-ea"/>
+                <a:cs typeface="+mj-cs"/>
+              </a:rPr>
+              <a:t> Aufmerksamkeit</a:t>
+            </a:r>
+          </a:p>
+        </p:txBody>
+      </p:sp>
+      <p:pic>
+        <p:nvPicPr>
+          <p:cNvPr id="4" name="Grafik 3">
+            <a:extLst>
+              <a:ext uri="{FF2B5EF4-FFF2-40B4-BE49-F238E27FC236}">
+                <a16:creationId xmlns:a16="http://schemas.microsoft.com/office/drawing/2014/main" id="{BA38EADD-8EB1-FC77-131F-1C5543D73E34}"/>
+              </a:ext>
+            </a:extLst>
+          </p:cNvPr>
+          <p:cNvPicPr>
+            <a:picLocks noChangeAspect="1"/>
+          </p:cNvPicPr>
+          <p:nvPr/>
+        </p:nvPicPr>
+        <p:blipFill rotWithShape="1">
+          <a:blip r:embed="rId2">
+            <a:alphaModFix/>
+            <a:extLst>
+              <a:ext uri="{28A0092B-C50C-407E-A947-70E740481C1C}">
+                <a14:useLocalDpi xmlns:a14="http://schemas.microsoft.com/office/drawing/2010/main" val="0"/>
+              </a:ext>
+            </a:extLst>
+          </a:blip>
+          <a:srcRect l="21669" t="25386" r="23764" b="24997"/>
+          <a:stretch/>
+        </p:blipFill>
+        <p:spPr>
+          <a:xfrm>
+            <a:off x="4419600" y="2619374"/>
+            <a:ext cx="3228975" cy="2936079"/>
+          </a:xfrm>
+          <a:prstGeom prst="rect">
+            <a:avLst/>
+          </a:prstGeom>
+        </p:spPr>
+      </p:pic>
+      <p:sp>
+        <p:nvSpPr>
+          <p:cNvPr id="11" name="Rectangle 10">
+            <a:extLst>
+              <a:ext uri="{FF2B5EF4-FFF2-40B4-BE49-F238E27FC236}">
+                <a16:creationId xmlns:a16="http://schemas.microsoft.com/office/drawing/2014/main" id="{D84C2E9E-0B5D-4B5F-9A1F-70EBDCE39034}"/>
+              </a:ext>
+              <a:ext uri="{C183D7F6-B498-43B3-948B-1728B52AA6E4}">
+                <adec:decorative xmlns:adec="http://schemas.microsoft.com/office/drawing/2017/decorative" val="1"/>
+              </a:ext>
+            </a:extLst>
+          </p:cNvPr>
+          <p:cNvSpPr>
+            <a:spLocks noGrp="1" noRot="1" noChangeAspect="1" noMove="1" noResize="1" noEditPoints="1" noAdjustHandles="1" noChangeArrowheads="1" noChangeShapeType="1" noTextEdit="1"/>
+          </p:cNvSpPr>
+          <p:nvPr>
+            <p:extLst>
+              <p:ext uri="{386F3935-93C4-4BCD-93E2-E3B085C9AB24}">
+                <p16:designElem xmlns:p16="http://schemas.microsoft.com/office/powerpoint/2015/main" val="1"/>
+              </p:ext>
+            </p:extLst>
+          </p:nvPr>
+        </p:nvSpPr>
+        <p:spPr>
+          <a:xfrm>
+            <a:off x="602461" y="1197769"/>
+            <a:ext cx="10987078" cy="4462463"/>
+          </a:xfrm>
+          <a:prstGeom prst="rect">
+            <a:avLst/>
+          </a:prstGeom>
+          <a:noFill/>
+          <a:ln w="12700">
+            <a:solidFill>
+              <a:schemeClr val="accent2"/>
+            </a:solidFill>
+          </a:ln>
+        </p:spPr>
+        <p:style>
+          <a:lnRef idx="2">
+            <a:schemeClr val="accent1">
+              <a:shade val="50000"/>
+            </a:schemeClr>
+          </a:lnRef>
+          <a:fillRef idx="1">
+            <a:schemeClr val="accent1"/>
+          </a:fillRef>
+          <a:effectRef idx="0">
+            <a:schemeClr val="accent1"/>
+          </a:effectRef>
+          <a:fontRef idx="minor">
+            <a:schemeClr val="lt1"/>
+          </a:fontRef>
+        </p:style>
+        <p:txBody>
+          <a:bodyPr rtlCol="0" anchor="ctr"/>
+          <a:lstStyle/>
+          <a:p>
+            <a:pPr algn="ctr"/>
+            <a:endParaRPr lang="en-US"/>
+          </a:p>
+        </p:txBody>
+      </p:sp>
+    </p:spTree>
+    <p:extLst>
+      <p:ext uri="{BB962C8B-B14F-4D97-AF65-F5344CB8AC3E}">
+        <p14:creationId xmlns:p14="http://schemas.microsoft.com/office/powerpoint/2010/main" val="1818300171"/>
+      </p:ext>
+    </p:extLst>
+  </p:cSld>
+  <p:clrMapOvr>
+    <a:masterClrMapping/>
+  </p:clrMapOvr>
+</p:sld>
+</file>
+
+<file path=ppt/slides/slide21.xml><?xml version="1.0" encoding="utf-8"?>
+<p:sld xmlns:a="http://schemas.openxmlformats.org/drawingml/2006/main" xmlns:r="http://schemas.openxmlformats.org/officeDocument/2006/relationships" xmlns:p="http://schemas.openxmlformats.org/presentationml/2006/main">
+  <p:cSld>
+    <p:bg>
+      <p:bgPr>
+        <a:solidFill>
+          <a:schemeClr val="bg1"/>
+        </a:solidFill>
+        <a:effectLst/>
+      </p:bgPr>
+    </p:bg>
+    <p:spTree>
+      <p:nvGrpSpPr>
+        <p:cNvPr id="1" name=""/>
+        <p:cNvGrpSpPr/>
+        <p:nvPr/>
+      </p:nvGrpSpPr>
+      <p:grpSpPr>
+        <a:xfrm>
+          <a:off x="0" y="0"/>
+          <a:ext cx="0" cy="0"/>
+          <a:chOff x="0" y="0"/>
+          <a:chExt cx="0" cy="0"/>
+        </a:xfrm>
+      </p:grpSpPr>
+      <p:sp>
+        <p:nvSpPr>
+          <p:cNvPr id="8" name="Rectangle 7">
+            <a:extLst>
+              <a:ext uri="{FF2B5EF4-FFF2-40B4-BE49-F238E27FC236}">
+                <a16:creationId xmlns:a16="http://schemas.microsoft.com/office/drawing/2014/main" id="{E8A8EAB8-D2FF-444D-B34B-7D32F106AD0E}"/>
+              </a:ext>
+              <a:ext uri="{C183D7F6-B498-43B3-948B-1728B52AA6E4}">
+                <adec:decorative xmlns:adec="http://schemas.microsoft.com/office/drawing/2017/decorative" val="1"/>
+              </a:ext>
+            </a:extLst>
+          </p:cNvPr>
+          <p:cNvSpPr>
+            <a:spLocks noGrp="1" noRot="1" noChangeAspect="1" noMove="1" noResize="1" noEditPoints="1" noAdjustHandles="1" noChangeArrowheads="1" noChangeShapeType="1" noTextEdit="1"/>
+          </p:cNvSpPr>
+          <p:nvPr>
+            <p:extLst>
+              <p:ext uri="{386F3935-93C4-4BCD-93E2-E3B085C9AB24}">
+                <p16:designElem xmlns:p16="http://schemas.microsoft.com/office/powerpoint/2015/main" val="1"/>
+              </p:ext>
+            </p:extLst>
+          </p:nvPr>
+        </p:nvSpPr>
+        <p:spPr>
+          <a:xfrm>
+            <a:off x="0" y="0"/>
+            <a:ext cx="12192000" cy="6858000"/>
+          </a:xfrm>
+          <a:prstGeom prst="rect">
+            <a:avLst/>
+          </a:prstGeom>
+          <a:solidFill>
+            <a:schemeClr val="tx1">
+              <a:lumMod val="95000"/>
+              <a:lumOff val="5000"/>
+            </a:schemeClr>
+          </a:solidFill>
+          <a:ln>
+            <a:noFill/>
+          </a:ln>
+        </p:spPr>
+        <p:style>
+          <a:lnRef idx="2">
+            <a:schemeClr val="accent1">
+              <a:shade val="50000"/>
+            </a:schemeClr>
+          </a:lnRef>
+          <a:fillRef idx="1">
+            <a:schemeClr val="accent1"/>
+          </a:fillRef>
+          <a:effectRef idx="0">
+            <a:schemeClr val="accent1"/>
+          </a:effectRef>
+          <a:fontRef idx="minor">
+            <a:schemeClr val="lt1"/>
+          </a:fontRef>
+        </p:style>
+        <p:txBody>
+          <a:bodyPr rtlCol="0" anchor="ctr"/>
+          <a:lstStyle/>
+          <a:p>
+            <a:pPr algn="ctr"/>
+            <a:endParaRPr lang="en-US" dirty="0">
+              <a:solidFill>
+                <a:schemeClr val="bg1"/>
+              </a:solidFill>
+            </a:endParaRPr>
+          </a:p>
+        </p:txBody>
+      </p:sp>
+      <p:sp>
+        <p:nvSpPr>
+          <p:cNvPr id="2" name="Titel 1">
+            <a:extLst>
+              <a:ext uri="{FF2B5EF4-FFF2-40B4-BE49-F238E27FC236}">
+                <a16:creationId xmlns:a16="http://schemas.microsoft.com/office/drawing/2014/main" id="{AE6E5B13-56C9-6BCB-EAC8-8A4F20EE85FF}"/>
+              </a:ext>
+            </a:extLst>
+          </p:cNvPr>
+          <p:cNvSpPr>
+            <a:spLocks noGrp="1"/>
+          </p:cNvSpPr>
+          <p:nvPr>
+            <p:ph type="title"/>
+          </p:nvPr>
+        </p:nvSpPr>
+        <p:spPr>
+          <a:xfrm>
+            <a:off x="1014141" y="1450655"/>
+            <a:ext cx="3932030" cy="3956690"/>
+          </a:xfrm>
+        </p:spPr>
+        <p:txBody>
+          <a:bodyPr anchor="ctr">
+            <a:normAutofit/>
+          </a:bodyPr>
+          <a:lstStyle/>
+          <a:p>
+            <a:r>
+              <a:rPr lang="de-DE" sz="8000">
+                <a:solidFill>
+                  <a:schemeClr val="bg1"/>
+                </a:solidFill>
+              </a:rPr>
+              <a:t>Quellen</a:t>
+            </a:r>
+          </a:p>
+        </p:txBody>
+      </p:sp>
+      <p:cxnSp>
+        <p:nvCxnSpPr>
+          <p:cNvPr id="10" name="Straight Connector 9">
+            <a:extLst>
+              <a:ext uri="{FF2B5EF4-FFF2-40B4-BE49-F238E27FC236}">
+                <a16:creationId xmlns:a16="http://schemas.microsoft.com/office/drawing/2014/main" id="{067633D1-6EE6-4118-B9F0-B363477BEE7A}"/>
+              </a:ext>
+              <a:ext uri="{C183D7F6-B498-43B3-948B-1728B52AA6E4}">
+                <adec:decorative xmlns:adec="http://schemas.microsoft.com/office/drawing/2017/decorative" val="1"/>
+              </a:ext>
+            </a:extLst>
+          </p:cNvPr>
+          <p:cNvCxnSpPr>
+            <a:cxnSpLocks noGrp="1" noRot="1" noChangeAspect="1" noMove="1" noResize="1" noEditPoints="1" noAdjustHandles="1" noChangeArrowheads="1" noChangeShapeType="1"/>
+          </p:cNvCxnSpPr>
+          <p:nvPr>
+            <p:extLst>
+              <p:ext uri="{386F3935-93C4-4BCD-93E2-E3B085C9AB24}">
+                <p16:designElem xmlns:p16="http://schemas.microsoft.com/office/powerpoint/2015/main" val="1"/>
+              </p:ext>
+            </p:extLst>
+          </p:nvPr>
+        </p:nvCxnSpPr>
+        <p:spPr>
+          <a:xfrm flipH="1">
+            <a:off x="1014141" y="1450655"/>
+            <a:ext cx="3932030" cy="0"/>
+          </a:xfrm>
+          <a:prstGeom prst="line">
+            <a:avLst/>
+          </a:prstGeom>
+          <a:ln w="12700">
+            <a:solidFill>
+              <a:schemeClr val="accent2"/>
+            </a:solidFill>
+          </a:ln>
+        </p:spPr>
+        <p:style>
+          <a:lnRef idx="1">
+            <a:schemeClr val="accent1"/>
+          </a:lnRef>
+          <a:fillRef idx="0">
+            <a:schemeClr val="accent1"/>
+          </a:fillRef>
+          <a:effectRef idx="0">
+            <a:schemeClr val="accent1"/>
+          </a:effectRef>
+          <a:fontRef idx="minor">
+            <a:schemeClr val="tx1"/>
+          </a:fontRef>
+        </p:style>
+      </p:cxnSp>
+      <p:cxnSp>
+        <p:nvCxnSpPr>
+          <p:cNvPr id="12" name="Straight Connector 11">
+            <a:extLst>
+              <a:ext uri="{FF2B5EF4-FFF2-40B4-BE49-F238E27FC236}">
+                <a16:creationId xmlns:a16="http://schemas.microsoft.com/office/drawing/2014/main" id="{4AD7FFC6-42A9-49CB-B5E9-B3F6B038331B}"/>
+              </a:ext>
+              <a:ext uri="{C183D7F6-B498-43B3-948B-1728B52AA6E4}">
+                <adec:decorative xmlns:adec="http://schemas.microsoft.com/office/drawing/2017/decorative" val="1"/>
+              </a:ext>
+            </a:extLst>
+          </p:cNvPr>
+          <p:cNvCxnSpPr>
+            <a:cxnSpLocks noGrp="1" noRot="1" noChangeAspect="1" noMove="1" noResize="1" noEditPoints="1" noAdjustHandles="1" noChangeArrowheads="1" noChangeShapeType="1"/>
+          </p:cNvCxnSpPr>
+          <p:nvPr>
+            <p:extLst>
+              <p:ext uri="{386F3935-93C4-4BCD-93E2-E3B085C9AB24}">
+                <p16:designElem xmlns:p16="http://schemas.microsoft.com/office/powerpoint/2015/main" val="1"/>
+              </p:ext>
+            </p:extLst>
+          </p:nvPr>
+        </p:nvCxnSpPr>
+        <p:spPr>
+          <a:xfrm flipH="1">
+            <a:off x="1014141" y="5408571"/>
+            <a:ext cx="3932030" cy="0"/>
+          </a:xfrm>
+          <a:prstGeom prst="line">
+            <a:avLst/>
+          </a:prstGeom>
+          <a:ln w="12700">
+            <a:solidFill>
+              <a:schemeClr val="accent2"/>
+            </a:solidFill>
+          </a:ln>
+        </p:spPr>
+        <p:style>
+          <a:lnRef idx="1">
+            <a:schemeClr val="accent1"/>
+          </a:lnRef>
+          <a:fillRef idx="0">
+            <a:schemeClr val="accent1"/>
+          </a:fillRef>
+          <a:effectRef idx="0">
+            <a:schemeClr val="accent1"/>
+          </a:effectRef>
+          <a:fontRef idx="minor">
+            <a:schemeClr val="tx1"/>
+          </a:fontRef>
+        </p:style>
+      </p:cxnSp>
+      <p:sp>
+        <p:nvSpPr>
+          <p:cNvPr id="3" name="Inhaltsplatzhalter 2">
+            <a:extLst>
+              <a:ext uri="{FF2B5EF4-FFF2-40B4-BE49-F238E27FC236}">
+                <a16:creationId xmlns:a16="http://schemas.microsoft.com/office/drawing/2014/main" id="{F970106C-7026-DDE6-51E9-EB151A775F18}"/>
+              </a:ext>
+            </a:extLst>
+          </p:cNvPr>
+          <p:cNvSpPr>
+            <a:spLocks noGrp="1"/>
+          </p:cNvSpPr>
+          <p:nvPr>
+            <p:ph idx="1"/>
+          </p:nvPr>
+        </p:nvSpPr>
+        <p:spPr>
+          <a:xfrm>
+            <a:off x="6096000" y="1108061"/>
+            <a:ext cx="5008901" cy="4571972"/>
+          </a:xfrm>
+        </p:spPr>
+        <p:txBody>
+          <a:bodyPr anchor="ctr">
+            <a:normAutofit/>
+          </a:bodyPr>
+          <a:lstStyle/>
+          <a:p>
+            <a:r>
+              <a:rPr lang="de-DE" sz="2000">
+                <a:solidFill>
+                  <a:schemeClr val="bg1"/>
+                </a:solidFill>
+                <a:hlinkClick r:id="rId2"/>
+              </a:rPr>
+              <a:t>https://www.cis.uni-muenchen.de/kurse/max/korpunix/scripten/xml.pdf</a:t>
+            </a:r>
+            <a:endParaRPr lang="de-DE" sz="2000">
+              <a:solidFill>
+                <a:schemeClr val="bg1"/>
+              </a:solidFill>
+            </a:endParaRPr>
+          </a:p>
+          <a:p>
+            <a:r>
+              <a:rPr lang="de-DE" sz="2000">
+                <a:solidFill>
+                  <a:schemeClr val="bg1"/>
+                </a:solidFill>
+                <a:hlinkClick r:id="rId3"/>
+              </a:rPr>
+              <a:t>https://wiki.selfhtml.org/wiki/XML/Regeln/Baumstruktur</a:t>
+            </a:r>
+            <a:endParaRPr lang="de-DE" sz="2000">
+              <a:solidFill>
+                <a:schemeClr val="bg1"/>
+              </a:solidFill>
+            </a:endParaRPr>
+          </a:p>
+          <a:p>
+            <a:r>
+              <a:rPr lang="de-DE" sz="2000">
+                <a:solidFill>
+                  <a:schemeClr val="bg1"/>
+                </a:solidFill>
+                <a:hlinkClick r:id="rId4"/>
+              </a:rPr>
+              <a:t>https://de.wikipedia.org/wiki/Android_Studio</a:t>
+            </a:r>
+            <a:endParaRPr lang="de-DE" sz="2000">
+              <a:solidFill>
+                <a:schemeClr val="bg1"/>
+              </a:solidFill>
+            </a:endParaRPr>
+          </a:p>
+          <a:p>
+            <a:r>
+              <a:rPr lang="de-DE" sz="2000">
+                <a:solidFill>
+                  <a:schemeClr val="bg1"/>
+                </a:solidFill>
+                <a:hlinkClick r:id="rId5"/>
+              </a:rPr>
+              <a:t>https://unsplash.com</a:t>
+            </a:r>
+            <a:endParaRPr lang="de-DE" sz="2000">
+              <a:solidFill>
+                <a:schemeClr val="bg1"/>
+              </a:solidFill>
+            </a:endParaRPr>
+          </a:p>
+          <a:p>
+            <a:r>
+              <a:rPr lang="de-DE" sz="2000">
+                <a:solidFill>
+                  <a:schemeClr val="bg1"/>
+                </a:solidFill>
+                <a:hlinkClick r:id="rId6"/>
+              </a:rPr>
+              <a:t>https://www.flaticon.com</a:t>
+            </a:r>
+            <a:endParaRPr lang="de-DE" sz="2000">
+              <a:solidFill>
+                <a:schemeClr val="bg1"/>
+              </a:solidFill>
+            </a:endParaRPr>
+          </a:p>
+          <a:p>
+            <a:endParaRPr lang="de-DE" sz="2000">
+              <a:solidFill>
+                <a:schemeClr val="bg1"/>
+              </a:solidFill>
+            </a:endParaRPr>
+          </a:p>
+        </p:txBody>
+      </p:sp>
+    </p:spTree>
+    <p:extLst>
+      <p:ext uri="{BB962C8B-B14F-4D97-AF65-F5344CB8AC3E}">
+        <p14:creationId xmlns:p14="http://schemas.microsoft.com/office/powerpoint/2010/main" val="1895509635"/>
+      </p:ext>
+    </p:extLst>
+  </p:cSld>
+  <p:clrMapOvr>
+    <a:masterClrMapping/>
+  </p:clrMapOvr>
+</p:sld>
+</file>
+
+<file path=ppt/slides/slide3.xml><?xml version="1.0" encoding="utf-8"?>
+<p:sld xmlns:a="http://schemas.openxmlformats.org/drawingml/2006/main" xmlns:r="http://schemas.openxmlformats.org/officeDocument/2006/relationships" xmlns:p="http://schemas.openxmlformats.org/presentationml/2006/main">
+  <p:cSld>
+    <p:bg>
+      <p:bgPr>
+        <a:solidFill>
+          <a:schemeClr val="bg1"/>
+        </a:solidFill>
+        <a:effectLst/>
+      </p:bgPr>
+    </p:bg>
+    <p:spTree>
+      <p:nvGrpSpPr>
+        <p:cNvPr id="1" name=""/>
+        <p:cNvGrpSpPr/>
+        <p:nvPr/>
+      </p:nvGrpSpPr>
+      <p:grpSpPr>
+        <a:xfrm>
+          <a:off x="0" y="0"/>
+          <a:ext cx="0" cy="0"/>
+          <a:chOff x="0" y="0"/>
+          <a:chExt cx="0" cy="0"/>
+        </a:xfrm>
+      </p:grpSpPr>
+      <p:sp>
+        <p:nvSpPr>
+          <p:cNvPr id="36" name="Rectangle 25">
+            <a:extLst>
+              <a:ext uri="{FF2B5EF4-FFF2-40B4-BE49-F238E27FC236}">
+                <a16:creationId xmlns:a16="http://schemas.microsoft.com/office/drawing/2014/main" id="{A7AE9375-4664-4DB2-922D-2782A6E439AC}"/>
+              </a:ext>
+              <a:ext uri="{C183D7F6-B498-43B3-948B-1728B52AA6E4}">
+                <adec:decorative xmlns:adec="http://schemas.microsoft.com/office/drawing/2017/decorative" val="1"/>
+              </a:ext>
+            </a:extLst>
+          </p:cNvPr>
+          <p:cNvSpPr>
+            <a:spLocks noGrp="1" noRot="1" noChangeAspect="1" noMove="1" noResize="1" noEditPoints="1" noAdjustHandles="1" noChangeArrowheads="1" noChangeShapeType="1" noTextEdit="1"/>
+          </p:cNvSpPr>
+          <p:nvPr>
+            <p:extLst>
+              <p:ext uri="{386F3935-93C4-4BCD-93E2-E3B085C9AB24}">
+                <p16:designElem xmlns:p16="http://schemas.microsoft.com/office/powerpoint/2015/main" val="1"/>
+              </p:ext>
+            </p:extLst>
+          </p:nvPr>
+        </p:nvSpPr>
+        <p:spPr>
+          <a:xfrm>
+            <a:off x="-1" y="0"/>
+            <a:ext cx="12192000" cy="6858000"/>
+          </a:xfrm>
+          <a:prstGeom prst="rect">
+            <a:avLst/>
+          </a:prstGeom>
+          <a:solidFill>
+            <a:schemeClr val="tx1">
+              <a:lumMod val="95000"/>
+              <a:lumOff val="5000"/>
+            </a:schemeClr>
+          </a:solidFill>
+          <a:ln>
+            <a:noFill/>
+          </a:ln>
+        </p:spPr>
+        <p:style>
+          <a:lnRef idx="2">
+            <a:schemeClr val="accent1">
+              <a:shade val="50000"/>
+            </a:schemeClr>
+          </a:lnRef>
+          <a:fillRef idx="1">
+            <a:schemeClr val="accent1"/>
+          </a:fillRef>
+          <a:effectRef idx="0">
+            <a:schemeClr val="accent1"/>
+          </a:effectRef>
+          <a:fontRef idx="minor">
+            <a:schemeClr val="lt1"/>
+          </a:fontRef>
+        </p:style>
+        <p:txBody>
+          <a:bodyPr rtlCol="0" anchor="ctr"/>
+          <a:lstStyle/>
+          <a:p>
+            <a:pPr algn="ctr"/>
+            <a:endParaRPr lang="en-US" dirty="0">
+              <a:solidFill>
+                <a:schemeClr val="tx1"/>
+              </a:solidFill>
+            </a:endParaRPr>
+          </a:p>
+        </p:txBody>
+      </p:sp>
+      <p:cxnSp>
+        <p:nvCxnSpPr>
+          <p:cNvPr id="37" name="Straight Connector 27">
+            <a:extLst>
+              <a:ext uri="{FF2B5EF4-FFF2-40B4-BE49-F238E27FC236}">
+                <a16:creationId xmlns:a16="http://schemas.microsoft.com/office/drawing/2014/main" id="{EE504C98-6397-41C1-A8D8-2D9C4ED307E0}"/>
+              </a:ext>
+              <a:ext uri="{C183D7F6-B498-43B3-948B-1728B52AA6E4}">
+                <adec:decorative xmlns:adec="http://schemas.microsoft.com/office/drawing/2017/decorative" val="1"/>
+              </a:ext>
+            </a:extLst>
+          </p:cNvPr>
+          <p:cNvCxnSpPr>
+            <a:cxnSpLocks noGrp="1" noRot="1" noChangeAspect="1" noMove="1" noResize="1" noEditPoints="1" noAdjustHandles="1" noChangeArrowheads="1" noChangeShapeType="1"/>
+          </p:cNvCxnSpPr>
+          <p:nvPr>
+            <p:extLst>
+              <p:ext uri="{386F3935-93C4-4BCD-93E2-E3B085C9AB24}">
+                <p16:designElem xmlns:p16="http://schemas.microsoft.com/office/powerpoint/2015/main" val="1"/>
+              </p:ext>
+            </p:extLst>
+          </p:nvPr>
+        </p:nvCxnSpPr>
+        <p:spPr>
+          <a:xfrm flipH="1">
+            <a:off x="1" y="2026340"/>
+            <a:ext cx="6095999" cy="0"/>
+          </a:xfrm>
+          <a:prstGeom prst="line">
+            <a:avLst/>
+          </a:prstGeom>
+          <a:ln w="12700">
+            <a:solidFill>
+              <a:schemeClr val="accent2"/>
+            </a:solidFill>
+          </a:ln>
+        </p:spPr>
+        <p:style>
+          <a:lnRef idx="1">
+            <a:schemeClr val="accent1"/>
+          </a:lnRef>
+          <a:fillRef idx="0">
+            <a:schemeClr val="accent1"/>
+          </a:fillRef>
+          <a:effectRef idx="0">
+            <a:schemeClr val="accent1"/>
+          </a:effectRef>
+          <a:fontRef idx="minor">
+            <a:schemeClr val="tx1"/>
+          </a:fontRef>
+        </p:style>
+      </p:cxnSp>
+      <p:pic>
+        <p:nvPicPr>
+          <p:cNvPr id="6" name="Grafik 5" descr="Ein Bild, das Text enthält.&#10;&#10;Automatisch generierte Beschreibung">
+            <a:extLst>
+              <a:ext uri="{FF2B5EF4-FFF2-40B4-BE49-F238E27FC236}">
+                <a16:creationId xmlns:a16="http://schemas.microsoft.com/office/drawing/2014/main" id="{B2B640C5-73B0-DB00-06FF-A40F4372B859}"/>
+              </a:ext>
+            </a:extLst>
+          </p:cNvPr>
+          <p:cNvPicPr>
+            <a:picLocks noChangeAspect="1"/>
+          </p:cNvPicPr>
+          <p:nvPr/>
+        </p:nvPicPr>
+        <p:blipFill>
+          <a:blip r:embed="rId2">
+            <a:extLst>
+              <a:ext uri="{28A0092B-C50C-407E-A947-70E740481C1C}">
+                <a14:useLocalDpi xmlns:a14="http://schemas.microsoft.com/office/drawing/2010/main" val="0"/>
+              </a:ext>
+            </a:extLst>
+          </a:blip>
+          <a:stretch>
+            <a:fillRect/>
+          </a:stretch>
+        </p:blipFill>
+        <p:spPr>
+          <a:xfrm>
+            <a:off x="8553088" y="3739695"/>
+            <a:ext cx="2784532" cy="2784532"/>
+          </a:xfrm>
+          <a:prstGeom prst="rect">
+            <a:avLst/>
+          </a:prstGeom>
+        </p:spPr>
+      </p:pic>
+      <p:sp>
+        <p:nvSpPr>
+          <p:cNvPr id="38" name="Rectangle 29">
+            <a:extLst>
+              <a:ext uri="{FF2B5EF4-FFF2-40B4-BE49-F238E27FC236}">
+                <a16:creationId xmlns:a16="http://schemas.microsoft.com/office/drawing/2014/main" id="{C87417AF-190E-4D6E-AFA6-7D3E84B0B430}"/>
+              </a:ext>
+              <a:ext uri="{C183D7F6-B498-43B3-948B-1728B52AA6E4}">
+                <adec:decorative xmlns:adec="http://schemas.microsoft.com/office/drawing/2017/decorative" val="1"/>
+              </a:ext>
+            </a:extLst>
+          </p:cNvPr>
+          <p:cNvSpPr>
+            <a:spLocks noGrp="1" noRot="1" noChangeAspect="1" noMove="1" noResize="1" noEditPoints="1" noAdjustHandles="1" noChangeArrowheads="1" noChangeShapeType="1" noTextEdit="1"/>
+          </p:cNvSpPr>
+          <p:nvPr>
+            <p:extLst>
+              <p:ext uri="{386F3935-93C4-4BCD-93E2-E3B085C9AB24}">
+                <p16:designElem xmlns:p16="http://schemas.microsoft.com/office/powerpoint/2015/main" val="1"/>
+              </p:ext>
+            </p:extLst>
+          </p:nvPr>
+        </p:nvSpPr>
+        <p:spPr>
+          <a:xfrm>
+            <a:off x="6431603" y="182859"/>
+            <a:ext cx="3996261" cy="3177496"/>
+          </a:xfrm>
+          <a:prstGeom prst="rect">
+            <a:avLst/>
+          </a:prstGeom>
+          <a:noFill/>
+          <a:ln w="12700">
+            <a:solidFill>
+              <a:schemeClr val="accent2"/>
+            </a:solidFill>
+          </a:ln>
+        </p:spPr>
+        <p:style>
+          <a:lnRef idx="2">
+            <a:schemeClr val="accent1">
+              <a:shade val="50000"/>
+            </a:schemeClr>
+          </a:lnRef>
+          <a:fillRef idx="1">
+            <a:schemeClr val="accent1"/>
+          </a:fillRef>
+          <a:effectRef idx="0">
+            <a:schemeClr val="accent1"/>
+          </a:effectRef>
+          <a:fontRef idx="minor">
+            <a:schemeClr val="lt1"/>
+          </a:fontRef>
+        </p:style>
+        <p:txBody>
+          <a:bodyPr rtlCol="0" anchor="ctr"/>
+          <a:lstStyle/>
+          <a:p>
+            <a:pPr algn="ctr"/>
+            <a:endParaRPr lang="en-US"/>
+          </a:p>
+        </p:txBody>
+      </p:sp>
+      <p:pic>
+        <p:nvPicPr>
+          <p:cNvPr id="10" name="Grafik 9">
+            <a:extLst>
+              <a:ext uri="{FF2B5EF4-FFF2-40B4-BE49-F238E27FC236}">
+                <a16:creationId xmlns:a16="http://schemas.microsoft.com/office/drawing/2014/main" id="{4581ADC7-1822-62B9-F447-5F118CAC275E}"/>
+              </a:ext>
+            </a:extLst>
+          </p:cNvPr>
+          <p:cNvPicPr>
+            <a:picLocks noChangeAspect="1"/>
+          </p:cNvPicPr>
+          <p:nvPr/>
+        </p:nvPicPr>
+        <p:blipFill>
+          <a:blip r:embed="rId3">
+            <a:extLst>
+              <a:ext uri="{28A0092B-C50C-407E-A947-70E740481C1C}">
+                <a14:useLocalDpi xmlns:a14="http://schemas.microsoft.com/office/drawing/2010/main" val="0"/>
+              </a:ext>
+            </a:extLst>
+          </a:blip>
+          <a:stretch>
+            <a:fillRect/>
+          </a:stretch>
+        </p:blipFill>
+        <p:spPr>
+          <a:xfrm>
+            <a:off x="5782255" y="-999226"/>
+            <a:ext cx="5541666" cy="5541666"/>
+          </a:xfrm>
+          <a:prstGeom prst="rect">
+            <a:avLst/>
+          </a:prstGeom>
+        </p:spPr>
+      </p:pic>
+      <p:sp>
+        <p:nvSpPr>
+          <p:cNvPr id="39" name="Rectangle 31">
+            <a:extLst>
+              <a:ext uri="{FF2B5EF4-FFF2-40B4-BE49-F238E27FC236}">
+                <a16:creationId xmlns:a16="http://schemas.microsoft.com/office/drawing/2014/main" id="{80B30ED8-273E-4C07-8568-2FE5CC5C483D}"/>
+              </a:ext>
+              <a:ext uri="{C183D7F6-B498-43B3-948B-1728B52AA6E4}">
+                <adec:decorative xmlns:adec="http://schemas.microsoft.com/office/drawing/2017/decorative" val="1"/>
+              </a:ext>
+            </a:extLst>
+          </p:cNvPr>
+          <p:cNvSpPr>
+            <a:spLocks noGrp="1" noRot="1" noChangeAspect="1" noMove="1" noResize="1" noEditPoints="1" noAdjustHandles="1" noChangeArrowheads="1" noChangeShapeType="1" noTextEdit="1"/>
+          </p:cNvSpPr>
+          <p:nvPr>
+            <p:extLst>
+              <p:ext uri="{386F3935-93C4-4BCD-93E2-E3B085C9AB24}">
+                <p16:designElem xmlns:p16="http://schemas.microsoft.com/office/powerpoint/2015/main" val="1"/>
+              </p:ext>
+            </p:extLst>
+          </p:nvPr>
+        </p:nvSpPr>
+        <p:spPr>
+          <a:xfrm>
+            <a:off x="7825071" y="3543213"/>
+            <a:ext cx="3996261" cy="3177496"/>
+          </a:xfrm>
+          <a:prstGeom prst="rect">
+            <a:avLst/>
+          </a:prstGeom>
+          <a:noFill/>
+          <a:ln w="12700">
+            <a:solidFill>
+              <a:schemeClr val="accent2"/>
+            </a:solidFill>
+          </a:ln>
+        </p:spPr>
+        <p:style>
+          <a:lnRef idx="2">
+            <a:schemeClr val="accent1">
+              <a:shade val="50000"/>
+            </a:schemeClr>
+          </a:lnRef>
+          <a:fillRef idx="1">
+            <a:schemeClr val="accent1"/>
+          </a:fillRef>
+          <a:effectRef idx="0">
+            <a:schemeClr val="accent1"/>
+          </a:effectRef>
+          <a:fontRef idx="minor">
+            <a:schemeClr val="lt1"/>
+          </a:fontRef>
+        </p:style>
+        <p:txBody>
+          <a:bodyPr rtlCol="0" anchor="ctr"/>
+          <a:lstStyle/>
+          <a:p>
+            <a:pPr algn="ctr"/>
+            <a:endParaRPr lang="en-US"/>
+          </a:p>
+        </p:txBody>
+      </p:sp>
+      <p:sp>
+        <p:nvSpPr>
+          <p:cNvPr id="12" name="Textfeld 11">
+            <a:extLst>
+              <a:ext uri="{FF2B5EF4-FFF2-40B4-BE49-F238E27FC236}">
+                <a16:creationId xmlns:a16="http://schemas.microsoft.com/office/drawing/2014/main" id="{1B1DB219-C438-FBF3-B8DF-C3DAC19CC24C}"/>
+              </a:ext>
+            </a:extLst>
+          </p:cNvPr>
+          <p:cNvSpPr txBox="1"/>
+          <p:nvPr/>
+        </p:nvSpPr>
+        <p:spPr>
+          <a:xfrm>
+            <a:off x="1065269" y="1195343"/>
+            <a:ext cx="4219575" cy="830997"/>
+          </a:xfrm>
+          <a:prstGeom prst="rect">
+            <a:avLst/>
+          </a:prstGeom>
+          <a:noFill/>
+        </p:spPr>
+        <p:txBody>
+          <a:bodyPr wrap="square" rtlCol="0">
+            <a:spAutoFit/>
+          </a:bodyPr>
+          <a:lstStyle/>
+          <a:p>
+            <a:pPr algn="ctr"/>
+            <a:r>
+              <a:rPr lang="de-DE" sz="4800" dirty="0">
+                <a:solidFill>
+                  <a:schemeClr val="bg1">
+                    <a:lumMod val="75000"/>
+                  </a:schemeClr>
+                </a:solidFill>
+              </a:rPr>
+              <a:t>LFÜP PROJEKT</a:t>
+            </a:r>
+          </a:p>
+        </p:txBody>
+      </p:sp>
+      <p:sp>
+        <p:nvSpPr>
+          <p:cNvPr id="2" name="Textfeld 1">
+            <a:extLst>
+              <a:ext uri="{FF2B5EF4-FFF2-40B4-BE49-F238E27FC236}">
+                <a16:creationId xmlns:a16="http://schemas.microsoft.com/office/drawing/2014/main" id="{C4AD6C43-DE5F-E5AE-C0AA-09CD87F3C554}"/>
+              </a:ext>
+            </a:extLst>
+          </p:cNvPr>
+          <p:cNvSpPr txBox="1"/>
+          <p:nvPr/>
+        </p:nvSpPr>
+        <p:spPr>
+          <a:xfrm>
+            <a:off x="1065269" y="2816365"/>
+            <a:ext cx="5891724" cy="2554545"/>
+          </a:xfrm>
+          <a:prstGeom prst="rect">
+            <a:avLst/>
+          </a:prstGeom>
+          <a:noFill/>
+        </p:spPr>
+        <p:txBody>
+          <a:bodyPr wrap="square" rtlCol="0">
+            <a:spAutoFit/>
+          </a:bodyPr>
+          <a:lstStyle/>
+          <a:p>
+            <a:pPr marL="342900" indent="-342900">
+              <a:buFont typeface="Arial" panose="020B0604020202020204" pitchFamily="34" charset="0"/>
+              <a:buChar char="•"/>
+            </a:pPr>
+            <a:r>
+              <a:rPr lang="de-DE" sz="2800" b="1" dirty="0">
+                <a:solidFill>
+                  <a:schemeClr val="bg1">
+                    <a:lumMod val="75000"/>
+                  </a:schemeClr>
+                </a:solidFill>
+                <a:latin typeface="+mj-lt"/>
+                <a:cs typeface="Andalus" panose="02020603050405020304" pitchFamily="18" charset="-78"/>
+              </a:rPr>
+              <a:t>Was ist unsere Ziel?</a:t>
+            </a:r>
+          </a:p>
+          <a:p>
+            <a:endParaRPr lang="de-DE" sz="2800" b="1" dirty="0">
+              <a:solidFill>
+                <a:schemeClr val="bg1">
+                  <a:lumMod val="75000"/>
+                </a:schemeClr>
+              </a:solidFill>
+              <a:latin typeface="+mj-lt"/>
+              <a:cs typeface="Andalus" panose="02020603050405020304" pitchFamily="18" charset="-78"/>
+            </a:endParaRPr>
+          </a:p>
+          <a:p>
+            <a:endParaRPr lang="de-DE" sz="2800" b="1" dirty="0">
+              <a:solidFill>
+                <a:schemeClr val="bg1">
+                  <a:lumMod val="75000"/>
+                </a:schemeClr>
+              </a:solidFill>
+              <a:latin typeface="+mj-lt"/>
+              <a:cs typeface="Andalus" panose="02020603050405020304" pitchFamily="18" charset="-78"/>
+            </a:endParaRPr>
+          </a:p>
+          <a:p>
+            <a:pPr marL="342900" indent="-342900">
+              <a:buFont typeface="Arial" panose="020B0604020202020204" pitchFamily="34" charset="0"/>
+              <a:buChar char="•"/>
+            </a:pPr>
+            <a:r>
+              <a:rPr lang="de-DE" sz="2800" b="1" dirty="0">
+                <a:solidFill>
+                  <a:schemeClr val="bg1">
+                    <a:lumMod val="75000"/>
+                  </a:schemeClr>
+                </a:solidFill>
+                <a:latin typeface="+mj-lt"/>
+                <a:cs typeface="Andalus" panose="02020603050405020304" pitchFamily="18" charset="-78"/>
+              </a:rPr>
+              <a:t>Warum haben wir uns für Fitness App Entschieden ?</a:t>
+            </a:r>
+          </a:p>
+          <a:p>
+            <a:endParaRPr lang="de-DE" sz="2000" dirty="0">
+              <a:solidFill>
+                <a:schemeClr val="bg1">
+                  <a:lumMod val="75000"/>
+                </a:schemeClr>
+              </a:solidFill>
+              <a:latin typeface="+mj-lt"/>
+              <a:cs typeface="Andalus" panose="02020603050405020304" pitchFamily="18" charset="-78"/>
+            </a:endParaRPr>
+          </a:p>
+        </p:txBody>
+      </p:sp>
+    </p:spTree>
+    <p:extLst>
+      <p:ext uri="{BB962C8B-B14F-4D97-AF65-F5344CB8AC3E}">
+        <p14:creationId xmlns:p14="http://schemas.microsoft.com/office/powerpoint/2010/main" val="4212589235"/>
+      </p:ext>
+    </p:extLst>
+  </p:cSld>
+  <p:clrMapOvr>
+    <a:masterClrMapping/>
+  </p:clrMapOvr>
+</p:sld>
+</file>
+
+<file path=ppt/slides/slide4.xml><?xml version="1.0" encoding="utf-8"?>
+<p:sld xmlns:a="http://schemas.openxmlformats.org/drawingml/2006/main" xmlns:r="http://schemas.openxmlformats.org/officeDocument/2006/relationships" xmlns:p="http://schemas.openxmlformats.org/presentationml/2006/main">
+  <p:cSld>
+    <p:bg>
+      <p:bgPr>
+        <a:solidFill>
+          <a:schemeClr val="bg1"/>
+        </a:solidFill>
+        <a:effectLst/>
+      </p:bgPr>
+    </p:bg>
+    <p:spTree>
+      <p:nvGrpSpPr>
+        <p:cNvPr id="1" name=""/>
+        <p:cNvGrpSpPr/>
+        <p:nvPr/>
+      </p:nvGrpSpPr>
+      <p:grpSpPr>
+        <a:xfrm>
+          <a:off x="0" y="0"/>
+          <a:ext cx="0" cy="0"/>
+          <a:chOff x="0" y="0"/>
+          <a:chExt cx="0" cy="0"/>
+        </a:xfrm>
+      </p:grpSpPr>
+      <p:sp>
+        <p:nvSpPr>
+          <p:cNvPr id="36" name="Rectangle 25">
+            <a:extLst>
+              <a:ext uri="{FF2B5EF4-FFF2-40B4-BE49-F238E27FC236}">
+                <a16:creationId xmlns:a16="http://schemas.microsoft.com/office/drawing/2014/main" id="{A7AE9375-4664-4DB2-922D-2782A6E439AC}"/>
+              </a:ext>
+              <a:ext uri="{C183D7F6-B498-43B3-948B-1728B52AA6E4}">
+                <adec:decorative xmlns:adec="http://schemas.microsoft.com/office/drawing/2017/decorative" val="1"/>
+              </a:ext>
+            </a:extLst>
+          </p:cNvPr>
+          <p:cNvSpPr>
+            <a:spLocks noGrp="1" noRot="1" noChangeAspect="1" noMove="1" noResize="1" noEditPoints="1" noAdjustHandles="1" noChangeArrowheads="1" noChangeShapeType="1" noTextEdit="1"/>
+          </p:cNvSpPr>
+          <p:nvPr>
+            <p:extLst>
+              <p:ext uri="{386F3935-93C4-4BCD-93E2-E3B085C9AB24}">
+                <p16:designElem xmlns:p16="http://schemas.microsoft.com/office/powerpoint/2015/main" val="1"/>
+              </p:ext>
+            </p:extLst>
+          </p:nvPr>
+        </p:nvSpPr>
+        <p:spPr>
+          <a:xfrm>
+            <a:off x="-1" y="0"/>
+            <a:ext cx="12192000" cy="6858000"/>
+          </a:xfrm>
+          <a:prstGeom prst="rect">
+            <a:avLst/>
+          </a:prstGeom>
+          <a:solidFill>
+            <a:schemeClr val="tx1">
+              <a:lumMod val="95000"/>
+              <a:lumOff val="5000"/>
+            </a:schemeClr>
+          </a:solidFill>
+          <a:ln>
+            <a:noFill/>
+          </a:ln>
+        </p:spPr>
+        <p:style>
+          <a:lnRef idx="2">
+            <a:schemeClr val="accent1">
+              <a:shade val="50000"/>
+            </a:schemeClr>
+          </a:lnRef>
+          <a:fillRef idx="1">
+            <a:schemeClr val="accent1"/>
+          </a:fillRef>
+          <a:effectRef idx="0">
+            <a:schemeClr val="accent1"/>
+          </a:effectRef>
+          <a:fontRef idx="minor">
+            <a:schemeClr val="lt1"/>
+          </a:fontRef>
+        </p:style>
+        <p:txBody>
+          <a:bodyPr rtlCol="0" anchor="ctr"/>
+          <a:lstStyle/>
+          <a:p>
+            <a:pPr algn="ctr"/>
+            <a:endParaRPr lang="en-US" dirty="0">
+              <a:solidFill>
+                <a:schemeClr val="tx1"/>
+              </a:solidFill>
+            </a:endParaRPr>
+          </a:p>
+        </p:txBody>
+      </p:sp>
+      <p:cxnSp>
+        <p:nvCxnSpPr>
+          <p:cNvPr id="37" name="Straight Connector 27">
+            <a:extLst>
+              <a:ext uri="{FF2B5EF4-FFF2-40B4-BE49-F238E27FC236}">
+                <a16:creationId xmlns:a16="http://schemas.microsoft.com/office/drawing/2014/main" id="{EE504C98-6397-41C1-A8D8-2D9C4ED307E0}"/>
+              </a:ext>
+              <a:ext uri="{C183D7F6-B498-43B3-948B-1728B52AA6E4}">
+                <adec:decorative xmlns:adec="http://schemas.microsoft.com/office/drawing/2017/decorative" val="1"/>
+              </a:ext>
+            </a:extLst>
+          </p:cNvPr>
+          <p:cNvCxnSpPr>
+            <a:cxnSpLocks noGrp="1" noRot="1" noChangeAspect="1" noMove="1" noResize="1" noEditPoints="1" noAdjustHandles="1" noChangeArrowheads="1" noChangeShapeType="1"/>
+          </p:cNvCxnSpPr>
+          <p:nvPr>
+            <p:extLst>
+              <p:ext uri="{386F3935-93C4-4BCD-93E2-E3B085C9AB24}">
+                <p16:designElem xmlns:p16="http://schemas.microsoft.com/office/powerpoint/2015/main" val="1"/>
+              </p:ext>
+            </p:extLst>
+          </p:nvPr>
+        </p:nvCxnSpPr>
+        <p:spPr>
+          <a:xfrm flipH="1">
+            <a:off x="1" y="2026340"/>
+            <a:ext cx="6095999" cy="0"/>
+          </a:xfrm>
+          <a:prstGeom prst="line">
+            <a:avLst/>
+          </a:prstGeom>
+          <a:ln w="12700">
+            <a:solidFill>
+              <a:schemeClr val="accent2"/>
+            </a:solidFill>
+          </a:ln>
+        </p:spPr>
+        <p:style>
+          <a:lnRef idx="1">
+            <a:schemeClr val="accent1"/>
+          </a:lnRef>
+          <a:fillRef idx="0">
+            <a:schemeClr val="accent1"/>
+          </a:fillRef>
+          <a:effectRef idx="0">
+            <a:schemeClr val="accent1"/>
+          </a:effectRef>
+          <a:fontRef idx="minor">
+            <a:schemeClr val="tx1"/>
+          </a:fontRef>
+        </p:style>
+      </p:cxnSp>
+      <p:pic>
+        <p:nvPicPr>
+          <p:cNvPr id="6" name="Grafik 5" descr="Ein Bild, das Text enthält.&#10;&#10;Automatisch generierte Beschreibung">
+            <a:extLst>
+              <a:ext uri="{FF2B5EF4-FFF2-40B4-BE49-F238E27FC236}">
+                <a16:creationId xmlns:a16="http://schemas.microsoft.com/office/drawing/2014/main" id="{B2B640C5-73B0-DB00-06FF-A40F4372B859}"/>
+              </a:ext>
+            </a:extLst>
+          </p:cNvPr>
+          <p:cNvPicPr>
+            <a:picLocks noChangeAspect="1"/>
+          </p:cNvPicPr>
+          <p:nvPr/>
+        </p:nvPicPr>
+        <p:blipFill>
+          <a:blip r:embed="rId2">
+            <a:extLst>
+              <a:ext uri="{28A0092B-C50C-407E-A947-70E740481C1C}">
+                <a14:useLocalDpi xmlns:a14="http://schemas.microsoft.com/office/drawing/2010/main" val="0"/>
+              </a:ext>
+            </a:extLst>
+          </a:blip>
+          <a:stretch>
+            <a:fillRect/>
+          </a:stretch>
+        </p:blipFill>
+        <p:spPr>
+          <a:xfrm>
+            <a:off x="8553088" y="3739695"/>
+            <a:ext cx="2784532" cy="2784532"/>
+          </a:xfrm>
+          <a:prstGeom prst="rect">
+            <a:avLst/>
+          </a:prstGeom>
+        </p:spPr>
+      </p:pic>
+      <p:sp>
+        <p:nvSpPr>
+          <p:cNvPr id="38" name="Rectangle 29">
+            <a:extLst>
+              <a:ext uri="{FF2B5EF4-FFF2-40B4-BE49-F238E27FC236}">
+                <a16:creationId xmlns:a16="http://schemas.microsoft.com/office/drawing/2014/main" id="{C87417AF-190E-4D6E-AFA6-7D3E84B0B430}"/>
+              </a:ext>
+              <a:ext uri="{C183D7F6-B498-43B3-948B-1728B52AA6E4}">
+                <adec:decorative xmlns:adec="http://schemas.microsoft.com/office/drawing/2017/decorative" val="1"/>
+              </a:ext>
+            </a:extLst>
+          </p:cNvPr>
+          <p:cNvSpPr>
+            <a:spLocks noGrp="1" noRot="1" noChangeAspect="1" noMove="1" noResize="1" noEditPoints="1" noAdjustHandles="1" noChangeArrowheads="1" noChangeShapeType="1" noTextEdit="1"/>
+          </p:cNvSpPr>
+          <p:nvPr>
+            <p:extLst>
+              <p:ext uri="{386F3935-93C4-4BCD-93E2-E3B085C9AB24}">
+                <p16:designElem xmlns:p16="http://schemas.microsoft.com/office/powerpoint/2015/main" val="1"/>
+              </p:ext>
+            </p:extLst>
+          </p:nvPr>
+        </p:nvSpPr>
+        <p:spPr>
+          <a:xfrm>
+            <a:off x="6431603" y="182859"/>
+            <a:ext cx="3996261" cy="3177496"/>
+          </a:xfrm>
+          <a:prstGeom prst="rect">
+            <a:avLst/>
+          </a:prstGeom>
+          <a:noFill/>
+          <a:ln w="12700">
+            <a:solidFill>
+              <a:schemeClr val="accent2"/>
+            </a:solidFill>
+          </a:ln>
+        </p:spPr>
+        <p:style>
+          <a:lnRef idx="2">
+            <a:schemeClr val="accent1">
+              <a:shade val="50000"/>
+            </a:schemeClr>
+          </a:lnRef>
+          <a:fillRef idx="1">
+            <a:schemeClr val="accent1"/>
+          </a:fillRef>
+          <a:effectRef idx="0">
+            <a:schemeClr val="accent1"/>
+          </a:effectRef>
+          <a:fontRef idx="minor">
+            <a:schemeClr val="lt1"/>
+          </a:fontRef>
+        </p:style>
+        <p:txBody>
+          <a:bodyPr rtlCol="0" anchor="ctr"/>
+          <a:lstStyle/>
+          <a:p>
+            <a:pPr algn="ctr"/>
+            <a:endParaRPr lang="en-US"/>
+          </a:p>
+        </p:txBody>
+      </p:sp>
+      <p:pic>
+        <p:nvPicPr>
+          <p:cNvPr id="10" name="Grafik 9">
+            <a:extLst>
+              <a:ext uri="{FF2B5EF4-FFF2-40B4-BE49-F238E27FC236}">
+                <a16:creationId xmlns:a16="http://schemas.microsoft.com/office/drawing/2014/main" id="{4581ADC7-1822-62B9-F447-5F118CAC275E}"/>
+              </a:ext>
+            </a:extLst>
+          </p:cNvPr>
+          <p:cNvPicPr>
+            <a:picLocks noChangeAspect="1"/>
+          </p:cNvPicPr>
+          <p:nvPr/>
+        </p:nvPicPr>
+        <p:blipFill>
+          <a:blip r:embed="rId3">
+            <a:extLst>
+              <a:ext uri="{28A0092B-C50C-407E-A947-70E740481C1C}">
+                <a14:useLocalDpi xmlns:a14="http://schemas.microsoft.com/office/drawing/2010/main" val="0"/>
+              </a:ext>
+            </a:extLst>
+          </a:blip>
+          <a:stretch>
+            <a:fillRect/>
+          </a:stretch>
+        </p:blipFill>
+        <p:spPr>
+          <a:xfrm>
+            <a:off x="5782255" y="-999226"/>
+            <a:ext cx="5541666" cy="5541666"/>
+          </a:xfrm>
+          <a:prstGeom prst="rect">
+            <a:avLst/>
+          </a:prstGeom>
+        </p:spPr>
+      </p:pic>
+      <p:sp>
+        <p:nvSpPr>
+          <p:cNvPr id="39" name="Rectangle 31">
+            <a:extLst>
+              <a:ext uri="{FF2B5EF4-FFF2-40B4-BE49-F238E27FC236}">
+                <a16:creationId xmlns:a16="http://schemas.microsoft.com/office/drawing/2014/main" id="{80B30ED8-273E-4C07-8568-2FE5CC5C483D}"/>
+              </a:ext>
+              <a:ext uri="{C183D7F6-B498-43B3-948B-1728B52AA6E4}">
+                <adec:decorative xmlns:adec="http://schemas.microsoft.com/office/drawing/2017/decorative" val="1"/>
+              </a:ext>
+            </a:extLst>
+          </p:cNvPr>
+          <p:cNvSpPr>
+            <a:spLocks noGrp="1" noRot="1" noChangeAspect="1" noMove="1" noResize="1" noEditPoints="1" noAdjustHandles="1" noChangeArrowheads="1" noChangeShapeType="1" noTextEdit="1"/>
+          </p:cNvSpPr>
+          <p:nvPr>
+            <p:extLst>
+              <p:ext uri="{386F3935-93C4-4BCD-93E2-E3B085C9AB24}">
+                <p16:designElem xmlns:p16="http://schemas.microsoft.com/office/powerpoint/2015/main" val="1"/>
+              </p:ext>
+            </p:extLst>
+          </p:nvPr>
+        </p:nvSpPr>
+        <p:spPr>
+          <a:xfrm>
+            <a:off x="7825071" y="3543213"/>
+            <a:ext cx="3996261" cy="3177496"/>
+          </a:xfrm>
+          <a:prstGeom prst="rect">
+            <a:avLst/>
+          </a:prstGeom>
+          <a:noFill/>
+          <a:ln w="12700">
+            <a:solidFill>
+              <a:schemeClr val="accent2"/>
+            </a:solidFill>
+          </a:ln>
+        </p:spPr>
+        <p:style>
+          <a:lnRef idx="2">
+            <a:schemeClr val="accent1">
+              <a:shade val="50000"/>
+            </a:schemeClr>
+          </a:lnRef>
+          <a:fillRef idx="1">
+            <a:schemeClr val="accent1"/>
+          </a:fillRef>
+          <a:effectRef idx="0">
+            <a:schemeClr val="accent1"/>
+          </a:effectRef>
+          <a:fontRef idx="minor">
+            <a:schemeClr val="lt1"/>
+          </a:fontRef>
+        </p:style>
+        <p:txBody>
+          <a:bodyPr rtlCol="0" anchor="ctr"/>
+          <a:lstStyle/>
+          <a:p>
+            <a:pPr algn="ctr"/>
+            <a:endParaRPr lang="en-US"/>
+          </a:p>
+        </p:txBody>
+      </p:sp>
+      <p:sp>
+        <p:nvSpPr>
+          <p:cNvPr id="12" name="Textfeld 11">
+            <a:extLst>
+              <a:ext uri="{FF2B5EF4-FFF2-40B4-BE49-F238E27FC236}">
+                <a16:creationId xmlns:a16="http://schemas.microsoft.com/office/drawing/2014/main" id="{1B1DB219-C438-FBF3-B8DF-C3DAC19CC24C}"/>
+              </a:ext>
+            </a:extLst>
+          </p:cNvPr>
+          <p:cNvSpPr txBox="1"/>
+          <p:nvPr/>
+        </p:nvSpPr>
+        <p:spPr>
+          <a:xfrm>
+            <a:off x="1065269" y="1195343"/>
+            <a:ext cx="4219575" cy="830997"/>
+          </a:xfrm>
+          <a:prstGeom prst="rect">
+            <a:avLst/>
+          </a:prstGeom>
+          <a:noFill/>
+        </p:spPr>
+        <p:txBody>
+          <a:bodyPr wrap="square" rtlCol="0">
+            <a:spAutoFit/>
+          </a:bodyPr>
+          <a:lstStyle/>
+          <a:p>
+            <a:pPr algn="ctr"/>
+            <a:r>
+              <a:rPr lang="de-DE" sz="4800" dirty="0">
+                <a:solidFill>
+                  <a:schemeClr val="bg1">
+                    <a:lumMod val="75000"/>
+                  </a:schemeClr>
+                </a:solidFill>
+              </a:rPr>
+              <a:t>GYMHOUSE</a:t>
+            </a:r>
+          </a:p>
+        </p:txBody>
+      </p:sp>
+      <p:sp>
+        <p:nvSpPr>
+          <p:cNvPr id="14" name="Textfeld 13">
+            <a:extLst>
+              <a:ext uri="{FF2B5EF4-FFF2-40B4-BE49-F238E27FC236}">
+                <a16:creationId xmlns:a16="http://schemas.microsoft.com/office/drawing/2014/main" id="{00201975-C0A9-A21D-D4B7-EC0063765D46}"/>
+              </a:ext>
+            </a:extLst>
+          </p:cNvPr>
+          <p:cNvSpPr txBox="1"/>
+          <p:nvPr/>
+        </p:nvSpPr>
+        <p:spPr>
+          <a:xfrm>
+            <a:off x="16083" y="3262641"/>
+            <a:ext cx="6317945" cy="954107"/>
+          </a:xfrm>
+          <a:prstGeom prst="rect">
+            <a:avLst/>
+          </a:prstGeom>
+          <a:noFill/>
+        </p:spPr>
+        <p:txBody>
+          <a:bodyPr wrap="square" rtlCol="0">
+            <a:spAutoFit/>
+          </a:bodyPr>
+          <a:lstStyle/>
+          <a:p>
+            <a:pPr algn="ctr"/>
+            <a:r>
+              <a:rPr lang="de-DE" sz="2800" dirty="0">
+                <a:solidFill>
+                  <a:schemeClr val="bg1">
+                    <a:lumMod val="75000"/>
+                  </a:schemeClr>
+                </a:solidFill>
+              </a:rPr>
+              <a:t>Konzertierung &amp; Entwicklung einer Fitness-App</a:t>
+            </a:r>
+          </a:p>
+        </p:txBody>
+      </p:sp>
+    </p:spTree>
+    <p:extLst>
+      <p:ext uri="{BB962C8B-B14F-4D97-AF65-F5344CB8AC3E}">
+        <p14:creationId xmlns:p14="http://schemas.microsoft.com/office/powerpoint/2010/main" val="467859985"/>
+      </p:ext>
+    </p:extLst>
+  </p:cSld>
+  <p:clrMapOvr>
+    <a:masterClrMapping/>
+  </p:clrMapOvr>
+</p:sld>
+</file>
+
+<file path=ppt/slides/slide5.xml><?xml version="1.0" encoding="utf-8"?>
+<p:sld xmlns:a="http://schemas.openxmlformats.org/drawingml/2006/main" xmlns:r="http://schemas.openxmlformats.org/officeDocument/2006/relationships" xmlns:p="http://schemas.openxmlformats.org/presentationml/2006/main">
+  <p:cSld>
+    <p:spTree>
+      <p:nvGrpSpPr>
+        <p:cNvPr id="1" name=""/>
+        <p:cNvGrpSpPr/>
+        <p:nvPr/>
+      </p:nvGrpSpPr>
+      <p:grpSpPr>
+        <a:xfrm>
+          <a:off x="0" y="0"/>
+          <a:ext cx="0" cy="0"/>
+          <a:chOff x="0" y="0"/>
+          <a:chExt cx="0" cy="0"/>
+        </a:xfrm>
+      </p:grpSpPr>
+      <p:sp>
+        <p:nvSpPr>
+          <p:cNvPr id="55" name="Textfeld 54">
+            <a:extLst>
+              <a:ext uri="{FF2B5EF4-FFF2-40B4-BE49-F238E27FC236}">
+                <a16:creationId xmlns:a16="http://schemas.microsoft.com/office/drawing/2014/main" id="{A47D15B0-448F-9667-302D-70C62E303614}"/>
+              </a:ext>
+            </a:extLst>
+          </p:cNvPr>
+          <p:cNvSpPr txBox="1"/>
+          <p:nvPr/>
+        </p:nvSpPr>
+        <p:spPr>
+          <a:xfrm>
+            <a:off x="0" y="0"/>
+            <a:ext cx="12277725" cy="6858000"/>
+          </a:xfrm>
+          <a:prstGeom prst="rect">
+            <a:avLst/>
+          </a:prstGeom>
+          <a:solidFill>
+            <a:schemeClr val="tx1"/>
+          </a:solidFill>
+        </p:spPr>
+        <p:txBody>
+          <a:bodyPr wrap="square" rtlCol="0">
+            <a:spAutoFit/>
+          </a:bodyPr>
+          <a:lstStyle/>
+          <a:p>
+            <a:endParaRPr lang="de-DE" dirty="0"/>
+          </a:p>
+        </p:txBody>
+      </p:sp>
+      <p:sp>
+        <p:nvSpPr>
+          <p:cNvPr id="12" name="Flussdiagramm: Verbinder 11">
+            <a:extLst>
+              <a:ext uri="{FF2B5EF4-FFF2-40B4-BE49-F238E27FC236}">
+                <a16:creationId xmlns:a16="http://schemas.microsoft.com/office/drawing/2014/main" id="{864D9B6F-0CBA-273E-E02E-502D6E8B1CEB}"/>
+              </a:ext>
+            </a:extLst>
+          </p:cNvPr>
+          <p:cNvSpPr/>
+          <p:nvPr/>
+        </p:nvSpPr>
+        <p:spPr>
+          <a:xfrm>
+            <a:off x="4954190" y="322904"/>
+            <a:ext cx="2283620" cy="2269167"/>
+          </a:xfrm>
+          <a:prstGeom prst="flowChartConnector">
+            <a:avLst/>
+          </a:prstGeom>
+          <a:solidFill>
+            <a:schemeClr val="bg1"/>
+          </a:solidFill>
+        </p:spPr>
+        <p:style>
+          <a:lnRef idx="2">
+            <a:schemeClr val="accent1">
+              <a:shade val="50000"/>
+            </a:schemeClr>
+          </a:lnRef>
+          <a:fillRef idx="1">
+            <a:schemeClr val="accent1"/>
+          </a:fillRef>
+          <a:effectRef idx="0">
+            <a:schemeClr val="accent1"/>
+          </a:effectRef>
+          <a:fontRef idx="minor">
+            <a:schemeClr val="lt1"/>
+          </a:fontRef>
+        </p:style>
+        <p:txBody>
+          <a:bodyPr rtlCol="0" anchor="ctr"/>
+          <a:lstStyle/>
+          <a:p>
+            <a:pPr algn="ctr"/>
+            <a:endParaRPr lang="de-DE"/>
+          </a:p>
+        </p:txBody>
+      </p:sp>
+      <p:pic>
+        <p:nvPicPr>
+          <p:cNvPr id="11" name="Grafik 10">
+            <a:extLst>
+              <a:ext uri="{FF2B5EF4-FFF2-40B4-BE49-F238E27FC236}">
+                <a16:creationId xmlns:a16="http://schemas.microsoft.com/office/drawing/2014/main" id="{032C41F5-F266-350F-6739-342C5E0AF84D}"/>
+              </a:ext>
+            </a:extLst>
+          </p:cNvPr>
+          <p:cNvPicPr>
+            <a:picLocks noChangeAspect="1"/>
+          </p:cNvPicPr>
+          <p:nvPr/>
+        </p:nvPicPr>
+        <p:blipFill rotWithShape="1">
+          <a:blip r:embed="rId2">
+            <a:extLst>
+              <a:ext uri="{28A0092B-C50C-407E-A947-70E740481C1C}">
+                <a14:useLocalDpi xmlns:a14="http://schemas.microsoft.com/office/drawing/2010/main" val="0"/>
+              </a:ext>
+            </a:extLst>
+          </a:blip>
+          <a:srcRect l="23997" t="25597" r="24197" b="24596"/>
+          <a:stretch/>
+        </p:blipFill>
+        <p:spPr>
+          <a:xfrm>
+            <a:off x="5149340" y="566871"/>
+            <a:ext cx="1893319" cy="1820219"/>
+          </a:xfrm>
+          <a:prstGeom prst="rect">
+            <a:avLst/>
+          </a:prstGeom>
+        </p:spPr>
+      </p:pic>
+      <p:cxnSp>
+        <p:nvCxnSpPr>
+          <p:cNvPr id="14" name="Gerader Verbinder 13">
+            <a:extLst>
+              <a:ext uri="{FF2B5EF4-FFF2-40B4-BE49-F238E27FC236}">
+                <a16:creationId xmlns:a16="http://schemas.microsoft.com/office/drawing/2014/main" id="{C8B7F8F7-B021-7579-5F41-F5F61CA744EA}"/>
+              </a:ext>
+            </a:extLst>
+          </p:cNvPr>
+          <p:cNvCxnSpPr>
+            <a:cxnSpLocks/>
+            <a:stCxn id="12" idx="2"/>
+            <a:endCxn id="17" idx="7"/>
+          </p:cNvCxnSpPr>
+          <p:nvPr/>
+        </p:nvCxnSpPr>
+        <p:spPr>
+          <a:xfrm flipH="1">
+            <a:off x="2462694" y="1457488"/>
+            <a:ext cx="2491496" cy="172726"/>
+          </a:xfrm>
+          <a:prstGeom prst="line">
+            <a:avLst/>
+          </a:prstGeom>
+          <a:ln w="9525" cap="flat" cmpd="sng" algn="ctr">
+            <a:solidFill>
+              <a:schemeClr val="accent2"/>
+            </a:solidFill>
+            <a:prstDash val="dash"/>
+            <a:round/>
+            <a:headEnd type="none" w="med" len="med"/>
+            <a:tailEnd type="none" w="med" len="med"/>
+          </a:ln>
+        </p:spPr>
+        <p:style>
+          <a:lnRef idx="0">
+            <a:scrgbClr r="0" g="0" b="0"/>
+          </a:lnRef>
+          <a:fillRef idx="0">
+            <a:scrgbClr r="0" g="0" b="0"/>
+          </a:fillRef>
+          <a:effectRef idx="0">
+            <a:scrgbClr r="0" g="0" b="0"/>
+          </a:effectRef>
+          <a:fontRef idx="minor">
+            <a:schemeClr val="tx1"/>
+          </a:fontRef>
+        </p:style>
+      </p:cxnSp>
+      <p:sp>
+        <p:nvSpPr>
+          <p:cNvPr id="17" name="Flussdiagramm: Verbinder 16">
+            <a:extLst>
+              <a:ext uri="{FF2B5EF4-FFF2-40B4-BE49-F238E27FC236}">
+                <a16:creationId xmlns:a16="http://schemas.microsoft.com/office/drawing/2014/main" id="{B02BFC09-D247-6A66-9EE3-8A056ECB6A82}"/>
+              </a:ext>
+            </a:extLst>
+          </p:cNvPr>
+          <p:cNvSpPr/>
+          <p:nvPr/>
+        </p:nvSpPr>
+        <p:spPr>
+          <a:xfrm>
+            <a:off x="716755" y="1332554"/>
+            <a:ext cx="2045495" cy="2032549"/>
+          </a:xfrm>
+          <a:prstGeom prst="flowChartConnector">
+            <a:avLst/>
+          </a:prstGeom>
+          <a:solidFill>
+            <a:srgbClr val="FF870A"/>
+          </a:solidFill>
+        </p:spPr>
+        <p:style>
+          <a:lnRef idx="2">
+            <a:schemeClr val="accent1">
+              <a:shade val="50000"/>
+            </a:schemeClr>
+          </a:lnRef>
+          <a:fillRef idx="1">
+            <a:schemeClr val="accent1"/>
+          </a:fillRef>
+          <a:effectRef idx="0">
+            <a:schemeClr val="accent1"/>
+          </a:effectRef>
+          <a:fontRef idx="minor">
+            <a:schemeClr val="lt1"/>
+          </a:fontRef>
+        </p:style>
+        <p:txBody>
+          <a:bodyPr rtlCol="0" anchor="ctr"/>
+          <a:lstStyle/>
+          <a:p>
+            <a:pPr algn="ctr"/>
+            <a:endParaRPr lang="de-DE" sz="2000" b="1" dirty="0">
+              <a:solidFill>
+                <a:schemeClr val="tx1"/>
+              </a:solidFill>
+            </a:endParaRPr>
+          </a:p>
+        </p:txBody>
+      </p:sp>
+      <p:sp>
+        <p:nvSpPr>
+          <p:cNvPr id="20" name="Flussdiagramm: Verbinder 19">
+            <a:extLst>
+              <a:ext uri="{FF2B5EF4-FFF2-40B4-BE49-F238E27FC236}">
+                <a16:creationId xmlns:a16="http://schemas.microsoft.com/office/drawing/2014/main" id="{403B3DCA-7C21-ADFF-E7B4-498A52411E86}"/>
+              </a:ext>
+            </a:extLst>
+          </p:cNvPr>
+          <p:cNvSpPr/>
+          <p:nvPr/>
+        </p:nvSpPr>
+        <p:spPr>
+          <a:xfrm>
+            <a:off x="716753" y="4053135"/>
+            <a:ext cx="2045495" cy="2032549"/>
+          </a:xfrm>
+          <a:prstGeom prst="flowChartConnector">
+            <a:avLst/>
+          </a:prstGeom>
+          <a:solidFill>
+            <a:srgbClr val="FF870A"/>
+          </a:solidFill>
+        </p:spPr>
+        <p:style>
+          <a:lnRef idx="2">
+            <a:schemeClr val="accent1">
+              <a:shade val="50000"/>
+            </a:schemeClr>
+          </a:lnRef>
+          <a:fillRef idx="1">
+            <a:schemeClr val="accent1"/>
+          </a:fillRef>
+          <a:effectRef idx="0">
+            <a:schemeClr val="accent1"/>
+          </a:effectRef>
+          <a:fontRef idx="minor">
+            <a:schemeClr val="lt1"/>
+          </a:fontRef>
+        </p:style>
+        <p:txBody>
+          <a:bodyPr rtlCol="0" anchor="ctr"/>
+          <a:lstStyle/>
+          <a:p>
+            <a:pPr algn="ctr"/>
+            <a:r>
+              <a:rPr lang="de-DE" sz="3200" b="1" dirty="0">
+                <a:solidFill>
+                  <a:schemeClr val="bg1"/>
+                </a:solidFill>
+              </a:rPr>
+              <a:t>XML</a:t>
+            </a:r>
+          </a:p>
+        </p:txBody>
+      </p:sp>
+      <p:sp>
+        <p:nvSpPr>
+          <p:cNvPr id="21" name="Flussdiagramm: Verbinder 20">
+            <a:extLst>
+              <a:ext uri="{FF2B5EF4-FFF2-40B4-BE49-F238E27FC236}">
+                <a16:creationId xmlns:a16="http://schemas.microsoft.com/office/drawing/2014/main" id="{704CA5A2-D146-CEA6-B161-F664D3E42BC8}"/>
+              </a:ext>
+            </a:extLst>
+          </p:cNvPr>
+          <p:cNvSpPr/>
+          <p:nvPr/>
+        </p:nvSpPr>
+        <p:spPr>
+          <a:xfrm>
+            <a:off x="5073251" y="4053135"/>
+            <a:ext cx="2045495" cy="2032549"/>
+          </a:xfrm>
+          <a:prstGeom prst="flowChartConnector">
+            <a:avLst/>
+          </a:prstGeom>
+          <a:solidFill>
+            <a:srgbClr val="FF870A"/>
+          </a:solidFill>
+        </p:spPr>
+        <p:style>
+          <a:lnRef idx="2">
+            <a:schemeClr val="accent1">
+              <a:shade val="50000"/>
+            </a:schemeClr>
+          </a:lnRef>
+          <a:fillRef idx="1">
+            <a:schemeClr val="accent1"/>
+          </a:fillRef>
+          <a:effectRef idx="0">
+            <a:schemeClr val="accent1"/>
+          </a:effectRef>
+          <a:fontRef idx="minor">
+            <a:schemeClr val="lt1"/>
+          </a:fontRef>
+        </p:style>
+        <p:txBody>
+          <a:bodyPr rtlCol="0" anchor="ctr"/>
+          <a:lstStyle/>
+          <a:p>
+            <a:pPr algn="ctr"/>
+            <a:endParaRPr lang="de-DE" sz="1400" b="1" dirty="0">
+              <a:solidFill>
+                <a:schemeClr val="tx1"/>
+              </a:solidFill>
+            </a:endParaRPr>
+          </a:p>
+        </p:txBody>
+      </p:sp>
+      <p:sp>
+        <p:nvSpPr>
+          <p:cNvPr id="22" name="Flussdiagramm: Verbinder 21">
+            <a:extLst>
+              <a:ext uri="{FF2B5EF4-FFF2-40B4-BE49-F238E27FC236}">
+                <a16:creationId xmlns:a16="http://schemas.microsoft.com/office/drawing/2014/main" id="{44CE1CC6-D793-527C-2556-19FA8F8138F1}"/>
+              </a:ext>
+            </a:extLst>
+          </p:cNvPr>
+          <p:cNvSpPr/>
+          <p:nvPr/>
+        </p:nvSpPr>
+        <p:spPr>
+          <a:xfrm>
+            <a:off x="9429749" y="4053136"/>
+            <a:ext cx="2045495" cy="2032549"/>
+          </a:xfrm>
+          <a:prstGeom prst="flowChartConnector">
+            <a:avLst/>
+          </a:prstGeom>
+          <a:solidFill>
+            <a:srgbClr val="FF870A"/>
+          </a:solidFill>
+        </p:spPr>
+        <p:style>
+          <a:lnRef idx="2">
+            <a:schemeClr val="accent1">
+              <a:shade val="50000"/>
+            </a:schemeClr>
+          </a:lnRef>
+          <a:fillRef idx="1">
+            <a:schemeClr val="accent1"/>
+          </a:fillRef>
+          <a:effectRef idx="0">
+            <a:schemeClr val="accent1"/>
+          </a:effectRef>
+          <a:fontRef idx="minor">
+            <a:schemeClr val="lt1"/>
+          </a:fontRef>
+        </p:style>
+        <p:txBody>
+          <a:bodyPr rtlCol="0" anchor="ctr"/>
+          <a:lstStyle/>
+          <a:p>
+            <a:pPr algn="ctr"/>
+            <a:r>
+              <a:rPr lang="de-DE" sz="2800" b="1" dirty="0">
+                <a:solidFill>
+                  <a:schemeClr val="bg1"/>
+                </a:solidFill>
+              </a:rPr>
+              <a:t>Quellen</a:t>
+            </a:r>
+            <a:endParaRPr lang="de-DE" b="1" dirty="0">
+              <a:solidFill>
+                <a:schemeClr val="bg1"/>
+              </a:solidFill>
+            </a:endParaRPr>
+          </a:p>
+        </p:txBody>
+      </p:sp>
+      <p:sp>
+        <p:nvSpPr>
+          <p:cNvPr id="23" name="Flussdiagramm: Verbinder 22">
+            <a:extLst>
+              <a:ext uri="{FF2B5EF4-FFF2-40B4-BE49-F238E27FC236}">
+                <a16:creationId xmlns:a16="http://schemas.microsoft.com/office/drawing/2014/main" id="{C13E429F-F718-0F92-8D93-B06E84F16084}"/>
+              </a:ext>
+            </a:extLst>
+          </p:cNvPr>
+          <p:cNvSpPr/>
+          <p:nvPr/>
+        </p:nvSpPr>
+        <p:spPr>
+          <a:xfrm>
+            <a:off x="9429750" y="1332553"/>
+            <a:ext cx="2045495" cy="2032549"/>
+          </a:xfrm>
+          <a:prstGeom prst="flowChartConnector">
+            <a:avLst/>
+          </a:prstGeom>
+          <a:solidFill>
+            <a:srgbClr val="FF870A"/>
+          </a:solidFill>
+        </p:spPr>
+        <p:style>
+          <a:lnRef idx="2">
+            <a:schemeClr val="accent1">
+              <a:shade val="50000"/>
+            </a:schemeClr>
+          </a:lnRef>
+          <a:fillRef idx="1">
+            <a:schemeClr val="accent1"/>
+          </a:fillRef>
+          <a:effectRef idx="0">
+            <a:schemeClr val="accent1"/>
+          </a:effectRef>
+          <a:fontRef idx="minor">
+            <a:schemeClr val="lt1"/>
+          </a:fontRef>
+        </p:style>
+        <p:txBody>
+          <a:bodyPr rtlCol="0" anchor="ctr"/>
+          <a:lstStyle/>
+          <a:p>
+            <a:pPr algn="ctr"/>
+            <a:endParaRPr lang="de-DE" b="1" dirty="0">
+              <a:solidFill>
+                <a:schemeClr val="tx1"/>
+              </a:solidFill>
+            </a:endParaRPr>
+          </a:p>
+        </p:txBody>
+      </p:sp>
+      <p:cxnSp>
+        <p:nvCxnSpPr>
+          <p:cNvPr id="26" name="Gerader Verbinder 25">
+            <a:extLst>
+              <a:ext uri="{FF2B5EF4-FFF2-40B4-BE49-F238E27FC236}">
+                <a16:creationId xmlns:a16="http://schemas.microsoft.com/office/drawing/2014/main" id="{33A8106B-846D-F518-0F07-04B9879DD3D5}"/>
+              </a:ext>
+            </a:extLst>
+          </p:cNvPr>
+          <p:cNvCxnSpPr>
+            <a:cxnSpLocks/>
+            <a:stCxn id="23" idx="1"/>
+            <a:endCxn id="12" idx="6"/>
+          </p:cNvCxnSpPr>
+          <p:nvPr/>
+        </p:nvCxnSpPr>
+        <p:spPr>
+          <a:xfrm flipH="1" flipV="1">
+            <a:off x="7237810" y="1457488"/>
+            <a:ext cx="2491496" cy="172725"/>
+          </a:xfrm>
+          <a:prstGeom prst="line">
+            <a:avLst/>
+          </a:prstGeom>
+          <a:ln w="9525" cap="flat" cmpd="sng" algn="ctr">
+            <a:solidFill>
+              <a:schemeClr val="accent2"/>
+            </a:solidFill>
+            <a:prstDash val="dash"/>
+            <a:round/>
+            <a:headEnd type="none" w="med" len="med"/>
+            <a:tailEnd type="none" w="med" len="med"/>
+          </a:ln>
+        </p:spPr>
+        <p:style>
+          <a:lnRef idx="0">
+            <a:scrgbClr r="0" g="0" b="0"/>
+          </a:lnRef>
+          <a:fillRef idx="0">
+            <a:scrgbClr r="0" g="0" b="0"/>
+          </a:fillRef>
+          <a:effectRef idx="0">
+            <a:scrgbClr r="0" g="0" b="0"/>
+          </a:effectRef>
+          <a:fontRef idx="minor">
+            <a:schemeClr val="tx1"/>
+          </a:fontRef>
+        </p:style>
+      </p:cxnSp>
+      <p:cxnSp>
+        <p:nvCxnSpPr>
+          <p:cNvPr id="30" name="Gerader Verbinder 29">
+            <a:extLst>
+              <a:ext uri="{FF2B5EF4-FFF2-40B4-BE49-F238E27FC236}">
+                <a16:creationId xmlns:a16="http://schemas.microsoft.com/office/drawing/2014/main" id="{F6AE67D1-023A-B28B-E012-AAD30DD86BF5}"/>
+              </a:ext>
+            </a:extLst>
+          </p:cNvPr>
+          <p:cNvCxnSpPr>
+            <a:cxnSpLocks/>
+            <a:stCxn id="22" idx="0"/>
+            <a:endCxn id="12" idx="6"/>
+          </p:cNvCxnSpPr>
+          <p:nvPr/>
+        </p:nvCxnSpPr>
+        <p:spPr>
+          <a:xfrm flipH="1" flipV="1">
+            <a:off x="7237810" y="1457488"/>
+            <a:ext cx="3214687" cy="2595648"/>
+          </a:xfrm>
+          <a:prstGeom prst="line">
+            <a:avLst/>
+          </a:prstGeom>
+          <a:ln w="9525" cap="flat" cmpd="sng" algn="ctr">
+            <a:solidFill>
+              <a:schemeClr val="accent2"/>
+            </a:solidFill>
+            <a:prstDash val="dash"/>
+            <a:round/>
+            <a:headEnd type="none" w="med" len="med"/>
+            <a:tailEnd type="none" w="med" len="med"/>
+          </a:ln>
+        </p:spPr>
+        <p:style>
+          <a:lnRef idx="0">
+            <a:scrgbClr r="0" g="0" b="0"/>
+          </a:lnRef>
+          <a:fillRef idx="0">
+            <a:scrgbClr r="0" g="0" b="0"/>
+          </a:fillRef>
+          <a:effectRef idx="0">
+            <a:scrgbClr r="0" g="0" b="0"/>
+          </a:effectRef>
+          <a:fontRef idx="minor">
+            <a:schemeClr val="tx1"/>
+          </a:fontRef>
+        </p:style>
+      </p:cxnSp>
+      <p:cxnSp>
+        <p:nvCxnSpPr>
+          <p:cNvPr id="33" name="Gerader Verbinder 32">
+            <a:extLst>
+              <a:ext uri="{FF2B5EF4-FFF2-40B4-BE49-F238E27FC236}">
+                <a16:creationId xmlns:a16="http://schemas.microsoft.com/office/drawing/2014/main" id="{C8D238C7-410A-941B-7FF7-19C409382D48}"/>
+              </a:ext>
+            </a:extLst>
+          </p:cNvPr>
+          <p:cNvCxnSpPr>
+            <a:cxnSpLocks/>
+            <a:stCxn id="21" idx="0"/>
+            <a:endCxn id="12" idx="4"/>
+          </p:cNvCxnSpPr>
+          <p:nvPr/>
+        </p:nvCxnSpPr>
+        <p:spPr>
+          <a:xfrm flipV="1">
+            <a:off x="6095999" y="2592071"/>
+            <a:ext cx="1" cy="1461064"/>
+          </a:xfrm>
+          <a:prstGeom prst="line">
+            <a:avLst/>
+          </a:prstGeom>
+          <a:ln w="9525" cap="flat" cmpd="sng" algn="ctr">
+            <a:solidFill>
+              <a:schemeClr val="accent2"/>
+            </a:solidFill>
+            <a:prstDash val="dash"/>
+            <a:round/>
+            <a:headEnd type="none" w="med" len="med"/>
+            <a:tailEnd type="none" w="med" len="med"/>
+          </a:ln>
+        </p:spPr>
+        <p:style>
+          <a:lnRef idx="0">
+            <a:scrgbClr r="0" g="0" b="0"/>
+          </a:lnRef>
+          <a:fillRef idx="0">
+            <a:scrgbClr r="0" g="0" b="0"/>
+          </a:fillRef>
+          <a:effectRef idx="0">
+            <a:scrgbClr r="0" g="0" b="0"/>
+          </a:effectRef>
+          <a:fontRef idx="minor">
+            <a:schemeClr val="tx1"/>
+          </a:fontRef>
+        </p:style>
+      </p:cxnSp>
+      <p:cxnSp>
+        <p:nvCxnSpPr>
+          <p:cNvPr id="36" name="Gerader Verbinder 35">
+            <a:extLst>
+              <a:ext uri="{FF2B5EF4-FFF2-40B4-BE49-F238E27FC236}">
+                <a16:creationId xmlns:a16="http://schemas.microsoft.com/office/drawing/2014/main" id="{E920369A-ED17-013D-A1C4-3DC089B74FA7}"/>
+              </a:ext>
+            </a:extLst>
+          </p:cNvPr>
+          <p:cNvCxnSpPr>
+            <a:cxnSpLocks/>
+            <a:stCxn id="20" idx="7"/>
+            <a:endCxn id="12" idx="2"/>
+          </p:cNvCxnSpPr>
+          <p:nvPr/>
+        </p:nvCxnSpPr>
+        <p:spPr>
+          <a:xfrm flipV="1">
+            <a:off x="2462692" y="1457488"/>
+            <a:ext cx="2491498" cy="2893307"/>
+          </a:xfrm>
+          <a:prstGeom prst="line">
+            <a:avLst/>
+          </a:prstGeom>
+          <a:ln w="9525" cap="flat" cmpd="sng" algn="ctr">
+            <a:solidFill>
+              <a:schemeClr val="accent2"/>
+            </a:solidFill>
+            <a:prstDash val="dash"/>
+            <a:round/>
+            <a:headEnd type="none" w="med" len="med"/>
+            <a:tailEnd type="none" w="med" len="med"/>
+          </a:ln>
+        </p:spPr>
+        <p:style>
+          <a:lnRef idx="0">
+            <a:scrgbClr r="0" g="0" b="0"/>
+          </a:lnRef>
+          <a:fillRef idx="0">
+            <a:scrgbClr r="0" g="0" b="0"/>
+          </a:fillRef>
+          <a:effectRef idx="0">
+            <a:scrgbClr r="0" g="0" b="0"/>
+          </a:effectRef>
+          <a:fontRef idx="minor">
+            <a:schemeClr val="tx1"/>
+          </a:fontRef>
+        </p:style>
+      </p:cxnSp>
+      <p:sp>
+        <p:nvSpPr>
+          <p:cNvPr id="52" name="Textfeld 51">
+            <a:extLst>
+              <a:ext uri="{FF2B5EF4-FFF2-40B4-BE49-F238E27FC236}">
+                <a16:creationId xmlns:a16="http://schemas.microsoft.com/office/drawing/2014/main" id="{D539B093-9CB7-53A2-0E3C-A6B61A91BEB3}"/>
+              </a:ext>
+            </a:extLst>
+          </p:cNvPr>
+          <p:cNvSpPr txBox="1"/>
+          <p:nvPr/>
+        </p:nvSpPr>
+        <p:spPr>
+          <a:xfrm>
+            <a:off x="5085754" y="4807697"/>
+            <a:ext cx="2032992" cy="523220"/>
+          </a:xfrm>
+          <a:prstGeom prst="rect">
+            <a:avLst/>
+          </a:prstGeom>
+          <a:noFill/>
+        </p:spPr>
+        <p:txBody>
+          <a:bodyPr wrap="none" rtlCol="0">
+            <a:spAutoFit/>
+          </a:bodyPr>
+          <a:lstStyle/>
+          <a:p>
+            <a:r>
+              <a:rPr lang="de-DE" sz="2800" b="1" dirty="0">
+                <a:solidFill>
+                  <a:schemeClr val="bg1"/>
+                </a:solidFill>
+              </a:rPr>
+              <a:t>DATENBANK</a:t>
+            </a:r>
+            <a:endParaRPr lang="de-DE" b="1" dirty="0">
+              <a:solidFill>
+                <a:schemeClr val="bg1"/>
+              </a:solidFill>
+            </a:endParaRPr>
+          </a:p>
+        </p:txBody>
+      </p:sp>
+      <p:sp>
+        <p:nvSpPr>
+          <p:cNvPr id="53" name="Textfeld 52">
+            <a:extLst>
+              <a:ext uri="{FF2B5EF4-FFF2-40B4-BE49-F238E27FC236}">
+                <a16:creationId xmlns:a16="http://schemas.microsoft.com/office/drawing/2014/main" id="{6E6AD133-5465-5D4E-75C7-650EA7918B0A}"/>
+              </a:ext>
+            </a:extLst>
+          </p:cNvPr>
+          <p:cNvSpPr txBox="1"/>
+          <p:nvPr/>
+        </p:nvSpPr>
+        <p:spPr>
+          <a:xfrm>
+            <a:off x="651574" y="2056636"/>
+            <a:ext cx="2175852" cy="523220"/>
+          </a:xfrm>
+          <a:prstGeom prst="rect">
+            <a:avLst/>
+          </a:prstGeom>
+          <a:noFill/>
+        </p:spPr>
+        <p:txBody>
+          <a:bodyPr wrap="none" rtlCol="0">
+            <a:spAutoFit/>
+          </a:bodyPr>
+          <a:lstStyle/>
+          <a:p>
+            <a:r>
+              <a:rPr lang="de-DE" sz="2750" b="1" dirty="0">
+                <a:solidFill>
+                  <a:schemeClr val="bg1"/>
+                </a:solidFill>
+              </a:rPr>
+              <a:t>RESSOURCEN</a:t>
+            </a:r>
+          </a:p>
+        </p:txBody>
+      </p:sp>
+      <p:sp>
+        <p:nvSpPr>
+          <p:cNvPr id="54" name="Textfeld 53">
+            <a:extLst>
+              <a:ext uri="{FF2B5EF4-FFF2-40B4-BE49-F238E27FC236}">
+                <a16:creationId xmlns:a16="http://schemas.microsoft.com/office/drawing/2014/main" id="{E654A8DD-3651-E2A9-DB8F-C4B0BDDBF965}"/>
+              </a:ext>
+            </a:extLst>
+          </p:cNvPr>
+          <p:cNvSpPr txBox="1"/>
+          <p:nvPr/>
+        </p:nvSpPr>
+        <p:spPr>
+          <a:xfrm>
+            <a:off x="9405283" y="2055083"/>
+            <a:ext cx="2102883" cy="515526"/>
+          </a:xfrm>
+          <a:prstGeom prst="rect">
+            <a:avLst/>
+          </a:prstGeom>
+          <a:noFill/>
+        </p:spPr>
+        <p:txBody>
+          <a:bodyPr wrap="none" rtlCol="0">
+            <a:spAutoFit/>
+          </a:bodyPr>
+          <a:lstStyle/>
+          <a:p>
+            <a:r>
+              <a:rPr lang="de-DE" sz="2750" b="1" dirty="0">
+                <a:solidFill>
+                  <a:schemeClr val="bg1"/>
+                </a:solidFill>
+              </a:rPr>
+              <a:t>JAVA/KOTLIN</a:t>
+            </a:r>
+          </a:p>
+        </p:txBody>
+      </p:sp>
+    </p:spTree>
+    <p:extLst>
+      <p:ext uri="{BB962C8B-B14F-4D97-AF65-F5344CB8AC3E}">
+        <p14:creationId xmlns:p14="http://schemas.microsoft.com/office/powerpoint/2010/main" val="2117988904"/>
+      </p:ext>
+    </p:extLst>
+  </p:cSld>
+  <p:clrMapOvr>
+    <a:masterClrMapping/>
+  </p:clrMapOvr>
+</p:sld>
+</file>
+
+<file path=ppt/slides/slide6.xml><?xml version="1.0" encoding="utf-8"?>
+<p:sld xmlns:a="http://schemas.openxmlformats.org/drawingml/2006/main" xmlns:r="http://schemas.openxmlformats.org/officeDocument/2006/relationships" xmlns:p="http://schemas.openxmlformats.org/presentationml/2006/main">
+  <p:cSld>
+    <p:spTree>
+      <p:nvGrpSpPr>
+        <p:cNvPr id="1" name=""/>
+        <p:cNvGrpSpPr/>
+        <p:nvPr/>
+      </p:nvGrpSpPr>
+      <p:grpSpPr>
+        <a:xfrm>
+          <a:off x="0" y="0"/>
+          <a:ext cx="0" cy="0"/>
+          <a:chOff x="0" y="0"/>
+          <a:chExt cx="0" cy="0"/>
+        </a:xfrm>
+      </p:grpSpPr>
+      <p:sp>
+        <p:nvSpPr>
+          <p:cNvPr id="2" name="Titel 1">
+            <a:extLst>
+              <a:ext uri="{FF2B5EF4-FFF2-40B4-BE49-F238E27FC236}">
+                <a16:creationId xmlns:a16="http://schemas.microsoft.com/office/drawing/2014/main" id="{F9D738B5-7B64-E76E-9067-7F3482F04D24}"/>
+              </a:ext>
+            </a:extLst>
+          </p:cNvPr>
+          <p:cNvSpPr>
+            <a:spLocks noGrp="1"/>
+          </p:cNvSpPr>
+          <p:nvPr>
+            <p:ph type="title"/>
+          </p:nvPr>
+        </p:nvSpPr>
+        <p:spPr>
+          <a:xfrm>
+            <a:off x="4628661" y="103597"/>
+            <a:ext cx="2934678" cy="850112"/>
+          </a:xfrm>
+        </p:spPr>
+        <p:txBody>
+          <a:bodyPr/>
+          <a:lstStyle/>
+          <a:p>
+            <a:r>
+              <a:rPr lang="de-DE" b="1" dirty="0"/>
+              <a:t>Ressourcen</a:t>
+            </a:r>
+          </a:p>
+        </p:txBody>
+      </p:sp>
+      <p:sp>
+        <p:nvSpPr>
+          <p:cNvPr id="3" name="Inhaltsplatzhalter 2">
+            <a:extLst>
+              <a:ext uri="{FF2B5EF4-FFF2-40B4-BE49-F238E27FC236}">
+                <a16:creationId xmlns:a16="http://schemas.microsoft.com/office/drawing/2014/main" id="{5B731C45-17D3-BE00-C0DA-448F5C2AE5B9}"/>
+              </a:ext>
+            </a:extLst>
+          </p:cNvPr>
+          <p:cNvSpPr>
+            <a:spLocks noGrp="1"/>
+          </p:cNvSpPr>
+          <p:nvPr>
+            <p:ph idx="1"/>
+          </p:nvPr>
+        </p:nvSpPr>
+        <p:spPr>
+          <a:xfrm>
+            <a:off x="9342326" y="3429000"/>
+            <a:ext cx="1311162" cy="470206"/>
+          </a:xfrm>
+        </p:spPr>
+        <p:txBody>
+          <a:bodyPr>
+            <a:normAutofit lnSpcReduction="10000"/>
+          </a:bodyPr>
+          <a:lstStyle/>
+          <a:p>
+            <a:pPr marL="0" indent="0" algn="ctr">
+              <a:buNone/>
+            </a:pPr>
+            <a:r>
+              <a:rPr lang="de-DE" dirty="0"/>
+              <a:t>Figma</a:t>
+            </a:r>
+          </a:p>
+          <a:p>
+            <a:endParaRPr lang="de-DE" dirty="0"/>
+          </a:p>
+          <a:p>
+            <a:endParaRPr lang="de-DE" dirty="0"/>
+          </a:p>
+          <a:p>
+            <a:endParaRPr lang="de-DE" dirty="0"/>
+          </a:p>
+        </p:txBody>
+      </p:sp>
+      <p:pic>
+        <p:nvPicPr>
+          <p:cNvPr id="1026" name="Picture 2" descr="Adobe Photoshop – Wikipedia">
+            <a:extLst>
+              <a:ext uri="{FF2B5EF4-FFF2-40B4-BE49-F238E27FC236}">
+                <a16:creationId xmlns:a16="http://schemas.microsoft.com/office/drawing/2014/main" id="{11C9C476-FFEB-A488-2548-EAD7625ED7EE}"/>
+              </a:ext>
+            </a:extLst>
+          </p:cNvPr>
+          <p:cNvPicPr>
+            <a:picLocks noChangeAspect="1" noChangeArrowheads="1"/>
+          </p:cNvPicPr>
+          <p:nvPr/>
+        </p:nvPicPr>
+        <p:blipFill>
+          <a:blip r:embed="rId2">
+            <a:extLst>
+              <a:ext uri="{28A0092B-C50C-407E-A947-70E740481C1C}">
+                <a14:useLocalDpi xmlns:a14="http://schemas.microsoft.com/office/drawing/2010/main" val="0"/>
+              </a:ext>
+            </a:extLst>
+          </a:blip>
+          <a:srcRect/>
+          <a:stretch>
+            <a:fillRect/>
+          </a:stretch>
+        </p:blipFill>
+        <p:spPr bwMode="auto">
+          <a:xfrm>
+            <a:off x="852394" y="4099947"/>
+            <a:ext cx="2497312" cy="2442305"/>
+          </a:xfrm>
+          <a:prstGeom prst="rect">
+            <a:avLst/>
+          </a:prstGeom>
+          <a:noFill/>
+          <a:extLst>
+            <a:ext uri="{909E8E84-426E-40DD-AFC4-6F175D3DCCD1}">
+              <a14:hiddenFill xmlns:a14="http://schemas.microsoft.com/office/drawing/2010/main">
+                <a:solidFill>
+                  <a:srgbClr val="FFFFFF"/>
+                </a:solidFill>
+              </a14:hiddenFill>
+            </a:ext>
+          </a:extLst>
+        </p:spPr>
+      </p:pic>
+      <p:pic>
+        <p:nvPicPr>
+          <p:cNvPr id="1028" name="Picture 4" descr="Alles was du über Figma wissen musst!">
+            <a:extLst>
+              <a:ext uri="{FF2B5EF4-FFF2-40B4-BE49-F238E27FC236}">
+                <a16:creationId xmlns:a16="http://schemas.microsoft.com/office/drawing/2014/main" id="{73E36DAA-44F7-DC35-8E3C-0BDB933F0F62}"/>
+              </a:ext>
+            </a:extLst>
+          </p:cNvPr>
+          <p:cNvPicPr>
+            <a:picLocks noChangeAspect="1" noChangeArrowheads="1"/>
+          </p:cNvPicPr>
+          <p:nvPr/>
+        </p:nvPicPr>
+        <p:blipFill>
+          <a:blip r:embed="rId3">
+            <a:extLst>
+              <a:ext uri="{28A0092B-C50C-407E-A947-70E740481C1C}">
+                <a14:useLocalDpi xmlns:a14="http://schemas.microsoft.com/office/drawing/2010/main" val="0"/>
+              </a:ext>
+            </a:extLst>
+          </a:blip>
+          <a:srcRect/>
+          <a:stretch>
+            <a:fillRect/>
+          </a:stretch>
+        </p:blipFill>
+        <p:spPr bwMode="auto">
+          <a:xfrm>
+            <a:off x="8673736" y="3899206"/>
+            <a:ext cx="2648343" cy="2643046"/>
+          </a:xfrm>
+          <a:prstGeom prst="rect">
+            <a:avLst/>
+          </a:prstGeom>
+          <a:noFill/>
+          <a:extLst>
+            <a:ext uri="{909E8E84-426E-40DD-AFC4-6F175D3DCCD1}">
+              <a14:hiddenFill xmlns:a14="http://schemas.microsoft.com/office/drawing/2010/main">
+                <a:solidFill>
+                  <a:srgbClr val="FFFFFF"/>
+                </a:solidFill>
+              </a14:hiddenFill>
+            </a:ext>
+          </a:extLst>
+        </p:spPr>
+      </p:pic>
+      <p:pic>
+        <p:nvPicPr>
+          <p:cNvPr id="1030" name="Picture 6" descr="Android Studio 4.0 – the Most Exciting Updates Explained">
+            <a:extLst>
+              <a:ext uri="{FF2B5EF4-FFF2-40B4-BE49-F238E27FC236}">
+                <a16:creationId xmlns:a16="http://schemas.microsoft.com/office/drawing/2014/main" id="{7C271FD8-91C4-E426-642E-3E2DDAC3F85D}"/>
+              </a:ext>
+            </a:extLst>
+          </p:cNvPr>
+          <p:cNvPicPr>
+            <a:picLocks noChangeAspect="1" noChangeArrowheads="1"/>
+          </p:cNvPicPr>
+          <p:nvPr/>
+        </p:nvPicPr>
+        <p:blipFill>
+          <a:blip r:embed="rId4">
+            <a:extLst>
+              <a:ext uri="{28A0092B-C50C-407E-A947-70E740481C1C}">
+                <a14:useLocalDpi xmlns:a14="http://schemas.microsoft.com/office/drawing/2010/main" val="0"/>
+              </a:ext>
+            </a:extLst>
+          </a:blip>
+          <a:srcRect/>
+          <a:stretch>
+            <a:fillRect/>
+          </a:stretch>
+        </p:blipFill>
+        <p:spPr bwMode="auto">
+          <a:xfrm>
+            <a:off x="4018296" y="1941559"/>
+            <a:ext cx="4176074" cy="2349042"/>
+          </a:xfrm>
+          <a:prstGeom prst="rect">
+            <a:avLst/>
+          </a:prstGeom>
+          <a:noFill/>
+          <a:extLst>
+            <a:ext uri="{909E8E84-426E-40DD-AFC4-6F175D3DCCD1}">
+              <a14:hiddenFill xmlns:a14="http://schemas.microsoft.com/office/drawing/2010/main">
+                <a:solidFill>
+                  <a:srgbClr val="FFFFFF"/>
+                </a:solidFill>
+              </a14:hiddenFill>
+            </a:ext>
+          </a:extLst>
+        </p:spPr>
+      </p:pic>
+      <p:sp>
+        <p:nvSpPr>
+          <p:cNvPr id="4" name="Inhaltsplatzhalter 2">
+            <a:extLst>
+              <a:ext uri="{FF2B5EF4-FFF2-40B4-BE49-F238E27FC236}">
+                <a16:creationId xmlns:a16="http://schemas.microsoft.com/office/drawing/2014/main" id="{5EB1CAD9-EBAA-F98E-411F-0E90E79C4AA1}"/>
+              </a:ext>
+            </a:extLst>
+          </p:cNvPr>
+          <p:cNvSpPr txBox="1">
+            <a:spLocks/>
+          </p:cNvSpPr>
+          <p:nvPr/>
+        </p:nvSpPr>
+        <p:spPr>
+          <a:xfrm>
+            <a:off x="4719364" y="1453786"/>
+            <a:ext cx="2773938" cy="591829"/>
+          </a:xfrm>
+          <a:prstGeom prst="rect">
+            <a:avLst/>
+          </a:prstGeom>
+        </p:spPr>
+        <p:txBody>
+          <a:bodyPr vert="horz" lIns="91440" tIns="45720" rIns="91440" bIns="45720" rtlCol="0">
+            <a:normAutofit/>
+          </a:bodyPr>
+          <a:lstStyle>
+            <a:lvl1pPr marL="228600" indent="-228600" algn="l" defTabSz="914400" rtl="0" eaLnBrk="1" latinLnBrk="0" hangingPunct="1">
+              <a:lnSpc>
+                <a:spcPct val="90000"/>
+              </a:lnSpc>
+              <a:spcBef>
+                <a:spcPts val="1000"/>
+              </a:spcBef>
+              <a:buFont typeface="Arial" panose="020B0604020202020204" pitchFamily="34" charset="0"/>
+              <a:buChar char="•"/>
+              <a:defRPr sz="2800" kern="1200">
+                <a:solidFill>
+                  <a:schemeClr val="tx1"/>
+                </a:solidFill>
+                <a:latin typeface="+mn-lt"/>
+                <a:ea typeface="+mn-ea"/>
+                <a:cs typeface="+mn-cs"/>
+              </a:defRPr>
+            </a:lvl1pPr>
+            <a:lvl2pPr marL="685800" indent="-228600" algn="l" defTabSz="914400" rtl="0" eaLnBrk="1" latinLnBrk="0" hangingPunct="1">
+              <a:lnSpc>
+                <a:spcPct val="90000"/>
+              </a:lnSpc>
+              <a:spcBef>
+                <a:spcPts val="500"/>
+              </a:spcBef>
+              <a:buFont typeface="Arial" panose="020B0604020202020204" pitchFamily="34" charset="0"/>
+              <a:buChar char="•"/>
+              <a:defRPr sz="2400" kern="1200">
+                <a:solidFill>
+                  <a:schemeClr val="tx1"/>
+                </a:solidFill>
+                <a:latin typeface="+mn-lt"/>
+                <a:ea typeface="+mn-ea"/>
+                <a:cs typeface="+mn-cs"/>
+              </a:defRPr>
+            </a:lvl2pPr>
+            <a:lvl3pPr marL="1143000" indent="-228600" algn="l" defTabSz="914400" rtl="0" eaLnBrk="1" latinLnBrk="0" hangingPunct="1">
+              <a:lnSpc>
+                <a:spcPct val="90000"/>
+              </a:lnSpc>
+              <a:spcBef>
+                <a:spcPts val="500"/>
+              </a:spcBef>
+              <a:buFont typeface="Arial" panose="020B0604020202020204" pitchFamily="34" charset="0"/>
+              <a:buChar char="•"/>
+              <a:defRPr sz="2000" kern="1200">
+                <a:solidFill>
+                  <a:schemeClr val="tx1"/>
+                </a:solidFill>
+                <a:latin typeface="+mn-lt"/>
+                <a:ea typeface="+mn-ea"/>
+                <a:cs typeface="+mn-cs"/>
+              </a:defRPr>
+            </a:lvl3pPr>
+            <a:lvl4pPr marL="1600200" indent="-228600" algn="l" defTabSz="914400" rtl="0" eaLnBrk="1" latinLnBrk="0" hangingPunct="1">
+              <a:lnSpc>
+                <a:spcPct val="90000"/>
+              </a:lnSpc>
+              <a:spcBef>
+                <a:spcPts val="500"/>
+              </a:spcBef>
+              <a:buFont typeface="Arial" panose="020B0604020202020204" pitchFamily="34" charset="0"/>
+              <a:buChar char="•"/>
+              <a:defRPr sz="1800" kern="1200">
+                <a:solidFill>
+                  <a:schemeClr val="tx1"/>
+                </a:solidFill>
+                <a:latin typeface="+mn-lt"/>
+                <a:ea typeface="+mn-ea"/>
+                <a:cs typeface="+mn-cs"/>
+              </a:defRPr>
+            </a:lvl4pPr>
+            <a:lvl5pPr marL="2057400" indent="-228600" algn="l" defTabSz="914400" rtl="0" eaLnBrk="1" latinLnBrk="0" hangingPunct="1">
+              <a:lnSpc>
+                <a:spcPct val="90000"/>
+              </a:lnSpc>
+              <a:spcBef>
+                <a:spcPts val="500"/>
+              </a:spcBef>
+              <a:buFont typeface="Arial" panose="020B0604020202020204" pitchFamily="34" charset="0"/>
+              <a:buChar char="•"/>
+              <a:defRPr sz="1800" kern="1200">
+                <a:solidFill>
+                  <a:schemeClr val="tx1"/>
+                </a:solidFill>
+                <a:latin typeface="+mn-lt"/>
+                <a:ea typeface="+mn-ea"/>
+                <a:cs typeface="+mn-cs"/>
+              </a:defRPr>
+            </a:lvl5pPr>
+            <a:lvl6pPr marL="2514600" indent="-228600" algn="l" defTabSz="914400" rtl="0" eaLnBrk="1" latinLnBrk="0" hangingPunct="1">
+              <a:lnSpc>
+                <a:spcPct val="90000"/>
+              </a:lnSpc>
+              <a:spcBef>
+                <a:spcPts val="500"/>
+              </a:spcBef>
+              <a:buFont typeface="Arial" panose="020B0604020202020204" pitchFamily="34" charset="0"/>
+              <a:buChar char="•"/>
+              <a:defRPr sz="1800" kern="1200">
+                <a:solidFill>
+                  <a:schemeClr val="tx1"/>
+                </a:solidFill>
+                <a:latin typeface="+mn-lt"/>
+                <a:ea typeface="+mn-ea"/>
+                <a:cs typeface="+mn-cs"/>
+              </a:defRPr>
+            </a:lvl6pPr>
+            <a:lvl7pPr marL="2971800" indent="-228600" algn="l" defTabSz="914400" rtl="0" eaLnBrk="1" latinLnBrk="0" hangingPunct="1">
+              <a:lnSpc>
+                <a:spcPct val="90000"/>
+              </a:lnSpc>
+              <a:spcBef>
+                <a:spcPts val="500"/>
+              </a:spcBef>
+              <a:buFont typeface="Arial" panose="020B0604020202020204" pitchFamily="34" charset="0"/>
+              <a:buChar char="•"/>
+              <a:defRPr sz="1800" kern="1200">
+                <a:solidFill>
+                  <a:schemeClr val="tx1"/>
+                </a:solidFill>
+                <a:latin typeface="+mn-lt"/>
+                <a:ea typeface="+mn-ea"/>
+                <a:cs typeface="+mn-cs"/>
+              </a:defRPr>
+            </a:lvl7pPr>
+            <a:lvl8pPr marL="3429000" indent="-228600" algn="l" defTabSz="914400" rtl="0" eaLnBrk="1" latinLnBrk="0" hangingPunct="1">
+              <a:lnSpc>
+                <a:spcPct val="90000"/>
+              </a:lnSpc>
+              <a:spcBef>
+                <a:spcPts val="500"/>
+              </a:spcBef>
+              <a:buFont typeface="Arial" panose="020B0604020202020204" pitchFamily="34" charset="0"/>
+              <a:buChar char="•"/>
+              <a:defRPr sz="1800" kern="1200">
+                <a:solidFill>
+                  <a:schemeClr val="tx1"/>
+                </a:solidFill>
+                <a:latin typeface="+mn-lt"/>
+                <a:ea typeface="+mn-ea"/>
+                <a:cs typeface="+mn-cs"/>
+              </a:defRPr>
+            </a:lvl8pPr>
+            <a:lvl9pPr marL="3886200" indent="-228600" algn="l" defTabSz="914400" rtl="0" eaLnBrk="1" latinLnBrk="0" hangingPunct="1">
+              <a:lnSpc>
+                <a:spcPct val="90000"/>
+              </a:lnSpc>
+              <a:spcBef>
+                <a:spcPts val="500"/>
+              </a:spcBef>
+              <a:buFont typeface="Arial" panose="020B0604020202020204" pitchFamily="34" charset="0"/>
+              <a:buChar char="•"/>
+              <a:defRPr sz="1800" kern="1200">
+                <a:solidFill>
+                  <a:schemeClr val="tx1"/>
+                </a:solidFill>
+                <a:latin typeface="+mn-lt"/>
+                <a:ea typeface="+mn-ea"/>
+                <a:cs typeface="+mn-cs"/>
+              </a:defRPr>
+            </a:lvl9pPr>
+          </a:lstStyle>
+          <a:p>
+            <a:pPr marL="0" indent="0" algn="ctr">
+              <a:buNone/>
+            </a:pPr>
+            <a:r>
+              <a:rPr lang="de-DE" dirty="0"/>
+              <a:t>Android Studio</a:t>
+            </a:r>
+          </a:p>
+          <a:p>
+            <a:endParaRPr lang="de-DE" dirty="0"/>
+          </a:p>
+          <a:p>
+            <a:endParaRPr lang="de-DE" dirty="0"/>
+          </a:p>
+          <a:p>
+            <a:endParaRPr lang="de-DE" dirty="0"/>
+          </a:p>
+        </p:txBody>
+      </p:sp>
+      <p:sp>
+        <p:nvSpPr>
+          <p:cNvPr id="5" name="Inhaltsplatzhalter 2">
+            <a:extLst>
+              <a:ext uri="{FF2B5EF4-FFF2-40B4-BE49-F238E27FC236}">
+                <a16:creationId xmlns:a16="http://schemas.microsoft.com/office/drawing/2014/main" id="{415CD3D8-0076-EA36-8128-29907C5E98F4}"/>
+              </a:ext>
+            </a:extLst>
+          </p:cNvPr>
+          <p:cNvSpPr txBox="1">
+            <a:spLocks/>
+          </p:cNvSpPr>
+          <p:nvPr/>
+        </p:nvSpPr>
+        <p:spPr>
+          <a:xfrm>
+            <a:off x="355717" y="3569024"/>
+            <a:ext cx="3490665" cy="513779"/>
+          </a:xfrm>
+          <a:prstGeom prst="rect">
+            <a:avLst/>
+          </a:prstGeom>
+        </p:spPr>
+        <p:txBody>
+          <a:bodyPr vert="horz" lIns="91440" tIns="45720" rIns="91440" bIns="45720" rtlCol="0">
+            <a:normAutofit/>
+          </a:bodyPr>
+          <a:lstStyle>
+            <a:lvl1pPr marL="228600" indent="-228600" algn="l" defTabSz="914400" rtl="0" eaLnBrk="1" latinLnBrk="0" hangingPunct="1">
+              <a:lnSpc>
+                <a:spcPct val="90000"/>
+              </a:lnSpc>
+              <a:spcBef>
+                <a:spcPts val="1000"/>
+              </a:spcBef>
+              <a:buFont typeface="Arial" panose="020B0604020202020204" pitchFamily="34" charset="0"/>
+              <a:buChar char="•"/>
+              <a:defRPr sz="2800" kern="1200">
+                <a:solidFill>
+                  <a:schemeClr val="tx1"/>
+                </a:solidFill>
+                <a:latin typeface="+mn-lt"/>
+                <a:ea typeface="+mn-ea"/>
+                <a:cs typeface="+mn-cs"/>
+              </a:defRPr>
+            </a:lvl1pPr>
+            <a:lvl2pPr marL="685800" indent="-228600" algn="l" defTabSz="914400" rtl="0" eaLnBrk="1" latinLnBrk="0" hangingPunct="1">
+              <a:lnSpc>
+                <a:spcPct val="90000"/>
+              </a:lnSpc>
+              <a:spcBef>
+                <a:spcPts val="500"/>
+              </a:spcBef>
+              <a:buFont typeface="Arial" panose="020B0604020202020204" pitchFamily="34" charset="0"/>
+              <a:buChar char="•"/>
+              <a:defRPr sz="2400" kern="1200">
+                <a:solidFill>
+                  <a:schemeClr val="tx1"/>
+                </a:solidFill>
+                <a:latin typeface="+mn-lt"/>
+                <a:ea typeface="+mn-ea"/>
+                <a:cs typeface="+mn-cs"/>
+              </a:defRPr>
+            </a:lvl2pPr>
+            <a:lvl3pPr marL="1143000" indent="-228600" algn="l" defTabSz="914400" rtl="0" eaLnBrk="1" latinLnBrk="0" hangingPunct="1">
+              <a:lnSpc>
+                <a:spcPct val="90000"/>
+              </a:lnSpc>
+              <a:spcBef>
+                <a:spcPts val="500"/>
+              </a:spcBef>
+              <a:buFont typeface="Arial" panose="020B0604020202020204" pitchFamily="34" charset="0"/>
+              <a:buChar char="•"/>
+              <a:defRPr sz="2000" kern="1200">
+                <a:solidFill>
+                  <a:schemeClr val="tx1"/>
+                </a:solidFill>
+                <a:latin typeface="+mn-lt"/>
+                <a:ea typeface="+mn-ea"/>
+                <a:cs typeface="+mn-cs"/>
+              </a:defRPr>
+            </a:lvl3pPr>
+            <a:lvl4pPr marL="1600200" indent="-228600" algn="l" defTabSz="914400" rtl="0" eaLnBrk="1" latinLnBrk="0" hangingPunct="1">
+              <a:lnSpc>
+                <a:spcPct val="90000"/>
+              </a:lnSpc>
+              <a:spcBef>
+                <a:spcPts val="500"/>
+              </a:spcBef>
+              <a:buFont typeface="Arial" panose="020B0604020202020204" pitchFamily="34" charset="0"/>
+              <a:buChar char="•"/>
+              <a:defRPr sz="1800" kern="1200">
+                <a:solidFill>
+                  <a:schemeClr val="tx1"/>
+                </a:solidFill>
+                <a:latin typeface="+mn-lt"/>
+                <a:ea typeface="+mn-ea"/>
+                <a:cs typeface="+mn-cs"/>
+              </a:defRPr>
+            </a:lvl4pPr>
+            <a:lvl5pPr marL="2057400" indent="-228600" algn="l" defTabSz="914400" rtl="0" eaLnBrk="1" latinLnBrk="0" hangingPunct="1">
+              <a:lnSpc>
+                <a:spcPct val="90000"/>
+              </a:lnSpc>
+              <a:spcBef>
+                <a:spcPts val="500"/>
+              </a:spcBef>
+              <a:buFont typeface="Arial" panose="020B0604020202020204" pitchFamily="34" charset="0"/>
+              <a:buChar char="•"/>
+              <a:defRPr sz="1800" kern="1200">
+                <a:solidFill>
+                  <a:schemeClr val="tx1"/>
+                </a:solidFill>
+                <a:latin typeface="+mn-lt"/>
+                <a:ea typeface="+mn-ea"/>
+                <a:cs typeface="+mn-cs"/>
+              </a:defRPr>
+            </a:lvl5pPr>
+            <a:lvl6pPr marL="2514600" indent="-228600" algn="l" defTabSz="914400" rtl="0" eaLnBrk="1" latinLnBrk="0" hangingPunct="1">
+              <a:lnSpc>
+                <a:spcPct val="90000"/>
+              </a:lnSpc>
+              <a:spcBef>
+                <a:spcPts val="500"/>
+              </a:spcBef>
+              <a:buFont typeface="Arial" panose="020B0604020202020204" pitchFamily="34" charset="0"/>
+              <a:buChar char="•"/>
+              <a:defRPr sz="1800" kern="1200">
+                <a:solidFill>
+                  <a:schemeClr val="tx1"/>
+                </a:solidFill>
+                <a:latin typeface="+mn-lt"/>
+                <a:ea typeface="+mn-ea"/>
+                <a:cs typeface="+mn-cs"/>
+              </a:defRPr>
+            </a:lvl6pPr>
+            <a:lvl7pPr marL="2971800" indent="-228600" algn="l" defTabSz="914400" rtl="0" eaLnBrk="1" latinLnBrk="0" hangingPunct="1">
+              <a:lnSpc>
+                <a:spcPct val="90000"/>
+              </a:lnSpc>
+              <a:spcBef>
+                <a:spcPts val="500"/>
+              </a:spcBef>
+              <a:buFont typeface="Arial" panose="020B0604020202020204" pitchFamily="34" charset="0"/>
+              <a:buChar char="•"/>
+              <a:defRPr sz="1800" kern="1200">
+                <a:solidFill>
+                  <a:schemeClr val="tx1"/>
+                </a:solidFill>
+                <a:latin typeface="+mn-lt"/>
+                <a:ea typeface="+mn-ea"/>
+                <a:cs typeface="+mn-cs"/>
+              </a:defRPr>
+            </a:lvl7pPr>
+            <a:lvl8pPr marL="3429000" indent="-228600" algn="l" defTabSz="914400" rtl="0" eaLnBrk="1" latinLnBrk="0" hangingPunct="1">
+              <a:lnSpc>
+                <a:spcPct val="90000"/>
+              </a:lnSpc>
+              <a:spcBef>
+                <a:spcPts val="500"/>
+              </a:spcBef>
+              <a:buFont typeface="Arial" panose="020B0604020202020204" pitchFamily="34" charset="0"/>
+              <a:buChar char="•"/>
+              <a:defRPr sz="1800" kern="1200">
+                <a:solidFill>
+                  <a:schemeClr val="tx1"/>
+                </a:solidFill>
+                <a:latin typeface="+mn-lt"/>
+                <a:ea typeface="+mn-ea"/>
+                <a:cs typeface="+mn-cs"/>
+              </a:defRPr>
+            </a:lvl8pPr>
+            <a:lvl9pPr marL="3886200" indent="-228600" algn="l" defTabSz="914400" rtl="0" eaLnBrk="1" latinLnBrk="0" hangingPunct="1">
+              <a:lnSpc>
+                <a:spcPct val="90000"/>
+              </a:lnSpc>
+              <a:spcBef>
+                <a:spcPts val="500"/>
+              </a:spcBef>
+              <a:buFont typeface="Arial" panose="020B0604020202020204" pitchFamily="34" charset="0"/>
+              <a:buChar char="•"/>
+              <a:defRPr sz="1800" kern="1200">
+                <a:solidFill>
+                  <a:schemeClr val="tx1"/>
+                </a:solidFill>
+                <a:latin typeface="+mn-lt"/>
+                <a:ea typeface="+mn-ea"/>
+                <a:cs typeface="+mn-cs"/>
+              </a:defRPr>
+            </a:lvl9pPr>
+          </a:lstStyle>
+          <a:p>
+            <a:pPr marL="0" indent="0" algn="ctr">
+              <a:buNone/>
+            </a:pPr>
+            <a:r>
+              <a:rPr lang="de-DE" dirty="0"/>
+              <a:t>Adobe Photoshop</a:t>
+            </a:r>
+          </a:p>
+          <a:p>
+            <a:endParaRPr lang="de-DE" dirty="0"/>
+          </a:p>
+          <a:p>
+            <a:endParaRPr lang="de-DE" dirty="0"/>
+          </a:p>
+          <a:p>
+            <a:endParaRPr lang="de-DE" dirty="0"/>
+          </a:p>
+        </p:txBody>
+      </p:sp>
+    </p:spTree>
+    <p:extLst>
+      <p:ext uri="{BB962C8B-B14F-4D97-AF65-F5344CB8AC3E}">
+        <p14:creationId xmlns:p14="http://schemas.microsoft.com/office/powerpoint/2010/main" val="1500695858"/>
+      </p:ext>
+    </p:extLst>
+  </p:cSld>
+  <p:clrMapOvr>
+    <a:masterClrMapping/>
+  </p:clrMapOvr>
+</p:sld>
+</file>
+
+<file path=ppt/slides/slide7.xml><?xml version="1.0" encoding="utf-8"?>
+<p:sld xmlns:a="http://schemas.openxmlformats.org/drawingml/2006/main" xmlns:r="http://schemas.openxmlformats.org/officeDocument/2006/relationships" xmlns:p="http://schemas.openxmlformats.org/presentationml/2006/main">
+  <p:cSld>
+    <p:bg>
+      <p:bgPr>
+        <a:solidFill>
+          <a:schemeClr val="tx1"/>
+        </a:solidFill>
+        <a:effectLst/>
+      </p:bgPr>
+    </p:bg>
+    <p:spTree>
+      <p:nvGrpSpPr>
+        <p:cNvPr id="1" name=""/>
+        <p:cNvGrpSpPr/>
+        <p:nvPr/>
+      </p:nvGrpSpPr>
+      <p:grpSpPr>
+        <a:xfrm>
+          <a:off x="0" y="0"/>
+          <a:ext cx="0" cy="0"/>
+          <a:chOff x="0" y="0"/>
+          <a:chExt cx="0" cy="0"/>
+        </a:xfrm>
+      </p:grpSpPr>
+      <p:pic>
+        <p:nvPicPr>
+          <p:cNvPr id="7" name="Inhaltsplatzhalter 3">
+            <a:extLst>
+              <a:ext uri="{FF2B5EF4-FFF2-40B4-BE49-F238E27FC236}">
+                <a16:creationId xmlns:a16="http://schemas.microsoft.com/office/drawing/2014/main" id="{E5DB20B6-ACEB-967D-FE0B-4F817B77F34E}"/>
+              </a:ext>
+            </a:extLst>
+          </p:cNvPr>
+          <p:cNvPicPr>
+            <a:picLocks noChangeAspect="1"/>
+          </p:cNvPicPr>
+          <p:nvPr/>
+        </p:nvPicPr>
+        <p:blipFill rotWithShape="1">
+          <a:blip r:embed="rId2"/>
+          <a:srcRect t="2113" b="1"/>
+          <a:stretch/>
+        </p:blipFill>
+        <p:spPr>
+          <a:xfrm>
+            <a:off x="898698" y="1751519"/>
+            <a:ext cx="4740101" cy="4681292"/>
+          </a:xfrm>
+          <a:prstGeom prst="rect">
+            <a:avLst/>
+          </a:prstGeom>
+        </p:spPr>
+      </p:pic>
+      <p:pic>
+        <p:nvPicPr>
+          <p:cNvPr id="8" name="Inhaltsplatzhalter 5">
+            <a:extLst>
+              <a:ext uri="{FF2B5EF4-FFF2-40B4-BE49-F238E27FC236}">
+                <a16:creationId xmlns:a16="http://schemas.microsoft.com/office/drawing/2014/main" id="{08AFA641-6C8D-E18E-0ED0-6E047AB29D97}"/>
+              </a:ext>
+            </a:extLst>
+          </p:cNvPr>
+          <p:cNvPicPr>
+            <a:picLocks noChangeAspect="1"/>
+          </p:cNvPicPr>
+          <p:nvPr/>
+        </p:nvPicPr>
+        <p:blipFill>
+          <a:blip r:embed="rId3"/>
+          <a:stretch>
+            <a:fillRect/>
+          </a:stretch>
+        </p:blipFill>
+        <p:spPr>
+          <a:xfrm>
+            <a:off x="7271159" y="1929377"/>
+            <a:ext cx="4511266" cy="4547070"/>
+          </a:xfrm>
+          <a:prstGeom prst="rect">
+            <a:avLst/>
+          </a:prstGeom>
+        </p:spPr>
+      </p:pic>
+      <p:sp>
+        <p:nvSpPr>
+          <p:cNvPr id="9" name="Titel 1">
+            <a:extLst>
+              <a:ext uri="{FF2B5EF4-FFF2-40B4-BE49-F238E27FC236}">
+                <a16:creationId xmlns:a16="http://schemas.microsoft.com/office/drawing/2014/main" id="{05E502C1-80FF-08DD-CBD7-C5FA1F6C78F4}"/>
+              </a:ext>
+            </a:extLst>
+          </p:cNvPr>
+          <p:cNvSpPr txBox="1">
+            <a:spLocks/>
+          </p:cNvSpPr>
+          <p:nvPr/>
+        </p:nvSpPr>
+        <p:spPr>
+          <a:xfrm>
+            <a:off x="5402035" y="1055494"/>
+            <a:ext cx="1387929" cy="625669"/>
+          </a:xfrm>
+          <a:prstGeom prst="rect">
+            <a:avLst/>
+          </a:prstGeom>
+        </p:spPr>
+        <p:txBody>
+          <a:bodyPr/>
+          <a:lstStyle>
+            <a:lvl1pPr algn="l" defTabSz="914400" rtl="0" eaLnBrk="1" latinLnBrk="0" hangingPunct="1">
+              <a:lnSpc>
+                <a:spcPct val="90000"/>
+              </a:lnSpc>
+              <a:spcBef>
+                <a:spcPct val="0"/>
+              </a:spcBef>
+              <a:buNone/>
+              <a:defRPr sz="4400" kern="1200">
+                <a:solidFill>
+                  <a:schemeClr val="tx1"/>
+                </a:solidFill>
+                <a:latin typeface="+mj-lt"/>
+                <a:ea typeface="+mj-ea"/>
+                <a:cs typeface="+mj-cs"/>
+              </a:defRPr>
+            </a:lvl1pPr>
+          </a:lstStyle>
+          <a:p>
+            <a:pPr algn="ctr"/>
+            <a:r>
+              <a:rPr lang="de-DE" sz="4000" b="1" dirty="0">
+                <a:solidFill>
+                  <a:schemeClr val="bg1">
+                    <a:lumMod val="75000"/>
+                  </a:schemeClr>
+                </a:solidFill>
+                <a:cs typeface="Andalus" panose="02020603050405020304" pitchFamily="18" charset="-78"/>
+              </a:rPr>
+              <a:t>LOGO</a:t>
+            </a:r>
+            <a:endParaRPr lang="de-DE" b="1" dirty="0">
+              <a:solidFill>
+                <a:schemeClr val="bg1">
+                  <a:lumMod val="75000"/>
+                </a:schemeClr>
+              </a:solidFill>
+              <a:cs typeface="Andalus" panose="02020603050405020304" pitchFamily="18" charset="-78"/>
+            </a:endParaRPr>
+          </a:p>
+        </p:txBody>
+      </p:sp>
+      <p:sp>
+        <p:nvSpPr>
+          <p:cNvPr id="10" name="Textplatzhalter 11">
+            <a:extLst>
+              <a:ext uri="{FF2B5EF4-FFF2-40B4-BE49-F238E27FC236}">
+                <a16:creationId xmlns:a16="http://schemas.microsoft.com/office/drawing/2014/main" id="{74678BF3-2939-21A0-0214-27FAA16B5D38}"/>
+              </a:ext>
+            </a:extLst>
+          </p:cNvPr>
+          <p:cNvSpPr txBox="1">
+            <a:spLocks/>
+          </p:cNvSpPr>
+          <p:nvPr/>
+        </p:nvSpPr>
+        <p:spPr>
+          <a:xfrm>
+            <a:off x="7830548" y="1382616"/>
+            <a:ext cx="3392488" cy="496429"/>
+          </a:xfrm>
+          <a:prstGeom prst="rect">
+            <a:avLst/>
+          </a:prstGeom>
+        </p:spPr>
+        <p:txBody>
+          <a:bodyPr/>
+          <a:lstStyle>
+            <a:lvl1pPr marL="228600" indent="-228600" algn="l" defTabSz="914400" rtl="0" eaLnBrk="1" latinLnBrk="0" hangingPunct="1">
+              <a:lnSpc>
+                <a:spcPct val="90000"/>
+              </a:lnSpc>
+              <a:spcBef>
+                <a:spcPts val="1000"/>
+              </a:spcBef>
+              <a:buFont typeface="Arial" panose="020B0604020202020204" pitchFamily="34" charset="0"/>
+              <a:buChar char="•"/>
+              <a:defRPr sz="2800" kern="1200">
+                <a:solidFill>
+                  <a:schemeClr val="tx1"/>
+                </a:solidFill>
+                <a:latin typeface="+mn-lt"/>
+                <a:ea typeface="+mn-ea"/>
+                <a:cs typeface="+mn-cs"/>
+              </a:defRPr>
+            </a:lvl1pPr>
+            <a:lvl2pPr marL="685800" indent="-228600" algn="l" defTabSz="914400" rtl="0" eaLnBrk="1" latinLnBrk="0" hangingPunct="1">
+              <a:lnSpc>
+                <a:spcPct val="90000"/>
+              </a:lnSpc>
+              <a:spcBef>
+                <a:spcPts val="500"/>
+              </a:spcBef>
+              <a:buFont typeface="Arial" panose="020B0604020202020204" pitchFamily="34" charset="0"/>
+              <a:buChar char="•"/>
+              <a:defRPr sz="2400" kern="1200">
+                <a:solidFill>
+                  <a:schemeClr val="tx1"/>
+                </a:solidFill>
+                <a:latin typeface="+mn-lt"/>
+                <a:ea typeface="+mn-ea"/>
+                <a:cs typeface="+mn-cs"/>
+              </a:defRPr>
+            </a:lvl2pPr>
+            <a:lvl3pPr marL="1143000" indent="-228600" algn="l" defTabSz="914400" rtl="0" eaLnBrk="1" latinLnBrk="0" hangingPunct="1">
+              <a:lnSpc>
+                <a:spcPct val="90000"/>
+              </a:lnSpc>
+              <a:spcBef>
+                <a:spcPts val="500"/>
+              </a:spcBef>
+              <a:buFont typeface="Arial" panose="020B0604020202020204" pitchFamily="34" charset="0"/>
+              <a:buChar char="•"/>
+              <a:defRPr sz="2000" kern="1200">
+                <a:solidFill>
+                  <a:schemeClr val="tx1"/>
+                </a:solidFill>
+                <a:latin typeface="+mn-lt"/>
+                <a:ea typeface="+mn-ea"/>
+                <a:cs typeface="+mn-cs"/>
+              </a:defRPr>
+            </a:lvl3pPr>
+            <a:lvl4pPr marL="1600200" indent="-228600" algn="l" defTabSz="914400" rtl="0" eaLnBrk="1" latinLnBrk="0" hangingPunct="1">
+              <a:lnSpc>
+                <a:spcPct val="90000"/>
+              </a:lnSpc>
+              <a:spcBef>
+                <a:spcPts val="500"/>
+              </a:spcBef>
+              <a:buFont typeface="Arial" panose="020B0604020202020204" pitchFamily="34" charset="0"/>
+              <a:buChar char="•"/>
+              <a:defRPr sz="1800" kern="1200">
+                <a:solidFill>
+                  <a:schemeClr val="tx1"/>
+                </a:solidFill>
+                <a:latin typeface="+mn-lt"/>
+                <a:ea typeface="+mn-ea"/>
+                <a:cs typeface="+mn-cs"/>
+              </a:defRPr>
+            </a:lvl4pPr>
+            <a:lvl5pPr marL="2057400" indent="-228600" algn="l" defTabSz="914400" rtl="0" eaLnBrk="1" latinLnBrk="0" hangingPunct="1">
+              <a:lnSpc>
+                <a:spcPct val="90000"/>
+              </a:lnSpc>
+              <a:spcBef>
+                <a:spcPts val="500"/>
+              </a:spcBef>
+              <a:buFont typeface="Arial" panose="020B0604020202020204" pitchFamily="34" charset="0"/>
+              <a:buChar char="•"/>
+              <a:defRPr sz="1800" kern="1200">
+                <a:solidFill>
+                  <a:schemeClr val="tx1"/>
+                </a:solidFill>
+                <a:latin typeface="+mn-lt"/>
+                <a:ea typeface="+mn-ea"/>
+                <a:cs typeface="+mn-cs"/>
+              </a:defRPr>
+            </a:lvl5pPr>
+            <a:lvl6pPr marL="2514600" indent="-228600" algn="l" defTabSz="914400" rtl="0" eaLnBrk="1" latinLnBrk="0" hangingPunct="1">
+              <a:lnSpc>
+                <a:spcPct val="90000"/>
+              </a:lnSpc>
+              <a:spcBef>
+                <a:spcPts val="500"/>
+              </a:spcBef>
+              <a:buFont typeface="Arial" panose="020B0604020202020204" pitchFamily="34" charset="0"/>
+              <a:buChar char="•"/>
+              <a:defRPr sz="1800" kern="1200">
+                <a:solidFill>
+                  <a:schemeClr val="tx1"/>
+                </a:solidFill>
+                <a:latin typeface="+mn-lt"/>
+                <a:ea typeface="+mn-ea"/>
+                <a:cs typeface="+mn-cs"/>
+              </a:defRPr>
+            </a:lvl6pPr>
+            <a:lvl7pPr marL="2971800" indent="-228600" algn="l" defTabSz="914400" rtl="0" eaLnBrk="1" latinLnBrk="0" hangingPunct="1">
+              <a:lnSpc>
+                <a:spcPct val="90000"/>
+              </a:lnSpc>
+              <a:spcBef>
+                <a:spcPts val="500"/>
+              </a:spcBef>
+              <a:buFont typeface="Arial" panose="020B0604020202020204" pitchFamily="34" charset="0"/>
+              <a:buChar char="•"/>
+              <a:defRPr sz="1800" kern="1200">
+                <a:solidFill>
+                  <a:schemeClr val="tx1"/>
+                </a:solidFill>
+                <a:latin typeface="+mn-lt"/>
+                <a:ea typeface="+mn-ea"/>
+                <a:cs typeface="+mn-cs"/>
+              </a:defRPr>
+            </a:lvl7pPr>
+            <a:lvl8pPr marL="3429000" indent="-228600" algn="l" defTabSz="914400" rtl="0" eaLnBrk="1" latinLnBrk="0" hangingPunct="1">
+              <a:lnSpc>
+                <a:spcPct val="90000"/>
+              </a:lnSpc>
+              <a:spcBef>
+                <a:spcPts val="500"/>
+              </a:spcBef>
+              <a:buFont typeface="Arial" panose="020B0604020202020204" pitchFamily="34" charset="0"/>
+              <a:buChar char="•"/>
+              <a:defRPr sz="1800" kern="1200">
+                <a:solidFill>
+                  <a:schemeClr val="tx1"/>
+                </a:solidFill>
+                <a:latin typeface="+mn-lt"/>
+                <a:ea typeface="+mn-ea"/>
+                <a:cs typeface="+mn-cs"/>
+              </a:defRPr>
+            </a:lvl8pPr>
+            <a:lvl9pPr marL="3886200" indent="-228600" algn="l" defTabSz="914400" rtl="0" eaLnBrk="1" latinLnBrk="0" hangingPunct="1">
+              <a:lnSpc>
+                <a:spcPct val="90000"/>
+              </a:lnSpc>
+              <a:spcBef>
+                <a:spcPts val="500"/>
+              </a:spcBef>
+              <a:buFont typeface="Arial" panose="020B0604020202020204" pitchFamily="34" charset="0"/>
+              <a:buChar char="•"/>
+              <a:defRPr sz="1800" kern="1200">
+                <a:solidFill>
+                  <a:schemeClr val="tx1"/>
+                </a:solidFill>
+                <a:latin typeface="+mn-lt"/>
+                <a:ea typeface="+mn-ea"/>
+                <a:cs typeface="+mn-cs"/>
+              </a:defRPr>
+            </a:lvl9pPr>
+          </a:lstStyle>
+          <a:p>
+            <a:pPr marL="0" indent="0" algn="ctr">
+              <a:buNone/>
+            </a:pPr>
+            <a:r>
+              <a:rPr lang="en-US" dirty="0">
+                <a:solidFill>
+                  <a:schemeClr val="bg1">
+                    <a:lumMod val="75000"/>
+                  </a:schemeClr>
+                </a:solidFill>
+              </a:rPr>
+              <a:t>Adobe</a:t>
+            </a:r>
+            <a:r>
+              <a:rPr lang="en-US" dirty="0"/>
+              <a:t> </a:t>
+            </a:r>
+            <a:r>
+              <a:rPr lang="en-US" dirty="0">
+                <a:solidFill>
+                  <a:schemeClr val="bg1">
+                    <a:lumMod val="75000"/>
+                  </a:schemeClr>
+                </a:solidFill>
+              </a:rPr>
+              <a:t>Photoshop</a:t>
+            </a:r>
+          </a:p>
+        </p:txBody>
+      </p:sp>
+    </p:spTree>
+    <p:extLst>
+      <p:ext uri="{BB962C8B-B14F-4D97-AF65-F5344CB8AC3E}">
+        <p14:creationId xmlns:p14="http://schemas.microsoft.com/office/powerpoint/2010/main" val="3784286258"/>
+      </p:ext>
+    </p:extLst>
+  </p:cSld>
+  <p:clrMapOvr>
+    <a:masterClrMapping/>
+  </p:clrMapOvr>
+</p:sld>
+</file>
+
+<file path=ppt/slides/slide8.xml><?xml version="1.0" encoding="utf-8"?>
+<p:sld xmlns:a="http://schemas.openxmlformats.org/drawingml/2006/main" xmlns:r="http://schemas.openxmlformats.org/officeDocument/2006/relationships" xmlns:p="http://schemas.openxmlformats.org/presentationml/2006/main">
+  <p:cSld>
+    <p:bg>
+      <p:bgPr>
+        <a:solidFill>
+          <a:schemeClr val="bg1">
+            <a:tint val="95000"/>
+            <a:satMod val="170000"/>
+          </a:schemeClr>
+        </a:solidFill>
+        <a:effectLst/>
+      </p:bgPr>
+    </p:bg>
+    <p:spTree>
+      <p:nvGrpSpPr>
+        <p:cNvPr id="1" name=""/>
+        <p:cNvGrpSpPr/>
+        <p:nvPr/>
+      </p:nvGrpSpPr>
+      <p:grpSpPr>
+        <a:xfrm>
+          <a:off x="0" y="0"/>
+          <a:ext cx="0" cy="0"/>
+          <a:chOff x="0" y="0"/>
+          <a:chExt cx="0" cy="0"/>
+        </a:xfrm>
+      </p:grpSpPr>
+      <p:sp>
+        <p:nvSpPr>
+          <p:cNvPr id="2" name="Titel 1">
+            <a:extLst>
+              <a:ext uri="{FF2B5EF4-FFF2-40B4-BE49-F238E27FC236}">
+                <a16:creationId xmlns:a16="http://schemas.microsoft.com/office/drawing/2014/main" id="{2689DE48-EF5F-4673-D88E-271793FF53CE}"/>
+              </a:ext>
+            </a:extLst>
+          </p:cNvPr>
+          <p:cNvSpPr>
+            <a:spLocks noGrp="1"/>
+          </p:cNvSpPr>
+          <p:nvPr>
+            <p:ph type="title"/>
+          </p:nvPr>
+        </p:nvSpPr>
+        <p:spPr>
+          <a:xfrm>
+            <a:off x="7464614" y="1783959"/>
+            <a:ext cx="4087306" cy="2889114"/>
+          </a:xfrm>
+        </p:spPr>
+        <p:txBody>
+          <a:bodyPr vert="horz" lIns="91440" tIns="45720" rIns="91440" bIns="45720" rtlCol="0" anchor="b">
+            <a:normAutofit/>
+          </a:bodyPr>
+          <a:lstStyle/>
+          <a:p>
+            <a:r>
+              <a:rPr lang="en-US" sz="5400"/>
+              <a:t>Skizze Design Mit Figma</a:t>
+            </a:r>
+          </a:p>
+        </p:txBody>
+      </p:sp>
+      <p:sp>
+        <p:nvSpPr>
+          <p:cNvPr id="10" name="Freeform: Shape 9">
+            <a:extLst>
+              <a:ext uri="{FF2B5EF4-FFF2-40B4-BE49-F238E27FC236}">
+                <a16:creationId xmlns:a16="http://schemas.microsoft.com/office/drawing/2014/main" id="{E49CC64F-7275-4E33-961B-0C5CDC439875}"/>
+              </a:ext>
+              <a:ext uri="{C183D7F6-B498-43B3-948B-1728B52AA6E4}">
+                <adec:decorative xmlns:adec="http://schemas.microsoft.com/office/drawing/2017/decorative" val="1"/>
+              </a:ext>
+            </a:extLst>
+          </p:cNvPr>
+          <p:cNvSpPr>
+            <a:spLocks noGrp="1" noRot="1" noChangeAspect="1" noMove="1" noResize="1" noEditPoints="1" noAdjustHandles="1" noChangeArrowheads="1" noChangeShapeType="1" noTextEdit="1"/>
+          </p:cNvSpPr>
+          <p:nvPr>
+            <p:extLst>
+              <p:ext uri="{386F3935-93C4-4BCD-93E2-E3B085C9AB24}">
+                <p16:designElem xmlns:p16="http://schemas.microsoft.com/office/powerpoint/2015/main" val="1"/>
+              </p:ext>
+            </p:extLst>
+          </p:nvPr>
+        </p:nvSpPr>
+        <p:spPr>
+          <a:xfrm flipH="1" flipV="1">
+            <a:off x="1" y="0"/>
+            <a:ext cx="7188051" cy="6858000"/>
+          </a:xfrm>
+          <a:custGeom>
+            <a:avLst/>
+            <a:gdLst>
+              <a:gd name="connsiteX0" fmla="*/ 7188051 w 7188051"/>
+              <a:gd name="connsiteY0" fmla="*/ 6858000 h 6858000"/>
+              <a:gd name="connsiteX1" fmla="*/ 108694 w 7188051"/>
+              <a:gd name="connsiteY1" fmla="*/ 6858000 h 6858000"/>
+              <a:gd name="connsiteX2" fmla="*/ 79127 w 7188051"/>
+              <a:gd name="connsiteY2" fmla="*/ 6681235 h 6858000"/>
+              <a:gd name="connsiteX3" fmla="*/ 0 w 7188051"/>
+              <a:gd name="connsiteY3" fmla="*/ 5565888 h 6858000"/>
+              <a:gd name="connsiteX4" fmla="*/ 2190696 w 7188051"/>
+              <a:gd name="connsiteY4" fmla="*/ 145339 h 6858000"/>
+              <a:gd name="connsiteX5" fmla="*/ 2339431 w 7188051"/>
+              <a:gd name="connsiteY5" fmla="*/ 0 h 6858000"/>
+              <a:gd name="connsiteX6" fmla="*/ 7188051 w 7188051"/>
+              <a:gd name="connsiteY6" fmla="*/ 0 h 6858000"/>
+            </a:gdLst>
+            <a:ahLst/>
+            <a:cxnLst>
+              <a:cxn ang="0">
+                <a:pos x="connsiteX0" y="connsiteY0"/>
+              </a:cxn>
+              <a:cxn ang="0">
+                <a:pos x="connsiteX1" y="connsiteY1"/>
+              </a:cxn>
+              <a:cxn ang="0">
+                <a:pos x="connsiteX2" y="connsiteY2"/>
+              </a:cxn>
+              <a:cxn ang="0">
+                <a:pos x="connsiteX3" y="connsiteY3"/>
+              </a:cxn>
+              <a:cxn ang="0">
+                <a:pos x="connsiteX4" y="connsiteY4"/>
+              </a:cxn>
+              <a:cxn ang="0">
+                <a:pos x="connsiteX5" y="connsiteY5"/>
+              </a:cxn>
+              <a:cxn ang="0">
+                <a:pos x="connsiteX6" y="connsiteY6"/>
+              </a:cxn>
+            </a:cxnLst>
+            <a:rect l="l" t="t" r="r" b="b"/>
+            <a:pathLst>
+              <a:path w="7188051" h="6858000">
+                <a:moveTo>
+                  <a:pt x="7188051" y="6858000"/>
+                </a:moveTo>
+                <a:lnTo>
+                  <a:pt x="108694" y="6858000"/>
+                </a:lnTo>
+                <a:lnTo>
+                  <a:pt x="79127" y="6681235"/>
+                </a:lnTo>
+                <a:cubicBezTo>
+                  <a:pt x="26981" y="6316967"/>
+                  <a:pt x="0" y="5944579"/>
+                  <a:pt x="0" y="5565888"/>
+                </a:cubicBezTo>
+                <a:cubicBezTo>
+                  <a:pt x="0" y="3459953"/>
+                  <a:pt x="834428" y="1548908"/>
+                  <a:pt x="2190696" y="145339"/>
+                </a:cubicBezTo>
+                <a:lnTo>
+                  <a:pt x="2339431" y="0"/>
+                </a:lnTo>
+                <a:lnTo>
+                  <a:pt x="7188051" y="0"/>
+                </a:lnTo>
+                <a:close/>
+              </a:path>
+            </a:pathLst>
+          </a:custGeom>
+          <a:solidFill>
+            <a:schemeClr val="tx1">
+              <a:alpha val="80000"/>
+            </a:schemeClr>
+          </a:solidFill>
+          <a:ln>
+            <a:noFill/>
+          </a:ln>
+        </p:spPr>
+        <p:style>
+          <a:lnRef idx="2">
+            <a:schemeClr val="accent1">
+              <a:shade val="50000"/>
+            </a:schemeClr>
+          </a:lnRef>
+          <a:fillRef idx="1">
+            <a:schemeClr val="accent1"/>
+          </a:fillRef>
+          <a:effectRef idx="0">
+            <a:schemeClr val="accent1"/>
+          </a:effectRef>
+          <a:fontRef idx="minor">
+            <a:schemeClr val="lt1"/>
+          </a:fontRef>
+        </p:style>
+        <p:txBody>
+          <a:bodyPr wrap="square" rtlCol="0" anchor="ctr">
+            <a:noAutofit/>
+          </a:bodyPr>
+          <a:lstStyle/>
+          <a:p>
+            <a:pPr algn="ctr"/>
+            <a:endParaRPr lang="en-US"/>
+          </a:p>
+        </p:txBody>
+      </p:sp>
+      <p:pic>
+        <p:nvPicPr>
+          <p:cNvPr id="5" name="Grafik 4">
+            <a:extLst>
+              <a:ext uri="{FF2B5EF4-FFF2-40B4-BE49-F238E27FC236}">
+                <a16:creationId xmlns:a16="http://schemas.microsoft.com/office/drawing/2014/main" id="{9AA409E9-4183-AD06-5844-09FAD8D4F78B}"/>
+              </a:ext>
+            </a:extLst>
+          </p:cNvPr>
+          <p:cNvPicPr>
+            <a:picLocks noChangeAspect="1"/>
+          </p:cNvPicPr>
+          <p:nvPr/>
+        </p:nvPicPr>
+        <p:blipFill rotWithShape="1">
+          <a:blip r:embed="rId2"/>
+          <a:srcRect t="12158" r="-1" b="5879"/>
+          <a:stretch/>
+        </p:blipFill>
+        <p:spPr>
+          <a:xfrm>
+            <a:off x="1" y="10"/>
+            <a:ext cx="7028495" cy="6857990"/>
+          </a:xfrm>
+          <a:custGeom>
+            <a:avLst/>
+            <a:gdLst/>
+            <a:ahLst/>
+            <a:cxnLst/>
+            <a:rect l="l" t="t" r="r" b="b"/>
+            <a:pathLst>
+              <a:path w="7028495" h="6858000">
+                <a:moveTo>
+                  <a:pt x="0" y="0"/>
+                </a:moveTo>
+                <a:lnTo>
+                  <a:pt x="6915668" y="0"/>
+                </a:lnTo>
+                <a:lnTo>
+                  <a:pt x="6952411" y="219663"/>
+                </a:lnTo>
+                <a:cubicBezTo>
+                  <a:pt x="7002551" y="569921"/>
+                  <a:pt x="7028495" y="927986"/>
+                  <a:pt x="7028495" y="1292112"/>
+                </a:cubicBezTo>
+                <a:cubicBezTo>
+                  <a:pt x="7028495" y="3343346"/>
+                  <a:pt x="6205186" y="5202289"/>
+                  <a:pt x="4870994" y="6556512"/>
+                </a:cubicBezTo>
+                <a:lnTo>
+                  <a:pt x="4556185" y="6858000"/>
+                </a:lnTo>
+                <a:lnTo>
+                  <a:pt x="0" y="6858000"/>
+                </a:lnTo>
+                <a:close/>
+              </a:path>
+            </a:pathLst>
+          </a:custGeom>
+        </p:spPr>
+      </p:pic>
+    </p:spTree>
+    <p:extLst>
+      <p:ext uri="{BB962C8B-B14F-4D97-AF65-F5344CB8AC3E}">
+        <p14:creationId xmlns:p14="http://schemas.microsoft.com/office/powerpoint/2010/main" val="117493942"/>
+      </p:ext>
+    </p:extLst>
+  </p:cSld>
+  <p:clrMapOvr>
+    <a:overrideClrMapping bg1="dk1" tx1="lt1" bg2="dk2" tx2="lt2" accent1="accent1" accent2="accent2" accent3="accent3" accent4="accent4" accent5="accent5" accent6="accent6" hlink="hlink" folHlink="folHlink"/>
+  </p:clrMapOvr>
+</p:sld>
+</file>
+
+<file path=ppt/slides/slide9.xml><?xml version="1.0" encoding="utf-8"?>
+<p:sld xmlns:a="http://schemas.openxmlformats.org/drawingml/2006/main" xmlns:r="http://schemas.openxmlformats.org/officeDocument/2006/relationships" xmlns:p="http://schemas.openxmlformats.org/presentationml/2006/main">
+  <p:cSld>
+    <p:bg>
+      <p:bgPr>
+        <a:solidFill>
+          <a:schemeClr val="bg1"/>
+        </a:solidFill>
+        <a:effectLst/>
+      </p:bgPr>
+    </p:bg>
+    <p:spTree>
+      <p:nvGrpSpPr>
+        <p:cNvPr id="1" name=""/>
+        <p:cNvGrpSpPr/>
+        <p:nvPr/>
+      </p:nvGrpSpPr>
+      <p:grpSpPr>
+        <a:xfrm>
+          <a:off x="0" y="0"/>
+          <a:ext cx="0" cy="0"/>
+          <a:chOff x="0" y="0"/>
+          <a:chExt cx="0" cy="0"/>
+        </a:xfrm>
+      </p:grpSpPr>
+      <p:sp>
+        <p:nvSpPr>
+          <p:cNvPr id="11" name="Textfeld 10">
+            <a:extLst>
+              <a:ext uri="{FF2B5EF4-FFF2-40B4-BE49-F238E27FC236}">
+                <a16:creationId xmlns:a16="http://schemas.microsoft.com/office/drawing/2014/main" id="{55CAE160-6B4E-3B48-A5DA-D61C748F705B}"/>
+              </a:ext>
+            </a:extLst>
+          </p:cNvPr>
+          <p:cNvSpPr txBox="1"/>
+          <p:nvPr/>
+        </p:nvSpPr>
+        <p:spPr>
+          <a:xfrm>
+            <a:off x="4629149" y="823763"/>
+            <a:ext cx="3251200" cy="852308"/>
+          </a:xfrm>
+          <a:prstGeom prst="rect">
+            <a:avLst/>
+          </a:prstGeom>
+          <a:ln>
+            <a:solidFill>
+              <a:schemeClr val="tx1">
+                <a:lumMod val="65000"/>
+                <a:lumOff val="35000"/>
+              </a:schemeClr>
+            </a:solidFill>
+          </a:ln>
+        </p:spPr>
+        <p:txBody>
+          <a:bodyPr vert="horz" lIns="91440" tIns="45720" rIns="91440" bIns="45720" rtlCol="0" anchor="ctr">
+            <a:normAutofit/>
+          </a:bodyPr>
+          <a:lstStyle/>
+          <a:p>
+            <a:pPr>
+              <a:lnSpc>
+                <a:spcPct val="90000"/>
+              </a:lnSpc>
+              <a:spcAft>
+                <a:spcPts val="600"/>
+              </a:spcAft>
+            </a:pPr>
+            <a:r>
+              <a:rPr lang="en-US" sz="3600" b="1" dirty="0">
+                <a:latin typeface="+mj-lt"/>
+              </a:rPr>
+              <a:t>Incline Push-ups</a:t>
+            </a:r>
+          </a:p>
+        </p:txBody>
+      </p:sp>
+      <p:sp>
+        <p:nvSpPr>
+          <p:cNvPr id="16" name="Rectangle 15">
+            <a:extLst>
+              <a:ext uri="{FF2B5EF4-FFF2-40B4-BE49-F238E27FC236}">
+                <a16:creationId xmlns:a16="http://schemas.microsoft.com/office/drawing/2014/main" id="{5AAE9118-0436-4488-AC4A-C14DF6A7B6B1}"/>
+              </a:ext>
+              <a:ext uri="{C183D7F6-B498-43B3-948B-1728B52AA6E4}">
+                <adec:decorative xmlns:adec="http://schemas.microsoft.com/office/drawing/2017/decorative" val="1"/>
+              </a:ext>
+            </a:extLst>
+          </p:cNvPr>
+          <p:cNvSpPr>
+            <a:spLocks noGrp="1" noRot="1" noChangeAspect="1" noMove="1" noResize="1" noEditPoints="1" noAdjustHandles="1" noChangeArrowheads="1" noChangeShapeType="1" noTextEdit="1"/>
+          </p:cNvSpPr>
+          <p:nvPr>
+            <p:extLst>
+              <p:ext uri="{386F3935-93C4-4BCD-93E2-E3B085C9AB24}">
+                <p16:designElem xmlns:p16="http://schemas.microsoft.com/office/powerpoint/2015/main" val="1"/>
+              </p:ext>
+            </p:extLst>
+          </p:nvPr>
+        </p:nvSpPr>
+        <p:spPr>
+          <a:xfrm>
+            <a:off x="-2" y="2211010"/>
+            <a:ext cx="12192002" cy="4646990"/>
+          </a:xfrm>
+          <a:prstGeom prst="rect">
+            <a:avLst/>
+          </a:prstGeom>
+          <a:solidFill>
+            <a:srgbClr val="C8CACA"/>
+          </a:solidFill>
+          <a:ln>
+            <a:noFill/>
+          </a:ln>
         </p:spPr>
         <p:style>
           <a:lnRef idx="2">
@@ -4305,396 +10772,10 @@
       </p:sp>
       <p:sp>
         <p:nvSpPr>
-          <p:cNvPr id="3" name="Textfeld 2">
-            <a:extLst>
-              <a:ext uri="{FF2B5EF4-FFF2-40B4-BE49-F238E27FC236}">
-                <a16:creationId xmlns:a16="http://schemas.microsoft.com/office/drawing/2014/main" id="{610994A0-B790-39D8-1A47-111C0C1F0DC9}"/>
-              </a:ext>
-            </a:extLst>
-          </p:cNvPr>
-          <p:cNvSpPr txBox="1"/>
-          <p:nvPr/>
-        </p:nvSpPr>
-        <p:spPr>
-          <a:xfrm>
-            <a:off x="541314" y="3671137"/>
-            <a:ext cx="3450211" cy="400110"/>
-          </a:xfrm>
-          <a:prstGeom prst="rect">
-            <a:avLst/>
-          </a:prstGeom>
-          <a:noFill/>
-        </p:spPr>
-        <p:txBody>
-          <a:bodyPr wrap="square" rtlCol="0">
-            <a:spAutoFit/>
-          </a:bodyPr>
-          <a:lstStyle/>
-          <a:p>
-            <a:r>
-              <a:rPr lang="de-DE" sz="2000" b="1" dirty="0">
-                <a:latin typeface="Andalus" panose="02020603050405020304" pitchFamily="18" charset="-78"/>
-                <a:cs typeface="Andalus" panose="02020603050405020304" pitchFamily="18" charset="-78"/>
-              </a:rPr>
-              <a:t>Maher, Abdullah, Ali &amp; Tarek</a:t>
-            </a:r>
-          </a:p>
-        </p:txBody>
-      </p:sp>
-      <mc:AlternateContent xmlns:mc="http://schemas.openxmlformats.org/markup-compatibility/2006">
-        <mc:Choice xmlns:p14="http://schemas.microsoft.com/office/powerpoint/2010/main" Requires="p14">
-          <p:contentPart p14:bwMode="auto" r:id="rId3">
-            <p14:nvContentPartPr>
-              <p14:cNvPr id="7" name="Freihand 6">
-                <a:extLst>
-                  <a:ext uri="{FF2B5EF4-FFF2-40B4-BE49-F238E27FC236}">
-                    <a16:creationId xmlns:a16="http://schemas.microsoft.com/office/drawing/2014/main" id="{BFA65249-7765-8638-7DDF-E0CC458AEAB3}"/>
-                  </a:ext>
-                </a:extLst>
-              </p14:cNvPr>
-              <p14:cNvContentPartPr/>
-              <p14:nvPr/>
-            </p14:nvContentPartPr>
-            <p14:xfrm>
-              <a:off x="328029" y="4440508"/>
-              <a:ext cx="4130640" cy="232920"/>
-            </p14:xfrm>
-          </p:contentPart>
-        </mc:Choice>
-        <mc:Fallback>
-          <p:pic>
-            <p:nvPicPr>
-              <p:cNvPr id="7" name="Freihand 6">
-                <a:extLst>
-                  <a:ext uri="{FF2B5EF4-FFF2-40B4-BE49-F238E27FC236}">
-                    <a16:creationId xmlns:a16="http://schemas.microsoft.com/office/drawing/2014/main" id="{BFA65249-7765-8638-7DDF-E0CC458AEAB3}"/>
-                  </a:ext>
-                </a:extLst>
-              </p:cNvPr>
-              <p:cNvPicPr/>
-              <p:nvPr/>
-            </p:nvPicPr>
-            <p:blipFill>
-              <a:blip r:embed="rId4"/>
-              <a:stretch>
-                <a:fillRect/>
-              </a:stretch>
-            </p:blipFill>
-            <p:spPr>
-              <a:xfrm>
-                <a:off x="265389" y="4377508"/>
-                <a:ext cx="4256280" cy="358560"/>
-              </a:xfrm>
-              <a:prstGeom prst="rect">
-                <a:avLst/>
-              </a:prstGeom>
-            </p:spPr>
-          </p:pic>
-        </mc:Fallback>
-      </mc:AlternateContent>
-      <p:cxnSp>
-        <p:nvCxnSpPr>
-          <p:cNvPr id="9" name="Gerader Verbinder 8">
-            <a:extLst>
-              <a:ext uri="{FF2B5EF4-FFF2-40B4-BE49-F238E27FC236}">
-                <a16:creationId xmlns:a16="http://schemas.microsoft.com/office/drawing/2014/main" id="{CDC4F616-BFDA-7C48-2AF8-AEE4EDE589BF}"/>
-              </a:ext>
-            </a:extLst>
-          </p:cNvPr>
-          <p:cNvCxnSpPr>
-            <a:cxnSpLocks/>
-          </p:cNvCxnSpPr>
-          <p:nvPr/>
-        </p:nvCxnSpPr>
-        <p:spPr>
-          <a:xfrm>
-            <a:off x="521222" y="4062045"/>
-            <a:ext cx="3236862" cy="0"/>
-          </a:xfrm>
-          <a:prstGeom prst="line">
-            <a:avLst/>
-          </a:prstGeom>
-        </p:spPr>
-        <p:style>
-          <a:lnRef idx="2">
-            <a:schemeClr val="accent3"/>
-          </a:lnRef>
-          <a:fillRef idx="0">
-            <a:schemeClr val="accent3"/>
-          </a:fillRef>
-          <a:effectRef idx="1">
-            <a:schemeClr val="accent3"/>
-          </a:effectRef>
-          <a:fontRef idx="minor">
-            <a:schemeClr val="tx1"/>
-          </a:fontRef>
-        </p:style>
-      </p:cxnSp>
-      <mc:AlternateContent xmlns:mc="http://schemas.openxmlformats.org/markup-compatibility/2006">
-        <mc:Choice xmlns:p14="http://schemas.microsoft.com/office/powerpoint/2010/main" Requires="p14">
-          <p:contentPart p14:bwMode="auto" r:id="rId5">
-            <p14:nvContentPartPr>
-              <p14:cNvPr id="17" name="Freihand 16">
-                <a:extLst>
-                  <a:ext uri="{FF2B5EF4-FFF2-40B4-BE49-F238E27FC236}">
-                    <a16:creationId xmlns:a16="http://schemas.microsoft.com/office/drawing/2014/main" id="{855A971E-90BD-A668-B7A7-21C61F0569B8}"/>
-                  </a:ext>
-                </a:extLst>
-              </p14:cNvPr>
-              <p14:cNvContentPartPr/>
-              <p14:nvPr/>
-            </p14:nvContentPartPr>
-            <p14:xfrm>
-              <a:off x="1551018" y="4611228"/>
-              <a:ext cx="2551680" cy="272160"/>
-            </p14:xfrm>
-          </p:contentPart>
-        </mc:Choice>
-        <mc:Fallback>
-          <p:pic>
-            <p:nvPicPr>
-              <p:cNvPr id="17" name="Freihand 16">
-                <a:extLst>
-                  <a:ext uri="{FF2B5EF4-FFF2-40B4-BE49-F238E27FC236}">
-                    <a16:creationId xmlns:a16="http://schemas.microsoft.com/office/drawing/2014/main" id="{855A971E-90BD-A668-B7A7-21C61F0569B8}"/>
-                  </a:ext>
-                </a:extLst>
-              </p:cNvPr>
-              <p:cNvPicPr/>
-              <p:nvPr/>
-            </p:nvPicPr>
-            <p:blipFill>
-              <a:blip r:embed="rId6"/>
-              <a:stretch>
-                <a:fillRect/>
-              </a:stretch>
-            </p:blipFill>
-            <p:spPr>
-              <a:xfrm>
-                <a:off x="1488018" y="4548228"/>
-                <a:ext cx="2677320" cy="397800"/>
-              </a:xfrm>
-              <a:prstGeom prst="rect">
-                <a:avLst/>
-              </a:prstGeom>
-            </p:spPr>
-          </p:pic>
-        </mc:Fallback>
-      </mc:AlternateContent>
-      <mc:AlternateContent xmlns:mc="http://schemas.openxmlformats.org/markup-compatibility/2006">
-        <mc:Choice xmlns:p14="http://schemas.microsoft.com/office/powerpoint/2010/main" Requires="p14">
-          <p:contentPart p14:bwMode="auto" r:id="rId7">
-            <p14:nvContentPartPr>
-              <p14:cNvPr id="19" name="Freihand 18">
-                <a:extLst>
-                  <a:ext uri="{FF2B5EF4-FFF2-40B4-BE49-F238E27FC236}">
-                    <a16:creationId xmlns:a16="http://schemas.microsoft.com/office/drawing/2014/main" id="{1924B0E4-0EA6-C782-4364-326B1BCE8A5B}"/>
-                  </a:ext>
-                </a:extLst>
-              </p14:cNvPr>
-              <p14:cNvContentPartPr/>
-              <p14:nvPr/>
-            </p14:nvContentPartPr>
-            <p14:xfrm>
-              <a:off x="510258" y="4224948"/>
-              <a:ext cx="2638440" cy="1094400"/>
-            </p14:xfrm>
-          </p:contentPart>
-        </mc:Choice>
-        <mc:Fallback>
-          <p:pic>
-            <p:nvPicPr>
-              <p:cNvPr id="19" name="Freihand 18">
-                <a:extLst>
-                  <a:ext uri="{FF2B5EF4-FFF2-40B4-BE49-F238E27FC236}">
-                    <a16:creationId xmlns:a16="http://schemas.microsoft.com/office/drawing/2014/main" id="{1924B0E4-0EA6-C782-4364-326B1BCE8A5B}"/>
-                  </a:ext>
-                </a:extLst>
-              </p:cNvPr>
-              <p:cNvPicPr/>
-              <p:nvPr/>
-            </p:nvPicPr>
-            <p:blipFill>
-              <a:blip r:embed="rId8"/>
-              <a:stretch>
-                <a:fillRect/>
-              </a:stretch>
-            </p:blipFill>
-            <p:spPr>
-              <a:xfrm>
-                <a:off x="447258" y="4161948"/>
-                <a:ext cx="2764080" cy="1220040"/>
-              </a:xfrm>
-              <a:prstGeom prst="rect">
-                <a:avLst/>
-              </a:prstGeom>
-            </p:spPr>
-          </p:pic>
-        </mc:Fallback>
-      </mc:AlternateContent>
-    </p:spTree>
-    <p:extLst>
-      <p:ext uri="{BB962C8B-B14F-4D97-AF65-F5344CB8AC3E}">
-        <p14:creationId xmlns:p14="http://schemas.microsoft.com/office/powerpoint/2010/main" val="1536348483"/>
-      </p:ext>
-    </p:extLst>
-  </p:cSld>
-  <p:clrMapOvr>
-    <a:overrideClrMapping bg1="dk1" tx1="lt1" bg2="dk2" tx2="lt2" accent1="accent1" accent2="accent2" accent3="accent3" accent4="accent4" accent5="accent5" accent6="accent6" hlink="hlink" folHlink="folHlink"/>
-  </p:clrMapOvr>
-</p:sld>
-</file>
-
-<file path=ppt/slides/slide10.xml><?xml version="1.0" encoding="utf-8"?>
-<p:sld xmlns:a="http://schemas.openxmlformats.org/drawingml/2006/main" xmlns:r="http://schemas.openxmlformats.org/officeDocument/2006/relationships" xmlns:p="http://schemas.openxmlformats.org/presentationml/2006/main">
-  <p:cSld>
-    <p:spTree>
-      <p:nvGrpSpPr>
-        <p:cNvPr id="1" name=""/>
-        <p:cNvGrpSpPr/>
-        <p:nvPr/>
-      </p:nvGrpSpPr>
-      <p:grpSpPr>
-        <a:xfrm>
-          <a:off x="0" y="0"/>
-          <a:ext cx="0" cy="0"/>
-          <a:chOff x="0" y="0"/>
-          <a:chExt cx="0" cy="0"/>
-        </a:xfrm>
-      </p:grpSpPr>
-      <p:sp>
-        <p:nvSpPr>
-          <p:cNvPr id="2" name="Titel 1">
-            <a:extLst>
-              <a:ext uri="{FF2B5EF4-FFF2-40B4-BE49-F238E27FC236}">
-                <a16:creationId xmlns:a16="http://schemas.microsoft.com/office/drawing/2014/main" id="{19E27421-46F7-03EB-881D-371C6E2CCBCD}"/>
-              </a:ext>
-            </a:extLst>
-          </p:cNvPr>
-          <p:cNvSpPr>
-            <a:spLocks noGrp="1"/>
-          </p:cNvSpPr>
-          <p:nvPr>
-            <p:ph type="title"/>
-          </p:nvPr>
-        </p:nvSpPr>
-        <p:spPr/>
-        <p:txBody>
-          <a:bodyPr/>
-          <a:lstStyle/>
-          <a:p>
-            <a:r>
-              <a:rPr lang="de-DE" dirty="0" err="1"/>
-              <a:t>Resourssen</a:t>
-            </a:r>
-            <a:endParaRPr lang="de-DE" dirty="0"/>
-          </a:p>
-        </p:txBody>
-      </p:sp>
-      <p:sp>
-        <p:nvSpPr>
-          <p:cNvPr id="3" name="Inhaltsplatzhalter 2">
-            <a:extLst>
-              <a:ext uri="{FF2B5EF4-FFF2-40B4-BE49-F238E27FC236}">
-                <a16:creationId xmlns:a16="http://schemas.microsoft.com/office/drawing/2014/main" id="{5EF2CB85-1E7D-1081-3F06-1D29313AC6B8}"/>
-              </a:ext>
-            </a:extLst>
-          </p:cNvPr>
-          <p:cNvSpPr>
-            <a:spLocks noGrp="1"/>
-          </p:cNvSpPr>
-          <p:nvPr>
-            <p:ph idx="1"/>
-          </p:nvPr>
-        </p:nvSpPr>
-        <p:spPr/>
-        <p:txBody>
-          <a:bodyPr/>
-          <a:lstStyle/>
-          <a:p>
-            <a:r>
-              <a:rPr lang="de-DE" dirty="0"/>
-              <a:t>Logo </a:t>
-            </a:r>
-          </a:p>
-          <a:p>
-            <a:r>
-              <a:rPr lang="de-DE" dirty="0"/>
-              <a:t>App </a:t>
-            </a:r>
-            <a:r>
-              <a:rPr lang="de-DE" dirty="0" err="1"/>
-              <a:t>desaign</a:t>
-            </a:r>
-            <a:r>
-              <a:rPr lang="de-DE" dirty="0"/>
-              <a:t> mit </a:t>
-            </a:r>
-            <a:r>
-              <a:rPr lang="de-DE" dirty="0" err="1"/>
-              <a:t>figma</a:t>
-            </a:r>
-            <a:endParaRPr lang="de-DE" dirty="0"/>
-          </a:p>
-          <a:p>
-            <a:r>
-              <a:rPr lang="de-DE" dirty="0"/>
-              <a:t>Bilder</a:t>
-            </a:r>
-          </a:p>
-          <a:p>
-            <a:r>
-              <a:rPr lang="de-DE" dirty="0" err="1"/>
-              <a:t>Informatioinen</a:t>
-            </a:r>
-            <a:endParaRPr lang="de-DE" dirty="0"/>
-          </a:p>
-        </p:txBody>
-      </p:sp>
-    </p:spTree>
-    <p:extLst>
-      <p:ext uri="{BB962C8B-B14F-4D97-AF65-F5344CB8AC3E}">
-        <p14:creationId xmlns:p14="http://schemas.microsoft.com/office/powerpoint/2010/main" val="840682230"/>
-      </p:ext>
-    </p:extLst>
-  </p:cSld>
-  <p:clrMapOvr>
-    <a:masterClrMapping/>
-  </p:clrMapOvr>
-</p:sld>
-</file>
-
-<file path=ppt/slides/slide2.xml><?xml version="1.0" encoding="utf-8"?>
-<p:sld xmlns:a="http://schemas.openxmlformats.org/drawingml/2006/main" xmlns:r="http://schemas.openxmlformats.org/officeDocument/2006/relationships" xmlns:p="http://schemas.openxmlformats.org/presentationml/2006/main">
-  <p:cSld>
-    <p:bg>
-      <p:bgPr>
-        <a:solidFill>
-          <a:schemeClr val="bg1"/>
-        </a:solidFill>
-        <a:effectLst/>
-      </p:bgPr>
-    </p:bg>
-    <p:spTree>
-      <p:nvGrpSpPr>
-        <p:cNvPr id="1" name=""/>
-        <p:cNvGrpSpPr/>
-        <p:nvPr/>
-      </p:nvGrpSpPr>
-      <p:grpSpPr>
-        <a:xfrm>
-          <a:off x="0" y="0"/>
-          <a:ext cx="0" cy="0"/>
-          <a:chOff x="0" y="0"/>
-          <a:chExt cx="0" cy="0"/>
-        </a:xfrm>
-      </p:grpSpPr>
-      <p:sp useBgFill="1">
-        <p:nvSpPr>
-          <p:cNvPr id="10" name="Rectangle 9">
-            <a:extLst>
-              <a:ext uri="{FF2B5EF4-FFF2-40B4-BE49-F238E27FC236}">
-                <a16:creationId xmlns:a16="http://schemas.microsoft.com/office/drawing/2014/main" id="{0671A8AE-40A1-4631-A6B8-581AFF065482}"/>
+          <p:cNvPr id="18" name="Rounded Rectangle 26">
+            <a:extLst>
+              <a:ext uri="{FF2B5EF4-FFF2-40B4-BE49-F238E27FC236}">
+                <a16:creationId xmlns:a16="http://schemas.microsoft.com/office/drawing/2014/main" id="{1B10F861-B8F1-49C7-BD58-EAB20CEE7F93}"/>
               </a:ext>
               <a:ext uri="{C183D7F6-B498-43B3-948B-1728B52AA6E4}">
                 <adec:decorative xmlns:adec="http://schemas.microsoft.com/office/drawing/2017/decorative" val="1"/>
@@ -4714,15 +10795,29 @@
         </p:nvSpPr>
         <p:spPr>
           <a:xfrm>
-            <a:off x="0" y="0"/>
-            <a:ext cx="12192000" cy="6858000"/>
-          </a:xfrm>
-          <a:prstGeom prst="rect">
-            <a:avLst/>
-          </a:prstGeom>
-          <a:ln>
-            <a:noFill/>
+            <a:off x="321564" y="2423160"/>
+            <a:ext cx="5613569" cy="3930315"/>
+          </a:xfrm>
+          <a:prstGeom prst="roundRect">
+            <a:avLst>
+              <a:gd name="adj" fmla="val 0"/>
+            </a:avLst>
+          </a:prstGeom>
+          <a:solidFill>
+            <a:srgbClr val="FFFFFF"/>
+          </a:solidFill>
+          <a:ln w="9525">
+            <a:solidFill>
+              <a:srgbClr val="C8CACA"/>
+            </a:solidFill>
           </a:ln>
+          <a:effectLst>
+            <a:outerShdw blurRad="57150" dist="19050" dir="5400000" algn="t" rotWithShape="0">
+              <a:prstClr val="black">
+                <a:alpha val="63000"/>
+              </a:prstClr>
+            </a:outerShdw>
+          </a:effectLst>
         </p:spPr>
         <p:style>
           <a:lnRef idx="2">
@@ -4751,10 +10846,10 @@
       </p:sp>
       <p:pic>
         <p:nvPicPr>
-          <p:cNvPr id="5" name="Grafik 4">
-            <a:extLst>
-              <a:ext uri="{FF2B5EF4-FFF2-40B4-BE49-F238E27FC236}">
-                <a16:creationId xmlns:a16="http://schemas.microsoft.com/office/drawing/2014/main" id="{72B6C643-AA2A-6B23-402D-6D4A3D29D6F6}"/>
+          <p:cNvPr id="10" name="Grafik 9">
+            <a:extLst>
+              <a:ext uri="{FF2B5EF4-FFF2-40B4-BE49-F238E27FC236}">
+                <a16:creationId xmlns:a16="http://schemas.microsoft.com/office/drawing/2014/main" id="{E3F8A18E-92F2-0B72-E08D-86BDD7C92033}"/>
               </a:ext>
             </a:extLst>
           </p:cNvPr>
@@ -4763,7 +10858,7 @@
           </p:cNvPicPr>
           <p:nvPr/>
         </p:nvPicPr>
-        <p:blipFill rotWithShape="1">
+        <p:blipFill>
           <a:blip r:embed="rId2">
             <a:extLst>
               <a:ext uri="{28A0092B-C50C-407E-A947-70E740481C1C}">
@@ -4771,13 +10866,14 @@
               </a:ext>
             </a:extLst>
           </a:blip>
-          <a:srcRect t="16510" r="8992" b="11490"/>
-          <a:stretch/>
+          <a:stretch>
+            <a:fillRect/>
+          </a:stretch>
         </p:blipFill>
         <p:spPr>
           <a:xfrm>
-            <a:off x="3523488" y="-19040"/>
-            <a:ext cx="8668512" cy="6857990"/>
+            <a:off x="1247297" y="2742397"/>
+            <a:ext cx="3762102" cy="3291840"/>
           </a:xfrm>
           <a:prstGeom prst="rect">
             <a:avLst/>
@@ -4786,10 +10882,10 @@
       </p:pic>
       <p:sp>
         <p:nvSpPr>
-          <p:cNvPr id="12" name="Rectangle 11">
-            <a:extLst>
-              <a:ext uri="{FF2B5EF4-FFF2-40B4-BE49-F238E27FC236}">
-                <a16:creationId xmlns:a16="http://schemas.microsoft.com/office/drawing/2014/main" id="{AB58EF07-17C2-48CF-ABB0-EEF1F17CB8F0}"/>
+          <p:cNvPr id="13" name="Rounded Rectangle 16">
+            <a:extLst>
+              <a:ext uri="{FF2B5EF4-FFF2-40B4-BE49-F238E27FC236}">
+                <a16:creationId xmlns:a16="http://schemas.microsoft.com/office/drawing/2014/main" id="{61F6E425-22AB-4DA2-8FAC-58ADB58EF6C3}"/>
               </a:ext>
               <a:ext uri="{C183D7F6-B498-43B3-948B-1728B52AA6E4}">
                 <adec:decorative xmlns:adec="http://schemas.microsoft.com/office/drawing/2017/decorative" val="1"/>
@@ -4809,36 +10905,29 @@
         </p:nvSpPr>
         <p:spPr>
           <a:xfrm>
-            <a:off x="3" y="0"/>
-            <a:ext cx="9339206" cy="6858000"/>
-          </a:xfrm>
-          <a:prstGeom prst="rect">
-            <a:avLst/>
-          </a:prstGeom>
-          <a:gradFill>
-            <a:gsLst>
-              <a:gs pos="58000">
-                <a:schemeClr val="bg1"/>
-              </a:gs>
-              <a:gs pos="33000">
-                <a:schemeClr val="bg1">
-                  <a:alpha val="64000"/>
-                </a:schemeClr>
-              </a:gs>
-              <a:gs pos="0">
-                <a:schemeClr val="bg1">
-                  <a:alpha val="0"/>
-                </a:schemeClr>
-              </a:gs>
-              <a:gs pos="100000">
-                <a:schemeClr val="bg1"/>
-              </a:gs>
-            </a:gsLst>
-            <a:lin ang="10800000" scaled="0"/>
-          </a:gradFill>
-          <a:ln>
-            <a:noFill/>
+            <a:off x="6254749" y="2423160"/>
+            <a:ext cx="5613569" cy="3930315"/>
+          </a:xfrm>
+          <a:prstGeom prst="roundRect">
+            <a:avLst>
+              <a:gd name="adj" fmla="val 0"/>
+            </a:avLst>
+          </a:prstGeom>
+          <a:solidFill>
+            <a:srgbClr val="FFFFFF"/>
+          </a:solidFill>
+          <a:ln w="9525">
+            <a:solidFill>
+              <a:srgbClr val="C8CACA"/>
+            </a:solidFill>
           </a:ln>
+          <a:effectLst>
+            <a:outerShdw blurRad="57150" dist="19050" dir="5400000" algn="t" rotWithShape="0">
+              <a:prstClr val="black">
+                <a:alpha val="63000"/>
+              </a:prstClr>
+            </a:outerShdw>
+          </a:effectLst>
         </p:spPr>
         <p:style>
           <a:lnRef idx="2">
@@ -4861,927 +10950,16 @@
           <a:lstStyle/>
           <a:p>
             <a:pPr algn="ctr"/>
-            <a:endParaRPr lang="en-US" dirty="0"/>
-          </a:p>
-        </p:txBody>
-      </p:sp>
-      <p:sp>
-        <p:nvSpPr>
-          <p:cNvPr id="14" name="Rectangle 13">
-            <a:extLst>
-              <a:ext uri="{FF2B5EF4-FFF2-40B4-BE49-F238E27FC236}">
-                <a16:creationId xmlns:a16="http://schemas.microsoft.com/office/drawing/2014/main" id="{AF2F604E-43BE-4DC3-B983-E071523364F8}"/>
-              </a:ext>
-              <a:ext uri="{C183D7F6-B498-43B3-948B-1728B52AA6E4}">
-                <adec:decorative xmlns:adec="http://schemas.microsoft.com/office/drawing/2017/decorative" val="1"/>
-              </a:ext>
-            </a:extLst>
-          </p:cNvPr>
-          <p:cNvSpPr>
-            <a:spLocks noGrp="1" noRot="1" noChangeAspect="1" noMove="1" noResize="1" noEditPoints="1" noAdjustHandles="1" noChangeArrowheads="1" noChangeShapeType="1" noTextEdit="1"/>
-          </p:cNvSpPr>
-          <p:nvPr>
-            <p:extLst>
-              <p:ext uri="{386F3935-93C4-4BCD-93E2-E3B085C9AB24}">
-                <p16:designElem xmlns:p16="http://schemas.microsoft.com/office/powerpoint/2015/main" val="1"/>
-              </p:ext>
-            </p:extLst>
-          </p:nvPr>
-        </p:nvSpPr>
-        <p:spPr>
-          <a:xfrm rot="5400000">
-            <a:off x="759921" y="346791"/>
-            <a:ext cx="146304" cy="704088"/>
-          </a:xfrm>
-          <a:prstGeom prst="rect">
-            <a:avLst/>
-          </a:prstGeom>
-          <a:solidFill>
-            <a:schemeClr val="accent2"/>
-          </a:solidFill>
-          <a:ln>
-            <a:noFill/>
-          </a:ln>
-        </p:spPr>
-        <p:style>
-          <a:lnRef idx="2">
-            <a:schemeClr val="accent1">
-              <a:shade val="50000"/>
-            </a:schemeClr>
-          </a:lnRef>
-          <a:fillRef idx="1">
-            <a:schemeClr val="accent1"/>
-          </a:fillRef>
-          <a:effectRef idx="0">
-            <a:schemeClr val="accent1"/>
-          </a:effectRef>
-          <a:fontRef idx="minor">
-            <a:schemeClr val="lt1"/>
-          </a:fontRef>
-        </p:style>
-        <p:txBody>
-          <a:bodyPr rtlCol="0" anchor="ctr"/>
-          <a:lstStyle/>
-          <a:p>
-            <a:pPr algn="ctr"/>
-            <a:endParaRPr lang="en-US">
-              <a:solidFill>
-                <a:prstClr val="white"/>
-              </a:solidFill>
-              <a:latin typeface="Calibri" panose="020F0502020204030204"/>
-            </a:endParaRPr>
-          </a:p>
-        </p:txBody>
-      </p:sp>
-      <p:sp>
-        <p:nvSpPr>
-          <p:cNvPr id="16" name="Rectangle 15">
-            <a:extLst>
-              <a:ext uri="{FF2B5EF4-FFF2-40B4-BE49-F238E27FC236}">
-                <a16:creationId xmlns:a16="http://schemas.microsoft.com/office/drawing/2014/main" id="{08C9B587-E65E-4B52-B37C-ABEBB6E87928}"/>
-              </a:ext>
-              <a:ext uri="{C183D7F6-B498-43B3-948B-1728B52AA6E4}">
-                <adec:decorative xmlns:adec="http://schemas.microsoft.com/office/drawing/2017/decorative" val="1"/>
-              </a:ext>
-            </a:extLst>
-          </p:cNvPr>
-          <p:cNvSpPr>
-            <a:spLocks noGrp="1" noRot="1" noChangeAspect="1" noMove="1" noResize="1" noEditPoints="1" noAdjustHandles="1" noChangeArrowheads="1" noChangeShapeType="1" noTextEdit="1"/>
-          </p:cNvSpPr>
-          <p:nvPr>
-            <p:extLst>
-              <p:ext uri="{386F3935-93C4-4BCD-93E2-E3B085C9AB24}">
-                <p16:designElem xmlns:p16="http://schemas.microsoft.com/office/powerpoint/2015/main" val="1"/>
-              </p:ext>
-            </p:extLst>
-          </p:nvPr>
-        </p:nvSpPr>
-        <p:spPr>
-          <a:xfrm>
-            <a:off x="481029" y="4546920"/>
-            <a:ext cx="3977640" cy="18288"/>
-          </a:xfrm>
-          <a:prstGeom prst="rect">
-            <a:avLst/>
-          </a:prstGeom>
-          <a:solidFill>
-            <a:schemeClr val="tx1"/>
-          </a:solidFill>
-          <a:ln w="3175">
-            <a:noFill/>
-          </a:ln>
-          <a:effectLst/>
-        </p:spPr>
-        <p:style>
-          <a:lnRef idx="2">
-            <a:schemeClr val="accent1">
-              <a:shade val="50000"/>
-            </a:schemeClr>
-          </a:lnRef>
-          <a:fillRef idx="1">
-            <a:schemeClr val="accent1"/>
-          </a:fillRef>
-          <a:effectRef idx="0">
-            <a:schemeClr val="accent1"/>
-          </a:effectRef>
-          <a:fontRef idx="minor">
-            <a:schemeClr val="lt1"/>
-          </a:fontRef>
-        </p:style>
-        <p:txBody>
-          <a:bodyPr rtlCol="0" anchor="ctr"/>
-          <a:lstStyle/>
-          <a:p>
-            <a:pPr marL="0" marR="0" lvl="0" indent="0" algn="ctr" defTabSz="914400" rtl="0" eaLnBrk="1" fontAlgn="auto" latinLnBrk="0" hangingPunct="1">
-              <a:lnSpc>
-                <a:spcPct val="100000"/>
-              </a:lnSpc>
-              <a:spcBef>
-                <a:spcPts val="0"/>
-              </a:spcBef>
-              <a:spcAft>
-                <a:spcPts val="0"/>
-              </a:spcAft>
-              <a:buClrTx/>
-              <a:buSzTx/>
-              <a:buFontTx/>
-              <a:buNone/>
-              <a:tabLst/>
-              <a:defRPr/>
-            </a:pPr>
-            <a:endParaRPr kumimoji="0" lang="en-US" sz="1800" b="0" i="0" u="none" strike="noStrike" kern="1200" cap="none" spc="0" normalizeH="0" baseline="0" noProof="0">
-              <a:ln>
-                <a:noFill/>
-              </a:ln>
-              <a:solidFill>
-                <a:prstClr val="white"/>
-              </a:solidFill>
-              <a:effectLst/>
-              <a:uLnTx/>
-              <a:uFillTx/>
-              <a:latin typeface="Calibri" panose="020F0502020204030204"/>
-              <a:ea typeface="+mn-ea"/>
-              <a:cs typeface="+mn-cs"/>
-            </a:endParaRPr>
-          </a:p>
-        </p:txBody>
-      </p:sp>
-      <p:sp>
-        <p:nvSpPr>
-          <p:cNvPr id="3" name="Textfeld 2">
-            <a:extLst>
-              <a:ext uri="{FF2B5EF4-FFF2-40B4-BE49-F238E27FC236}">
-                <a16:creationId xmlns:a16="http://schemas.microsoft.com/office/drawing/2014/main" id="{610994A0-B790-39D8-1A47-111C0C1F0DC9}"/>
-              </a:ext>
-            </a:extLst>
-          </p:cNvPr>
-          <p:cNvSpPr txBox="1"/>
-          <p:nvPr/>
-        </p:nvSpPr>
-        <p:spPr>
-          <a:xfrm>
-            <a:off x="687441" y="2671291"/>
-            <a:ext cx="4504894" cy="1846659"/>
-          </a:xfrm>
-          <a:prstGeom prst="rect">
-            <a:avLst/>
-          </a:prstGeom>
-          <a:noFill/>
-        </p:spPr>
-        <p:txBody>
-          <a:bodyPr wrap="square" rtlCol="0">
-            <a:spAutoFit/>
-          </a:bodyPr>
-          <a:lstStyle/>
-          <a:p>
-            <a:pPr marL="342900" indent="-342900">
-              <a:buFont typeface="Arial" panose="020B0604020202020204" pitchFamily="34" charset="0"/>
-              <a:buChar char="•"/>
-            </a:pPr>
-            <a:r>
-              <a:rPr lang="de-DE" sz="2400" b="1" dirty="0">
-                <a:latin typeface="Andalus" panose="02020603050405020304" pitchFamily="18" charset="-78"/>
-                <a:cs typeface="Andalus" panose="02020603050405020304" pitchFamily="18" charset="-78"/>
-              </a:rPr>
-              <a:t>Was ist unsere Ziel ?</a:t>
-            </a:r>
-          </a:p>
-          <a:p>
-            <a:pPr marL="342900" indent="-342900">
-              <a:buFont typeface="Arial" panose="020B0604020202020204" pitchFamily="34" charset="0"/>
-              <a:buChar char="•"/>
-            </a:pPr>
-            <a:endParaRPr lang="de-DE" sz="2400" b="1" dirty="0">
-              <a:latin typeface="Andalus" panose="02020603050405020304" pitchFamily="18" charset="-78"/>
-              <a:cs typeface="Andalus" panose="02020603050405020304" pitchFamily="18" charset="-78"/>
-            </a:endParaRPr>
-          </a:p>
-          <a:p>
-            <a:pPr marL="342900" indent="-342900">
-              <a:buFont typeface="Arial" panose="020B0604020202020204" pitchFamily="34" charset="0"/>
-              <a:buChar char="•"/>
-            </a:pPr>
-            <a:r>
-              <a:rPr lang="de-DE" sz="2400" b="1" dirty="0">
-                <a:latin typeface="Andalus" panose="02020603050405020304" pitchFamily="18" charset="-78"/>
-                <a:cs typeface="Andalus" panose="02020603050405020304" pitchFamily="18" charset="-78"/>
-              </a:rPr>
-              <a:t>Warum haben wir für Fitness App Entschieden ?</a:t>
-            </a:r>
-          </a:p>
-          <a:p>
-            <a:endParaRPr lang="de-DE" dirty="0">
-              <a:latin typeface="Andalus" panose="02020603050405020304" pitchFamily="18" charset="-78"/>
-              <a:cs typeface="Andalus" panose="02020603050405020304" pitchFamily="18" charset="-78"/>
-            </a:endParaRPr>
-          </a:p>
-        </p:txBody>
-      </p:sp>
-      <mc:AlternateContent xmlns:mc="http://schemas.openxmlformats.org/markup-compatibility/2006">
-        <mc:Choice xmlns:p14="http://schemas.microsoft.com/office/powerpoint/2010/main" Requires="p14">
-          <p:contentPart p14:bwMode="auto" r:id="rId3">
-            <p14:nvContentPartPr>
-              <p14:cNvPr id="11" name="Freihand 10">
-                <a:extLst>
-                  <a:ext uri="{FF2B5EF4-FFF2-40B4-BE49-F238E27FC236}">
-                    <a16:creationId xmlns:a16="http://schemas.microsoft.com/office/drawing/2014/main" id="{29FC895D-E16D-23C2-0563-640C0CAAD8BF}"/>
-                  </a:ext>
-                </a:extLst>
-              </p14:cNvPr>
-              <p14:cNvContentPartPr/>
-              <p14:nvPr/>
-            </p14:nvContentPartPr>
-            <p14:xfrm>
-              <a:off x="287793" y="4173698"/>
-              <a:ext cx="4193640" cy="1081440"/>
-            </p14:xfrm>
-          </p:contentPart>
-        </mc:Choice>
-        <mc:Fallback>
-          <p:pic>
-            <p:nvPicPr>
-              <p:cNvPr id="11" name="Freihand 10">
-                <a:extLst>
-                  <a:ext uri="{FF2B5EF4-FFF2-40B4-BE49-F238E27FC236}">
-                    <a16:creationId xmlns:a16="http://schemas.microsoft.com/office/drawing/2014/main" id="{29FC895D-E16D-23C2-0563-640C0CAAD8BF}"/>
-                  </a:ext>
-                </a:extLst>
-              </p:cNvPr>
-              <p:cNvPicPr/>
-              <p:nvPr/>
-            </p:nvPicPr>
-            <p:blipFill>
-              <a:blip r:embed="rId4"/>
-              <a:stretch>
-                <a:fillRect/>
-              </a:stretch>
-            </p:blipFill>
-            <p:spPr>
-              <a:xfrm>
-                <a:off x="224793" y="4111058"/>
-                <a:ext cx="4319280" cy="1207080"/>
-              </a:xfrm>
-              <a:prstGeom prst="rect">
-                <a:avLst/>
-              </a:prstGeom>
-            </p:spPr>
-          </p:pic>
-        </mc:Fallback>
-      </mc:AlternateContent>
-      <mc:AlternateContent xmlns:mc="http://schemas.openxmlformats.org/markup-compatibility/2006">
-        <mc:Choice xmlns:p14="http://schemas.microsoft.com/office/powerpoint/2010/main" Requires="p14">
-          <p:contentPart p14:bwMode="auto" r:id="rId5">
-            <p14:nvContentPartPr>
-              <p14:cNvPr id="13" name="Freihand 12">
-                <a:extLst>
-                  <a:ext uri="{FF2B5EF4-FFF2-40B4-BE49-F238E27FC236}">
-                    <a16:creationId xmlns:a16="http://schemas.microsoft.com/office/drawing/2014/main" id="{157FE559-9FF9-B45A-E043-21E7821048D0}"/>
-                  </a:ext>
-                </a:extLst>
-              </p14:cNvPr>
-              <p14:cNvContentPartPr/>
-              <p14:nvPr/>
-            </p14:nvContentPartPr>
-            <p14:xfrm>
-              <a:off x="510978" y="595788"/>
-              <a:ext cx="734760" cy="159480"/>
-            </p14:xfrm>
-          </p:contentPart>
-        </mc:Choice>
-        <mc:Fallback>
-          <p:pic>
-            <p:nvPicPr>
-              <p:cNvPr id="13" name="Freihand 12">
-                <a:extLst>
-                  <a:ext uri="{FF2B5EF4-FFF2-40B4-BE49-F238E27FC236}">
-                    <a16:creationId xmlns:a16="http://schemas.microsoft.com/office/drawing/2014/main" id="{157FE559-9FF9-B45A-E043-21E7821048D0}"/>
-                  </a:ext>
-                </a:extLst>
-              </p:cNvPr>
-              <p:cNvPicPr/>
-              <p:nvPr/>
-            </p:nvPicPr>
-            <p:blipFill>
-              <a:blip r:embed="rId6"/>
-              <a:stretch>
-                <a:fillRect/>
-              </a:stretch>
-            </p:blipFill>
-            <p:spPr>
-              <a:xfrm>
-                <a:off x="447978" y="532788"/>
-                <a:ext cx="860400" cy="285120"/>
-              </a:xfrm>
-              <a:prstGeom prst="rect">
-                <a:avLst/>
-              </a:prstGeom>
-            </p:spPr>
-          </p:pic>
-        </mc:Fallback>
-      </mc:AlternateContent>
-    </p:spTree>
-    <p:extLst>
-      <p:ext uri="{BB962C8B-B14F-4D97-AF65-F5344CB8AC3E}">
-        <p14:creationId xmlns:p14="http://schemas.microsoft.com/office/powerpoint/2010/main" val="981428855"/>
-      </p:ext>
-    </p:extLst>
-  </p:cSld>
-  <p:clrMapOvr>
-    <a:overrideClrMapping bg1="dk1" tx1="lt1" bg2="dk2" tx2="lt2" accent1="accent1" accent2="accent2" accent3="accent3" accent4="accent4" accent5="accent5" accent6="accent6" hlink="hlink" folHlink="folHlink"/>
-  </p:clrMapOvr>
-</p:sld>
-</file>
-
-<file path=ppt/slides/slide3.xml><?xml version="1.0" encoding="utf-8"?>
-<p:sld xmlns:a="http://schemas.openxmlformats.org/drawingml/2006/main" xmlns:r="http://schemas.openxmlformats.org/officeDocument/2006/relationships" xmlns:p="http://schemas.openxmlformats.org/presentationml/2006/main">
-  <p:cSld>
-    <p:bg>
-      <p:bgPr>
-        <a:solidFill>
-          <a:schemeClr val="bg1"/>
-        </a:solidFill>
-        <a:effectLst/>
-      </p:bgPr>
-    </p:bg>
-    <p:spTree>
-      <p:nvGrpSpPr>
-        <p:cNvPr id="1" name=""/>
-        <p:cNvGrpSpPr/>
-        <p:nvPr/>
-      </p:nvGrpSpPr>
-      <p:grpSpPr>
-        <a:xfrm>
-          <a:off x="0" y="0"/>
-          <a:ext cx="0" cy="0"/>
-          <a:chOff x="0" y="0"/>
-          <a:chExt cx="0" cy="0"/>
-        </a:xfrm>
-      </p:grpSpPr>
-      <p:sp useBgFill="1">
-        <p:nvSpPr>
-          <p:cNvPr id="19" name="Rectangle 14">
-            <a:extLst>
-              <a:ext uri="{FF2B5EF4-FFF2-40B4-BE49-F238E27FC236}">
-                <a16:creationId xmlns:a16="http://schemas.microsoft.com/office/drawing/2014/main" id="{04812C46-200A-4DEB-A05E-3ED6C68C2387}"/>
-              </a:ext>
-              <a:ext uri="{C183D7F6-B498-43B3-948B-1728B52AA6E4}">
-                <adec:decorative xmlns:adec="http://schemas.microsoft.com/office/drawing/2017/decorative" val="1"/>
-              </a:ext>
-            </a:extLst>
-          </p:cNvPr>
-          <p:cNvSpPr>
-            <a:spLocks noGrp="1" noRot="1" noChangeAspect="1" noMove="1" noResize="1" noEditPoints="1" noAdjustHandles="1" noChangeArrowheads="1" noChangeShapeType="1" noTextEdit="1"/>
-          </p:cNvSpPr>
-          <p:nvPr>
-            <p:extLst>
-              <p:ext uri="{386F3935-93C4-4BCD-93E2-E3B085C9AB24}">
-                <p16:designElem xmlns:p16="http://schemas.microsoft.com/office/powerpoint/2015/main" val="1"/>
-              </p:ext>
-            </p:extLst>
-          </p:nvPr>
-        </p:nvSpPr>
-        <p:spPr>
-          <a:xfrm>
-            <a:off x="3049" y="0"/>
-            <a:ext cx="12188952" cy="6858000"/>
-          </a:xfrm>
-          <a:prstGeom prst="rect">
-            <a:avLst/>
-          </a:prstGeom>
-          <a:ln>
-            <a:noFill/>
-          </a:ln>
-        </p:spPr>
-        <p:style>
-          <a:lnRef idx="2">
-            <a:schemeClr val="accent1">
-              <a:shade val="50000"/>
-            </a:schemeClr>
-          </a:lnRef>
-          <a:fillRef idx="1">
-            <a:schemeClr val="accent1"/>
-          </a:fillRef>
-          <a:effectRef idx="0">
-            <a:schemeClr val="accent1"/>
-          </a:effectRef>
-          <a:fontRef idx="minor">
-            <a:schemeClr val="lt1"/>
-          </a:fontRef>
-        </p:style>
-        <p:txBody>
-          <a:bodyPr rtlCol="0" anchor="ctr"/>
-          <a:lstStyle/>
-          <a:p>
-            <a:pPr algn="ctr"/>
             <a:endParaRPr lang="en-US"/>
           </a:p>
         </p:txBody>
       </p:sp>
       <p:pic>
         <p:nvPicPr>
-          <p:cNvPr id="6" name="Grafik 5" descr="Ein Bild, das Boden, drinnen, Person, Fenster enthält.&#10;&#10;Automatisch generierte Beschreibung">
-            <a:extLst>
-              <a:ext uri="{FF2B5EF4-FFF2-40B4-BE49-F238E27FC236}">
-                <a16:creationId xmlns:a16="http://schemas.microsoft.com/office/drawing/2014/main" id="{CF3A1863-2089-9463-9F3B-D9F50506BDD6}"/>
-              </a:ext>
-            </a:extLst>
-          </p:cNvPr>
-          <p:cNvPicPr>
-            <a:picLocks noChangeAspect="1"/>
-          </p:cNvPicPr>
-          <p:nvPr/>
-        </p:nvPicPr>
-        <p:blipFill rotWithShape="1">
-          <a:blip r:embed="rId3">
-            <a:extLst>
-              <a:ext uri="{28A0092B-C50C-407E-A947-70E740481C1C}">
-                <a14:useLocalDpi xmlns:a14="http://schemas.microsoft.com/office/drawing/2010/main" val="0"/>
-              </a:ext>
-            </a:extLst>
-          </a:blip>
-          <a:srcRect b="29077"/>
-          <a:stretch/>
-        </p:blipFill>
-        <p:spPr>
-          <a:xfrm>
-            <a:off x="2521661" y="10"/>
-            <a:ext cx="9669642" cy="6857990"/>
-          </a:xfrm>
-          <a:prstGeom prst="rect">
-            <a:avLst/>
-          </a:prstGeom>
-        </p:spPr>
-      </p:pic>
-      <p:sp>
-        <p:nvSpPr>
-          <p:cNvPr id="20" name="Rectangle 16">
-            <a:extLst>
-              <a:ext uri="{FF2B5EF4-FFF2-40B4-BE49-F238E27FC236}">
-                <a16:creationId xmlns:a16="http://schemas.microsoft.com/office/drawing/2014/main" id="{D1EA859B-E555-4109-94F3-6700E046E008}"/>
-              </a:ext>
-              <a:ext uri="{C183D7F6-B498-43B3-948B-1728B52AA6E4}">
-                <adec:decorative xmlns:adec="http://schemas.microsoft.com/office/drawing/2017/decorative" val="1"/>
-              </a:ext>
-            </a:extLst>
-          </p:cNvPr>
-          <p:cNvSpPr>
-            <a:spLocks noGrp="1" noRot="1" noChangeAspect="1" noMove="1" noResize="1" noEditPoints="1" noAdjustHandles="1" noChangeArrowheads="1" noChangeShapeType="1" noTextEdit="1"/>
-          </p:cNvSpPr>
-          <p:nvPr>
-            <p:extLst>
-              <p:ext uri="{386F3935-93C4-4BCD-93E2-E3B085C9AB24}">
-                <p16:designElem xmlns:p16="http://schemas.microsoft.com/office/powerpoint/2015/main" val="1"/>
-              </p:ext>
-            </p:extLst>
-          </p:nvPr>
-        </p:nvSpPr>
-        <p:spPr>
-          <a:xfrm>
-            <a:off x="-1" y="0"/>
-            <a:ext cx="7390263" cy="6858000"/>
-          </a:xfrm>
-          <a:prstGeom prst="rect">
-            <a:avLst/>
-          </a:prstGeom>
-          <a:gradFill>
-            <a:gsLst>
-              <a:gs pos="48000">
-                <a:schemeClr val="bg1"/>
-              </a:gs>
-              <a:gs pos="35000">
-                <a:schemeClr val="bg1">
-                  <a:alpha val="77000"/>
-                </a:schemeClr>
-              </a:gs>
-              <a:gs pos="19000">
-                <a:schemeClr val="bg1">
-                  <a:alpha val="38000"/>
-                </a:schemeClr>
-              </a:gs>
-              <a:gs pos="0">
-                <a:schemeClr val="bg1">
-                  <a:alpha val="0"/>
-                </a:schemeClr>
-              </a:gs>
-              <a:gs pos="100000">
-                <a:schemeClr val="bg1"/>
-              </a:gs>
-            </a:gsLst>
-            <a:lin ang="10800000" scaled="0"/>
-          </a:gradFill>
-          <a:ln>
-            <a:noFill/>
-          </a:ln>
-        </p:spPr>
-        <p:style>
-          <a:lnRef idx="2">
-            <a:schemeClr val="accent1">
-              <a:shade val="50000"/>
-            </a:schemeClr>
-          </a:lnRef>
-          <a:fillRef idx="1">
-            <a:schemeClr val="accent1"/>
-          </a:fillRef>
-          <a:effectRef idx="0">
-            <a:schemeClr val="accent1"/>
-          </a:effectRef>
-          <a:fontRef idx="minor">
-            <a:schemeClr val="lt1"/>
-          </a:fontRef>
-        </p:style>
-        <p:txBody>
-          <a:bodyPr rtlCol="0" anchor="ctr"/>
-          <a:lstStyle/>
-          <a:p>
-            <a:pPr algn="ctr"/>
-            <a:endParaRPr lang="en-US" dirty="0"/>
-          </a:p>
-        </p:txBody>
-      </p:sp>
-      <p:sp>
-        <p:nvSpPr>
-          <p:cNvPr id="2" name="Titel 1">
-            <a:extLst>
-              <a:ext uri="{FF2B5EF4-FFF2-40B4-BE49-F238E27FC236}">
-                <a16:creationId xmlns:a16="http://schemas.microsoft.com/office/drawing/2014/main" id="{945A7EBA-1FA5-155B-66EE-4E09352A6E3F}"/>
-              </a:ext>
-            </a:extLst>
-          </p:cNvPr>
-          <p:cNvSpPr>
-            <a:spLocks noGrp="1"/>
-          </p:cNvSpPr>
-          <p:nvPr>
-            <p:ph type="title"/>
-          </p:nvPr>
-        </p:nvSpPr>
-        <p:spPr>
-          <a:xfrm>
-            <a:off x="838200" y="365125"/>
-            <a:ext cx="3822189" cy="1899912"/>
-          </a:xfrm>
-        </p:spPr>
-        <p:txBody>
-          <a:bodyPr>
-            <a:normAutofit/>
-          </a:bodyPr>
-          <a:lstStyle/>
-          <a:p>
-            <a:r>
-              <a:rPr lang="de-DE" dirty="0">
-                <a:latin typeface="Andalus" panose="02020603050405020304" pitchFamily="18" charset="-78"/>
-                <a:cs typeface="Andalus" panose="02020603050405020304" pitchFamily="18" charset="-78"/>
-              </a:rPr>
-              <a:t>Gliederung</a:t>
-            </a:r>
-          </a:p>
-        </p:txBody>
-      </p:sp>
-      <p:sp>
-        <p:nvSpPr>
-          <p:cNvPr id="3" name="Inhaltsplatzhalter 2">
-            <a:extLst>
-              <a:ext uri="{FF2B5EF4-FFF2-40B4-BE49-F238E27FC236}">
-                <a16:creationId xmlns:a16="http://schemas.microsoft.com/office/drawing/2014/main" id="{7E9097B1-44DF-0857-8E3A-95888710F650}"/>
-              </a:ext>
-            </a:extLst>
-          </p:cNvPr>
-          <p:cNvSpPr>
-            <a:spLocks noGrp="1"/>
-          </p:cNvSpPr>
-          <p:nvPr>
-            <p:ph idx="1"/>
-          </p:nvPr>
-        </p:nvSpPr>
-        <p:spPr>
-          <a:xfrm>
-            <a:off x="838200" y="1911686"/>
-            <a:ext cx="4742793" cy="4423799"/>
-          </a:xfrm>
-        </p:spPr>
-        <p:txBody>
-          <a:bodyPr>
-            <a:normAutofit fontScale="92500" lnSpcReduction="10000"/>
-          </a:bodyPr>
-          <a:lstStyle/>
-          <a:p>
-            <a:pPr marL="0" indent="0">
-              <a:buNone/>
-            </a:pPr>
-            <a:endParaRPr lang="de-DE" sz="2000" dirty="0"/>
-          </a:p>
-          <a:p>
-            <a:r>
-              <a:rPr lang="de-DE" sz="2600" dirty="0">
-                <a:latin typeface="Andalus" panose="02020603050405020304" pitchFamily="18" charset="-78"/>
-                <a:cs typeface="Andalus" panose="02020603050405020304" pitchFamily="18" charset="-78"/>
-              </a:rPr>
-              <a:t>Vorbereitung (Informationen, Design &amp; Ressourcen)</a:t>
-            </a:r>
-          </a:p>
-          <a:p>
-            <a:endParaRPr lang="de-DE" sz="700" dirty="0">
-              <a:latin typeface="Andalus" panose="02020603050405020304" pitchFamily="18" charset="-78"/>
-              <a:cs typeface="Andalus" panose="02020603050405020304" pitchFamily="18" charset="-78"/>
-            </a:endParaRPr>
-          </a:p>
-          <a:p>
-            <a:r>
-              <a:rPr lang="de-DE" sz="2600" dirty="0">
-                <a:latin typeface="Andalus" panose="02020603050405020304" pitchFamily="18" charset="-78"/>
-                <a:cs typeface="Andalus" panose="02020603050405020304" pitchFamily="18" charset="-78"/>
-              </a:rPr>
-              <a:t>Android Studio</a:t>
-            </a:r>
-          </a:p>
-          <a:p>
-            <a:endParaRPr lang="de-DE" sz="600" dirty="0">
-              <a:latin typeface="Andalus" panose="02020603050405020304" pitchFamily="18" charset="-78"/>
-              <a:cs typeface="Andalus" panose="02020603050405020304" pitchFamily="18" charset="-78"/>
-            </a:endParaRPr>
-          </a:p>
-          <a:p>
-            <a:r>
-              <a:rPr lang="de-DE" sz="2600" dirty="0">
-                <a:latin typeface="Andalus" panose="02020603050405020304" pitchFamily="18" charset="-78"/>
-                <a:cs typeface="Andalus" panose="02020603050405020304" pitchFamily="18" charset="-78"/>
-              </a:rPr>
-              <a:t>Programmiersprache XML</a:t>
-            </a:r>
-          </a:p>
-          <a:p>
-            <a:endParaRPr lang="de-DE" sz="600" dirty="0">
-              <a:latin typeface="Andalus" panose="02020603050405020304" pitchFamily="18" charset="-78"/>
-              <a:cs typeface="Andalus" panose="02020603050405020304" pitchFamily="18" charset="-78"/>
-            </a:endParaRPr>
-          </a:p>
-          <a:p>
-            <a:r>
-              <a:rPr lang="de-DE" sz="2600" dirty="0">
-                <a:latin typeface="Andalus" panose="02020603050405020304" pitchFamily="18" charset="-78"/>
-                <a:cs typeface="Andalus" panose="02020603050405020304" pitchFamily="18" charset="-78"/>
-              </a:rPr>
-              <a:t>Datenbank </a:t>
-            </a:r>
-          </a:p>
-          <a:p>
-            <a:endParaRPr lang="de-DE" sz="600" dirty="0">
-              <a:latin typeface="Andalus" panose="02020603050405020304" pitchFamily="18" charset="-78"/>
-              <a:cs typeface="Andalus" panose="02020603050405020304" pitchFamily="18" charset="-78"/>
-            </a:endParaRPr>
-          </a:p>
-          <a:p>
-            <a:r>
-              <a:rPr lang="de-DE" sz="2600" dirty="0">
-                <a:latin typeface="Andalus" panose="02020603050405020304" pitchFamily="18" charset="-78"/>
-                <a:cs typeface="Andalus" panose="02020603050405020304" pitchFamily="18" charset="-78"/>
-              </a:rPr>
-              <a:t>Java/ Kotlin</a:t>
-            </a:r>
-          </a:p>
-          <a:p>
-            <a:endParaRPr lang="de-DE" sz="500" dirty="0">
-              <a:latin typeface="Andalus" panose="02020603050405020304" pitchFamily="18" charset="-78"/>
-              <a:cs typeface="Andalus" panose="02020603050405020304" pitchFamily="18" charset="-78"/>
-            </a:endParaRPr>
-          </a:p>
-          <a:p>
-            <a:r>
-              <a:rPr lang="de-DE" sz="2600" dirty="0">
-                <a:latin typeface="Andalus" panose="02020603050405020304" pitchFamily="18" charset="-78"/>
-                <a:cs typeface="Andalus" panose="02020603050405020304" pitchFamily="18" charset="-78"/>
-              </a:rPr>
-              <a:t>Quellen</a:t>
-            </a:r>
-            <a:endParaRPr lang="de-DE" sz="1900" dirty="0">
-              <a:latin typeface="Andalus" panose="02020603050405020304" pitchFamily="18" charset="-78"/>
-              <a:cs typeface="Andalus" panose="02020603050405020304" pitchFamily="18" charset="-78"/>
-            </a:endParaRPr>
-          </a:p>
-        </p:txBody>
-      </p:sp>
-    </p:spTree>
-    <p:extLst>
-      <p:ext uri="{BB962C8B-B14F-4D97-AF65-F5344CB8AC3E}">
-        <p14:creationId xmlns:p14="http://schemas.microsoft.com/office/powerpoint/2010/main" val="3366254452"/>
-      </p:ext>
-    </p:extLst>
-  </p:cSld>
-  <p:clrMapOvr>
-    <a:masterClrMapping/>
-  </p:clrMapOvr>
-</p:sld>
-</file>
-
-<file path=ppt/slides/slide4.xml><?xml version="1.0" encoding="utf-8"?>
-<p:sld xmlns:a="http://schemas.openxmlformats.org/drawingml/2006/main" xmlns:r="http://schemas.openxmlformats.org/officeDocument/2006/relationships" xmlns:p="http://schemas.openxmlformats.org/presentationml/2006/main">
-  <p:cSld>
-    <p:spTree>
-      <p:nvGrpSpPr>
-        <p:cNvPr id="1" name=""/>
-        <p:cNvGrpSpPr/>
-        <p:nvPr/>
-      </p:nvGrpSpPr>
-      <p:grpSpPr>
-        <a:xfrm>
-          <a:off x="0" y="0"/>
-          <a:ext cx="0" cy="0"/>
-          <a:chOff x="0" y="0"/>
-          <a:chExt cx="0" cy="0"/>
-        </a:xfrm>
-      </p:grpSpPr>
-      <p:sp>
-        <p:nvSpPr>
-          <p:cNvPr id="2" name="Titel 1">
-            <a:extLst>
-              <a:ext uri="{FF2B5EF4-FFF2-40B4-BE49-F238E27FC236}">
-                <a16:creationId xmlns:a16="http://schemas.microsoft.com/office/drawing/2014/main" id="{A08018C7-27BC-F6FB-2D65-C5FDC7D609B2}"/>
-              </a:ext>
-            </a:extLst>
-          </p:cNvPr>
-          <p:cNvSpPr>
-            <a:spLocks noGrp="1"/>
-          </p:cNvSpPr>
-          <p:nvPr>
-            <p:ph type="title"/>
-          </p:nvPr>
-        </p:nvSpPr>
-        <p:spPr>
-          <a:xfrm>
-            <a:off x="838200" y="365125"/>
-            <a:ext cx="1583453" cy="1325563"/>
-          </a:xfrm>
-        </p:spPr>
-        <p:txBody>
-          <a:bodyPr/>
-          <a:lstStyle/>
-          <a:p>
-            <a:r>
-              <a:rPr lang="de-DE" dirty="0">
-                <a:latin typeface="Andalus" panose="02020603050405020304" pitchFamily="18" charset="-78"/>
-                <a:cs typeface="Andalus" panose="02020603050405020304" pitchFamily="18" charset="-78"/>
-              </a:rPr>
-              <a:t>XML</a:t>
-            </a:r>
-            <a:endParaRPr lang="en-US" dirty="0">
-              <a:latin typeface="Andalus" panose="02020603050405020304" pitchFamily="18" charset="-78"/>
-              <a:cs typeface="Andalus" panose="02020603050405020304" pitchFamily="18" charset="-78"/>
-            </a:endParaRPr>
-          </a:p>
-        </p:txBody>
-      </p:sp>
-      <p:sp>
-        <p:nvSpPr>
-          <p:cNvPr id="6" name="Textfeld 5">
-            <a:extLst>
-              <a:ext uri="{FF2B5EF4-FFF2-40B4-BE49-F238E27FC236}">
-                <a16:creationId xmlns:a16="http://schemas.microsoft.com/office/drawing/2014/main" id="{5E8C34F8-26C3-F969-2737-8CACE4BC0A4D}"/>
-              </a:ext>
-            </a:extLst>
-          </p:cNvPr>
-          <p:cNvSpPr txBox="1"/>
-          <p:nvPr/>
-        </p:nvSpPr>
-        <p:spPr>
-          <a:xfrm>
-            <a:off x="757816" y="1268657"/>
-            <a:ext cx="3995057" cy="461665"/>
-          </a:xfrm>
-          <a:prstGeom prst="rect">
-            <a:avLst/>
-          </a:prstGeom>
-          <a:noFill/>
-        </p:spPr>
-        <p:txBody>
-          <a:bodyPr wrap="square" rtlCol="0">
-            <a:spAutoFit/>
-          </a:bodyPr>
-          <a:lstStyle/>
-          <a:p>
-            <a:pPr algn="ctr"/>
-            <a:r>
-              <a:rPr lang="en-US" sz="2400" dirty="0">
-                <a:latin typeface="Andalus" panose="02020603050405020304" pitchFamily="18" charset="-78"/>
-                <a:cs typeface="Andalus" panose="02020603050405020304" pitchFamily="18" charset="-78"/>
-              </a:rPr>
-              <a:t>Extensible Markup Language</a:t>
-            </a:r>
-          </a:p>
-        </p:txBody>
-      </p:sp>
-      <p:sp>
-        <p:nvSpPr>
-          <p:cNvPr id="7" name="Textfeld 6">
-            <a:extLst>
-              <a:ext uri="{FF2B5EF4-FFF2-40B4-BE49-F238E27FC236}">
-                <a16:creationId xmlns:a16="http://schemas.microsoft.com/office/drawing/2014/main" id="{1D81F74A-3A6E-1ACC-DFB3-96A33352F6B1}"/>
-              </a:ext>
-            </a:extLst>
-          </p:cNvPr>
-          <p:cNvSpPr txBox="1"/>
-          <p:nvPr/>
-        </p:nvSpPr>
-        <p:spPr>
-          <a:xfrm>
-            <a:off x="838200" y="2230733"/>
-            <a:ext cx="3633316" cy="2862322"/>
-          </a:xfrm>
-          <a:prstGeom prst="rect">
-            <a:avLst/>
-          </a:prstGeom>
-          <a:noFill/>
-        </p:spPr>
-        <p:txBody>
-          <a:bodyPr wrap="square" rtlCol="0">
-            <a:spAutoFit/>
-          </a:bodyPr>
-          <a:lstStyle/>
-          <a:p>
-            <a:pPr marL="285750" indent="-285750">
-              <a:buFont typeface="Arial" panose="020B0604020202020204" pitchFamily="34" charset="0"/>
-              <a:buChar char="•"/>
-            </a:pPr>
-            <a:r>
-              <a:rPr lang="de-DE" sz="2000" dirty="0">
-                <a:latin typeface="Andalus" panose="02020603050405020304" pitchFamily="18" charset="-78"/>
-                <a:cs typeface="Andalus" panose="02020603050405020304" pitchFamily="18" charset="-78"/>
-              </a:rPr>
-              <a:t>Es ist eine Methode zur Speicherung strukturierter Daten in Textform</a:t>
-            </a:r>
-          </a:p>
-          <a:p>
-            <a:pPr marL="285750" indent="-285750">
-              <a:buFont typeface="Arial" panose="020B0604020202020204" pitchFamily="34" charset="0"/>
-              <a:buChar char="•"/>
-            </a:pPr>
-            <a:endParaRPr lang="de-DE" sz="2000" dirty="0">
-              <a:latin typeface="Andalus" panose="02020603050405020304" pitchFamily="18" charset="-78"/>
-              <a:cs typeface="Andalus" panose="02020603050405020304" pitchFamily="18" charset="-78"/>
-            </a:endParaRPr>
-          </a:p>
-          <a:p>
-            <a:pPr marL="285750" indent="-285750">
-              <a:buFont typeface="Arial" panose="020B0604020202020204" pitchFamily="34" charset="0"/>
-              <a:buChar char="•"/>
-            </a:pPr>
-            <a:r>
-              <a:rPr lang="de-DE" sz="2000" dirty="0">
-                <a:latin typeface="Andalus" panose="02020603050405020304" pitchFamily="18" charset="-78"/>
-                <a:cs typeface="Andalus" panose="02020603050405020304" pitchFamily="18" charset="-78"/>
-              </a:rPr>
-              <a:t>XML sieht aus wie HTML, ist aber kein HTML</a:t>
-            </a:r>
-          </a:p>
-          <a:p>
-            <a:pPr marL="285750" indent="-285750">
-              <a:buFont typeface="Arial" panose="020B0604020202020204" pitchFamily="34" charset="0"/>
-              <a:buChar char="•"/>
-            </a:pPr>
-            <a:endParaRPr lang="de-DE" sz="2000" dirty="0">
-              <a:latin typeface="Andalus" panose="02020603050405020304" pitchFamily="18" charset="-78"/>
-              <a:cs typeface="Andalus" panose="02020603050405020304" pitchFamily="18" charset="-78"/>
-            </a:endParaRPr>
-          </a:p>
-          <a:p>
-            <a:pPr marL="285750" indent="-285750">
-              <a:buFont typeface="Arial" panose="020B0604020202020204" pitchFamily="34" charset="0"/>
-              <a:buChar char="•"/>
-            </a:pPr>
-            <a:r>
-              <a:rPr lang="de-DE" sz="2000" dirty="0">
-                <a:latin typeface="Andalus" panose="02020603050405020304" pitchFamily="18" charset="-78"/>
-                <a:cs typeface="Andalus" panose="02020603050405020304" pitchFamily="18" charset="-78"/>
-              </a:rPr>
-              <a:t>XML ist Text, aber nicht zum Lesen nur für den PC Lesbar</a:t>
-            </a:r>
-          </a:p>
-        </p:txBody>
-      </p:sp>
-      <p:pic>
-        <p:nvPicPr>
-          <p:cNvPr id="10" name="Grafik 9">
-            <a:extLst>
-              <a:ext uri="{FF2B5EF4-FFF2-40B4-BE49-F238E27FC236}">
-                <a16:creationId xmlns:a16="http://schemas.microsoft.com/office/drawing/2014/main" id="{C4801B08-2743-146E-F43E-F6A1F6CA1EDB}"/>
+          <p:cNvPr id="8" name="Grafik 7">
+            <a:extLst>
+              <a:ext uri="{FF2B5EF4-FFF2-40B4-BE49-F238E27FC236}">
+                <a16:creationId xmlns:a16="http://schemas.microsoft.com/office/drawing/2014/main" id="{5658C3E8-4F14-6049-1F47-CC857C01DCFC}"/>
               </a:ext>
             </a:extLst>
           </p:cNvPr>
@@ -5791,15 +10969,21 @@
           <p:nvPr/>
         </p:nvPicPr>
         <p:blipFill>
-          <a:blip r:embed="rId2"/>
+          <a:blip r:embed="rId3">
+            <a:extLst>
+              <a:ext uri="{28A0092B-C50C-407E-A947-70E740481C1C}">
+                <a14:useLocalDpi xmlns:a14="http://schemas.microsoft.com/office/drawing/2010/main" val="0"/>
+              </a:ext>
+            </a:extLst>
+          </a:blip>
           <a:stretch>
             <a:fillRect/>
           </a:stretch>
         </p:blipFill>
         <p:spPr>
           <a:xfrm>
-            <a:off x="4672483" y="1832183"/>
-            <a:ext cx="7397890" cy="3898760"/>
+            <a:off x="7182601" y="2742397"/>
+            <a:ext cx="3762102" cy="3291840"/>
           </a:xfrm>
           <a:prstGeom prst="rect">
             <a:avLst/>
@@ -5809,650 +10993,7 @@
     </p:spTree>
     <p:extLst>
       <p:ext uri="{BB962C8B-B14F-4D97-AF65-F5344CB8AC3E}">
-        <p14:creationId xmlns:p14="http://schemas.microsoft.com/office/powerpoint/2010/main" val="373475747"/>
-      </p:ext>
-    </p:extLst>
-  </p:cSld>
-  <p:clrMapOvr>
-    <a:masterClrMapping/>
-  </p:clrMapOvr>
-</p:sld>
-</file>
-
-<file path=ppt/slides/slide5.xml><?xml version="1.0" encoding="utf-8"?>
-<p:sld xmlns:a="http://schemas.openxmlformats.org/drawingml/2006/main" xmlns:r="http://schemas.openxmlformats.org/officeDocument/2006/relationships" xmlns:p="http://schemas.openxmlformats.org/presentationml/2006/main">
-  <p:cSld>
-    <p:spTree>
-      <p:nvGrpSpPr>
-        <p:cNvPr id="1" name=""/>
-        <p:cNvGrpSpPr/>
-        <p:nvPr/>
-      </p:nvGrpSpPr>
-      <p:grpSpPr>
-        <a:xfrm>
-          <a:off x="0" y="0"/>
-          <a:ext cx="0" cy="0"/>
-          <a:chOff x="0" y="0"/>
-          <a:chExt cx="0" cy="0"/>
-        </a:xfrm>
-      </p:grpSpPr>
-      <p:sp>
-        <p:nvSpPr>
-          <p:cNvPr id="2" name="Titel 1">
-            <a:extLst>
-              <a:ext uri="{FF2B5EF4-FFF2-40B4-BE49-F238E27FC236}">
-                <a16:creationId xmlns:a16="http://schemas.microsoft.com/office/drawing/2014/main" id="{A08018C7-27BC-F6FB-2D65-C5FDC7D609B2}"/>
-              </a:ext>
-            </a:extLst>
-          </p:cNvPr>
-          <p:cNvSpPr>
-            <a:spLocks noGrp="1"/>
-          </p:cNvSpPr>
-          <p:nvPr>
-            <p:ph type="title"/>
-          </p:nvPr>
-        </p:nvSpPr>
-        <p:spPr>
-          <a:xfrm>
-            <a:off x="838200" y="365125"/>
-            <a:ext cx="1583453" cy="1325563"/>
-          </a:xfrm>
-        </p:spPr>
-        <p:txBody>
-          <a:bodyPr/>
-          <a:lstStyle/>
-          <a:p>
-            <a:r>
-              <a:rPr lang="de-DE" dirty="0">
-                <a:latin typeface="Andalus" panose="02020603050405020304" pitchFamily="18" charset="-78"/>
-                <a:cs typeface="Andalus" panose="02020603050405020304" pitchFamily="18" charset="-78"/>
-              </a:rPr>
-              <a:t>XML</a:t>
-            </a:r>
-            <a:endParaRPr lang="en-US" dirty="0">
-              <a:latin typeface="Andalus" panose="02020603050405020304" pitchFamily="18" charset="-78"/>
-              <a:cs typeface="Andalus" panose="02020603050405020304" pitchFamily="18" charset="-78"/>
-            </a:endParaRPr>
-          </a:p>
-        </p:txBody>
-      </p:sp>
-      <p:sp>
-        <p:nvSpPr>
-          <p:cNvPr id="6" name="Textfeld 5">
-            <a:extLst>
-              <a:ext uri="{FF2B5EF4-FFF2-40B4-BE49-F238E27FC236}">
-                <a16:creationId xmlns:a16="http://schemas.microsoft.com/office/drawing/2014/main" id="{5E8C34F8-26C3-F969-2737-8CACE4BC0A4D}"/>
-              </a:ext>
-            </a:extLst>
-          </p:cNvPr>
-          <p:cNvSpPr txBox="1"/>
-          <p:nvPr/>
-        </p:nvSpPr>
-        <p:spPr>
-          <a:xfrm>
-            <a:off x="757816" y="1268657"/>
-            <a:ext cx="3995057" cy="461665"/>
-          </a:xfrm>
-          <a:prstGeom prst="rect">
-            <a:avLst/>
-          </a:prstGeom>
-          <a:noFill/>
-        </p:spPr>
-        <p:txBody>
-          <a:bodyPr wrap="square" rtlCol="0">
-            <a:spAutoFit/>
-          </a:bodyPr>
-          <a:lstStyle/>
-          <a:p>
-            <a:pPr algn="ctr"/>
-            <a:r>
-              <a:rPr lang="en-US" sz="2400" dirty="0">
-                <a:latin typeface="Andalus" panose="02020603050405020304" pitchFamily="18" charset="-78"/>
-                <a:cs typeface="Andalus" panose="02020603050405020304" pitchFamily="18" charset="-78"/>
-              </a:rPr>
-              <a:t>Extensible Markup Language</a:t>
-            </a:r>
-          </a:p>
-        </p:txBody>
-      </p:sp>
-      <p:sp>
-        <p:nvSpPr>
-          <p:cNvPr id="3" name="Textfeld 2">
-            <a:extLst>
-              <a:ext uri="{FF2B5EF4-FFF2-40B4-BE49-F238E27FC236}">
-                <a16:creationId xmlns:a16="http://schemas.microsoft.com/office/drawing/2014/main" id="{E3B8BC06-B506-5F82-0F66-D286AE7A1FAF}"/>
-              </a:ext>
-            </a:extLst>
-          </p:cNvPr>
-          <p:cNvSpPr txBox="1"/>
-          <p:nvPr/>
-        </p:nvSpPr>
-        <p:spPr>
-          <a:xfrm>
-            <a:off x="2230734" y="3074796"/>
-            <a:ext cx="1647930" cy="923330"/>
-          </a:xfrm>
-          <a:prstGeom prst="rect">
-            <a:avLst/>
-          </a:prstGeom>
-          <a:noFill/>
-        </p:spPr>
-        <p:txBody>
-          <a:bodyPr wrap="square" rtlCol="0">
-            <a:spAutoFit/>
-          </a:bodyPr>
-          <a:lstStyle/>
-          <a:p>
-            <a:r>
-              <a:rPr lang="de-DE" dirty="0"/>
-              <a:t>Bild von unserer Projekt code</a:t>
-            </a:r>
-            <a:endParaRPr lang="en-US" dirty="0"/>
-          </a:p>
-        </p:txBody>
-      </p:sp>
-    </p:spTree>
-    <p:extLst>
-      <p:ext uri="{BB962C8B-B14F-4D97-AF65-F5344CB8AC3E}">
-        <p14:creationId xmlns:p14="http://schemas.microsoft.com/office/powerpoint/2010/main" val="2685919652"/>
-      </p:ext>
-    </p:extLst>
-  </p:cSld>
-  <p:clrMapOvr>
-    <a:masterClrMapping/>
-  </p:clrMapOvr>
-</p:sld>
-</file>
-
-<file path=ppt/slides/slide6.xml><?xml version="1.0" encoding="utf-8"?>
-<p:sld xmlns:a="http://schemas.openxmlformats.org/drawingml/2006/main" xmlns:r="http://schemas.openxmlformats.org/officeDocument/2006/relationships" xmlns:p="http://schemas.openxmlformats.org/presentationml/2006/main">
-  <p:cSld>
-    <p:spTree>
-      <p:nvGrpSpPr>
-        <p:cNvPr id="1" name=""/>
-        <p:cNvGrpSpPr/>
-        <p:nvPr/>
-      </p:nvGrpSpPr>
-      <p:grpSpPr>
-        <a:xfrm>
-          <a:off x="0" y="0"/>
-          <a:ext cx="0" cy="0"/>
-          <a:chOff x="0" y="0"/>
-          <a:chExt cx="0" cy="0"/>
-        </a:xfrm>
-      </p:grpSpPr>
-      <p:sp>
-        <p:nvSpPr>
-          <p:cNvPr id="2" name="Titel 1">
-            <a:extLst>
-              <a:ext uri="{FF2B5EF4-FFF2-40B4-BE49-F238E27FC236}">
-                <a16:creationId xmlns:a16="http://schemas.microsoft.com/office/drawing/2014/main" id="{00BAAC91-FB25-C341-22F1-CB06AFB5F824}"/>
-              </a:ext>
-            </a:extLst>
-          </p:cNvPr>
-          <p:cNvSpPr>
-            <a:spLocks noGrp="1"/>
-          </p:cNvSpPr>
-          <p:nvPr>
-            <p:ph type="title"/>
-          </p:nvPr>
-        </p:nvSpPr>
-        <p:spPr>
-          <a:xfrm>
-            <a:off x="2793546" y="693118"/>
-            <a:ext cx="1250269" cy="823912"/>
-          </a:xfrm>
-        </p:spPr>
-        <p:txBody>
-          <a:bodyPr/>
-          <a:lstStyle/>
-          <a:p>
-            <a:pPr algn="ctr"/>
-            <a:r>
-              <a:rPr lang="de-DE" sz="4000" b="1" dirty="0">
-                <a:latin typeface="Andalus" panose="02020603050405020304" pitchFamily="18" charset="-78"/>
-                <a:cs typeface="Andalus" panose="02020603050405020304" pitchFamily="18" charset="-78"/>
-              </a:rPr>
-              <a:t>Logo</a:t>
-            </a:r>
-            <a:endParaRPr lang="de-DE" b="1" dirty="0">
-              <a:latin typeface="Andalus" panose="02020603050405020304" pitchFamily="18" charset="-78"/>
-              <a:cs typeface="Andalus" panose="02020603050405020304" pitchFamily="18" charset="-78"/>
-            </a:endParaRPr>
-          </a:p>
-        </p:txBody>
-      </p:sp>
-      <p:sp>
-        <p:nvSpPr>
-          <p:cNvPr id="10" name="Textplatzhalter 9">
-            <a:extLst>
-              <a:ext uri="{FF2B5EF4-FFF2-40B4-BE49-F238E27FC236}">
-                <a16:creationId xmlns:a16="http://schemas.microsoft.com/office/drawing/2014/main" id="{5405A843-FC3F-1CBD-2E98-6738D052C27F}"/>
-              </a:ext>
-            </a:extLst>
-          </p:cNvPr>
-          <p:cNvSpPr>
-            <a:spLocks noGrp="1"/>
-          </p:cNvSpPr>
-          <p:nvPr>
-            <p:ph type="body" idx="1"/>
-          </p:nvPr>
-        </p:nvSpPr>
-        <p:spPr/>
-        <p:txBody>
-          <a:bodyPr/>
-          <a:lstStyle/>
-          <a:p>
-            <a:endParaRPr lang="en-US"/>
-          </a:p>
-        </p:txBody>
-      </p:sp>
-      <p:sp>
-        <p:nvSpPr>
-          <p:cNvPr id="11" name="Inhaltsplatzhalter 10">
-            <a:extLst>
-              <a:ext uri="{FF2B5EF4-FFF2-40B4-BE49-F238E27FC236}">
-                <a16:creationId xmlns:a16="http://schemas.microsoft.com/office/drawing/2014/main" id="{FA541FC0-70E9-C88C-ADA0-4BEBD70F66FA}"/>
-              </a:ext>
-            </a:extLst>
-          </p:cNvPr>
-          <p:cNvSpPr>
-            <a:spLocks noGrp="1"/>
-          </p:cNvSpPr>
-          <p:nvPr>
-            <p:ph sz="half" idx="2"/>
-          </p:nvPr>
-        </p:nvSpPr>
-        <p:spPr/>
-        <p:txBody>
-          <a:bodyPr/>
-          <a:lstStyle/>
-          <a:p>
-            <a:endParaRPr lang="en-US"/>
-          </a:p>
-        </p:txBody>
-      </p:sp>
-      <p:sp>
-        <p:nvSpPr>
-          <p:cNvPr id="12" name="Textplatzhalter 11">
-            <a:extLst>
-              <a:ext uri="{FF2B5EF4-FFF2-40B4-BE49-F238E27FC236}">
-                <a16:creationId xmlns:a16="http://schemas.microsoft.com/office/drawing/2014/main" id="{FA163909-66E3-D141-21DF-2C6E39B341F9}"/>
-              </a:ext>
-            </a:extLst>
-          </p:cNvPr>
-          <p:cNvSpPr>
-            <a:spLocks noGrp="1"/>
-          </p:cNvSpPr>
-          <p:nvPr>
-            <p:ph type="body" sz="quarter" idx="3"/>
-          </p:nvPr>
-        </p:nvSpPr>
-        <p:spPr/>
-        <p:txBody>
-          <a:bodyPr/>
-          <a:lstStyle/>
-          <a:p>
-            <a:endParaRPr lang="en-US"/>
-          </a:p>
-        </p:txBody>
-      </p:sp>
-      <p:sp>
-        <p:nvSpPr>
-          <p:cNvPr id="13" name="Inhaltsplatzhalter 12">
-            <a:extLst>
-              <a:ext uri="{FF2B5EF4-FFF2-40B4-BE49-F238E27FC236}">
-                <a16:creationId xmlns:a16="http://schemas.microsoft.com/office/drawing/2014/main" id="{8BC33DB2-0590-46E4-8F3B-9E5BECB3BA88}"/>
-              </a:ext>
-            </a:extLst>
-          </p:cNvPr>
-          <p:cNvSpPr>
-            <a:spLocks noGrp="1"/>
-          </p:cNvSpPr>
-          <p:nvPr>
-            <p:ph sz="quarter" idx="4"/>
-          </p:nvPr>
-        </p:nvSpPr>
-        <p:spPr/>
-        <p:txBody>
-          <a:bodyPr/>
-          <a:lstStyle/>
-          <a:p>
-            <a:endParaRPr lang="en-US"/>
-          </a:p>
-        </p:txBody>
-      </p:sp>
-      <p:sp>
-        <p:nvSpPr>
-          <p:cNvPr id="9" name="Titel 1">
-            <a:extLst>
-              <a:ext uri="{FF2B5EF4-FFF2-40B4-BE49-F238E27FC236}">
-                <a16:creationId xmlns:a16="http://schemas.microsoft.com/office/drawing/2014/main" id="{6CF6430C-9C07-92D8-9B2D-0FBCBDA0C3A4}"/>
-              </a:ext>
-            </a:extLst>
-          </p:cNvPr>
-          <p:cNvSpPr txBox="1">
-            <a:spLocks/>
-          </p:cNvSpPr>
-          <p:nvPr/>
-        </p:nvSpPr>
-        <p:spPr>
-          <a:xfrm>
-            <a:off x="7504819" y="770147"/>
-            <a:ext cx="2517950" cy="911016"/>
-          </a:xfrm>
-          <a:prstGeom prst="rect">
-            <a:avLst/>
-          </a:prstGeom>
-        </p:spPr>
-        <p:txBody>
-          <a:bodyPr vert="horz" lIns="91440" tIns="45720" rIns="91440" bIns="45720" rtlCol="0" anchor="ctr">
-            <a:normAutofit/>
-          </a:bodyPr>
-          <a:lstStyle>
-            <a:lvl1pPr algn="l" defTabSz="914400" rtl="0" eaLnBrk="1" latinLnBrk="0" hangingPunct="1">
-              <a:lnSpc>
-                <a:spcPct val="90000"/>
-              </a:lnSpc>
-              <a:spcBef>
-                <a:spcPct val="0"/>
-              </a:spcBef>
-              <a:buNone/>
-              <a:defRPr sz="4400" kern="1200">
-                <a:solidFill>
-                  <a:schemeClr val="tx1"/>
-                </a:solidFill>
-                <a:latin typeface="+mj-lt"/>
-                <a:ea typeface="+mj-ea"/>
-                <a:cs typeface="+mj-cs"/>
-              </a:defRPr>
-            </a:lvl1pPr>
-          </a:lstStyle>
-          <a:p>
-            <a:pPr algn="ctr"/>
-            <a:r>
-              <a:rPr lang="de-DE" sz="4000" b="1" dirty="0">
-                <a:latin typeface="Andalus" panose="02020603050405020304" pitchFamily="18" charset="-78"/>
-                <a:cs typeface="Andalus" panose="02020603050405020304" pitchFamily="18" charset="-78"/>
-              </a:rPr>
-              <a:t>Ressourcen</a:t>
-            </a:r>
-          </a:p>
-        </p:txBody>
-      </p:sp>
-    </p:spTree>
-    <p:extLst>
-      <p:ext uri="{BB962C8B-B14F-4D97-AF65-F5344CB8AC3E}">
-        <p14:creationId xmlns:p14="http://schemas.microsoft.com/office/powerpoint/2010/main" val="2898103863"/>
-      </p:ext>
-    </p:extLst>
-  </p:cSld>
-  <p:clrMapOvr>
-    <a:masterClrMapping/>
-  </p:clrMapOvr>
-</p:sld>
-</file>
-
-<file path=ppt/slides/slide7.xml><?xml version="1.0" encoding="utf-8"?>
-<p:sld xmlns:a="http://schemas.openxmlformats.org/drawingml/2006/main" xmlns:r="http://schemas.openxmlformats.org/officeDocument/2006/relationships" xmlns:p="http://schemas.openxmlformats.org/presentationml/2006/main">
-  <p:cSld>
-    <p:spTree>
-      <p:nvGrpSpPr>
-        <p:cNvPr id="1" name=""/>
-        <p:cNvGrpSpPr/>
-        <p:nvPr/>
-      </p:nvGrpSpPr>
-      <p:grpSpPr>
-        <a:xfrm>
-          <a:off x="0" y="0"/>
-          <a:ext cx="0" cy="0"/>
-          <a:chOff x="0" y="0"/>
-          <a:chExt cx="0" cy="0"/>
-        </a:xfrm>
-      </p:grpSpPr>
-      <p:sp>
-        <p:nvSpPr>
-          <p:cNvPr id="2" name="Titel 1">
-            <a:extLst>
-              <a:ext uri="{FF2B5EF4-FFF2-40B4-BE49-F238E27FC236}">
-                <a16:creationId xmlns:a16="http://schemas.microsoft.com/office/drawing/2014/main" id="{00BAAC91-FB25-C341-22F1-CB06AFB5F824}"/>
-              </a:ext>
-            </a:extLst>
-          </p:cNvPr>
-          <p:cNvSpPr>
-            <a:spLocks noGrp="1"/>
-          </p:cNvSpPr>
-          <p:nvPr>
-            <p:ph type="title"/>
-          </p:nvPr>
-        </p:nvSpPr>
-        <p:spPr/>
-        <p:txBody>
-          <a:bodyPr/>
-          <a:lstStyle/>
-          <a:p>
-            <a:r>
-              <a:rPr lang="de-DE" dirty="0"/>
-              <a:t>Logo</a:t>
-            </a:r>
-          </a:p>
-        </p:txBody>
-      </p:sp>
-      <p:sp>
-        <p:nvSpPr>
-          <p:cNvPr id="3" name="Inhaltsplatzhalter 2">
-            <a:extLst>
-              <a:ext uri="{FF2B5EF4-FFF2-40B4-BE49-F238E27FC236}">
-                <a16:creationId xmlns:a16="http://schemas.microsoft.com/office/drawing/2014/main" id="{981B4F84-CEE1-84DC-C34F-EA876C85BE8E}"/>
-              </a:ext>
-            </a:extLst>
-          </p:cNvPr>
-          <p:cNvSpPr>
-            <a:spLocks noGrp="1"/>
-          </p:cNvSpPr>
-          <p:nvPr>
-            <p:ph idx="1"/>
-          </p:nvPr>
-        </p:nvSpPr>
-        <p:spPr/>
-        <p:txBody>
-          <a:bodyPr/>
-          <a:lstStyle/>
-          <a:p>
-            <a:endParaRPr lang="de-DE"/>
-          </a:p>
-        </p:txBody>
-      </p:sp>
-    </p:spTree>
-    <p:extLst>
-      <p:ext uri="{BB962C8B-B14F-4D97-AF65-F5344CB8AC3E}">
-        <p14:creationId xmlns:p14="http://schemas.microsoft.com/office/powerpoint/2010/main" val="1538932283"/>
-      </p:ext>
-    </p:extLst>
-  </p:cSld>
-  <p:clrMapOvr>
-    <a:masterClrMapping/>
-  </p:clrMapOvr>
-</p:sld>
-</file>
-
-<file path=ppt/slides/slide8.xml><?xml version="1.0" encoding="utf-8"?>
-<p:sld xmlns:a="http://schemas.openxmlformats.org/drawingml/2006/main" xmlns:r="http://schemas.openxmlformats.org/officeDocument/2006/relationships" xmlns:p="http://schemas.openxmlformats.org/presentationml/2006/main">
-  <p:cSld>
-    <p:spTree>
-      <p:nvGrpSpPr>
-        <p:cNvPr id="1" name=""/>
-        <p:cNvGrpSpPr/>
-        <p:nvPr/>
-      </p:nvGrpSpPr>
-      <p:grpSpPr>
-        <a:xfrm>
-          <a:off x="0" y="0"/>
-          <a:ext cx="0" cy="0"/>
-          <a:chOff x="0" y="0"/>
-          <a:chExt cx="0" cy="0"/>
-        </a:xfrm>
-      </p:grpSpPr>
-      <p:sp>
-        <p:nvSpPr>
-          <p:cNvPr id="2" name="Titel 1">
-            <a:extLst>
-              <a:ext uri="{FF2B5EF4-FFF2-40B4-BE49-F238E27FC236}">
-                <a16:creationId xmlns:a16="http://schemas.microsoft.com/office/drawing/2014/main" id="{F9D738B5-7B64-E76E-9067-7F3482F04D24}"/>
-              </a:ext>
-            </a:extLst>
-          </p:cNvPr>
-          <p:cNvSpPr>
-            <a:spLocks noGrp="1"/>
-          </p:cNvSpPr>
-          <p:nvPr>
-            <p:ph type="title"/>
-          </p:nvPr>
-        </p:nvSpPr>
-        <p:spPr/>
-        <p:txBody>
-          <a:bodyPr/>
-          <a:lstStyle/>
-          <a:p>
-            <a:r>
-              <a:rPr lang="de-DE" dirty="0"/>
-              <a:t>Ressourcen</a:t>
-            </a:r>
-          </a:p>
-        </p:txBody>
-      </p:sp>
-      <p:sp>
-        <p:nvSpPr>
-          <p:cNvPr id="3" name="Inhaltsplatzhalter 2">
-            <a:extLst>
-              <a:ext uri="{FF2B5EF4-FFF2-40B4-BE49-F238E27FC236}">
-                <a16:creationId xmlns:a16="http://schemas.microsoft.com/office/drawing/2014/main" id="{5B731C45-17D3-BE00-C0DA-448F5C2AE5B9}"/>
-              </a:ext>
-            </a:extLst>
-          </p:cNvPr>
-          <p:cNvSpPr>
-            <a:spLocks noGrp="1"/>
-          </p:cNvSpPr>
-          <p:nvPr>
-            <p:ph idx="1"/>
-          </p:nvPr>
-        </p:nvSpPr>
-        <p:spPr/>
-        <p:txBody>
-          <a:bodyPr/>
-          <a:lstStyle/>
-          <a:p>
-            <a:r>
-              <a:rPr lang="de-DE" dirty="0"/>
-              <a:t>Android Studio installieren </a:t>
-            </a:r>
-          </a:p>
-          <a:p>
-            <a:r>
-              <a:rPr lang="de-DE" dirty="0" err="1"/>
-              <a:t>Figma</a:t>
-            </a:r>
-            <a:endParaRPr lang="de-DE" dirty="0"/>
-          </a:p>
-          <a:p>
-            <a:endParaRPr lang="de-DE" dirty="0"/>
-          </a:p>
-          <a:p>
-            <a:endParaRPr lang="de-DE" dirty="0"/>
-          </a:p>
-        </p:txBody>
-      </p:sp>
-    </p:spTree>
-    <p:extLst>
-      <p:ext uri="{BB962C8B-B14F-4D97-AF65-F5344CB8AC3E}">
-        <p14:creationId xmlns:p14="http://schemas.microsoft.com/office/powerpoint/2010/main" val="1500695858"/>
-      </p:ext>
-    </p:extLst>
-  </p:cSld>
-  <p:clrMapOvr>
-    <a:masterClrMapping/>
-  </p:clrMapOvr>
-</p:sld>
-</file>
-
-<file path=ppt/slides/slide9.xml><?xml version="1.0" encoding="utf-8"?>
-<p:sld xmlns:a="http://schemas.openxmlformats.org/drawingml/2006/main" xmlns:r="http://schemas.openxmlformats.org/officeDocument/2006/relationships" xmlns:p="http://schemas.openxmlformats.org/presentationml/2006/main">
-  <p:cSld>
-    <p:spTree>
-      <p:nvGrpSpPr>
-        <p:cNvPr id="1" name=""/>
-        <p:cNvGrpSpPr/>
-        <p:nvPr/>
-      </p:nvGrpSpPr>
-      <p:grpSpPr>
-        <a:xfrm>
-          <a:off x="0" y="0"/>
-          <a:ext cx="0" cy="0"/>
-          <a:chOff x="0" y="0"/>
-          <a:chExt cx="0" cy="0"/>
-        </a:xfrm>
-      </p:grpSpPr>
-      <p:sp>
-        <p:nvSpPr>
-          <p:cNvPr id="2" name="Titel 1">
-            <a:extLst>
-              <a:ext uri="{FF2B5EF4-FFF2-40B4-BE49-F238E27FC236}">
-                <a16:creationId xmlns:a16="http://schemas.microsoft.com/office/drawing/2014/main" id="{2689DE48-EF5F-4673-D88E-271793FF53CE}"/>
-              </a:ext>
-            </a:extLst>
-          </p:cNvPr>
-          <p:cNvSpPr>
-            <a:spLocks noGrp="1"/>
-          </p:cNvSpPr>
-          <p:nvPr>
-            <p:ph type="title"/>
-          </p:nvPr>
-        </p:nvSpPr>
-        <p:spPr/>
-        <p:txBody>
-          <a:bodyPr/>
-          <a:lstStyle/>
-          <a:p>
-            <a:r>
-              <a:rPr lang="de-DE" dirty="0"/>
-              <a:t>Design &amp; Bilder</a:t>
-            </a:r>
-          </a:p>
-        </p:txBody>
-      </p:sp>
-      <p:sp>
-        <p:nvSpPr>
-          <p:cNvPr id="3" name="Inhaltsplatzhalter 2">
-            <a:extLst>
-              <a:ext uri="{FF2B5EF4-FFF2-40B4-BE49-F238E27FC236}">
-                <a16:creationId xmlns:a16="http://schemas.microsoft.com/office/drawing/2014/main" id="{5D58A2A5-846A-D4B6-4C86-D1CD16F4F005}"/>
-              </a:ext>
-            </a:extLst>
-          </p:cNvPr>
-          <p:cNvSpPr>
-            <a:spLocks noGrp="1"/>
-          </p:cNvSpPr>
-          <p:nvPr>
-            <p:ph idx="1"/>
-          </p:nvPr>
-        </p:nvSpPr>
-        <p:spPr/>
-        <p:txBody>
-          <a:bodyPr/>
-          <a:lstStyle/>
-          <a:p>
-            <a:r>
-              <a:rPr lang="de-DE" dirty="0" err="1"/>
-              <a:t>Figma</a:t>
-            </a:r>
-            <a:endParaRPr lang="de-DE" dirty="0"/>
-          </a:p>
-        </p:txBody>
-      </p:sp>
-    </p:spTree>
-    <p:extLst>
-      <p:ext uri="{BB962C8B-B14F-4D97-AF65-F5344CB8AC3E}">
-        <p14:creationId xmlns:p14="http://schemas.microsoft.com/office/powerpoint/2010/main" val="117493942"/>
+        <p14:creationId xmlns:p14="http://schemas.microsoft.com/office/powerpoint/2010/main" val="45985059"/>
       </p:ext>
     </p:extLst>
   </p:cSld>

--- a/LFÜP.pptx
+++ b/LFÜP.pptx
@@ -223,7 +223,7 @@
           <a:p>
             <a:fld id="{2EAF76E7-7547-4150-806D-86F8A2C566D2}" type="datetimeFigureOut">
               <a:rPr lang="en-US" smtClean="0"/>
-              <a:t>11/28/2022</a:t>
+              <a:t>11/29/2022</a:t>
             </a:fld>
             <a:endParaRPr lang="en-US"/>
           </a:p>
@@ -638,7 +638,7 @@
           <a:p>
             <a:fld id="{EFDAA984-E6C3-4D4F-9F41-6B61BE8B873A}" type="datetimeFigureOut">
               <a:rPr lang="de-DE" smtClean="0"/>
-              <a:t>28.11.2022</a:t>
+              <a:t>29.11.2022</a:t>
             </a:fld>
             <a:endParaRPr lang="de-DE"/>
           </a:p>
@@ -836,7 +836,7 @@
           <a:p>
             <a:fld id="{EFDAA984-E6C3-4D4F-9F41-6B61BE8B873A}" type="datetimeFigureOut">
               <a:rPr lang="de-DE" smtClean="0"/>
-              <a:t>28.11.2022</a:t>
+              <a:t>29.11.2022</a:t>
             </a:fld>
             <a:endParaRPr lang="de-DE"/>
           </a:p>
@@ -1044,7 +1044,7 @@
           <a:p>
             <a:fld id="{EFDAA984-E6C3-4D4F-9F41-6B61BE8B873A}" type="datetimeFigureOut">
               <a:rPr lang="de-DE" smtClean="0"/>
-              <a:t>28.11.2022</a:t>
+              <a:t>29.11.2022</a:t>
             </a:fld>
             <a:endParaRPr lang="de-DE"/>
           </a:p>
@@ -1242,7 +1242,7 @@
           <a:p>
             <a:fld id="{EFDAA984-E6C3-4D4F-9F41-6B61BE8B873A}" type="datetimeFigureOut">
               <a:rPr lang="de-DE" smtClean="0"/>
-              <a:t>28.11.2022</a:t>
+              <a:t>29.11.2022</a:t>
             </a:fld>
             <a:endParaRPr lang="de-DE"/>
           </a:p>
@@ -1517,7 +1517,7 @@
           <a:p>
             <a:fld id="{EFDAA984-E6C3-4D4F-9F41-6B61BE8B873A}" type="datetimeFigureOut">
               <a:rPr lang="de-DE" smtClean="0"/>
-              <a:t>28.11.2022</a:t>
+              <a:t>29.11.2022</a:t>
             </a:fld>
             <a:endParaRPr lang="de-DE"/>
           </a:p>
@@ -1782,7 +1782,7 @@
           <a:p>
             <a:fld id="{EFDAA984-E6C3-4D4F-9F41-6B61BE8B873A}" type="datetimeFigureOut">
               <a:rPr lang="de-DE" smtClean="0"/>
-              <a:t>28.11.2022</a:t>
+              <a:t>29.11.2022</a:t>
             </a:fld>
             <a:endParaRPr lang="de-DE"/>
           </a:p>
@@ -2194,7 +2194,7 @@
           <a:p>
             <a:fld id="{EFDAA984-E6C3-4D4F-9F41-6B61BE8B873A}" type="datetimeFigureOut">
               <a:rPr lang="de-DE" smtClean="0"/>
-              <a:t>28.11.2022</a:t>
+              <a:t>29.11.2022</a:t>
             </a:fld>
             <a:endParaRPr lang="de-DE"/>
           </a:p>
@@ -2335,7 +2335,7 @@
           <a:p>
             <a:fld id="{EFDAA984-E6C3-4D4F-9F41-6B61BE8B873A}" type="datetimeFigureOut">
               <a:rPr lang="de-DE" smtClean="0"/>
-              <a:t>28.11.2022</a:t>
+              <a:t>29.11.2022</a:t>
             </a:fld>
             <a:endParaRPr lang="de-DE"/>
           </a:p>
@@ -2448,7 +2448,7 @@
           <a:p>
             <a:fld id="{EFDAA984-E6C3-4D4F-9F41-6B61BE8B873A}" type="datetimeFigureOut">
               <a:rPr lang="de-DE" smtClean="0"/>
-              <a:t>28.11.2022</a:t>
+              <a:t>29.11.2022</a:t>
             </a:fld>
             <a:endParaRPr lang="de-DE"/>
           </a:p>
@@ -2759,7 +2759,7 @@
           <a:p>
             <a:fld id="{EFDAA984-E6C3-4D4F-9F41-6B61BE8B873A}" type="datetimeFigureOut">
               <a:rPr lang="de-DE" smtClean="0"/>
-              <a:t>28.11.2022</a:t>
+              <a:t>29.11.2022</a:t>
             </a:fld>
             <a:endParaRPr lang="de-DE"/>
           </a:p>
@@ -3047,7 +3047,7 @@
           <a:p>
             <a:fld id="{EFDAA984-E6C3-4D4F-9F41-6B61BE8B873A}" type="datetimeFigureOut">
               <a:rPr lang="de-DE" smtClean="0"/>
-              <a:t>28.11.2022</a:t>
+              <a:t>29.11.2022</a:t>
             </a:fld>
             <a:endParaRPr lang="de-DE"/>
           </a:p>
@@ -3288,7 +3288,7 @@
           <a:p>
             <a:fld id="{EFDAA984-E6C3-4D4F-9F41-6B61BE8B873A}" type="datetimeFigureOut">
               <a:rPr lang="de-DE" smtClean="0"/>
-              <a:t>28.11.2022</a:t>
+              <a:t>29.11.2022</a:t>
             </a:fld>
             <a:endParaRPr lang="de-DE"/>
           </a:p>
@@ -4838,7 +4838,7 @@
         </p:blipFill>
         <p:spPr bwMode="auto">
           <a:xfrm>
-            <a:off x="4883499" y="268944"/>
+            <a:off x="4883499" y="321696"/>
             <a:ext cx="2425002" cy="2425002"/>
           </a:xfrm>
           <a:prstGeom prst="rect">
@@ -4909,7 +4909,7 @@
         <p:spPr>
           <a:xfrm>
             <a:off x="1634503" y="3295999"/>
-            <a:ext cx="8922991" cy="2814617"/>
+            <a:ext cx="8922991" cy="1891287"/>
           </a:xfrm>
           <a:prstGeom prst="rect">
             <a:avLst/>
@@ -4935,18 +4935,6 @@
               </a:rPr>
               <a:t>Mit XML erstellt man Die User Interface (Oberfläche) </a:t>
             </a:r>
-            <a:r>
-              <a:rPr lang="de-DE" sz="2000" dirty="0" err="1">
-                <a:cs typeface="Andalus" panose="02020603050405020304" pitchFamily="18" charset="-78"/>
-              </a:rPr>
-              <a:t>z.b</a:t>
-            </a:r>
-            <a:r>
-              <a:rPr lang="de-DE" sz="2000" dirty="0">
-                <a:cs typeface="Andalus" panose="02020603050405020304" pitchFamily="18" charset="-78"/>
-              </a:rPr>
-              <a:t> TextView ImageView</a:t>
-            </a:r>
           </a:p>
           <a:p>
             <a:pPr marL="285750" indent="-285750">
@@ -4960,7 +4948,7 @@
               <a:rPr lang="de-DE" sz="2000" dirty="0">
                 <a:cs typeface="Andalus" panose="02020603050405020304" pitchFamily="18" charset="-78"/>
               </a:rPr>
-              <a:t>Bearbeitet man in der erste Lienen die Inhalte Vorteil Von XML ist man kann mit Code arbeiten oder mit Drag und Drop</a:t>
+              <a:t>Kann man den UI mit Code oder Drag und Drop bearbeiten</a:t>
             </a:r>
           </a:p>
           <a:p>
@@ -5019,21 +5007,6 @@
                 <a:effectLst/>
               </a:rPr>
               <a:t> bekommt ein ID, damit man einfach mit Java/XML bearbeiten kann</a:t>
-            </a:r>
-          </a:p>
-          <a:p>
-            <a:pPr marL="285750" indent="-285750">
-              <a:lnSpc>
-                <a:spcPct val="150000"/>
-              </a:lnSpc>
-              <a:buFont typeface="Arial" panose="020B0604020202020204" pitchFamily="34" charset="0"/>
-              <a:buChar char="•"/>
-            </a:pPr>
-            <a:r>
-              <a:rPr lang="de-DE" sz="2000" dirty="0">
-                <a:cs typeface="Andalus" panose="02020603050405020304" pitchFamily="18" charset="-78"/>
-              </a:rPr>
-              <a:t>XML sieht wie HTML &amp; CSS aus , ist aber kein davon</a:t>
             </a:r>
           </a:p>
         </p:txBody>
@@ -5956,7 +5929,7 @@
 </file>
 
 <file path=ppt/slides/slide17.xml><?xml version="1.0" encoding="utf-8"?>
-<p:sld xmlns:a="http://schemas.openxmlformats.org/drawingml/2006/main" xmlns:r="http://schemas.openxmlformats.org/officeDocument/2006/relationships" xmlns:p="http://schemas.openxmlformats.org/presentationml/2006/main">
+<p:sld xmlns:a="http://schemas.openxmlformats.org/drawingml/2006/main" xmlns:r="http://schemas.openxmlformats.org/officeDocument/2006/relationships" xmlns:p="http://schemas.openxmlformats.org/presentationml/2006/main" show="0">
   <p:cSld>
     <p:spTree>
       <p:nvGrpSpPr>
@@ -8457,7 +8430,7 @@
                   </a:schemeClr>
                 </a:solidFill>
               </a:rPr>
-              <a:t>Konzertierung &amp; Entwicklung einer Fitness-App</a:t>
+              <a:t>Konzeptierung &amp; Entwicklung einer Fitness-App</a:t>
             </a:r>
           </a:p>
         </p:txBody>

--- a/LFÜP.pptx
+++ b/LFÜP.pptx
@@ -5,13 +5,13 @@
     <p:sldMasterId id="2147483648" r:id="rId1"/>
   </p:sldMasterIdLst>
   <p:notesMasterIdLst>
-    <p:notesMasterId r:id="rId23"/>
+    <p:notesMasterId r:id="rId22"/>
   </p:notesMasterIdLst>
   <p:sldIdLst>
     <p:sldId id="279" r:id="rId2"/>
     <p:sldId id="277" r:id="rId3"/>
-    <p:sldId id="278" r:id="rId4"/>
-    <p:sldId id="275" r:id="rId5"/>
+    <p:sldId id="275" r:id="rId4"/>
+    <p:sldId id="278" r:id="rId5"/>
     <p:sldId id="280" r:id="rId6"/>
     <p:sldId id="265" r:id="rId7"/>
     <p:sldId id="270" r:id="rId8"/>
@@ -23,12 +23,11 @@
     <p:sldId id="289" r:id="rId14"/>
     <p:sldId id="284" r:id="rId15"/>
     <p:sldId id="285" r:id="rId16"/>
-    <p:sldId id="287" r:id="rId17"/>
-    <p:sldId id="286" r:id="rId18"/>
-    <p:sldId id="288" r:id="rId19"/>
-    <p:sldId id="290" r:id="rId20"/>
-    <p:sldId id="291" r:id="rId21"/>
-    <p:sldId id="292" r:id="rId22"/>
+    <p:sldId id="286" r:id="rId17"/>
+    <p:sldId id="288" r:id="rId18"/>
+    <p:sldId id="290" r:id="rId19"/>
+    <p:sldId id="291" r:id="rId20"/>
+    <p:sldId id="292" r:id="rId21"/>
   </p:sldIdLst>
   <p:sldSz cx="12192000" cy="6858000"/>
   <p:notesSz cx="6858000" cy="9144000"/>
@@ -3689,7 +3688,7 @@
 </file>
 
 <file path=ppt/slides/slide1.xml><?xml version="1.0" encoding="utf-8"?>
-<p:sld xmlns:a="http://schemas.openxmlformats.org/drawingml/2006/main" xmlns:r="http://schemas.openxmlformats.org/officeDocument/2006/relationships" xmlns:p="http://schemas.openxmlformats.org/presentationml/2006/main">
+<p:sld xmlns:a="http://schemas.openxmlformats.org/drawingml/2006/main" xmlns:r="http://schemas.openxmlformats.org/officeDocument/2006/relationships" xmlns:p="http://schemas.openxmlformats.org/presentationml/2006/main" show="0">
   <p:cSld>
     <p:bg>
       <p:bgPr>
@@ -4809,6 +4808,40 @@
           <a:chExt cx="0" cy="0"/>
         </a:xfrm>
       </p:grpSpPr>
+      <p:sp>
+        <p:nvSpPr>
+          <p:cNvPr id="2" name="Textfeld 1">
+            <a:extLst>
+              <a:ext uri="{FF2B5EF4-FFF2-40B4-BE49-F238E27FC236}">
+                <a16:creationId xmlns:a16="http://schemas.microsoft.com/office/drawing/2014/main" id="{766C0232-D5D2-C257-4372-982B2726E2C3}"/>
+              </a:ext>
+            </a:extLst>
+          </p:cNvPr>
+          <p:cNvSpPr txBox="1"/>
+          <p:nvPr/>
+        </p:nvSpPr>
+        <p:spPr>
+          <a:xfrm>
+            <a:off x="-2" y="0"/>
+            <a:ext cx="12192000" cy="6858000"/>
+          </a:xfrm>
+          <a:prstGeom prst="rect">
+            <a:avLst/>
+          </a:prstGeom>
+          <a:solidFill>
+            <a:schemeClr val="tx1"/>
+          </a:solidFill>
+        </p:spPr>
+        <p:txBody>
+          <a:bodyPr wrap="square" rtlCol="0">
+            <a:spAutoFit/>
+          </a:bodyPr>
+          <a:lstStyle/>
+          <a:p>
+            <a:endParaRPr lang="de-DE" dirty="0"/>
+          </a:p>
+        </p:txBody>
+      </p:sp>
       <p:pic>
         <p:nvPicPr>
           <p:cNvPr id="2050" name="Picture 2" descr="Bilder – Xml | Gratis Vektoren, Fotos und PSDs">
@@ -4838,7 +4871,7 @@
         </p:blipFill>
         <p:spPr bwMode="auto">
           <a:xfrm>
-            <a:off x="4883499" y="321696"/>
+            <a:off x="4883497" y="131366"/>
             <a:ext cx="2425002" cy="2425002"/>
           </a:xfrm>
           <a:prstGeom prst="rect">
@@ -4887,6 +4920,11 @@
             <a:pPr algn="ctr"/>
             <a:r>
               <a:rPr lang="en-US" sz="2400" b="1" dirty="0">
+                <a:solidFill>
+                  <a:schemeClr val="bg1">
+                    <a:lumMod val="75000"/>
+                  </a:schemeClr>
+                </a:solidFill>
                 <a:cs typeface="Andalus" panose="02020603050405020304" pitchFamily="18" charset="-78"/>
               </a:rPr>
               <a:t>Extensible Markup Language</a:t>
@@ -4908,8 +4946,8 @@
         </p:nvSpPr>
         <p:spPr>
           <a:xfrm>
-            <a:off x="1634503" y="3295999"/>
-            <a:ext cx="8922991" cy="1891287"/>
+            <a:off x="1634502" y="3425618"/>
+            <a:ext cx="8922991" cy="2276008"/>
           </a:xfrm>
           <a:prstGeom prst="rect">
             <a:avLst/>
@@ -4924,52 +4962,7 @@
           <a:p>
             <a:pPr marL="285750" indent="-285750">
               <a:lnSpc>
-                <a:spcPct val="150000"/>
-              </a:lnSpc>
-              <a:buFont typeface="Arial" panose="020B0604020202020204" pitchFamily="34" charset="0"/>
-              <a:buChar char="•"/>
-            </a:pPr>
-            <a:r>
-              <a:rPr lang="de-DE" sz="2000" dirty="0">
-                <a:cs typeface="Andalus" panose="02020603050405020304" pitchFamily="18" charset="-78"/>
-              </a:rPr>
-              <a:t>Mit XML erstellt man Die User Interface (Oberfläche) </a:t>
-            </a:r>
-          </a:p>
-          <a:p>
-            <a:pPr marL="285750" indent="-285750">
-              <a:lnSpc>
-                <a:spcPct val="150000"/>
-              </a:lnSpc>
-              <a:buFont typeface="Arial" panose="020B0604020202020204" pitchFamily="34" charset="0"/>
-              <a:buChar char="•"/>
-            </a:pPr>
-            <a:r>
-              <a:rPr lang="de-DE" sz="2000" dirty="0">
-                <a:cs typeface="Andalus" panose="02020603050405020304" pitchFamily="18" charset="-78"/>
-              </a:rPr>
-              <a:t>Kann man den UI mit Code oder Drag und Drop bearbeiten</a:t>
-            </a:r>
-          </a:p>
-          <a:p>
-            <a:pPr marL="285750" indent="-285750">
-              <a:lnSpc>
-                <a:spcPct val="150000"/>
-              </a:lnSpc>
-              <a:buFont typeface="Arial" panose="020B0604020202020204" pitchFamily="34" charset="0"/>
-              <a:buChar char="•"/>
-            </a:pPr>
-            <a:r>
-              <a:rPr lang="de-DE" sz="2000" dirty="0">
-                <a:cs typeface="Andalus" panose="02020603050405020304" pitchFamily="18" charset="-78"/>
-              </a:rPr>
-              <a:t>Jeder Seite Bekommet ein ID damit man in  Java den Seite bearbeiten kann</a:t>
-            </a:r>
-          </a:p>
-          <a:p>
-            <a:pPr marL="285750" indent="-285750">
-              <a:lnSpc>
-                <a:spcPct val="150000"/>
+                <a:spcPct val="250000"/>
               </a:lnSpc>
               <a:buFont typeface="Arial" panose="020B0604020202020204" pitchFamily="34" charset="0"/>
               <a:buChar char="•"/>
@@ -4977,7 +4970,49 @@
             <a:r>
               <a:rPr lang="de-DE" sz="2000" dirty="0">
                 <a:solidFill>
-                  <a:srgbClr val="202124"/>
+                  <a:schemeClr val="bg1">
+                    <a:lumMod val="75000"/>
+                  </a:schemeClr>
+                </a:solidFill>
+                <a:cs typeface="Andalus" panose="02020603050405020304" pitchFamily="18" charset="-78"/>
+              </a:rPr>
+              <a:t>Mit XML erstellt man Die User Interface (Oberfläche) </a:t>
+            </a:r>
+          </a:p>
+          <a:p>
+            <a:pPr marL="285750" indent="-285750">
+              <a:lnSpc>
+                <a:spcPct val="250000"/>
+              </a:lnSpc>
+              <a:buFont typeface="Arial" panose="020B0604020202020204" pitchFamily="34" charset="0"/>
+              <a:buChar char="•"/>
+            </a:pPr>
+            <a:r>
+              <a:rPr lang="de-DE" sz="2000" dirty="0">
+                <a:solidFill>
+                  <a:schemeClr val="bg1">
+                    <a:lumMod val="75000"/>
+                  </a:schemeClr>
+                </a:solidFill>
+                <a:cs typeface="Andalus" panose="02020603050405020304" pitchFamily="18" charset="-78"/>
+              </a:rPr>
+              <a:t>Kann man den UI mit Code oder Drag und Drop bearbeiten</a:t>
+            </a:r>
+          </a:p>
+          <a:p>
+            <a:pPr marL="285750" indent="-285750">
+              <a:lnSpc>
+                <a:spcPct val="250000"/>
+              </a:lnSpc>
+              <a:buFont typeface="Arial" panose="020B0604020202020204" pitchFamily="34" charset="0"/>
+              <a:buChar char="•"/>
+            </a:pPr>
+            <a:r>
+              <a:rPr lang="de-DE" sz="2000" dirty="0">
+                <a:solidFill>
+                  <a:schemeClr val="bg1">
+                    <a:lumMod val="75000"/>
+                  </a:schemeClr>
                 </a:solidFill>
               </a:rPr>
               <a:t>J</a:t>
@@ -4985,7 +5020,9 @@
             <a:r>
               <a:rPr lang="de-DE" sz="2000" b="0" i="0" dirty="0">
                 <a:solidFill>
-                  <a:srgbClr val="202124"/>
+                  <a:schemeClr val="bg1">
+                    <a:lumMod val="75000"/>
+                  </a:schemeClr>
                 </a:solidFill>
                 <a:effectLst/>
               </a:rPr>
@@ -4994,7 +5031,9 @@
             <a:r>
               <a:rPr lang="de-DE" sz="2000" dirty="0">
                 <a:solidFill>
-                  <a:srgbClr val="202124"/>
+                  <a:schemeClr val="bg1">
+                    <a:lumMod val="75000"/>
+                  </a:schemeClr>
                 </a:solidFill>
               </a:rPr>
               <a:t>Element</a:t>
@@ -5002,7 +5041,9 @@
             <a:r>
               <a:rPr lang="de-DE" sz="2000" b="0" i="0" dirty="0">
                 <a:solidFill>
-                  <a:srgbClr val="202124"/>
+                  <a:schemeClr val="bg1">
+                    <a:lumMod val="75000"/>
+                  </a:schemeClr>
                 </a:solidFill>
                 <a:effectLst/>
               </a:rPr>
@@ -5021,6 +5062,128 @@
   <p:clrMapOvr>
     <a:masterClrMapping/>
   </p:clrMapOvr>
+  <p:timing>
+    <p:tnLst>
+      <p:par>
+        <p:cTn id="1" dur="indefinite" restart="never" nodeType="tmRoot">
+          <p:childTnLst>
+            <p:seq concurrent="1" nextAc="seek">
+              <p:cTn id="2" dur="indefinite" nodeType="mainSeq">
+                <p:childTnLst>
+                  <p:par>
+                    <p:cTn id="3" fill="hold">
+                      <p:stCondLst>
+                        <p:cond delay="indefinite"/>
+                      </p:stCondLst>
+                      <p:childTnLst>
+                        <p:par>
+                          <p:cTn id="4" fill="hold">
+                            <p:stCondLst>
+                              <p:cond delay="0"/>
+                            </p:stCondLst>
+                            <p:childTnLst>
+                              <p:par>
+                                <p:cTn id="5" presetID="10" presetClass="entr" presetSubtype="0" fill="hold" grpId="0" nodeType="clickEffect">
+                                  <p:stCondLst>
+                                    <p:cond delay="0"/>
+                                  </p:stCondLst>
+                                  <p:childTnLst>
+                                    <p:set>
+                                      <p:cBhvr>
+                                        <p:cTn id="6" dur="1" fill="hold">
+                                          <p:stCondLst>
+                                            <p:cond delay="0"/>
+                                          </p:stCondLst>
+                                        </p:cTn>
+                                        <p:tgtEl>
+                                          <p:spTgt spid="6"/>
+                                        </p:tgtEl>
+                                        <p:attrNameLst>
+                                          <p:attrName>style.visibility</p:attrName>
+                                        </p:attrNameLst>
+                                      </p:cBhvr>
+                                      <p:to>
+                                        <p:strVal val="visible"/>
+                                      </p:to>
+                                    </p:set>
+                                    <p:animEffect transition="in" filter="fade">
+                                      <p:cBhvr>
+                                        <p:cTn id="7" dur="500"/>
+                                        <p:tgtEl>
+                                          <p:spTgt spid="6"/>
+                                        </p:tgtEl>
+                                      </p:cBhvr>
+                                    </p:animEffect>
+                                  </p:childTnLst>
+                                </p:cTn>
+                              </p:par>
+                              <p:par>
+                                <p:cTn id="8" presetID="10" presetClass="entr" presetSubtype="0" fill="hold" grpId="0" nodeType="withEffect">
+                                  <p:stCondLst>
+                                    <p:cond delay="0"/>
+                                  </p:stCondLst>
+                                  <p:childTnLst>
+                                    <p:set>
+                                      <p:cBhvr>
+                                        <p:cTn id="9" dur="1" fill="hold">
+                                          <p:stCondLst>
+                                            <p:cond delay="0"/>
+                                          </p:stCondLst>
+                                        </p:cTn>
+                                        <p:tgtEl>
+                                          <p:spTgt spid="7"/>
+                                        </p:tgtEl>
+                                        <p:attrNameLst>
+                                          <p:attrName>style.visibility</p:attrName>
+                                        </p:attrNameLst>
+                                      </p:cBhvr>
+                                      <p:to>
+                                        <p:strVal val="visible"/>
+                                      </p:to>
+                                    </p:set>
+                                    <p:animEffect transition="in" filter="fade">
+                                      <p:cBhvr>
+                                        <p:cTn id="10" dur="500"/>
+                                        <p:tgtEl>
+                                          <p:spTgt spid="7"/>
+                                        </p:tgtEl>
+                                      </p:cBhvr>
+                                    </p:animEffect>
+                                  </p:childTnLst>
+                                </p:cTn>
+                              </p:par>
+                            </p:childTnLst>
+                          </p:cTn>
+                        </p:par>
+                      </p:childTnLst>
+                    </p:cTn>
+                  </p:par>
+                </p:childTnLst>
+              </p:cTn>
+              <p:prevCondLst>
+                <p:cond evt="onPrev" delay="0">
+                  <p:tgtEl>
+                    <p:sldTgt/>
+                  </p:tgtEl>
+                </p:cond>
+              </p:prevCondLst>
+              <p:nextCondLst>
+                <p:cond evt="onNext" delay="0">
+                  <p:tgtEl>
+                    <p:sldTgt/>
+                  </p:tgtEl>
+                </p:cond>
+              </p:nextCondLst>
+            </p:seq>
+          </p:childTnLst>
+        </p:cTn>
+      </p:par>
+    </p:tnLst>
+    <p:bldLst>
+      <p:bldP spid="6" grpId="0"/>
+      <p:bldP spid="7" grpId="0"/>
+    </p:bldLst>
+  </p:timing>
 </p:sld>
 </file>
 
@@ -5606,6 +5769,42 @@
           <a:chExt cx="0" cy="0"/>
         </a:xfrm>
       </p:grpSpPr>
+      <p:sp>
+        <p:nvSpPr>
+          <p:cNvPr id="3" name="Textfeld 2">
+            <a:extLst>
+              <a:ext uri="{FF2B5EF4-FFF2-40B4-BE49-F238E27FC236}">
+                <a16:creationId xmlns:a16="http://schemas.microsoft.com/office/drawing/2014/main" id="{784035F5-E540-498B-4F7E-0126B2123EB5}"/>
+              </a:ext>
+            </a:extLst>
+          </p:cNvPr>
+          <p:cNvSpPr txBox="1">
+            <a:spLocks noGrp="1" noRot="1" noMove="1" noResize="1" noEditPoints="1" noAdjustHandles="1" noChangeArrowheads="1" noChangeShapeType="1"/>
+          </p:cNvSpPr>
+          <p:nvPr/>
+        </p:nvSpPr>
+        <p:spPr>
+          <a:xfrm>
+            <a:off x="0" y="0"/>
+            <a:ext cx="12192000" cy="6858000"/>
+          </a:xfrm>
+          <a:prstGeom prst="rect">
+            <a:avLst/>
+          </a:prstGeom>
+          <a:solidFill>
+            <a:schemeClr val="tx1"/>
+          </a:solidFill>
+        </p:spPr>
+        <p:txBody>
+          <a:bodyPr wrap="square" rtlCol="0">
+            <a:spAutoFit/>
+          </a:bodyPr>
+          <a:lstStyle/>
+          <a:p>
+            <a:endParaRPr lang="de-DE" dirty="0"/>
+          </a:p>
+        </p:txBody>
+      </p:sp>
       <p:pic>
         <p:nvPicPr>
           <p:cNvPr id="5122" name="Picture 2" descr="SQLite – Wikipedia">
@@ -5668,7 +5867,7 @@
         <p:spPr>
           <a:xfrm>
             <a:off x="971550" y="2476500"/>
-            <a:ext cx="10315575" cy="3948645"/>
+            <a:ext cx="10315575" cy="4191019"/>
           </a:xfrm>
           <a:prstGeom prst="rect">
             <a:avLst/>
@@ -5687,11 +5886,23 @@
               </a:lnSpc>
             </a:pPr>
             <a:r>
-              <a:rPr lang="de-DE" sz="2000" b="1" u="sng" dirty="0"/>
+              <a:rPr lang="de-DE" sz="2000" b="1" u="sng" dirty="0">
+                <a:solidFill>
+                  <a:schemeClr val="bg1">
+                    <a:lumMod val="75000"/>
+                  </a:schemeClr>
+                </a:solidFill>
+              </a:rPr>
               <a:t>SQLite </a:t>
             </a:r>
             <a:r>
-              <a:rPr lang="de-DE" sz="2000" b="1" dirty="0"/>
+              <a:rPr lang="de-DE" sz="2000" b="1" dirty="0">
+                <a:solidFill>
+                  <a:schemeClr val="bg1">
+                    <a:lumMod val="75000"/>
+                  </a:schemeClr>
+                </a:solidFill>
+              </a:rPr>
               <a:t>Datenbanken</a:t>
             </a:r>
           </a:p>
@@ -5704,7 +5915,9 @@
             <a:r>
               <a:rPr lang="de-DE" b="1" i="0" dirty="0">
                 <a:solidFill>
-                  <a:srgbClr val="202122"/>
+                  <a:schemeClr val="bg1">
+                    <a:lumMod val="75000"/>
+                  </a:schemeClr>
                 </a:solidFill>
                 <a:effectLst/>
                 <a:latin typeface="Arial" panose="020B0604020202020204" pitchFamily="34" charset="0"/>
@@ -5714,7 +5927,9 @@
             <a:r>
               <a:rPr lang="de-DE" b="0" i="0" dirty="0">
                 <a:solidFill>
-                  <a:srgbClr val="202122"/>
+                  <a:schemeClr val="bg1">
+                    <a:lumMod val="75000"/>
+                  </a:schemeClr>
                 </a:solidFill>
                 <a:effectLst/>
                 <a:latin typeface="Arial" panose="020B0604020202020204" pitchFamily="34" charset="0"/>
@@ -5723,6 +5938,11 @@
             </a:r>
             <a:r>
               <a:rPr lang="de-DE" b="0" i="0" u="none" strike="noStrike" dirty="0">
+                <a:solidFill>
+                  <a:schemeClr val="bg1">
+                    <a:lumMod val="75000"/>
+                  </a:schemeClr>
+                </a:solidFill>
                 <a:effectLst/>
                 <a:latin typeface="Arial" panose="020B0604020202020204" pitchFamily="34" charset="0"/>
                 <a:hlinkClick r:id="rId3" tooltip="Gemeinfreiheit">
@@ -5737,12 +5957,22 @@
             </a:r>
             <a:r>
               <a:rPr lang="de-DE" b="0" i="0" strike="noStrike" dirty="0">
+                <a:solidFill>
+                  <a:schemeClr val="bg1">
+                    <a:lumMod val="75000"/>
+                  </a:schemeClr>
+                </a:solidFill>
                 <a:effectLst/>
                 <a:latin typeface="Arial" panose="020B0604020202020204" pitchFamily="34" charset="0"/>
               </a:rPr>
               <a:t> Programmbibliothek </a:t>
             </a:r>
             <a:endParaRPr lang="de-DE" strike="noStrike" dirty="0">
+              <a:solidFill>
+                <a:schemeClr val="bg1">
+                  <a:lumMod val="75000"/>
+                </a:schemeClr>
+              </a:solidFill>
               <a:latin typeface="Arial" panose="020B0604020202020204" pitchFamily="34" charset="0"/>
             </a:endParaRPr>
           </a:p>
@@ -5755,7 +5985,51 @@
             <a:r>
               <a:rPr lang="de-DE" b="1" i="0" dirty="0">
                 <a:solidFill>
-                  <a:srgbClr val="202122"/>
+                  <a:schemeClr val="bg1">
+                    <a:lumMod val="75000"/>
+                  </a:schemeClr>
+                </a:solidFill>
+                <a:effectLst/>
+                <a:latin typeface="Arial" panose="020B0604020202020204" pitchFamily="34" charset="0"/>
+              </a:rPr>
+              <a:t>SQLite</a:t>
+            </a:r>
+            <a:r>
+              <a:rPr lang="de-DE" dirty="0">
+                <a:solidFill>
+                  <a:schemeClr val="bg1">
+                    <a:lumMod val="75000"/>
+                  </a:schemeClr>
+                </a:solidFill>
+                <a:latin typeface="Arial" panose="020B0604020202020204" pitchFamily="34" charset="0"/>
+              </a:rPr>
+              <a:t> -</a:t>
+            </a:r>
+            <a:r>
+              <a:rPr lang="de-DE" b="0" i="0" dirty="0">
+                <a:solidFill>
+                  <a:schemeClr val="bg1">
+                    <a:lumMod val="75000"/>
+                  </a:schemeClr>
+                </a:solidFill>
+                <a:effectLst/>
+                <a:latin typeface="Arial" panose="020B0604020202020204" pitchFamily="34" charset="0"/>
+              </a:rPr>
+              <a:t> Mobiltelefonen (Android, iOS, Symbian OS, Windows Phone)</a:t>
+            </a:r>
+          </a:p>
+          <a:p>
+            <a:pPr>
+              <a:lnSpc>
+                <a:spcPct val="300000"/>
+              </a:lnSpc>
+            </a:pPr>
+            <a:r>
+              <a:rPr lang="de-DE" b="1" i="0" dirty="0">
+                <a:solidFill>
+                  <a:schemeClr val="bg1">
+                    <a:lumMod val="75000"/>
+                  </a:schemeClr>
                 </a:solidFill>
                 <a:effectLst/>
                 <a:latin typeface="Arial" panose="020B0604020202020204" pitchFamily="34" charset="0"/>
@@ -5765,41 +6039,22 @@
             <a:r>
               <a:rPr lang="de-DE" b="0" i="0" dirty="0">
                 <a:solidFill>
-                  <a:srgbClr val="202122"/>
-                </a:solidFill>
-                <a:effectLst/>
-                <a:latin typeface="Arial" panose="020B0604020202020204" pitchFamily="34" charset="0"/>
-              </a:rPr>
-              <a:t> wird in Mobiltelefonen (Android, iOS, Symbian OS, Windows Phone)</a:t>
-            </a:r>
-          </a:p>
-          <a:p>
-            <a:pPr>
-              <a:lnSpc>
-                <a:spcPct val="250000"/>
-              </a:lnSpc>
-            </a:pPr>
-            <a:r>
-              <a:rPr lang="de-DE" b="1" i="0" dirty="0">
-                <a:solidFill>
-                  <a:srgbClr val="202122"/>
-                </a:solidFill>
-                <a:effectLst/>
-                <a:latin typeface="Arial" panose="020B0604020202020204" pitchFamily="34" charset="0"/>
-              </a:rPr>
-              <a:t>SQLite</a:t>
-            </a:r>
-            <a:r>
-              <a:rPr lang="de-DE" b="0" i="0" dirty="0">
-                <a:solidFill>
-                  <a:srgbClr val="202122"/>
+                  <a:schemeClr val="bg1">
+                    <a:lumMod val="75000"/>
+                  </a:schemeClr>
                 </a:solidFill>
                 <a:effectLst/>
                 <a:latin typeface="Arial" panose="020B0604020202020204" pitchFamily="34" charset="0"/>
               </a:rPr>
               <a:t>-Bibliothek lässt sich direkt in entsprechende Anwendungen integrieren, sodass keine weitere Server-Software benötigt wird</a:t>
             </a:r>
-            <a:endParaRPr lang="de-DE" dirty="0"/>
+            <a:endParaRPr lang="de-DE" dirty="0">
+              <a:solidFill>
+                <a:schemeClr val="bg1">
+                  <a:lumMod val="75000"/>
+                </a:schemeClr>
+              </a:solidFill>
+            </a:endParaRPr>
           </a:p>
         </p:txBody>
       </p:sp>
@@ -5835,10 +6090,10 @@
       </p:grpSpPr>
       <p:pic>
         <p:nvPicPr>
-          <p:cNvPr id="4" name="Grafik 3" descr="Ein Bild, das Text enthält.&#10;&#10;Automatisch generierte Beschreibung">
-            <a:extLst>
-              <a:ext uri="{FF2B5EF4-FFF2-40B4-BE49-F238E27FC236}">
-                <a16:creationId xmlns:a16="http://schemas.microsoft.com/office/drawing/2014/main" id="{96F9CA3C-0865-6F70-7A57-B1AB86EA1670}"/>
+          <p:cNvPr id="4" name="Grafik 3" descr="Ein Bild, das Tisch enthält.&#10;&#10;Automatisch generierte Beschreibung">
+            <a:extLst>
+              <a:ext uri="{FF2B5EF4-FFF2-40B4-BE49-F238E27FC236}">
+                <a16:creationId xmlns:a16="http://schemas.microsoft.com/office/drawing/2014/main" id="{355AF079-7CAB-0BBB-B11E-3181A54A4B9D}"/>
               </a:ext>
             </a:extLst>
           </p:cNvPr>
@@ -5855,13 +6110,13 @@
               </a:ext>
             </a:extLst>
           </a:blip>
-          <a:srcRect r="301"/>
+          <a:srcRect b="25435"/>
           <a:stretch/>
         </p:blipFill>
         <p:spPr>
           <a:xfrm>
-            <a:off x="257175" y="499294"/>
-            <a:ext cx="11544300" cy="5859411"/>
+            <a:off x="390525" y="218854"/>
+            <a:ext cx="11477626" cy="6138134"/>
           </a:xfrm>
           <a:prstGeom prst="rect">
             <a:avLst/>
@@ -5873,7 +6128,7 @@
           <p:cNvPr id="5" name="Picture 2" descr="SQLite – Wikipedia">
             <a:extLst>
               <a:ext uri="{FF2B5EF4-FFF2-40B4-BE49-F238E27FC236}">
-                <a16:creationId xmlns:a16="http://schemas.microsoft.com/office/drawing/2014/main" id="{870BCEC1-98E3-D868-C6F0-787683853030}"/>
+                <a16:creationId xmlns:a16="http://schemas.microsoft.com/office/drawing/2014/main" id="{07B7481D-625B-957D-A92F-DA5C2C397910}"/>
               </a:ext>
             </a:extLst>
           </p:cNvPr>
@@ -5915,42 +6170,12 @@
           </a:extLst>
         </p:spPr>
       </p:pic>
-    </p:spTree>
-    <p:extLst>
-      <p:ext uri="{BB962C8B-B14F-4D97-AF65-F5344CB8AC3E}">
-        <p14:creationId xmlns:p14="http://schemas.microsoft.com/office/powerpoint/2010/main" val="652654053"/>
-      </p:ext>
-    </p:extLst>
-  </p:cSld>
-  <p:clrMapOvr>
-    <a:masterClrMapping/>
-  </p:clrMapOvr>
-</p:sld>
-</file>
-
-<file path=ppt/slides/slide17.xml><?xml version="1.0" encoding="utf-8"?>
-<p:sld xmlns:a="http://schemas.openxmlformats.org/drawingml/2006/main" xmlns:r="http://schemas.openxmlformats.org/officeDocument/2006/relationships" xmlns:p="http://schemas.openxmlformats.org/presentationml/2006/main" show="0">
-  <p:cSld>
-    <p:spTree>
-      <p:nvGrpSpPr>
-        <p:cNvPr id="1" name=""/>
-        <p:cNvGrpSpPr/>
-        <p:nvPr/>
-      </p:nvGrpSpPr>
-      <p:grpSpPr>
-        <a:xfrm>
-          <a:off x="0" y="0"/>
-          <a:ext cx="0" cy="0"/>
-          <a:chOff x="0" y="0"/>
-          <a:chExt cx="0" cy="0"/>
-        </a:xfrm>
-      </p:grpSpPr>
       <p:pic>
         <p:nvPicPr>
-          <p:cNvPr id="4" name="Grafik 3" descr="Ein Bild, das Tisch enthält.&#10;&#10;Automatisch generierte Beschreibung">
-            <a:extLst>
-              <a:ext uri="{FF2B5EF4-FFF2-40B4-BE49-F238E27FC236}">
-                <a16:creationId xmlns:a16="http://schemas.microsoft.com/office/drawing/2014/main" id="{355AF079-7CAB-0BBB-B11E-3181A54A4B9D}"/>
+          <p:cNvPr id="2" name="Grafik 1">
+            <a:extLst>
+              <a:ext uri="{FF2B5EF4-FFF2-40B4-BE49-F238E27FC236}">
+                <a16:creationId xmlns:a16="http://schemas.microsoft.com/office/drawing/2014/main" id="{C3FA123F-ACDD-52C4-2785-228D70E9B97F}"/>
               </a:ext>
             </a:extLst>
           </p:cNvPr>
@@ -5960,71 +6185,18 @@
           <p:nvPr/>
         </p:nvPicPr>
         <p:blipFill rotWithShape="1">
-          <a:blip r:embed="rId2">
-            <a:extLst>
-              <a:ext uri="{28A0092B-C50C-407E-A947-70E740481C1C}">
-                <a14:useLocalDpi xmlns:a14="http://schemas.microsoft.com/office/drawing/2010/main" val="0"/>
-              </a:ext>
-            </a:extLst>
-          </a:blip>
-          <a:srcRect b="25435"/>
+          <a:blip r:embed="rId4"/>
+          <a:srcRect b="31473"/>
           <a:stretch/>
         </p:blipFill>
         <p:spPr>
           <a:xfrm>
-            <a:off x="390525" y="265988"/>
-            <a:ext cx="11477626" cy="6138134"/>
+            <a:off x="7876411" y="1297434"/>
+            <a:ext cx="3925064" cy="5182103"/>
           </a:xfrm>
           <a:prstGeom prst="rect">
             <a:avLst/>
           </a:prstGeom>
-        </p:spPr>
-      </p:pic>
-      <p:pic>
-        <p:nvPicPr>
-          <p:cNvPr id="5" name="Picture 2" descr="SQLite – Wikipedia">
-            <a:extLst>
-              <a:ext uri="{FF2B5EF4-FFF2-40B4-BE49-F238E27FC236}">
-                <a16:creationId xmlns:a16="http://schemas.microsoft.com/office/drawing/2014/main" id="{07B7481D-625B-957D-A92F-DA5C2C397910}"/>
-              </a:ext>
-            </a:extLst>
-          </p:cNvPr>
-          <p:cNvPicPr>
-            <a:picLocks noChangeAspect="1" noChangeArrowheads="1"/>
-          </p:cNvPicPr>
-          <p:nvPr/>
-        </p:nvPicPr>
-        <p:blipFill>
-          <a:blip r:embed="rId3">
-            <a:extLst>
-              <a:ext uri="{28A0092B-C50C-407E-A947-70E740481C1C}">
-                <a14:useLocalDpi xmlns:a14="http://schemas.microsoft.com/office/drawing/2010/main" val="0"/>
-              </a:ext>
-            </a:extLst>
-          </a:blip>
-          <a:srcRect/>
-          <a:stretch>
-            <a:fillRect/>
-          </a:stretch>
-        </p:blipFill>
-        <p:spPr bwMode="auto">
-          <a:xfrm>
-            <a:off x="9910211" y="265988"/>
-            <a:ext cx="1891264" cy="896774"/>
-          </a:xfrm>
-          <a:prstGeom prst="rect">
-            <a:avLst/>
-          </a:prstGeom>
-          <a:noFill/>
-          <a:extLst>
-            <a:ext uri="{909E8E84-426E-40DD-AFC4-6F175D3DCCD1}">
-              <a14:hiddenFill xmlns:a14="http://schemas.microsoft.com/office/drawing/2010/main">
-                <a:solidFill>
-                  <a:srgbClr val="FFFFFF"/>
-                </a:solidFill>
-              </a14:hiddenFill>
-            </a:ext>
-          </a:extLst>
         </p:spPr>
       </p:pic>
     </p:spTree>
@@ -6040,7 +6212,7 @@
 </p:sld>
 </file>
 
-<file path=ppt/slides/slide18.xml><?xml version="1.0" encoding="utf-8"?>
+<file path=ppt/slides/slide17.xml><?xml version="1.0" encoding="utf-8"?>
 <p:sld xmlns:a="http://schemas.openxmlformats.org/drawingml/2006/main" xmlns:r="http://schemas.openxmlformats.org/officeDocument/2006/relationships" xmlns:p="http://schemas.openxmlformats.org/presentationml/2006/main">
   <p:cSld>
     <p:spTree>
@@ -6236,7 +6408,7 @@
 </p:sld>
 </file>
 
-<file path=ppt/slides/slide19.xml><?xml version="1.0" encoding="utf-8"?>
+<file path=ppt/slides/slide18.xml><?xml version="1.0" encoding="utf-8"?>
 <p:sld xmlns:a="http://schemas.openxmlformats.org/drawingml/2006/main" xmlns:r="http://schemas.openxmlformats.org/officeDocument/2006/relationships" xmlns:p="http://schemas.openxmlformats.org/presentationml/2006/main">
   <p:cSld>
     <p:bg>
@@ -6417,451 +6589,7 @@
 </p:sld>
 </file>
 
-<file path=ppt/slides/slide2.xml><?xml version="1.0" encoding="utf-8"?>
-<p:sld xmlns:a="http://schemas.openxmlformats.org/drawingml/2006/main" xmlns:r="http://schemas.openxmlformats.org/officeDocument/2006/relationships" xmlns:p="http://schemas.openxmlformats.org/presentationml/2006/main">
-  <p:cSld>
-    <p:bg>
-      <p:bgPr>
-        <a:solidFill>
-          <a:schemeClr val="bg1"/>
-        </a:solidFill>
-        <a:effectLst/>
-      </p:bgPr>
-    </p:bg>
-    <p:spTree>
-      <p:nvGrpSpPr>
-        <p:cNvPr id="1" name=""/>
-        <p:cNvGrpSpPr/>
-        <p:nvPr/>
-      </p:nvGrpSpPr>
-      <p:grpSpPr>
-        <a:xfrm>
-          <a:off x="0" y="0"/>
-          <a:ext cx="0" cy="0"/>
-          <a:chOff x="0" y="0"/>
-          <a:chExt cx="0" cy="0"/>
-        </a:xfrm>
-      </p:grpSpPr>
-      <p:sp>
-        <p:nvSpPr>
-          <p:cNvPr id="36" name="Rectangle 25">
-            <a:extLst>
-              <a:ext uri="{FF2B5EF4-FFF2-40B4-BE49-F238E27FC236}">
-                <a16:creationId xmlns:a16="http://schemas.microsoft.com/office/drawing/2014/main" id="{A7AE9375-4664-4DB2-922D-2782A6E439AC}"/>
-              </a:ext>
-              <a:ext uri="{C183D7F6-B498-43B3-948B-1728B52AA6E4}">
-                <adec:decorative xmlns:adec="http://schemas.microsoft.com/office/drawing/2017/decorative" val="1"/>
-              </a:ext>
-            </a:extLst>
-          </p:cNvPr>
-          <p:cNvSpPr>
-            <a:spLocks noGrp="1" noRot="1" noChangeAspect="1" noMove="1" noResize="1" noEditPoints="1" noAdjustHandles="1" noChangeArrowheads="1" noChangeShapeType="1" noTextEdit="1"/>
-          </p:cNvSpPr>
-          <p:nvPr>
-            <p:extLst>
-              <p:ext uri="{386F3935-93C4-4BCD-93E2-E3B085C9AB24}">
-                <p16:designElem xmlns:p16="http://schemas.microsoft.com/office/powerpoint/2015/main" val="1"/>
-              </p:ext>
-            </p:extLst>
-          </p:nvPr>
-        </p:nvSpPr>
-        <p:spPr>
-          <a:xfrm>
-            <a:off x="-1" y="0"/>
-            <a:ext cx="12192000" cy="6858000"/>
-          </a:xfrm>
-          <a:prstGeom prst="rect">
-            <a:avLst/>
-          </a:prstGeom>
-          <a:solidFill>
-            <a:schemeClr val="tx1">
-              <a:lumMod val="95000"/>
-              <a:lumOff val="5000"/>
-            </a:schemeClr>
-          </a:solidFill>
-          <a:ln>
-            <a:noFill/>
-          </a:ln>
-        </p:spPr>
-        <p:style>
-          <a:lnRef idx="2">
-            <a:schemeClr val="accent1">
-              <a:shade val="50000"/>
-            </a:schemeClr>
-          </a:lnRef>
-          <a:fillRef idx="1">
-            <a:schemeClr val="accent1"/>
-          </a:fillRef>
-          <a:effectRef idx="0">
-            <a:schemeClr val="accent1"/>
-          </a:effectRef>
-          <a:fontRef idx="minor">
-            <a:schemeClr val="lt1"/>
-          </a:fontRef>
-        </p:style>
-        <p:txBody>
-          <a:bodyPr rtlCol="0" anchor="ctr"/>
-          <a:lstStyle/>
-          <a:p>
-            <a:pPr algn="ctr"/>
-            <a:endParaRPr lang="en-US" dirty="0">
-              <a:solidFill>
-                <a:schemeClr val="tx1"/>
-              </a:solidFill>
-            </a:endParaRPr>
-          </a:p>
-        </p:txBody>
-      </p:sp>
-      <p:cxnSp>
-        <p:nvCxnSpPr>
-          <p:cNvPr id="37" name="Straight Connector 27">
-            <a:extLst>
-              <a:ext uri="{FF2B5EF4-FFF2-40B4-BE49-F238E27FC236}">
-                <a16:creationId xmlns:a16="http://schemas.microsoft.com/office/drawing/2014/main" id="{EE504C98-6397-41C1-A8D8-2D9C4ED307E0}"/>
-              </a:ext>
-              <a:ext uri="{C183D7F6-B498-43B3-948B-1728B52AA6E4}">
-                <adec:decorative xmlns:adec="http://schemas.microsoft.com/office/drawing/2017/decorative" val="1"/>
-              </a:ext>
-            </a:extLst>
-          </p:cNvPr>
-          <p:cNvCxnSpPr>
-            <a:cxnSpLocks noGrp="1" noRot="1" noChangeAspect="1" noMove="1" noResize="1" noEditPoints="1" noAdjustHandles="1" noChangeArrowheads="1" noChangeShapeType="1"/>
-          </p:cNvCxnSpPr>
-          <p:nvPr>
-            <p:extLst>
-              <p:ext uri="{386F3935-93C4-4BCD-93E2-E3B085C9AB24}">
-                <p16:designElem xmlns:p16="http://schemas.microsoft.com/office/powerpoint/2015/main" val="1"/>
-              </p:ext>
-            </p:extLst>
-          </p:nvPr>
-        </p:nvCxnSpPr>
-        <p:spPr>
-          <a:xfrm flipH="1">
-            <a:off x="1" y="2026340"/>
-            <a:ext cx="6095999" cy="0"/>
-          </a:xfrm>
-          <a:prstGeom prst="line">
-            <a:avLst/>
-          </a:prstGeom>
-          <a:ln w="12700">
-            <a:solidFill>
-              <a:schemeClr val="accent2"/>
-            </a:solidFill>
-          </a:ln>
-        </p:spPr>
-        <p:style>
-          <a:lnRef idx="1">
-            <a:schemeClr val="accent1"/>
-          </a:lnRef>
-          <a:fillRef idx="0">
-            <a:schemeClr val="accent1"/>
-          </a:fillRef>
-          <a:effectRef idx="0">
-            <a:schemeClr val="accent1"/>
-          </a:effectRef>
-          <a:fontRef idx="minor">
-            <a:schemeClr val="tx1"/>
-          </a:fontRef>
-        </p:style>
-      </p:cxnSp>
-      <p:pic>
-        <p:nvPicPr>
-          <p:cNvPr id="6" name="Grafik 5" descr="Ein Bild, das Text enthält.&#10;&#10;Automatisch generierte Beschreibung">
-            <a:extLst>
-              <a:ext uri="{FF2B5EF4-FFF2-40B4-BE49-F238E27FC236}">
-                <a16:creationId xmlns:a16="http://schemas.microsoft.com/office/drawing/2014/main" id="{B2B640C5-73B0-DB00-06FF-A40F4372B859}"/>
-              </a:ext>
-            </a:extLst>
-          </p:cNvPr>
-          <p:cNvPicPr>
-            <a:picLocks noChangeAspect="1"/>
-          </p:cNvPicPr>
-          <p:nvPr/>
-        </p:nvPicPr>
-        <p:blipFill>
-          <a:blip r:embed="rId2">
-            <a:extLst>
-              <a:ext uri="{28A0092B-C50C-407E-A947-70E740481C1C}">
-                <a14:useLocalDpi xmlns:a14="http://schemas.microsoft.com/office/drawing/2010/main" val="0"/>
-              </a:ext>
-            </a:extLst>
-          </a:blip>
-          <a:stretch>
-            <a:fillRect/>
-          </a:stretch>
-        </p:blipFill>
-        <p:spPr>
-          <a:xfrm>
-            <a:off x="8553088" y="3739695"/>
-            <a:ext cx="2784532" cy="2784532"/>
-          </a:xfrm>
-          <a:prstGeom prst="rect">
-            <a:avLst/>
-          </a:prstGeom>
-        </p:spPr>
-      </p:pic>
-      <p:sp>
-        <p:nvSpPr>
-          <p:cNvPr id="38" name="Rectangle 29">
-            <a:extLst>
-              <a:ext uri="{FF2B5EF4-FFF2-40B4-BE49-F238E27FC236}">
-                <a16:creationId xmlns:a16="http://schemas.microsoft.com/office/drawing/2014/main" id="{C87417AF-190E-4D6E-AFA6-7D3E84B0B430}"/>
-              </a:ext>
-              <a:ext uri="{C183D7F6-B498-43B3-948B-1728B52AA6E4}">
-                <adec:decorative xmlns:adec="http://schemas.microsoft.com/office/drawing/2017/decorative" val="1"/>
-              </a:ext>
-            </a:extLst>
-          </p:cNvPr>
-          <p:cNvSpPr>
-            <a:spLocks noGrp="1" noRot="1" noChangeAspect="1" noMove="1" noResize="1" noEditPoints="1" noAdjustHandles="1" noChangeArrowheads="1" noChangeShapeType="1" noTextEdit="1"/>
-          </p:cNvSpPr>
-          <p:nvPr>
-            <p:extLst>
-              <p:ext uri="{386F3935-93C4-4BCD-93E2-E3B085C9AB24}">
-                <p16:designElem xmlns:p16="http://schemas.microsoft.com/office/powerpoint/2015/main" val="1"/>
-              </p:ext>
-            </p:extLst>
-          </p:nvPr>
-        </p:nvSpPr>
-        <p:spPr>
-          <a:xfrm>
-            <a:off x="6431603" y="182859"/>
-            <a:ext cx="3996261" cy="3177496"/>
-          </a:xfrm>
-          <a:prstGeom prst="rect">
-            <a:avLst/>
-          </a:prstGeom>
-          <a:noFill/>
-          <a:ln w="12700">
-            <a:solidFill>
-              <a:schemeClr val="accent2"/>
-            </a:solidFill>
-          </a:ln>
-        </p:spPr>
-        <p:style>
-          <a:lnRef idx="2">
-            <a:schemeClr val="accent1">
-              <a:shade val="50000"/>
-            </a:schemeClr>
-          </a:lnRef>
-          <a:fillRef idx="1">
-            <a:schemeClr val="accent1"/>
-          </a:fillRef>
-          <a:effectRef idx="0">
-            <a:schemeClr val="accent1"/>
-          </a:effectRef>
-          <a:fontRef idx="minor">
-            <a:schemeClr val="lt1"/>
-          </a:fontRef>
-        </p:style>
-        <p:txBody>
-          <a:bodyPr rtlCol="0" anchor="ctr"/>
-          <a:lstStyle/>
-          <a:p>
-            <a:pPr algn="ctr"/>
-            <a:endParaRPr lang="en-US"/>
-          </a:p>
-        </p:txBody>
-      </p:sp>
-      <p:pic>
-        <p:nvPicPr>
-          <p:cNvPr id="10" name="Grafik 9">
-            <a:extLst>
-              <a:ext uri="{FF2B5EF4-FFF2-40B4-BE49-F238E27FC236}">
-                <a16:creationId xmlns:a16="http://schemas.microsoft.com/office/drawing/2014/main" id="{4581ADC7-1822-62B9-F447-5F118CAC275E}"/>
-              </a:ext>
-            </a:extLst>
-          </p:cNvPr>
-          <p:cNvPicPr>
-            <a:picLocks noChangeAspect="1"/>
-          </p:cNvPicPr>
-          <p:nvPr/>
-        </p:nvPicPr>
-        <p:blipFill>
-          <a:blip r:embed="rId3">
-            <a:extLst>
-              <a:ext uri="{28A0092B-C50C-407E-A947-70E740481C1C}">
-                <a14:useLocalDpi xmlns:a14="http://schemas.microsoft.com/office/drawing/2010/main" val="0"/>
-              </a:ext>
-            </a:extLst>
-          </a:blip>
-          <a:stretch>
-            <a:fillRect/>
-          </a:stretch>
-        </p:blipFill>
-        <p:spPr>
-          <a:xfrm>
-            <a:off x="5782255" y="-999226"/>
-            <a:ext cx="5541666" cy="5541666"/>
-          </a:xfrm>
-          <a:prstGeom prst="rect">
-            <a:avLst/>
-          </a:prstGeom>
-        </p:spPr>
-      </p:pic>
-      <p:sp>
-        <p:nvSpPr>
-          <p:cNvPr id="39" name="Rectangle 31">
-            <a:extLst>
-              <a:ext uri="{FF2B5EF4-FFF2-40B4-BE49-F238E27FC236}">
-                <a16:creationId xmlns:a16="http://schemas.microsoft.com/office/drawing/2014/main" id="{80B30ED8-273E-4C07-8568-2FE5CC5C483D}"/>
-              </a:ext>
-              <a:ext uri="{C183D7F6-B498-43B3-948B-1728B52AA6E4}">
-                <adec:decorative xmlns:adec="http://schemas.microsoft.com/office/drawing/2017/decorative" val="1"/>
-              </a:ext>
-            </a:extLst>
-          </p:cNvPr>
-          <p:cNvSpPr>
-            <a:spLocks noGrp="1" noRot="1" noChangeAspect="1" noMove="1" noResize="1" noEditPoints="1" noAdjustHandles="1" noChangeArrowheads="1" noChangeShapeType="1" noTextEdit="1"/>
-          </p:cNvSpPr>
-          <p:nvPr>
-            <p:extLst>
-              <p:ext uri="{386F3935-93C4-4BCD-93E2-E3B085C9AB24}">
-                <p16:designElem xmlns:p16="http://schemas.microsoft.com/office/powerpoint/2015/main" val="1"/>
-              </p:ext>
-            </p:extLst>
-          </p:nvPr>
-        </p:nvSpPr>
-        <p:spPr>
-          <a:xfrm>
-            <a:off x="7825071" y="3543213"/>
-            <a:ext cx="3996261" cy="3177496"/>
-          </a:xfrm>
-          <a:prstGeom prst="rect">
-            <a:avLst/>
-          </a:prstGeom>
-          <a:noFill/>
-          <a:ln w="12700">
-            <a:solidFill>
-              <a:schemeClr val="accent2"/>
-            </a:solidFill>
-          </a:ln>
-        </p:spPr>
-        <p:style>
-          <a:lnRef idx="2">
-            <a:schemeClr val="accent1">
-              <a:shade val="50000"/>
-            </a:schemeClr>
-          </a:lnRef>
-          <a:fillRef idx="1">
-            <a:schemeClr val="accent1"/>
-          </a:fillRef>
-          <a:effectRef idx="0">
-            <a:schemeClr val="accent1"/>
-          </a:effectRef>
-          <a:fontRef idx="minor">
-            <a:schemeClr val="lt1"/>
-          </a:fontRef>
-        </p:style>
-        <p:txBody>
-          <a:bodyPr rtlCol="0" anchor="ctr"/>
-          <a:lstStyle/>
-          <a:p>
-            <a:pPr algn="ctr"/>
-            <a:endParaRPr lang="en-US"/>
-          </a:p>
-        </p:txBody>
-      </p:sp>
-      <p:sp>
-        <p:nvSpPr>
-          <p:cNvPr id="12" name="Textfeld 11">
-            <a:extLst>
-              <a:ext uri="{FF2B5EF4-FFF2-40B4-BE49-F238E27FC236}">
-                <a16:creationId xmlns:a16="http://schemas.microsoft.com/office/drawing/2014/main" id="{1B1DB219-C438-FBF3-B8DF-C3DAC19CC24C}"/>
-              </a:ext>
-            </a:extLst>
-          </p:cNvPr>
-          <p:cNvSpPr txBox="1"/>
-          <p:nvPr/>
-        </p:nvSpPr>
-        <p:spPr>
-          <a:xfrm>
-            <a:off x="1065269" y="1195343"/>
-            <a:ext cx="4219575" cy="830997"/>
-          </a:xfrm>
-          <a:prstGeom prst="rect">
-            <a:avLst/>
-          </a:prstGeom>
-          <a:noFill/>
-        </p:spPr>
-        <p:txBody>
-          <a:bodyPr wrap="square" rtlCol="0">
-            <a:spAutoFit/>
-          </a:bodyPr>
-          <a:lstStyle/>
-          <a:p>
-            <a:pPr algn="ctr"/>
-            <a:r>
-              <a:rPr lang="de-DE" sz="4800" dirty="0">
-                <a:solidFill>
-                  <a:schemeClr val="bg1">
-                    <a:lumMod val="75000"/>
-                  </a:schemeClr>
-                </a:solidFill>
-              </a:rPr>
-              <a:t>LFÜP PROJEKT</a:t>
-            </a:r>
-          </a:p>
-        </p:txBody>
-      </p:sp>
-      <p:sp>
-        <p:nvSpPr>
-          <p:cNvPr id="2" name="Textfeld 1">
-            <a:extLst>
-              <a:ext uri="{FF2B5EF4-FFF2-40B4-BE49-F238E27FC236}">
-                <a16:creationId xmlns:a16="http://schemas.microsoft.com/office/drawing/2014/main" id="{D283DC1C-1A08-4D43-3866-10E7E3421DCF}"/>
-              </a:ext>
-            </a:extLst>
-          </p:cNvPr>
-          <p:cNvSpPr txBox="1"/>
-          <p:nvPr/>
-        </p:nvSpPr>
-        <p:spPr>
-          <a:xfrm>
-            <a:off x="1065269" y="3360355"/>
-            <a:ext cx="4372863" cy="523220"/>
-          </a:xfrm>
-          <a:prstGeom prst="rect">
-            <a:avLst/>
-          </a:prstGeom>
-          <a:noFill/>
-        </p:spPr>
-        <p:txBody>
-          <a:bodyPr wrap="square" rtlCol="0">
-            <a:spAutoFit/>
-          </a:bodyPr>
-          <a:lstStyle/>
-          <a:p>
-            <a:pPr algn="ctr"/>
-            <a:r>
-              <a:rPr lang="de-DE" sz="2800" b="1" dirty="0">
-                <a:solidFill>
-                  <a:schemeClr val="bg1">
-                    <a:lumMod val="75000"/>
-                  </a:schemeClr>
-                </a:solidFill>
-                <a:latin typeface="+mj-lt"/>
-                <a:cs typeface="Andalus" panose="02020603050405020304" pitchFamily="18" charset="-78"/>
-              </a:rPr>
-              <a:t>Maher, Abdullah, Ali &amp; Tarek</a:t>
-            </a:r>
-          </a:p>
-        </p:txBody>
-      </p:sp>
-    </p:spTree>
-    <p:extLst>
-      <p:ext uri="{BB962C8B-B14F-4D97-AF65-F5344CB8AC3E}">
-        <p14:creationId xmlns:p14="http://schemas.microsoft.com/office/powerpoint/2010/main" val="2249824997"/>
-      </p:ext>
-    </p:extLst>
-  </p:cSld>
-  <p:clrMapOvr>
-    <a:masterClrMapping/>
-  </p:clrMapOvr>
-</p:sld>
-</file>
-
-<file path=ppt/slides/slide20.xml><?xml version="1.0" encoding="utf-8"?>
+<file path=ppt/slides/slide19.xml><?xml version="1.0" encoding="utf-8"?>
 <p:sld xmlns:a="http://schemas.openxmlformats.org/drawingml/2006/main" xmlns:r="http://schemas.openxmlformats.org/officeDocument/2006/relationships" xmlns:p="http://schemas.openxmlformats.org/presentationml/2006/main">
   <p:cSld>
     <p:bg>
@@ -7141,7 +6869,629 @@
 </p:sld>
 </file>
 
-<file path=ppt/slides/slide21.xml><?xml version="1.0" encoding="utf-8"?>
+<file path=ppt/slides/slide2.xml><?xml version="1.0" encoding="utf-8"?>
+<p:sld xmlns:a="http://schemas.openxmlformats.org/drawingml/2006/main" xmlns:r="http://schemas.openxmlformats.org/officeDocument/2006/relationships" xmlns:p="http://schemas.openxmlformats.org/presentationml/2006/main">
+  <p:cSld>
+    <p:bg>
+      <p:bgPr>
+        <a:solidFill>
+          <a:schemeClr val="bg1"/>
+        </a:solidFill>
+        <a:effectLst/>
+      </p:bgPr>
+    </p:bg>
+    <p:spTree>
+      <p:nvGrpSpPr>
+        <p:cNvPr id="1" name=""/>
+        <p:cNvGrpSpPr/>
+        <p:nvPr/>
+      </p:nvGrpSpPr>
+      <p:grpSpPr>
+        <a:xfrm>
+          <a:off x="0" y="0"/>
+          <a:ext cx="0" cy="0"/>
+          <a:chOff x="0" y="0"/>
+          <a:chExt cx="0" cy="0"/>
+        </a:xfrm>
+      </p:grpSpPr>
+      <p:sp>
+        <p:nvSpPr>
+          <p:cNvPr id="36" name="Rectangle 25">
+            <a:extLst>
+              <a:ext uri="{FF2B5EF4-FFF2-40B4-BE49-F238E27FC236}">
+                <a16:creationId xmlns:a16="http://schemas.microsoft.com/office/drawing/2014/main" id="{A7AE9375-4664-4DB2-922D-2782A6E439AC}"/>
+              </a:ext>
+              <a:ext uri="{C183D7F6-B498-43B3-948B-1728B52AA6E4}">
+                <adec:decorative xmlns:adec="http://schemas.microsoft.com/office/drawing/2017/decorative" val="1"/>
+              </a:ext>
+            </a:extLst>
+          </p:cNvPr>
+          <p:cNvSpPr>
+            <a:spLocks noGrp="1" noRot="1" noChangeAspect="1" noMove="1" noResize="1" noEditPoints="1" noAdjustHandles="1" noChangeArrowheads="1" noChangeShapeType="1" noTextEdit="1"/>
+          </p:cNvSpPr>
+          <p:nvPr>
+            <p:extLst>
+              <p:ext uri="{386F3935-93C4-4BCD-93E2-E3B085C9AB24}">
+                <p16:designElem xmlns:p16="http://schemas.microsoft.com/office/powerpoint/2015/main" val="1"/>
+              </p:ext>
+            </p:extLst>
+          </p:nvPr>
+        </p:nvSpPr>
+        <p:spPr>
+          <a:xfrm>
+            <a:off x="-1" y="0"/>
+            <a:ext cx="12192000" cy="6858000"/>
+          </a:xfrm>
+          <a:prstGeom prst="rect">
+            <a:avLst/>
+          </a:prstGeom>
+          <a:solidFill>
+            <a:schemeClr val="tx1">
+              <a:lumMod val="95000"/>
+              <a:lumOff val="5000"/>
+            </a:schemeClr>
+          </a:solidFill>
+          <a:ln>
+            <a:noFill/>
+          </a:ln>
+        </p:spPr>
+        <p:style>
+          <a:lnRef idx="2">
+            <a:schemeClr val="accent1">
+              <a:shade val="50000"/>
+            </a:schemeClr>
+          </a:lnRef>
+          <a:fillRef idx="1">
+            <a:schemeClr val="accent1"/>
+          </a:fillRef>
+          <a:effectRef idx="0">
+            <a:schemeClr val="accent1"/>
+          </a:effectRef>
+          <a:fontRef idx="minor">
+            <a:schemeClr val="lt1"/>
+          </a:fontRef>
+        </p:style>
+        <p:txBody>
+          <a:bodyPr rtlCol="0" anchor="ctr"/>
+          <a:lstStyle/>
+          <a:p>
+            <a:pPr algn="ctr"/>
+            <a:endParaRPr lang="en-US" dirty="0">
+              <a:solidFill>
+                <a:schemeClr val="tx1"/>
+              </a:solidFill>
+            </a:endParaRPr>
+          </a:p>
+        </p:txBody>
+      </p:sp>
+      <p:cxnSp>
+        <p:nvCxnSpPr>
+          <p:cNvPr id="37" name="Straight Connector 27">
+            <a:extLst>
+              <a:ext uri="{FF2B5EF4-FFF2-40B4-BE49-F238E27FC236}">
+                <a16:creationId xmlns:a16="http://schemas.microsoft.com/office/drawing/2014/main" id="{EE504C98-6397-41C1-A8D8-2D9C4ED307E0}"/>
+              </a:ext>
+              <a:ext uri="{C183D7F6-B498-43B3-948B-1728B52AA6E4}">
+                <adec:decorative xmlns:adec="http://schemas.microsoft.com/office/drawing/2017/decorative" val="1"/>
+              </a:ext>
+            </a:extLst>
+          </p:cNvPr>
+          <p:cNvCxnSpPr>
+            <a:cxnSpLocks noGrp="1" noRot="1" noChangeAspect="1" noMove="1" noResize="1" noEditPoints="1" noAdjustHandles="1" noChangeArrowheads="1" noChangeShapeType="1"/>
+          </p:cNvCxnSpPr>
+          <p:nvPr>
+            <p:extLst>
+              <p:ext uri="{386F3935-93C4-4BCD-93E2-E3B085C9AB24}">
+                <p16:designElem xmlns:p16="http://schemas.microsoft.com/office/powerpoint/2015/main" val="1"/>
+              </p:ext>
+            </p:extLst>
+          </p:nvPr>
+        </p:nvCxnSpPr>
+        <p:spPr>
+          <a:xfrm flipH="1">
+            <a:off x="1" y="2026340"/>
+            <a:ext cx="6095999" cy="0"/>
+          </a:xfrm>
+          <a:prstGeom prst="line">
+            <a:avLst/>
+          </a:prstGeom>
+          <a:ln w="12700">
+            <a:solidFill>
+              <a:schemeClr val="accent2"/>
+            </a:solidFill>
+          </a:ln>
+        </p:spPr>
+        <p:style>
+          <a:lnRef idx="1">
+            <a:schemeClr val="accent1"/>
+          </a:lnRef>
+          <a:fillRef idx="0">
+            <a:schemeClr val="accent1"/>
+          </a:fillRef>
+          <a:effectRef idx="0">
+            <a:schemeClr val="accent1"/>
+          </a:effectRef>
+          <a:fontRef idx="minor">
+            <a:schemeClr val="tx1"/>
+          </a:fontRef>
+        </p:style>
+      </p:cxnSp>
+      <p:pic>
+        <p:nvPicPr>
+          <p:cNvPr id="6" name="Grafik 5" descr="Ein Bild, das Text enthält.&#10;&#10;Automatisch generierte Beschreibung">
+            <a:extLst>
+              <a:ext uri="{FF2B5EF4-FFF2-40B4-BE49-F238E27FC236}">
+                <a16:creationId xmlns:a16="http://schemas.microsoft.com/office/drawing/2014/main" id="{B2B640C5-73B0-DB00-06FF-A40F4372B859}"/>
+              </a:ext>
+            </a:extLst>
+          </p:cNvPr>
+          <p:cNvPicPr>
+            <a:picLocks noChangeAspect="1"/>
+          </p:cNvPicPr>
+          <p:nvPr/>
+        </p:nvPicPr>
+        <p:blipFill>
+          <a:blip r:embed="rId2">
+            <a:extLst>
+              <a:ext uri="{28A0092B-C50C-407E-A947-70E740481C1C}">
+                <a14:useLocalDpi xmlns:a14="http://schemas.microsoft.com/office/drawing/2010/main" val="0"/>
+              </a:ext>
+            </a:extLst>
+          </a:blip>
+          <a:stretch>
+            <a:fillRect/>
+          </a:stretch>
+        </p:blipFill>
+        <p:spPr>
+          <a:xfrm>
+            <a:off x="8553088" y="3739695"/>
+            <a:ext cx="2784532" cy="2784532"/>
+          </a:xfrm>
+          <a:prstGeom prst="rect">
+            <a:avLst/>
+          </a:prstGeom>
+        </p:spPr>
+      </p:pic>
+      <p:sp>
+        <p:nvSpPr>
+          <p:cNvPr id="38" name="Rectangle 29">
+            <a:extLst>
+              <a:ext uri="{FF2B5EF4-FFF2-40B4-BE49-F238E27FC236}">
+                <a16:creationId xmlns:a16="http://schemas.microsoft.com/office/drawing/2014/main" id="{C87417AF-190E-4D6E-AFA6-7D3E84B0B430}"/>
+              </a:ext>
+              <a:ext uri="{C183D7F6-B498-43B3-948B-1728B52AA6E4}">
+                <adec:decorative xmlns:adec="http://schemas.microsoft.com/office/drawing/2017/decorative" val="1"/>
+              </a:ext>
+            </a:extLst>
+          </p:cNvPr>
+          <p:cNvSpPr>
+            <a:spLocks noGrp="1" noRot="1" noChangeAspect="1" noMove="1" noResize="1" noEditPoints="1" noAdjustHandles="1" noChangeArrowheads="1" noChangeShapeType="1" noTextEdit="1"/>
+          </p:cNvSpPr>
+          <p:nvPr>
+            <p:extLst>
+              <p:ext uri="{386F3935-93C4-4BCD-93E2-E3B085C9AB24}">
+                <p16:designElem xmlns:p16="http://schemas.microsoft.com/office/powerpoint/2015/main" val="1"/>
+              </p:ext>
+            </p:extLst>
+          </p:nvPr>
+        </p:nvSpPr>
+        <p:spPr>
+          <a:xfrm>
+            <a:off x="6431603" y="182859"/>
+            <a:ext cx="3996261" cy="3177496"/>
+          </a:xfrm>
+          <a:prstGeom prst="rect">
+            <a:avLst/>
+          </a:prstGeom>
+          <a:noFill/>
+          <a:ln w="12700">
+            <a:solidFill>
+              <a:schemeClr val="accent2"/>
+            </a:solidFill>
+          </a:ln>
+        </p:spPr>
+        <p:style>
+          <a:lnRef idx="2">
+            <a:schemeClr val="accent1">
+              <a:shade val="50000"/>
+            </a:schemeClr>
+          </a:lnRef>
+          <a:fillRef idx="1">
+            <a:schemeClr val="accent1"/>
+          </a:fillRef>
+          <a:effectRef idx="0">
+            <a:schemeClr val="accent1"/>
+          </a:effectRef>
+          <a:fontRef idx="minor">
+            <a:schemeClr val="lt1"/>
+          </a:fontRef>
+        </p:style>
+        <p:txBody>
+          <a:bodyPr rtlCol="0" anchor="ctr"/>
+          <a:lstStyle/>
+          <a:p>
+            <a:pPr algn="ctr"/>
+            <a:endParaRPr lang="en-US"/>
+          </a:p>
+        </p:txBody>
+      </p:sp>
+      <p:pic>
+        <p:nvPicPr>
+          <p:cNvPr id="10" name="Grafik 9">
+            <a:extLst>
+              <a:ext uri="{FF2B5EF4-FFF2-40B4-BE49-F238E27FC236}">
+                <a16:creationId xmlns:a16="http://schemas.microsoft.com/office/drawing/2014/main" id="{4581ADC7-1822-62B9-F447-5F118CAC275E}"/>
+              </a:ext>
+            </a:extLst>
+          </p:cNvPr>
+          <p:cNvPicPr>
+            <a:picLocks noChangeAspect="1"/>
+          </p:cNvPicPr>
+          <p:nvPr/>
+        </p:nvPicPr>
+        <p:blipFill>
+          <a:blip r:embed="rId3">
+            <a:extLst>
+              <a:ext uri="{28A0092B-C50C-407E-A947-70E740481C1C}">
+                <a14:useLocalDpi xmlns:a14="http://schemas.microsoft.com/office/drawing/2010/main" val="0"/>
+              </a:ext>
+            </a:extLst>
+          </a:blip>
+          <a:stretch>
+            <a:fillRect/>
+          </a:stretch>
+        </p:blipFill>
+        <p:spPr>
+          <a:xfrm>
+            <a:off x="5782255" y="-999226"/>
+            <a:ext cx="5541666" cy="5541666"/>
+          </a:xfrm>
+          <a:prstGeom prst="rect">
+            <a:avLst/>
+          </a:prstGeom>
+        </p:spPr>
+      </p:pic>
+      <p:sp>
+        <p:nvSpPr>
+          <p:cNvPr id="39" name="Rectangle 31">
+            <a:extLst>
+              <a:ext uri="{FF2B5EF4-FFF2-40B4-BE49-F238E27FC236}">
+                <a16:creationId xmlns:a16="http://schemas.microsoft.com/office/drawing/2014/main" id="{80B30ED8-273E-4C07-8568-2FE5CC5C483D}"/>
+              </a:ext>
+              <a:ext uri="{C183D7F6-B498-43B3-948B-1728B52AA6E4}">
+                <adec:decorative xmlns:adec="http://schemas.microsoft.com/office/drawing/2017/decorative" val="1"/>
+              </a:ext>
+            </a:extLst>
+          </p:cNvPr>
+          <p:cNvSpPr>
+            <a:spLocks noGrp="1" noRot="1" noChangeAspect="1" noMove="1" noResize="1" noEditPoints="1" noAdjustHandles="1" noChangeArrowheads="1" noChangeShapeType="1" noTextEdit="1"/>
+          </p:cNvSpPr>
+          <p:nvPr>
+            <p:extLst>
+              <p:ext uri="{386F3935-93C4-4BCD-93E2-E3B085C9AB24}">
+                <p16:designElem xmlns:p16="http://schemas.microsoft.com/office/powerpoint/2015/main" val="1"/>
+              </p:ext>
+            </p:extLst>
+          </p:nvPr>
+        </p:nvSpPr>
+        <p:spPr>
+          <a:xfrm>
+            <a:off x="7825071" y="3543213"/>
+            <a:ext cx="3996261" cy="3177496"/>
+          </a:xfrm>
+          <a:prstGeom prst="rect">
+            <a:avLst/>
+          </a:prstGeom>
+          <a:noFill/>
+          <a:ln w="12700">
+            <a:solidFill>
+              <a:schemeClr val="accent2"/>
+            </a:solidFill>
+          </a:ln>
+        </p:spPr>
+        <p:style>
+          <a:lnRef idx="2">
+            <a:schemeClr val="accent1">
+              <a:shade val="50000"/>
+            </a:schemeClr>
+          </a:lnRef>
+          <a:fillRef idx="1">
+            <a:schemeClr val="accent1"/>
+          </a:fillRef>
+          <a:effectRef idx="0">
+            <a:schemeClr val="accent1"/>
+          </a:effectRef>
+          <a:fontRef idx="minor">
+            <a:schemeClr val="lt1"/>
+          </a:fontRef>
+        </p:style>
+        <p:txBody>
+          <a:bodyPr rtlCol="0" anchor="ctr"/>
+          <a:lstStyle/>
+          <a:p>
+            <a:pPr algn="ctr"/>
+            <a:endParaRPr lang="en-US"/>
+          </a:p>
+        </p:txBody>
+      </p:sp>
+      <p:sp>
+        <p:nvSpPr>
+          <p:cNvPr id="12" name="Textfeld 11">
+            <a:extLst>
+              <a:ext uri="{FF2B5EF4-FFF2-40B4-BE49-F238E27FC236}">
+                <a16:creationId xmlns:a16="http://schemas.microsoft.com/office/drawing/2014/main" id="{1B1DB219-C438-FBF3-B8DF-C3DAC19CC24C}"/>
+              </a:ext>
+            </a:extLst>
+          </p:cNvPr>
+          <p:cNvSpPr txBox="1"/>
+          <p:nvPr/>
+        </p:nvSpPr>
+        <p:spPr>
+          <a:xfrm>
+            <a:off x="1065269" y="1195343"/>
+            <a:ext cx="4219575" cy="830997"/>
+          </a:xfrm>
+          <a:prstGeom prst="rect">
+            <a:avLst/>
+          </a:prstGeom>
+          <a:noFill/>
+        </p:spPr>
+        <p:txBody>
+          <a:bodyPr wrap="square" rtlCol="0">
+            <a:spAutoFit/>
+          </a:bodyPr>
+          <a:lstStyle/>
+          <a:p>
+            <a:pPr algn="ctr"/>
+            <a:r>
+              <a:rPr lang="de-DE" sz="4800" dirty="0">
+                <a:solidFill>
+                  <a:schemeClr val="bg1">
+                    <a:lumMod val="75000"/>
+                  </a:schemeClr>
+                </a:solidFill>
+              </a:rPr>
+              <a:t>LFÜP PROJEKT</a:t>
+            </a:r>
+          </a:p>
+        </p:txBody>
+      </p:sp>
+      <p:sp>
+        <p:nvSpPr>
+          <p:cNvPr id="2" name="Textfeld 1">
+            <a:extLst>
+              <a:ext uri="{FF2B5EF4-FFF2-40B4-BE49-F238E27FC236}">
+                <a16:creationId xmlns:a16="http://schemas.microsoft.com/office/drawing/2014/main" id="{D283DC1C-1A08-4D43-3866-10E7E3421DCF}"/>
+              </a:ext>
+            </a:extLst>
+          </p:cNvPr>
+          <p:cNvSpPr txBox="1"/>
+          <p:nvPr/>
+        </p:nvSpPr>
+        <p:spPr>
+          <a:xfrm>
+            <a:off x="1065269" y="3360355"/>
+            <a:ext cx="4372863" cy="523220"/>
+          </a:xfrm>
+          <a:prstGeom prst="rect">
+            <a:avLst/>
+          </a:prstGeom>
+          <a:noFill/>
+        </p:spPr>
+        <p:txBody>
+          <a:bodyPr wrap="square" rtlCol="0">
+            <a:spAutoFit/>
+          </a:bodyPr>
+          <a:lstStyle/>
+          <a:p>
+            <a:pPr algn="ctr"/>
+            <a:r>
+              <a:rPr lang="de-DE" sz="2800" b="1" dirty="0">
+                <a:solidFill>
+                  <a:schemeClr val="bg1">
+                    <a:lumMod val="75000"/>
+                  </a:schemeClr>
+                </a:solidFill>
+                <a:latin typeface="+mj-lt"/>
+                <a:cs typeface="Andalus" panose="02020603050405020304" pitchFamily="18" charset="-78"/>
+              </a:rPr>
+              <a:t>Maher, Abdullah, Ali &amp; Tarek</a:t>
+            </a:r>
+          </a:p>
+        </p:txBody>
+      </p:sp>
+      <p:sp>
+        <p:nvSpPr>
+          <p:cNvPr id="5" name="Rechteck 4">
+            <a:extLst>
+              <a:ext uri="{FF2B5EF4-FFF2-40B4-BE49-F238E27FC236}">
+                <a16:creationId xmlns:a16="http://schemas.microsoft.com/office/drawing/2014/main" id="{DE0E030E-3F1B-1115-E02B-77E266683D17}"/>
+              </a:ext>
+            </a:extLst>
+          </p:cNvPr>
+          <p:cNvSpPr/>
+          <p:nvPr/>
+        </p:nvSpPr>
+        <p:spPr>
+          <a:xfrm>
+            <a:off x="473458" y="2931683"/>
+            <a:ext cx="5403194" cy="1485938"/>
+          </a:xfrm>
+          <a:prstGeom prst="rect">
+            <a:avLst/>
+          </a:prstGeom>
+          <a:noFill/>
+          <a:ln w="9525" cap="flat" cmpd="sng" algn="ctr">
+            <a:solidFill>
+              <a:schemeClr val="accent2"/>
+            </a:solidFill>
+            <a:prstDash val="solid"/>
+            <a:round/>
+            <a:headEnd type="none" w="med" len="med"/>
+            <a:tailEnd type="none" w="med" len="med"/>
+          </a:ln>
+        </p:spPr>
+        <p:style>
+          <a:lnRef idx="0">
+            <a:scrgbClr r="0" g="0" b="0"/>
+          </a:lnRef>
+          <a:fillRef idx="0">
+            <a:scrgbClr r="0" g="0" b="0"/>
+          </a:fillRef>
+          <a:effectRef idx="0">
+            <a:scrgbClr r="0" g="0" b="0"/>
+          </a:effectRef>
+          <a:fontRef idx="minor">
+            <a:schemeClr val="accent2"/>
+          </a:fontRef>
+        </p:style>
+        <p:txBody>
+          <a:bodyPr rtlCol="0" anchor="ctr"/>
+          <a:lstStyle/>
+          <a:p>
+            <a:pPr algn="ctr"/>
+            <a:endParaRPr lang="de-DE"/>
+          </a:p>
+        </p:txBody>
+      </p:sp>
+    </p:spTree>
+    <p:extLst>
+      <p:ext uri="{BB962C8B-B14F-4D97-AF65-F5344CB8AC3E}">
+        <p14:creationId xmlns:p14="http://schemas.microsoft.com/office/powerpoint/2010/main" val="2249824997"/>
+      </p:ext>
+    </p:extLst>
+  </p:cSld>
+  <p:clrMapOvr>
+    <a:masterClrMapping/>
+  </p:clrMapOvr>
+  <p:timing>
+    <p:tnLst>
+      <p:par>
+        <p:cTn id="1" dur="indefinite" restart="never" nodeType="tmRoot">
+          <p:childTnLst>
+            <p:seq concurrent="1" nextAc="seek">
+              <p:cTn id="2" dur="indefinite" nodeType="mainSeq">
+                <p:childTnLst>
+                  <p:par>
+                    <p:cTn id="3" fill="hold">
+                      <p:stCondLst>
+                        <p:cond delay="indefinite"/>
+                      </p:stCondLst>
+                      <p:childTnLst>
+                        <p:par>
+                          <p:cTn id="4" fill="hold">
+                            <p:stCondLst>
+                              <p:cond delay="0"/>
+                            </p:stCondLst>
+                            <p:childTnLst>
+                              <p:par>
+                                <p:cTn id="5" presetID="2" presetClass="entr" presetSubtype="4" fill="hold" grpId="0" nodeType="clickEffect">
+                                  <p:stCondLst>
+                                    <p:cond delay="0"/>
+                                  </p:stCondLst>
+                                  <p:childTnLst>
+                                    <p:set>
+                                      <p:cBhvr>
+                                        <p:cTn id="6" dur="1" fill="hold">
+                                          <p:stCondLst>
+                                            <p:cond delay="0"/>
+                                          </p:stCondLst>
+                                        </p:cTn>
+                                        <p:tgtEl>
+                                          <p:spTgt spid="2"/>
+                                        </p:tgtEl>
+                                        <p:attrNameLst>
+                                          <p:attrName>style.visibility</p:attrName>
+                                        </p:attrNameLst>
+                                      </p:cBhvr>
+                                      <p:to>
+                                        <p:strVal val="visible"/>
+                                      </p:to>
+                                    </p:set>
+                                    <p:anim calcmode="lin" valueType="num">
+                                      <p:cBhvr additive="base">
+                                        <p:cTn id="7" dur="500" fill="hold"/>
+                                        <p:tgtEl>
+                                          <p:spTgt spid="2"/>
+                                        </p:tgtEl>
+                                        <p:attrNameLst>
+                                          <p:attrName>ppt_x</p:attrName>
+                                        </p:attrNameLst>
+                                      </p:cBhvr>
+                                      <p:tavLst>
+                                        <p:tav tm="0">
+                                          <p:val>
+                                            <p:strVal val="#ppt_x"/>
+                                          </p:val>
+                                        </p:tav>
+                                        <p:tav tm="100000">
+                                          <p:val>
+                                            <p:strVal val="#ppt_x"/>
+                                          </p:val>
+                                        </p:tav>
+                                      </p:tavLst>
+                                    </p:anim>
+                                    <p:anim calcmode="lin" valueType="num">
+                                      <p:cBhvr additive="base">
+                                        <p:cTn id="8" dur="500" fill="hold"/>
+                                        <p:tgtEl>
+                                          <p:spTgt spid="2"/>
+                                        </p:tgtEl>
+                                        <p:attrNameLst>
+                                          <p:attrName>ppt_y</p:attrName>
+                                        </p:attrNameLst>
+                                      </p:cBhvr>
+                                      <p:tavLst>
+                                        <p:tav tm="0">
+                                          <p:val>
+                                            <p:strVal val="1+#ppt_h/2"/>
+                                          </p:val>
+                                        </p:tav>
+                                        <p:tav tm="100000">
+                                          <p:val>
+                                            <p:strVal val="#ppt_y"/>
+                                          </p:val>
+                                        </p:tav>
+                                      </p:tavLst>
+                                    </p:anim>
+                                  </p:childTnLst>
+                                </p:cTn>
+                              </p:par>
+                            </p:childTnLst>
+                          </p:cTn>
+                        </p:par>
+                      </p:childTnLst>
+                    </p:cTn>
+                  </p:par>
+                </p:childTnLst>
+              </p:cTn>
+              <p:prevCondLst>
+                <p:cond evt="onPrev" delay="0">
+                  <p:tgtEl>
+                    <p:sldTgt/>
+                  </p:tgtEl>
+                </p:cond>
+              </p:prevCondLst>
+              <p:nextCondLst>
+                <p:cond evt="onNext" delay="0">
+                  <p:tgtEl>
+                    <p:sldTgt/>
+                  </p:tgtEl>
+                </p:cond>
+              </p:nextCondLst>
+            </p:seq>
+          </p:childTnLst>
+        </p:cTn>
+      </p:par>
+    </p:tnLst>
+    <p:bldLst>
+      <p:bldP spid="2" grpId="0"/>
+    </p:bldLst>
+  </p:timing>
+</p:sld>
+</file>
+
+<file path=ppt/slides/slide20.xml><?xml version="1.0" encoding="utf-8"?>
 <p:sld xmlns:a="http://schemas.openxmlformats.org/drawingml/2006/main" xmlns:r="http://schemas.openxmlformats.org/officeDocument/2006/relationships" xmlns:p="http://schemas.openxmlformats.org/presentationml/2006/main">
   <p:cSld>
     <p:bg>
@@ -7890,17 +8240,17 @@
                   </a:schemeClr>
                 </a:solidFill>
               </a:rPr>
-              <a:t>LFÜP PROJEKT</a:t>
+              <a:t>GYMHOUSE</a:t>
             </a:r>
           </a:p>
         </p:txBody>
       </p:sp>
       <p:sp>
         <p:nvSpPr>
-          <p:cNvPr id="2" name="Textfeld 1">
-            <a:extLst>
-              <a:ext uri="{FF2B5EF4-FFF2-40B4-BE49-F238E27FC236}">
-                <a16:creationId xmlns:a16="http://schemas.microsoft.com/office/drawing/2014/main" id="{C4AD6C43-DE5F-E5AE-C0AA-09CD87F3C554}"/>
+          <p:cNvPr id="14" name="Textfeld 13">
+            <a:extLst>
+              <a:ext uri="{FF2B5EF4-FFF2-40B4-BE49-F238E27FC236}">
+                <a16:creationId xmlns:a16="http://schemas.microsoft.com/office/drawing/2014/main" id="{00201975-C0A9-A21D-D4B7-EC0063765D46}"/>
               </a:ext>
             </a:extLst>
           </p:cNvPr>
@@ -7909,8 +8259,8 @@
         </p:nvSpPr>
         <p:spPr>
           <a:xfrm>
-            <a:off x="1065269" y="2816365"/>
-            <a:ext cx="5891724" cy="2554545"/>
+            <a:off x="16083" y="3262641"/>
+            <a:ext cx="6317945" cy="954107"/>
           </a:xfrm>
           <a:prstGeom prst="rect">
             <a:avLst/>
@@ -7923,86 +8273,170 @@
           </a:bodyPr>
           <a:lstStyle/>
           <a:p>
-            <a:pPr marL="342900" indent="-342900">
-              <a:buFont typeface="Arial" panose="020B0604020202020204" pitchFamily="34" charset="0"/>
-              <a:buChar char="•"/>
-            </a:pPr>
+            <a:pPr algn="ctr"/>
             <a:r>
-              <a:rPr lang="de-DE" sz="2800" b="1" dirty="0">
+              <a:rPr lang="de-DE" sz="2800" dirty="0">
                 <a:solidFill>
                   <a:schemeClr val="bg1">
                     <a:lumMod val="75000"/>
                   </a:schemeClr>
                 </a:solidFill>
-                <a:latin typeface="+mj-lt"/>
-                <a:cs typeface="Andalus" panose="02020603050405020304" pitchFamily="18" charset="-78"/>
               </a:rPr>
-              <a:t>Was ist unsere Ziel?</a:t>
+              <a:t>Konzeptierung &amp; Entwicklung einer Fitness-App</a:t>
             </a:r>
           </a:p>
-          <a:p>
-            <a:endParaRPr lang="de-DE" sz="2800" b="1" dirty="0">
-              <a:solidFill>
-                <a:schemeClr val="bg1">
-                  <a:lumMod val="75000"/>
-                </a:schemeClr>
-              </a:solidFill>
-              <a:latin typeface="+mj-lt"/>
-              <a:cs typeface="Andalus" panose="02020603050405020304" pitchFamily="18" charset="-78"/>
-            </a:endParaRPr>
-          </a:p>
-          <a:p>
-            <a:endParaRPr lang="de-DE" sz="2800" b="1" dirty="0">
-              <a:solidFill>
-                <a:schemeClr val="bg1">
-                  <a:lumMod val="75000"/>
-                </a:schemeClr>
-              </a:solidFill>
-              <a:latin typeface="+mj-lt"/>
-              <a:cs typeface="Andalus" panose="02020603050405020304" pitchFamily="18" charset="-78"/>
-            </a:endParaRPr>
-          </a:p>
-          <a:p>
-            <a:pPr marL="342900" indent="-342900">
-              <a:buFont typeface="Arial" panose="020B0604020202020204" pitchFamily="34" charset="0"/>
-              <a:buChar char="•"/>
-            </a:pPr>
-            <a:r>
-              <a:rPr lang="de-DE" sz="2800" b="1" dirty="0">
-                <a:solidFill>
-                  <a:schemeClr val="bg1">
-                    <a:lumMod val="75000"/>
-                  </a:schemeClr>
-                </a:solidFill>
-                <a:latin typeface="+mj-lt"/>
-                <a:cs typeface="Andalus" panose="02020603050405020304" pitchFamily="18" charset="-78"/>
-              </a:rPr>
-              <a:t>Warum haben wir uns für Fitness App Entschieden ?</a:t>
-            </a:r>
-          </a:p>
-          <a:p>
-            <a:endParaRPr lang="de-DE" sz="2000" dirty="0">
-              <a:solidFill>
-                <a:schemeClr val="bg1">
-                  <a:lumMod val="75000"/>
-                </a:schemeClr>
-              </a:solidFill>
-              <a:latin typeface="+mj-lt"/>
-              <a:cs typeface="Andalus" panose="02020603050405020304" pitchFamily="18" charset="-78"/>
-            </a:endParaRPr>
+        </p:txBody>
+      </p:sp>
+      <p:sp>
+        <p:nvSpPr>
+          <p:cNvPr id="2" name="Rechteck 1">
+            <a:extLst>
+              <a:ext uri="{FF2B5EF4-FFF2-40B4-BE49-F238E27FC236}">
+                <a16:creationId xmlns:a16="http://schemas.microsoft.com/office/drawing/2014/main" id="{637C5CD9-A457-9B80-64DA-36370D3930AB}"/>
+              </a:ext>
+            </a:extLst>
+          </p:cNvPr>
+          <p:cNvSpPr/>
+          <p:nvPr/>
+        </p:nvSpPr>
+        <p:spPr>
+          <a:xfrm>
+            <a:off x="473458" y="2931683"/>
+            <a:ext cx="5403194" cy="1485938"/>
+          </a:xfrm>
+          <a:prstGeom prst="rect">
+            <a:avLst/>
+          </a:prstGeom>
+          <a:noFill/>
+          <a:ln w="9525" cap="flat" cmpd="sng" algn="ctr">
+            <a:solidFill>
+              <a:schemeClr val="accent2"/>
+            </a:solidFill>
+            <a:prstDash val="solid"/>
+            <a:round/>
+            <a:headEnd type="none" w="med" len="med"/>
+            <a:tailEnd type="none" w="med" len="med"/>
+          </a:ln>
+        </p:spPr>
+        <p:style>
+          <a:lnRef idx="0">
+            <a:scrgbClr r="0" g="0" b="0"/>
+          </a:lnRef>
+          <a:fillRef idx="0">
+            <a:scrgbClr r="0" g="0" b="0"/>
+          </a:fillRef>
+          <a:effectRef idx="0">
+            <a:scrgbClr r="0" g="0" b="0"/>
+          </a:effectRef>
+          <a:fontRef idx="minor">
+            <a:schemeClr val="accent2"/>
+          </a:fontRef>
+        </p:style>
+        <p:txBody>
+          <a:bodyPr rtlCol="0" anchor="ctr"/>
+          <a:lstStyle/>
+          <a:p>
+            <a:pPr algn="ctr"/>
+            <a:endParaRPr lang="de-DE"/>
           </a:p>
         </p:txBody>
       </p:sp>
     </p:spTree>
     <p:extLst>
       <p:ext uri="{BB962C8B-B14F-4D97-AF65-F5344CB8AC3E}">
-        <p14:creationId xmlns:p14="http://schemas.microsoft.com/office/powerpoint/2010/main" val="4212589235"/>
+        <p14:creationId xmlns:p14="http://schemas.microsoft.com/office/powerpoint/2010/main" val="467859985"/>
       </p:ext>
     </p:extLst>
   </p:cSld>
   <p:clrMapOvr>
     <a:masterClrMapping/>
   </p:clrMapOvr>
+  <p:timing>
+    <p:tnLst>
+      <p:par>
+        <p:cTn id="1" dur="indefinite" restart="never" nodeType="tmRoot">
+          <p:childTnLst>
+            <p:seq concurrent="1" nextAc="seek">
+              <p:cTn id="2" dur="indefinite" nodeType="mainSeq">
+                <p:childTnLst>
+                  <p:par>
+                    <p:cTn id="3" fill="hold">
+                      <p:stCondLst>
+                        <p:cond delay="indefinite"/>
+                      </p:stCondLst>
+                      <p:childTnLst>
+                        <p:par>
+                          <p:cTn id="4" fill="hold">
+                            <p:stCondLst>
+                              <p:cond delay="0"/>
+                            </p:stCondLst>
+                            <p:childTnLst>
+                              <p:par>
+                                <p:cTn id="5" presetID="10" presetClass="entr" presetSubtype="0" fill="hold" grpId="0" nodeType="clickEffect">
+                                  <p:stCondLst>
+                                    <p:cond delay="0"/>
+                                  </p:stCondLst>
+                                  <p:childTnLst>
+                                    <p:set>
+                                      <p:cBhvr>
+                                        <p:cTn id="6" dur="1" fill="hold">
+                                          <p:stCondLst>
+                                            <p:cond delay="0"/>
+                                          </p:stCondLst>
+                                        </p:cTn>
+                                        <p:tgtEl>
+                                          <p:spTgt spid="14"/>
+                                        </p:tgtEl>
+                                        <p:attrNameLst>
+                                          <p:attrName>style.visibility</p:attrName>
+                                        </p:attrNameLst>
+                                      </p:cBhvr>
+                                      <p:to>
+                                        <p:strVal val="visible"/>
+                                      </p:to>
+                                    </p:set>
+                                    <p:animEffect transition="in" filter="fade">
+                                      <p:cBhvr>
+                                        <p:cTn id="7" dur="500"/>
+                                        <p:tgtEl>
+                                          <p:spTgt spid="14"/>
+                                        </p:tgtEl>
+                                      </p:cBhvr>
+                                    </p:animEffect>
+                                  </p:childTnLst>
+                                </p:cTn>
+                              </p:par>
+                            </p:childTnLst>
+                          </p:cTn>
+                        </p:par>
+                      </p:childTnLst>
+                    </p:cTn>
+                  </p:par>
+                </p:childTnLst>
+              </p:cTn>
+              <p:prevCondLst>
+                <p:cond evt="onPrev" delay="0">
+                  <p:tgtEl>
+                    <p:sldTgt/>
+                  </p:tgtEl>
+                </p:cond>
+              </p:prevCondLst>
+              <p:nextCondLst>
+                <p:cond evt="onNext" delay="0">
+                  <p:tgtEl>
+                    <p:sldTgt/>
+                  </p:tgtEl>
+                </p:cond>
+              </p:nextCondLst>
+            </p:seq>
+          </p:childTnLst>
+        </p:cTn>
+      </p:par>
+    </p:tnLst>
+    <p:bldLst>
+      <p:bldP spid="14" grpId="0"/>
+    </p:bldLst>
+  </p:timing>
 </p:sld>
 </file>
 
@@ -8353,10 +8787,10 @@
       </p:sp>
       <p:sp>
         <p:nvSpPr>
-          <p:cNvPr id="12" name="Textfeld 11">
-            <a:extLst>
-              <a:ext uri="{FF2B5EF4-FFF2-40B4-BE49-F238E27FC236}">
-                <a16:creationId xmlns:a16="http://schemas.microsoft.com/office/drawing/2014/main" id="{1B1DB219-C438-FBF3-B8DF-C3DAC19CC24C}"/>
+          <p:cNvPr id="3" name="Textfeld 2">
+            <a:extLst>
+              <a:ext uri="{FF2B5EF4-FFF2-40B4-BE49-F238E27FC236}">
+                <a16:creationId xmlns:a16="http://schemas.microsoft.com/office/drawing/2014/main" id="{4935F6CC-0A8A-1EB2-F7FC-6A4C06E08390}"/>
               </a:ext>
             </a:extLst>
           </p:cNvPr>
@@ -8395,10 +8829,64 @@
       </p:sp>
       <p:sp>
         <p:nvSpPr>
-          <p:cNvPr id="14" name="Textfeld 13">
-            <a:extLst>
-              <a:ext uri="{FF2B5EF4-FFF2-40B4-BE49-F238E27FC236}">
-                <a16:creationId xmlns:a16="http://schemas.microsoft.com/office/drawing/2014/main" id="{00201975-C0A9-A21D-D4B7-EC0063765D46}"/>
+          <p:cNvPr id="4" name="Rechteck 3">
+            <a:extLst>
+              <a:ext uri="{FF2B5EF4-FFF2-40B4-BE49-F238E27FC236}">
+                <a16:creationId xmlns:a16="http://schemas.microsoft.com/office/drawing/2014/main" id="{029B63D6-8D17-E91B-CB19-0EA3E8A9DCD7}"/>
+              </a:ext>
+            </a:extLst>
+          </p:cNvPr>
+          <p:cNvSpPr/>
+          <p:nvPr/>
+        </p:nvSpPr>
+        <p:spPr>
+          <a:xfrm>
+            <a:off x="1968702" y="2363775"/>
+            <a:ext cx="2007909" cy="1485938"/>
+          </a:xfrm>
+          <a:prstGeom prst="rect">
+            <a:avLst/>
+          </a:prstGeom>
+          <a:noFill/>
+          <a:ln w="9525" cap="flat" cmpd="sng" algn="ctr">
+            <a:solidFill>
+              <a:schemeClr val="accent2"/>
+            </a:solidFill>
+            <a:prstDash val="solid"/>
+            <a:round/>
+            <a:headEnd type="none" w="med" len="med"/>
+            <a:tailEnd type="none" w="med" len="med"/>
+          </a:ln>
+        </p:spPr>
+        <p:style>
+          <a:lnRef idx="0">
+            <a:scrgbClr r="0" g="0" b="0"/>
+          </a:lnRef>
+          <a:fillRef idx="0">
+            <a:scrgbClr r="0" g="0" b="0"/>
+          </a:fillRef>
+          <a:effectRef idx="0">
+            <a:scrgbClr r="0" g="0" b="0"/>
+          </a:effectRef>
+          <a:fontRef idx="minor">
+            <a:schemeClr val="accent2"/>
+          </a:fontRef>
+        </p:style>
+        <p:txBody>
+          <a:bodyPr rtlCol="0" anchor="ctr"/>
+          <a:lstStyle/>
+          <a:p>
+            <a:pPr algn="ctr"/>
+            <a:endParaRPr lang="de-DE"/>
+          </a:p>
+        </p:txBody>
+      </p:sp>
+      <p:sp>
+        <p:nvSpPr>
+          <p:cNvPr id="5" name="Textfeld 4">
+            <a:extLst>
+              <a:ext uri="{FF2B5EF4-FFF2-40B4-BE49-F238E27FC236}">
+                <a16:creationId xmlns:a16="http://schemas.microsoft.com/office/drawing/2014/main" id="{588937A1-7EDF-3EE3-FD30-ADC93D43DE96}"/>
               </a:ext>
             </a:extLst>
           </p:cNvPr>
@@ -8407,8 +8895,8 @@
         </p:nvSpPr>
         <p:spPr>
           <a:xfrm>
-            <a:off x="16083" y="3262641"/>
-            <a:ext cx="6317945" cy="954107"/>
+            <a:off x="2413533" y="2721114"/>
+            <a:ext cx="1178528" cy="707886"/>
           </a:xfrm>
           <a:prstGeom prst="rect">
             <a:avLst/>
@@ -8416,29 +8904,139 @@
           <a:noFill/>
         </p:spPr>
         <p:txBody>
-          <a:bodyPr wrap="square" rtlCol="0">
+          <a:bodyPr wrap="none" rtlCol="0">
             <a:spAutoFit/>
           </a:bodyPr>
           <a:lstStyle/>
           <a:p>
             <a:pPr algn="ctr"/>
             <a:r>
-              <a:rPr lang="de-DE" sz="2800" dirty="0">
+              <a:rPr lang="de-DE" sz="4000" b="1" dirty="0">
                 <a:solidFill>
                   <a:schemeClr val="bg1">
                     <a:lumMod val="75000"/>
                   </a:schemeClr>
                 </a:solidFill>
               </a:rPr>
-              <a:t>Konzeptierung &amp; Entwicklung einer Fitness-App</a:t>
+              <a:t>Ziel?</a:t>
             </a:r>
+            <a:endParaRPr lang="de-DE" b="1" dirty="0">
+              <a:solidFill>
+                <a:schemeClr val="bg1">
+                  <a:lumMod val="75000"/>
+                </a:schemeClr>
+              </a:solidFill>
+            </a:endParaRPr>
+          </a:p>
+        </p:txBody>
+      </p:sp>
+      <p:sp>
+        <p:nvSpPr>
+          <p:cNvPr id="7" name="Rechteck 6">
+            <a:extLst>
+              <a:ext uri="{FF2B5EF4-FFF2-40B4-BE49-F238E27FC236}">
+                <a16:creationId xmlns:a16="http://schemas.microsoft.com/office/drawing/2014/main" id="{B5CA702C-769A-F4A9-6590-AC1C501D6593}"/>
+              </a:ext>
+            </a:extLst>
+          </p:cNvPr>
+          <p:cNvSpPr/>
+          <p:nvPr/>
+        </p:nvSpPr>
+        <p:spPr>
+          <a:xfrm>
+            <a:off x="503277" y="4391787"/>
+            <a:ext cx="5034003" cy="1485938"/>
+          </a:xfrm>
+          <a:prstGeom prst="rect">
+            <a:avLst/>
+          </a:prstGeom>
+          <a:noFill/>
+          <a:ln w="9525" cap="flat" cmpd="sng" algn="ctr">
+            <a:solidFill>
+              <a:schemeClr val="accent2"/>
+            </a:solidFill>
+            <a:prstDash val="solid"/>
+            <a:round/>
+            <a:headEnd type="none" w="med" len="med"/>
+            <a:tailEnd type="none" w="med" len="med"/>
+          </a:ln>
+        </p:spPr>
+        <p:style>
+          <a:lnRef idx="0">
+            <a:scrgbClr r="0" g="0" b="0"/>
+          </a:lnRef>
+          <a:fillRef idx="0">
+            <a:scrgbClr r="0" g="0" b="0"/>
+          </a:fillRef>
+          <a:effectRef idx="0">
+            <a:scrgbClr r="0" g="0" b="0"/>
+          </a:effectRef>
+          <a:fontRef idx="minor">
+            <a:schemeClr val="accent2"/>
+          </a:fontRef>
+        </p:style>
+        <p:txBody>
+          <a:bodyPr rtlCol="0" anchor="ctr"/>
+          <a:lstStyle/>
+          <a:p>
+            <a:pPr algn="ctr"/>
+            <a:endParaRPr lang="de-DE"/>
+          </a:p>
+        </p:txBody>
+      </p:sp>
+      <p:sp>
+        <p:nvSpPr>
+          <p:cNvPr id="8" name="Textfeld 7">
+            <a:extLst>
+              <a:ext uri="{FF2B5EF4-FFF2-40B4-BE49-F238E27FC236}">
+                <a16:creationId xmlns:a16="http://schemas.microsoft.com/office/drawing/2014/main" id="{5035E6DC-CD1E-3EBF-7C4F-5DCBE54DE336}"/>
+              </a:ext>
+            </a:extLst>
+          </p:cNvPr>
+          <p:cNvSpPr txBox="1"/>
+          <p:nvPr/>
+        </p:nvSpPr>
+        <p:spPr>
+          <a:xfrm>
+            <a:off x="717019" y="4778018"/>
+            <a:ext cx="4606517" cy="707886"/>
+          </a:xfrm>
+          <a:prstGeom prst="rect">
+            <a:avLst/>
+          </a:prstGeom>
+          <a:noFill/>
+        </p:spPr>
+        <p:txBody>
+          <a:bodyPr wrap="none" rtlCol="0">
+            <a:spAutoFit/>
+          </a:bodyPr>
+          <a:lstStyle/>
+          <a:p>
+            <a:pPr algn="ctr"/>
+            <a:r>
+              <a:rPr lang="de-DE" sz="4000" b="1" dirty="0">
+                <a:solidFill>
+                  <a:schemeClr val="bg1">
+                    <a:lumMod val="75000"/>
+                  </a:schemeClr>
+                </a:solidFill>
+              </a:rPr>
+              <a:t>Warum Fitness-App?</a:t>
+            </a:r>
+            <a:endParaRPr lang="de-DE" b="1" dirty="0">
+              <a:solidFill>
+                <a:schemeClr val="bg1">
+                  <a:lumMod val="75000"/>
+                </a:schemeClr>
+              </a:solidFill>
+            </a:endParaRPr>
           </a:p>
         </p:txBody>
       </p:sp>
     </p:spTree>
     <p:extLst>
       <p:ext uri="{BB962C8B-B14F-4D97-AF65-F5344CB8AC3E}">
-        <p14:creationId xmlns:p14="http://schemas.microsoft.com/office/powerpoint/2010/main" val="467859985"/>
+        <p14:creationId xmlns:p14="http://schemas.microsoft.com/office/powerpoint/2010/main" val="4212589235"/>
       </p:ext>
     </p:extLst>
   </p:cSld>
@@ -8474,7 +9072,9 @@
               </a:ext>
             </a:extLst>
           </p:cNvPr>
-          <p:cNvSpPr txBox="1"/>
+          <p:cNvSpPr txBox="1">
+            <a:spLocks noGrp="1" noRot="1" noMove="1" noResize="1" noEditPoints="1" noAdjustHandles="1" noChangeArrowheads="1" noChangeShapeType="1"/>
+          </p:cNvSpPr>
           <p:nvPr/>
         </p:nvSpPr>
         <p:spPr>
@@ -8601,8 +9201,8 @@
         </p:nvCxnSpPr>
         <p:spPr>
           <a:xfrm flipH="1">
-            <a:off x="2462694" y="1457488"/>
-            <a:ext cx="2491496" cy="172726"/>
+            <a:off x="2462692" y="1457488"/>
+            <a:ext cx="2491498" cy="236623"/>
           </a:xfrm>
           <a:prstGeom prst="line">
             <a:avLst/>
@@ -8646,7 +9246,7 @@
         </p:nvSpPr>
         <p:spPr>
           <a:xfrm>
-            <a:off x="716755" y="1332554"/>
+            <a:off x="716753" y="1396451"/>
             <a:ext cx="2045495" cy="2032549"/>
           </a:xfrm>
           <a:prstGeom prst="flowChartConnector">
@@ -8699,7 +9299,7 @@
         </p:nvSpPr>
         <p:spPr>
           <a:xfrm>
-            <a:off x="716753" y="4053135"/>
+            <a:off x="719373" y="4053032"/>
             <a:ext cx="2045495" cy="2032549"/>
           </a:xfrm>
           <a:prstGeom prst="flowChartConnector">
@@ -8808,7 +9408,7 @@
         </p:nvSpPr>
         <p:spPr>
           <a:xfrm>
-            <a:off x="9429749" y="4053136"/>
+            <a:off x="9462671" y="4058499"/>
             <a:ext cx="2045495" cy="2032549"/>
           </a:xfrm>
           <a:prstGeom prst="flowChartConnector">
@@ -8869,7 +9469,7 @@
         </p:nvSpPr>
         <p:spPr>
           <a:xfrm>
-            <a:off x="9429750" y="1332553"/>
+            <a:off x="9405283" y="1396450"/>
             <a:ext cx="2045495" cy="2032549"/>
           </a:xfrm>
           <a:prstGeom prst="flowChartConnector">
@@ -8927,7 +9527,7 @@
         <p:spPr>
           <a:xfrm flipH="1" flipV="1">
             <a:off x="7237810" y="1457488"/>
-            <a:ext cx="2491496" cy="172725"/>
+            <a:ext cx="2467029" cy="236622"/>
           </a:xfrm>
           <a:prstGeom prst="line">
             <a:avLst/>
@@ -8976,7 +9576,7 @@
         <p:spPr>
           <a:xfrm flipH="1" flipV="1">
             <a:off x="7237810" y="1457488"/>
-            <a:ext cx="3214687" cy="2595648"/>
+            <a:ext cx="3247609" cy="2601011"/>
           </a:xfrm>
           <a:prstGeom prst="line">
             <a:avLst/>
@@ -9073,8 +9673,8 @@
         </p:nvCxnSpPr>
         <p:spPr>
           <a:xfrm flipV="1">
-            <a:off x="2462692" y="1457488"/>
-            <a:ext cx="2491498" cy="2893307"/>
+            <a:off x="2465312" y="1457488"/>
+            <a:ext cx="2488878" cy="2893204"/>
           </a:xfrm>
           <a:prstGeom prst="line">
             <a:avLst/>
@@ -9162,7 +9762,7 @@
         </p:nvSpPr>
         <p:spPr>
           <a:xfrm>
-            <a:off x="651574" y="2056636"/>
+            <a:off x="651574" y="2151114"/>
             <a:ext cx="2175852" cy="523220"/>
           </a:xfrm>
           <a:prstGeom prst="rect">
@@ -9201,7 +9801,7 @@
         </p:nvSpPr>
         <p:spPr>
           <a:xfrm>
-            <a:off x="9405283" y="2055083"/>
+            <a:off x="9405283" y="2129327"/>
             <a:ext cx="2102883" cy="515526"/>
           </a:xfrm>
           <a:prstGeom prst="rect">
@@ -9226,6 +9826,90 @@
           </a:p>
         </p:txBody>
       </p:sp>
+      <p:sp>
+        <p:nvSpPr>
+          <p:cNvPr id="7" name="Flussdiagramm: Verbinder 6">
+            <a:extLst>
+              <a:ext uri="{FF2B5EF4-FFF2-40B4-BE49-F238E27FC236}">
+                <a16:creationId xmlns:a16="http://schemas.microsoft.com/office/drawing/2014/main" id="{41E924DA-E397-717D-BC8D-60C2BAEC57F1}"/>
+              </a:ext>
+            </a:extLst>
+          </p:cNvPr>
+          <p:cNvSpPr/>
+          <p:nvPr/>
+        </p:nvSpPr>
+        <p:spPr>
+          <a:xfrm>
+            <a:off x="4954190" y="322904"/>
+            <a:ext cx="2283620" cy="2269167"/>
+          </a:xfrm>
+          <a:prstGeom prst="flowChartConnector">
+            <a:avLst/>
+          </a:prstGeom>
+          <a:solidFill>
+            <a:schemeClr val="bg1"/>
+          </a:solidFill>
+        </p:spPr>
+        <p:style>
+          <a:lnRef idx="2">
+            <a:schemeClr val="accent1">
+              <a:shade val="50000"/>
+            </a:schemeClr>
+          </a:lnRef>
+          <a:fillRef idx="1">
+            <a:schemeClr val="accent1"/>
+          </a:fillRef>
+          <a:effectRef idx="0">
+            <a:schemeClr val="accent1"/>
+          </a:effectRef>
+          <a:fontRef idx="minor">
+            <a:schemeClr val="lt1"/>
+          </a:fontRef>
+        </p:style>
+        <p:txBody>
+          <a:bodyPr rtlCol="0" anchor="ctr"/>
+          <a:lstStyle/>
+          <a:p>
+            <a:pPr algn="ctr"/>
+            <a:endParaRPr lang="de-DE"/>
+          </a:p>
+        </p:txBody>
+      </p:sp>
+      <p:pic>
+        <p:nvPicPr>
+          <p:cNvPr id="8" name="Grafik 7">
+            <a:extLst>
+              <a:ext uri="{FF2B5EF4-FFF2-40B4-BE49-F238E27FC236}">
+                <a16:creationId xmlns:a16="http://schemas.microsoft.com/office/drawing/2014/main" id="{58C46FE3-9250-02DB-2EF4-52FAE948E25B}"/>
+              </a:ext>
+            </a:extLst>
+          </p:cNvPr>
+          <p:cNvPicPr>
+            <a:picLocks noChangeAspect="1"/>
+          </p:cNvPicPr>
+          <p:nvPr/>
+        </p:nvPicPr>
+        <p:blipFill rotWithShape="1">
+          <a:blip r:embed="rId2">
+            <a:extLst>
+              <a:ext uri="{28A0092B-C50C-407E-A947-70E740481C1C}">
+                <a14:useLocalDpi xmlns:a14="http://schemas.microsoft.com/office/drawing/2010/main" val="0"/>
+              </a:ext>
+            </a:extLst>
+          </a:blip>
+          <a:srcRect l="23997" t="25597" r="24197" b="24596"/>
+          <a:stretch/>
+        </p:blipFill>
+        <p:spPr>
+          <a:xfrm>
+            <a:off x="5149340" y="519737"/>
+            <a:ext cx="1893319" cy="1820219"/>
+          </a:xfrm>
+          <a:prstGeom prst="rect">
+            <a:avLst/>
+          </a:prstGeom>
+        </p:spPr>
+      </p:pic>
     </p:spTree>
     <p:extLst>
       <p:ext uri="{BB962C8B-B14F-4D97-AF65-F5344CB8AC3E}">
@@ -9274,7 +9958,7 @@
         </p:nvSpPr>
         <p:spPr>
           <a:xfrm>
-            <a:off x="4628661" y="103597"/>
+            <a:off x="4628661" y="225396"/>
             <a:ext cx="2934678" cy="850112"/>
           </a:xfrm>
         </p:spPr>
@@ -9282,8 +9966,11 @@
           <a:bodyPr/>
           <a:lstStyle/>
           <a:p>
+            <a:pPr algn="ctr"/>
             <a:r>
-              <a:rPr lang="de-DE" b="1" dirty="0"/>
+              <a:rPr lang="de-DE" b="1" dirty="0">
+                <a:latin typeface="+mn-lt"/>
+              </a:rPr>
               <a:t>Ressourcen</a:t>
             </a:r>
           </a:p>
@@ -9321,7 +10008,7 @@
               <a:buNone/>
             </a:pPr>
             <a:r>
-              <a:rPr lang="de-DE" dirty="0"/>
+              <a:rPr lang="de-DE" b="1" dirty="0"/>
               <a:t>Figma</a:t>
             </a:r>
           </a:p>
@@ -9673,7 +10360,7 @@
               <a:buNone/>
             </a:pPr>
             <a:r>
-              <a:rPr lang="de-DE" dirty="0"/>
+              <a:rPr lang="de-DE" b="1" dirty="0"/>
               <a:t>Android Studio</a:t>
             </a:r>
           </a:p>
@@ -9884,7 +10571,7 @@
               <a:buNone/>
             </a:pPr>
             <a:r>
-              <a:rPr lang="de-DE" dirty="0"/>
+              <a:rPr lang="de-DE" b="1" dirty="0"/>
               <a:t>Adobe Photoshop</a:t>
             </a:r>
           </a:p>
@@ -9899,6 +10586,41 @@
           </a:p>
         </p:txBody>
       </p:sp>
+      <p:pic>
+        <p:nvPicPr>
+          <p:cNvPr id="6" name="Grafik 5">
+            <a:extLst>
+              <a:ext uri="{FF2B5EF4-FFF2-40B4-BE49-F238E27FC236}">
+                <a16:creationId xmlns:a16="http://schemas.microsoft.com/office/drawing/2014/main" id="{53FC9A98-1D47-6B4C-1766-DF0275DD5A75}"/>
+              </a:ext>
+            </a:extLst>
+          </p:cNvPr>
+          <p:cNvPicPr>
+            <a:picLocks noChangeAspect="1"/>
+          </p:cNvPicPr>
+          <p:nvPr/>
+        </p:nvPicPr>
+        <p:blipFill rotWithShape="1">
+          <a:blip r:embed="rId5">
+            <a:extLst>
+              <a:ext uri="{28A0092B-C50C-407E-A947-70E740481C1C}">
+                <a14:useLocalDpi xmlns:a14="http://schemas.microsoft.com/office/drawing/2010/main" val="0"/>
+              </a:ext>
+            </a:extLst>
+          </a:blip>
+          <a:srcRect l="23997" t="25597" r="24197" b="24596"/>
+          <a:stretch/>
+        </p:blipFill>
+        <p:spPr>
+          <a:xfrm>
+            <a:off x="9862742" y="225396"/>
+            <a:ext cx="1893319" cy="1820219"/>
+          </a:xfrm>
+          <a:prstGeom prst="rect">
+            <a:avLst/>
+          </a:prstGeom>
+        </p:spPr>
+      </p:pic>
     </p:spTree>
     <p:extLst>
       <p:ext uri="{BB962C8B-B14F-4D97-AF65-F5344CB8AC3E}">
@@ -9909,6 +10631,313 @@
   <p:clrMapOvr>
     <a:masterClrMapping/>
   </p:clrMapOvr>
+  <p:timing>
+    <p:tnLst>
+      <p:par>
+        <p:cTn id="1" dur="indefinite" restart="never" nodeType="tmRoot">
+          <p:childTnLst>
+            <p:seq concurrent="1" nextAc="seek">
+              <p:cTn id="2" dur="indefinite" nodeType="mainSeq">
+                <p:childTnLst>
+                  <p:par>
+                    <p:cTn id="3" fill="hold">
+                      <p:stCondLst>
+                        <p:cond delay="indefinite"/>
+                      </p:stCondLst>
+                      <p:childTnLst>
+                        <p:par>
+                          <p:cTn id="4" fill="hold">
+                            <p:stCondLst>
+                              <p:cond delay="0"/>
+                            </p:stCondLst>
+                            <p:childTnLst>
+                              <p:par>
+                                <p:cTn id="5" presetID="10" presetClass="entr" presetSubtype="0" fill="hold" grpId="0" nodeType="clickEffect">
+                                  <p:stCondLst>
+                                    <p:cond delay="0"/>
+                                  </p:stCondLst>
+                                  <p:childTnLst>
+                                    <p:set>
+                                      <p:cBhvr>
+                                        <p:cTn id="6" dur="1" fill="hold">
+                                          <p:stCondLst>
+                                            <p:cond delay="0"/>
+                                          </p:stCondLst>
+                                        </p:cTn>
+                                        <p:tgtEl>
+                                          <p:spTgt spid="4"/>
+                                        </p:tgtEl>
+                                        <p:attrNameLst>
+                                          <p:attrName>style.visibility</p:attrName>
+                                        </p:attrNameLst>
+                                      </p:cBhvr>
+                                      <p:to>
+                                        <p:strVal val="visible"/>
+                                      </p:to>
+                                    </p:set>
+                                    <p:animEffect transition="in" filter="fade">
+                                      <p:cBhvr>
+                                        <p:cTn id="7" dur="500"/>
+                                        <p:tgtEl>
+                                          <p:spTgt spid="4"/>
+                                        </p:tgtEl>
+                                      </p:cBhvr>
+                                    </p:animEffect>
+                                  </p:childTnLst>
+                                </p:cTn>
+                              </p:par>
+                              <p:par>
+                                <p:cTn id="8" presetID="10" presetClass="entr" presetSubtype="0" fill="hold" nodeType="withEffect">
+                                  <p:stCondLst>
+                                    <p:cond delay="0"/>
+                                  </p:stCondLst>
+                                  <p:childTnLst>
+                                    <p:set>
+                                      <p:cBhvr>
+                                        <p:cTn id="9" dur="1" fill="hold">
+                                          <p:stCondLst>
+                                            <p:cond delay="0"/>
+                                          </p:stCondLst>
+                                        </p:cTn>
+                                        <p:tgtEl>
+                                          <p:spTgt spid="1030"/>
+                                        </p:tgtEl>
+                                        <p:attrNameLst>
+                                          <p:attrName>style.visibility</p:attrName>
+                                        </p:attrNameLst>
+                                      </p:cBhvr>
+                                      <p:to>
+                                        <p:strVal val="visible"/>
+                                      </p:to>
+                                    </p:set>
+                                    <p:animEffect transition="in" filter="fade">
+                                      <p:cBhvr>
+                                        <p:cTn id="10" dur="500"/>
+                                        <p:tgtEl>
+                                          <p:spTgt spid="1030"/>
+                                        </p:tgtEl>
+                                      </p:cBhvr>
+                                    </p:animEffect>
+                                  </p:childTnLst>
+                                </p:cTn>
+                              </p:par>
+                            </p:childTnLst>
+                          </p:cTn>
+                        </p:par>
+                      </p:childTnLst>
+                    </p:cTn>
+                  </p:par>
+                  <p:par>
+                    <p:cTn id="11" fill="hold">
+                      <p:stCondLst>
+                        <p:cond delay="indefinite"/>
+                      </p:stCondLst>
+                      <p:childTnLst>
+                        <p:par>
+                          <p:cTn id="12" fill="hold">
+                            <p:stCondLst>
+                              <p:cond delay="0"/>
+                            </p:stCondLst>
+                            <p:childTnLst>
+                              <p:par>
+                                <p:cTn id="13" presetID="10" presetClass="entr" presetSubtype="0" fill="hold" grpId="0" nodeType="clickEffect">
+                                  <p:stCondLst>
+                                    <p:cond delay="0"/>
+                                  </p:stCondLst>
+                                  <p:childTnLst>
+                                    <p:set>
+                                      <p:cBhvr>
+                                        <p:cTn id="14" dur="1" fill="hold">
+                                          <p:stCondLst>
+                                            <p:cond delay="0"/>
+                                          </p:stCondLst>
+                                        </p:cTn>
+                                        <p:tgtEl>
+                                          <p:spTgt spid="5"/>
+                                        </p:tgtEl>
+                                        <p:attrNameLst>
+                                          <p:attrName>style.visibility</p:attrName>
+                                        </p:attrNameLst>
+                                      </p:cBhvr>
+                                      <p:to>
+                                        <p:strVal val="visible"/>
+                                      </p:to>
+                                    </p:set>
+                                    <p:animEffect transition="in" filter="fade">
+                                      <p:cBhvr>
+                                        <p:cTn id="15" dur="500"/>
+                                        <p:tgtEl>
+                                          <p:spTgt spid="5"/>
+                                        </p:tgtEl>
+                                      </p:cBhvr>
+                                    </p:animEffect>
+                                  </p:childTnLst>
+                                </p:cTn>
+                              </p:par>
+                              <p:par>
+                                <p:cTn id="16" presetID="10" presetClass="entr" presetSubtype="0" fill="hold" nodeType="withEffect">
+                                  <p:stCondLst>
+                                    <p:cond delay="0"/>
+                                  </p:stCondLst>
+                                  <p:childTnLst>
+                                    <p:set>
+                                      <p:cBhvr>
+                                        <p:cTn id="17" dur="1" fill="hold">
+                                          <p:stCondLst>
+                                            <p:cond delay="0"/>
+                                          </p:stCondLst>
+                                        </p:cTn>
+                                        <p:tgtEl>
+                                          <p:spTgt spid="1026"/>
+                                        </p:tgtEl>
+                                        <p:attrNameLst>
+                                          <p:attrName>style.visibility</p:attrName>
+                                        </p:attrNameLst>
+                                      </p:cBhvr>
+                                      <p:to>
+                                        <p:strVal val="visible"/>
+                                      </p:to>
+                                    </p:set>
+                                    <p:animEffect transition="in" filter="fade">
+                                      <p:cBhvr>
+                                        <p:cTn id="18" dur="500"/>
+                                        <p:tgtEl>
+                                          <p:spTgt spid="1026"/>
+                                        </p:tgtEl>
+                                      </p:cBhvr>
+                                    </p:animEffect>
+                                  </p:childTnLst>
+                                </p:cTn>
+                              </p:par>
+                            </p:childTnLst>
+                          </p:cTn>
+                        </p:par>
+                      </p:childTnLst>
+                    </p:cTn>
+                  </p:par>
+                  <p:par>
+                    <p:cTn id="19" fill="hold">
+                      <p:stCondLst>
+                        <p:cond delay="indefinite"/>
+                      </p:stCondLst>
+                      <p:childTnLst>
+                        <p:par>
+                          <p:cTn id="20" fill="hold">
+                            <p:stCondLst>
+                              <p:cond delay="0"/>
+                            </p:stCondLst>
+                            <p:childTnLst>
+                              <p:par>
+                                <p:cTn id="21" presetID="10" presetClass="entr" presetSubtype="0" fill="hold" grpId="0" nodeType="clickEffect">
+                                  <p:stCondLst>
+                                    <p:cond delay="0"/>
+                                  </p:stCondLst>
+                                  <p:childTnLst>
+                                    <p:set>
+                                      <p:cBhvr>
+                                        <p:cTn id="22" dur="1" fill="hold">
+                                          <p:stCondLst>
+                                            <p:cond delay="0"/>
+                                          </p:stCondLst>
+                                        </p:cTn>
+                                        <p:tgtEl>
+                                          <p:spTgt spid="3">
+                                            <p:txEl>
+                                              <p:pRg st="0" end="0"/>
+                                            </p:txEl>
+                                          </p:spTgt>
+                                        </p:tgtEl>
+                                        <p:attrNameLst>
+                                          <p:attrName>style.visibility</p:attrName>
+                                        </p:attrNameLst>
+                                      </p:cBhvr>
+                                      <p:to>
+                                        <p:strVal val="visible"/>
+                                      </p:to>
+                                    </p:set>
+                                    <p:animEffect transition="in" filter="fade">
+                                      <p:cBhvr>
+                                        <p:cTn id="23" dur="500"/>
+                                        <p:tgtEl>
+                                          <p:spTgt spid="3">
+                                            <p:txEl>
+                                              <p:pRg st="0" end="0"/>
+                                            </p:txEl>
+                                          </p:spTgt>
+                                        </p:tgtEl>
+                                      </p:cBhvr>
+                                    </p:animEffect>
+                                  </p:childTnLst>
+                                </p:cTn>
+                              </p:par>
+                              <p:par>
+                                <p:cTn id="24" presetID="10" presetClass="entr" presetSubtype="0" fill="hold" nodeType="withEffect">
+                                  <p:stCondLst>
+                                    <p:cond delay="0"/>
+                                  </p:stCondLst>
+                                  <p:childTnLst>
+                                    <p:set>
+                                      <p:cBhvr>
+                                        <p:cTn id="25" dur="1" fill="hold">
+                                          <p:stCondLst>
+                                            <p:cond delay="0"/>
+                                          </p:stCondLst>
+                                        </p:cTn>
+                                        <p:tgtEl>
+                                          <p:spTgt spid="1028"/>
+                                        </p:tgtEl>
+                                        <p:attrNameLst>
+                                          <p:attrName>style.visibility</p:attrName>
+                                        </p:attrNameLst>
+                                      </p:cBhvr>
+                                      <p:to>
+                                        <p:strVal val="visible"/>
+                                      </p:to>
+                                    </p:set>
+                                    <p:animEffect transition="in" filter="fade">
+                                      <p:cBhvr>
+                                        <p:cTn id="26" dur="500"/>
+                                        <p:tgtEl>
+                                          <p:spTgt spid="1028"/>
+                                        </p:tgtEl>
+                                      </p:cBhvr>
+                                    </p:animEffect>
+                                  </p:childTnLst>
+                                </p:cTn>
+                              </p:par>
+                            </p:childTnLst>
+                          </p:cTn>
+                        </p:par>
+                      </p:childTnLst>
+                    </p:cTn>
+                  </p:par>
+                </p:childTnLst>
+              </p:cTn>
+              <p:prevCondLst>
+                <p:cond evt="onPrev" delay="0">
+                  <p:tgtEl>
+                    <p:sldTgt/>
+                  </p:tgtEl>
+                </p:cond>
+              </p:prevCondLst>
+              <p:nextCondLst>
+                <p:cond evt="onNext" delay="0">
+                  <p:tgtEl>
+                    <p:sldTgt/>
+                  </p:tgtEl>
+                </p:cond>
+              </p:nextCondLst>
+            </p:seq>
+          </p:childTnLst>
+        </p:cTn>
+      </p:par>
+    </p:tnLst>
+    <p:bldLst>
+      <p:bldP spid="3" grpId="0" build="p"/>
+      <p:bldP spid="4" grpId="0"/>
+      <p:bldP spid="5" grpId="0"/>
+    </p:bldLst>
+  </p:timing>
 </p:sld>
 </file>
 
@@ -10284,6 +11313,53 @@
           </a:p>
         </p:txBody>
       </p:sp>
+      <p:pic>
+        <p:nvPicPr>
+          <p:cNvPr id="3" name="Picture 2" descr="Adobe Photoshop – Wikipedia">
+            <a:extLst>
+              <a:ext uri="{FF2B5EF4-FFF2-40B4-BE49-F238E27FC236}">
+                <a16:creationId xmlns:a16="http://schemas.microsoft.com/office/drawing/2014/main" id="{5EFD3F0E-E17D-202B-A44E-1E5809F75CB1}"/>
+              </a:ext>
+            </a:extLst>
+          </p:cNvPr>
+          <p:cNvPicPr>
+            <a:picLocks noChangeAspect="1" noChangeArrowheads="1"/>
+          </p:cNvPicPr>
+          <p:nvPr/>
+        </p:nvPicPr>
+        <p:blipFill>
+          <a:blip r:embed="rId4">
+            <a:extLst>
+              <a:ext uri="{28A0092B-C50C-407E-A947-70E740481C1C}">
+                <a14:useLocalDpi xmlns:a14="http://schemas.microsoft.com/office/drawing/2010/main" val="0"/>
+              </a:ext>
+            </a:extLst>
+          </a:blip>
+          <a:srcRect/>
+          <a:stretch>
+            <a:fillRect/>
+          </a:stretch>
+        </p:blipFill>
+        <p:spPr bwMode="auto">
+          <a:xfrm>
+            <a:off x="7563390" y="2509205"/>
+            <a:ext cx="1005575" cy="983426"/>
+          </a:xfrm>
+          <a:prstGeom prst="rect">
+            <a:avLst/>
+          </a:prstGeom>
+          <a:noFill/>
+          <a:extLst>
+            <a:ext uri="{909E8E84-426E-40DD-AFC4-6F175D3DCCD1}">
+              <a14:hiddenFill xmlns:a14="http://schemas.microsoft.com/office/drawing/2010/main">
+                <a:solidFill>
+                  <a:srgbClr val="FFFFFF"/>
+                </a:solidFill>
+              </a14:hiddenFill>
+            </a:ext>
+          </a:extLst>
+        </p:spPr>
+      </p:pic>
     </p:spTree>
     <p:extLst>
       <p:ext uri="{BB962C8B-B14F-4D97-AF65-F5344CB8AC3E}">
